--- a/diapo/CPL.pptx
+++ b/diapo/CPL.pptx
@@ -5,7 +5,7 @@
     <p:sldMasterId id="2147483660" r:id="rId1"/>
   </p:sldMasterIdLst>
   <p:notesMasterIdLst>
-    <p:notesMasterId r:id="rId26"/>
+    <p:notesMasterId r:id="rId21"/>
   </p:notesMasterIdLst>
   <p:sldIdLst>
     <p:sldId id="256" r:id="rId2"/>
@@ -14,24 +14,19 @@
     <p:sldId id="258" r:id="rId5"/>
     <p:sldId id="290" r:id="rId6"/>
     <p:sldId id="286" r:id="rId7"/>
-    <p:sldId id="298" r:id="rId8"/>
-    <p:sldId id="292" r:id="rId9"/>
-    <p:sldId id="308" r:id="rId10"/>
-    <p:sldId id="265" r:id="rId11"/>
-    <p:sldId id="301" r:id="rId12"/>
-    <p:sldId id="304" r:id="rId13"/>
-    <p:sldId id="305" r:id="rId14"/>
-    <p:sldId id="306" r:id="rId15"/>
-    <p:sldId id="307" r:id="rId16"/>
-    <p:sldId id="303" r:id="rId17"/>
-    <p:sldId id="299" r:id="rId18"/>
-    <p:sldId id="267" r:id="rId19"/>
-    <p:sldId id="268" r:id="rId20"/>
-    <p:sldId id="277" r:id="rId21"/>
-    <p:sldId id="263" r:id="rId22"/>
-    <p:sldId id="297" r:id="rId23"/>
-    <p:sldId id="295" r:id="rId24"/>
-    <p:sldId id="296" r:id="rId25"/>
+    <p:sldId id="292" r:id="rId8"/>
+    <p:sldId id="308" r:id="rId9"/>
+    <p:sldId id="265" r:id="rId10"/>
+    <p:sldId id="301" r:id="rId11"/>
+    <p:sldId id="304" r:id="rId12"/>
+    <p:sldId id="305" r:id="rId13"/>
+    <p:sldId id="306" r:id="rId14"/>
+    <p:sldId id="307" r:id="rId15"/>
+    <p:sldId id="303" r:id="rId16"/>
+    <p:sldId id="299" r:id="rId17"/>
+    <p:sldId id="267" r:id="rId18"/>
+    <p:sldId id="268" r:id="rId19"/>
+    <p:sldId id="277" r:id="rId20"/>
   </p:sldIdLst>
   <p:sldSz cx="9144000" cy="6858000" type="screen4x3"/>
   <p:notesSz cx="6858000" cy="9144000"/>
@@ -149,7 +144,6 @@
             <p14:sldId id="258"/>
             <p14:sldId id="290"/>
             <p14:sldId id="286"/>
-            <p14:sldId id="298"/>
             <p14:sldId id="292"/>
             <p14:sldId id="308"/>
           </p14:sldIdLst>
@@ -179,10 +173,6 @@
         <p14:section name="Filtre" id="{C6F6F06D-63FC-4F0E-9281-F44B9CF8F8A7}">
           <p14:sldIdLst>
             <p14:sldId id="277"/>
-            <p14:sldId id="263"/>
-            <p14:sldId id="297"/>
-            <p14:sldId id="295"/>
-            <p14:sldId id="296"/>
           </p14:sldIdLst>
         </p14:section>
       </p14:sectionLst>
@@ -3180,753 +3170,6 @@
 </file>
 
 <file path=ppt/diagrams/colors5.xml><?xml version="1.0" encoding="utf-8"?>
-<dgm:colorsDef xmlns:dgm="http://schemas.openxmlformats.org/drawingml/2006/diagram" xmlns:a="http://schemas.openxmlformats.org/drawingml/2006/main" uniqueId="urn:microsoft.com/office/officeart/2005/8/colors/accent1_2">
-  <dgm:title val=""/>
-  <dgm:desc val=""/>
-  <dgm:catLst>
-    <dgm:cat type="accent1" pri="11200"/>
-  </dgm:catLst>
-  <dgm:styleLbl name="node0">
-    <dgm:fillClrLst meth="repeat">
-      <a:schemeClr val="accent1"/>
-    </dgm:fillClrLst>
-    <dgm:linClrLst meth="repeat">
-      <a:schemeClr val="lt1"/>
-    </dgm:linClrLst>
-    <dgm:effectClrLst/>
-    <dgm:txLinClrLst/>
-    <dgm:txFillClrLst/>
-    <dgm:txEffectClrLst/>
-  </dgm:styleLbl>
-  <dgm:styleLbl name="alignNode1">
-    <dgm:fillClrLst meth="repeat">
-      <a:schemeClr val="accent1"/>
-    </dgm:fillClrLst>
-    <dgm:linClrLst meth="repeat">
-      <a:schemeClr val="accent1"/>
-    </dgm:linClrLst>
-    <dgm:effectClrLst/>
-    <dgm:txLinClrLst/>
-    <dgm:txFillClrLst/>
-    <dgm:txEffectClrLst/>
-  </dgm:styleLbl>
-  <dgm:styleLbl name="node1">
-    <dgm:fillClrLst meth="repeat">
-      <a:schemeClr val="accent1"/>
-    </dgm:fillClrLst>
-    <dgm:linClrLst meth="repeat">
-      <a:schemeClr val="lt1"/>
-    </dgm:linClrLst>
-    <dgm:effectClrLst/>
-    <dgm:txLinClrLst/>
-    <dgm:txFillClrLst/>
-    <dgm:txEffectClrLst/>
-  </dgm:styleLbl>
-  <dgm:styleLbl name="lnNode1">
-    <dgm:fillClrLst meth="repeat">
-      <a:schemeClr val="accent1"/>
-    </dgm:fillClrLst>
-    <dgm:linClrLst meth="repeat">
-      <a:schemeClr val="lt1"/>
-    </dgm:linClrLst>
-    <dgm:effectClrLst/>
-    <dgm:txLinClrLst/>
-    <dgm:txFillClrLst/>
-    <dgm:txEffectClrLst/>
-  </dgm:styleLbl>
-  <dgm:styleLbl name="vennNode1">
-    <dgm:fillClrLst meth="repeat">
-      <a:schemeClr val="accent1">
-        <a:alpha val="50000"/>
-      </a:schemeClr>
-    </dgm:fillClrLst>
-    <dgm:linClrLst meth="repeat">
-      <a:schemeClr val="lt1"/>
-    </dgm:linClrLst>
-    <dgm:effectClrLst/>
-    <dgm:txLinClrLst/>
-    <dgm:txFillClrLst/>
-    <dgm:txEffectClrLst/>
-  </dgm:styleLbl>
-  <dgm:styleLbl name="node2">
-    <dgm:fillClrLst meth="repeat">
-      <a:schemeClr val="accent1"/>
-    </dgm:fillClrLst>
-    <dgm:linClrLst meth="repeat">
-      <a:schemeClr val="lt1"/>
-    </dgm:linClrLst>
-    <dgm:effectClrLst/>
-    <dgm:txLinClrLst/>
-    <dgm:txFillClrLst/>
-    <dgm:txEffectClrLst/>
-  </dgm:styleLbl>
-  <dgm:styleLbl name="node3">
-    <dgm:fillClrLst meth="repeat">
-      <a:schemeClr val="accent1"/>
-    </dgm:fillClrLst>
-    <dgm:linClrLst meth="repeat">
-      <a:schemeClr val="lt1"/>
-    </dgm:linClrLst>
-    <dgm:effectClrLst/>
-    <dgm:txLinClrLst/>
-    <dgm:txFillClrLst/>
-    <dgm:txEffectClrLst/>
-  </dgm:styleLbl>
-  <dgm:styleLbl name="node4">
-    <dgm:fillClrLst meth="repeat">
-      <a:schemeClr val="accent1"/>
-    </dgm:fillClrLst>
-    <dgm:linClrLst meth="repeat">
-      <a:schemeClr val="lt1"/>
-    </dgm:linClrLst>
-    <dgm:effectClrLst/>
-    <dgm:txLinClrLst/>
-    <dgm:txFillClrLst/>
-    <dgm:txEffectClrLst/>
-  </dgm:styleLbl>
-  <dgm:styleLbl name="fgImgPlace1">
-    <dgm:fillClrLst meth="repeat">
-      <a:schemeClr val="accent1">
-        <a:tint val="50000"/>
-      </a:schemeClr>
-    </dgm:fillClrLst>
-    <dgm:linClrLst meth="repeat">
-      <a:schemeClr val="lt1"/>
-    </dgm:linClrLst>
-    <dgm:effectClrLst/>
-    <dgm:txLinClrLst/>
-    <dgm:txFillClrLst meth="repeat">
-      <a:schemeClr val="lt1"/>
-    </dgm:txFillClrLst>
-    <dgm:txEffectClrLst/>
-  </dgm:styleLbl>
-  <dgm:styleLbl name="alignImgPlace1">
-    <dgm:fillClrLst meth="repeat">
-      <a:schemeClr val="accent1">
-        <a:tint val="50000"/>
-      </a:schemeClr>
-    </dgm:fillClrLst>
-    <dgm:linClrLst meth="repeat">
-      <a:schemeClr val="lt1"/>
-    </dgm:linClrLst>
-    <dgm:effectClrLst/>
-    <dgm:txLinClrLst/>
-    <dgm:txFillClrLst meth="repeat">
-      <a:schemeClr val="lt1"/>
-    </dgm:txFillClrLst>
-    <dgm:txEffectClrLst/>
-  </dgm:styleLbl>
-  <dgm:styleLbl name="bgImgPlace1">
-    <dgm:fillClrLst meth="repeat">
-      <a:schemeClr val="accent1">
-        <a:tint val="50000"/>
-      </a:schemeClr>
-    </dgm:fillClrLst>
-    <dgm:linClrLst meth="repeat">
-      <a:schemeClr val="lt1"/>
-    </dgm:linClrLst>
-    <dgm:effectClrLst/>
-    <dgm:txLinClrLst/>
-    <dgm:txFillClrLst meth="repeat">
-      <a:schemeClr val="lt1"/>
-    </dgm:txFillClrLst>
-    <dgm:txEffectClrLst/>
-  </dgm:styleLbl>
-  <dgm:styleLbl name="sibTrans2D1">
-    <dgm:fillClrLst meth="repeat">
-      <a:schemeClr val="accent1">
-        <a:tint val="60000"/>
-      </a:schemeClr>
-    </dgm:fillClrLst>
-    <dgm:linClrLst meth="repeat">
-      <a:schemeClr val="accent1">
-        <a:tint val="60000"/>
-      </a:schemeClr>
-    </dgm:linClrLst>
-    <dgm:effectClrLst/>
-    <dgm:txLinClrLst/>
-    <dgm:txFillClrLst/>
-    <dgm:txEffectClrLst/>
-  </dgm:styleLbl>
-  <dgm:styleLbl name="fgSibTrans2D1">
-    <dgm:fillClrLst meth="repeat">
-      <a:schemeClr val="accent1">
-        <a:tint val="60000"/>
-      </a:schemeClr>
-    </dgm:fillClrLst>
-    <dgm:linClrLst meth="repeat">
-      <a:schemeClr val="accent1">
-        <a:tint val="60000"/>
-      </a:schemeClr>
-    </dgm:linClrLst>
-    <dgm:effectClrLst/>
-    <dgm:txLinClrLst/>
-    <dgm:txFillClrLst/>
-    <dgm:txEffectClrLst/>
-  </dgm:styleLbl>
-  <dgm:styleLbl name="bgSibTrans2D1">
-    <dgm:fillClrLst meth="repeat">
-      <a:schemeClr val="accent1">
-        <a:tint val="60000"/>
-      </a:schemeClr>
-    </dgm:fillClrLst>
-    <dgm:linClrLst meth="repeat">
-      <a:schemeClr val="accent1">
-        <a:tint val="60000"/>
-      </a:schemeClr>
-    </dgm:linClrLst>
-    <dgm:effectClrLst/>
-    <dgm:txLinClrLst/>
-    <dgm:txFillClrLst/>
-    <dgm:txEffectClrLst/>
-  </dgm:styleLbl>
-  <dgm:styleLbl name="sibTrans1D1">
-    <dgm:fillClrLst meth="repeat">
-      <a:schemeClr val="accent1"/>
-    </dgm:fillClrLst>
-    <dgm:linClrLst meth="repeat">
-      <a:schemeClr val="accent1"/>
-    </dgm:linClrLst>
-    <dgm:effectClrLst/>
-    <dgm:txLinClrLst/>
-    <dgm:txFillClrLst meth="repeat">
-      <a:schemeClr val="tx1"/>
-    </dgm:txFillClrLst>
-    <dgm:txEffectClrLst/>
-  </dgm:styleLbl>
-  <dgm:styleLbl name="callout">
-    <dgm:fillClrLst meth="repeat">
-      <a:schemeClr val="accent1"/>
-    </dgm:fillClrLst>
-    <dgm:linClrLst meth="repeat">
-      <a:schemeClr val="accent1">
-        <a:tint val="50000"/>
-      </a:schemeClr>
-    </dgm:linClrLst>
-    <dgm:effectClrLst/>
-    <dgm:txLinClrLst/>
-    <dgm:txFillClrLst meth="repeat">
-      <a:schemeClr val="tx1"/>
-    </dgm:txFillClrLst>
-    <dgm:txEffectClrLst/>
-  </dgm:styleLbl>
-  <dgm:styleLbl name="asst0">
-    <dgm:fillClrLst meth="repeat">
-      <a:schemeClr val="accent1"/>
-    </dgm:fillClrLst>
-    <dgm:linClrLst meth="repeat">
-      <a:schemeClr val="lt1"/>
-    </dgm:linClrLst>
-    <dgm:effectClrLst/>
-    <dgm:txLinClrLst/>
-    <dgm:txFillClrLst/>
-    <dgm:txEffectClrLst/>
-  </dgm:styleLbl>
-  <dgm:styleLbl name="asst1">
-    <dgm:fillClrLst meth="repeat">
-      <a:schemeClr val="accent1"/>
-    </dgm:fillClrLst>
-    <dgm:linClrLst meth="repeat">
-      <a:schemeClr val="lt1"/>
-    </dgm:linClrLst>
-    <dgm:effectClrLst/>
-    <dgm:txLinClrLst/>
-    <dgm:txFillClrLst/>
-    <dgm:txEffectClrLst/>
-  </dgm:styleLbl>
-  <dgm:styleLbl name="asst2">
-    <dgm:fillClrLst meth="repeat">
-      <a:schemeClr val="accent1"/>
-    </dgm:fillClrLst>
-    <dgm:linClrLst meth="repeat">
-      <a:schemeClr val="lt1"/>
-    </dgm:linClrLst>
-    <dgm:effectClrLst/>
-    <dgm:txLinClrLst/>
-    <dgm:txFillClrLst/>
-    <dgm:txEffectClrLst/>
-  </dgm:styleLbl>
-  <dgm:styleLbl name="asst3">
-    <dgm:fillClrLst meth="repeat">
-      <a:schemeClr val="accent1"/>
-    </dgm:fillClrLst>
-    <dgm:linClrLst meth="repeat">
-      <a:schemeClr val="lt1"/>
-    </dgm:linClrLst>
-    <dgm:effectClrLst/>
-    <dgm:txLinClrLst/>
-    <dgm:txFillClrLst/>
-    <dgm:txEffectClrLst/>
-  </dgm:styleLbl>
-  <dgm:styleLbl name="asst4">
-    <dgm:fillClrLst meth="repeat">
-      <a:schemeClr val="accent1"/>
-    </dgm:fillClrLst>
-    <dgm:linClrLst meth="repeat">
-      <a:schemeClr val="lt1"/>
-    </dgm:linClrLst>
-    <dgm:effectClrLst/>
-    <dgm:txLinClrLst/>
-    <dgm:txFillClrLst/>
-    <dgm:txEffectClrLst/>
-  </dgm:styleLbl>
-  <dgm:styleLbl name="parChTrans2D1">
-    <dgm:fillClrLst meth="repeat">
-      <a:schemeClr val="accent1">
-        <a:tint val="60000"/>
-      </a:schemeClr>
-    </dgm:fillClrLst>
-    <dgm:linClrLst meth="repeat">
-      <a:schemeClr val="accent1">
-        <a:tint val="60000"/>
-      </a:schemeClr>
-    </dgm:linClrLst>
-    <dgm:effectClrLst/>
-    <dgm:txLinClrLst/>
-    <dgm:txFillClrLst meth="repeat">
-      <a:schemeClr val="lt1"/>
-    </dgm:txFillClrLst>
-    <dgm:txEffectClrLst/>
-  </dgm:styleLbl>
-  <dgm:styleLbl name="parChTrans2D2">
-    <dgm:fillClrLst meth="repeat">
-      <a:schemeClr val="accent1"/>
-    </dgm:fillClrLst>
-    <dgm:linClrLst meth="repeat">
-      <a:schemeClr val="accent1"/>
-    </dgm:linClrLst>
-    <dgm:effectClrLst/>
-    <dgm:txLinClrLst/>
-    <dgm:txFillClrLst meth="repeat">
-      <a:schemeClr val="lt1"/>
-    </dgm:txFillClrLst>
-    <dgm:txEffectClrLst/>
-  </dgm:styleLbl>
-  <dgm:styleLbl name="parChTrans2D3">
-    <dgm:fillClrLst meth="repeat">
-      <a:schemeClr val="accent1"/>
-    </dgm:fillClrLst>
-    <dgm:linClrLst meth="repeat">
-      <a:schemeClr val="accent1"/>
-    </dgm:linClrLst>
-    <dgm:effectClrLst/>
-    <dgm:txLinClrLst/>
-    <dgm:txFillClrLst meth="repeat">
-      <a:schemeClr val="lt1"/>
-    </dgm:txFillClrLst>
-    <dgm:txEffectClrLst/>
-  </dgm:styleLbl>
-  <dgm:styleLbl name="parChTrans2D4">
-    <dgm:fillClrLst meth="repeat">
-      <a:schemeClr val="accent1"/>
-    </dgm:fillClrLst>
-    <dgm:linClrLst meth="repeat">
-      <a:schemeClr val="accent1"/>
-    </dgm:linClrLst>
-    <dgm:effectClrLst/>
-    <dgm:txLinClrLst/>
-    <dgm:txFillClrLst meth="repeat">
-      <a:schemeClr val="lt1"/>
-    </dgm:txFillClrLst>
-    <dgm:txEffectClrLst/>
-  </dgm:styleLbl>
-  <dgm:styleLbl name="parChTrans1D1">
-    <dgm:fillClrLst meth="repeat">
-      <a:schemeClr val="accent1"/>
-    </dgm:fillClrLst>
-    <dgm:linClrLst meth="repeat">
-      <a:schemeClr val="accent1">
-        <a:shade val="60000"/>
-      </a:schemeClr>
-    </dgm:linClrLst>
-    <dgm:effectClrLst/>
-    <dgm:txLinClrLst/>
-    <dgm:txFillClrLst meth="repeat">
-      <a:schemeClr val="tx1"/>
-    </dgm:txFillClrLst>
-    <dgm:txEffectClrLst/>
-  </dgm:styleLbl>
-  <dgm:styleLbl name="parChTrans1D2">
-    <dgm:fillClrLst meth="repeat">
-      <a:schemeClr val="accent1"/>
-    </dgm:fillClrLst>
-    <dgm:linClrLst meth="repeat">
-      <a:schemeClr val="accent1">
-        <a:shade val="60000"/>
-      </a:schemeClr>
-    </dgm:linClrLst>
-    <dgm:effectClrLst/>
-    <dgm:txLinClrLst/>
-    <dgm:txFillClrLst meth="repeat">
-      <a:schemeClr val="tx1"/>
-    </dgm:txFillClrLst>
-    <dgm:txEffectClrLst/>
-  </dgm:styleLbl>
-  <dgm:styleLbl name="parChTrans1D3">
-    <dgm:fillClrLst meth="repeat">
-      <a:schemeClr val="accent1"/>
-    </dgm:fillClrLst>
-    <dgm:linClrLst meth="repeat">
-      <a:schemeClr val="accent1">
-        <a:shade val="80000"/>
-      </a:schemeClr>
-    </dgm:linClrLst>
-    <dgm:effectClrLst/>
-    <dgm:txLinClrLst/>
-    <dgm:txFillClrLst meth="repeat">
-      <a:schemeClr val="tx1"/>
-    </dgm:txFillClrLst>
-    <dgm:txEffectClrLst/>
-  </dgm:styleLbl>
-  <dgm:styleLbl name="parChTrans1D4">
-    <dgm:fillClrLst meth="repeat">
-      <a:schemeClr val="accent1"/>
-    </dgm:fillClrLst>
-    <dgm:linClrLst meth="repeat">
-      <a:schemeClr val="accent1">
-        <a:shade val="80000"/>
-      </a:schemeClr>
-    </dgm:linClrLst>
-    <dgm:effectClrLst/>
-    <dgm:txLinClrLst/>
-    <dgm:txFillClrLst meth="repeat">
-      <a:schemeClr val="tx1"/>
-    </dgm:txFillClrLst>
-    <dgm:txEffectClrLst/>
-  </dgm:styleLbl>
-  <dgm:styleLbl name="fgAcc1">
-    <dgm:fillClrLst meth="repeat">
-      <a:schemeClr val="lt1">
-        <a:alpha val="90000"/>
-      </a:schemeClr>
-    </dgm:fillClrLst>
-    <dgm:linClrLst meth="repeat">
-      <a:schemeClr val="accent1"/>
-    </dgm:linClrLst>
-    <dgm:effectClrLst/>
-    <dgm:txLinClrLst/>
-    <dgm:txFillClrLst meth="repeat">
-      <a:schemeClr val="dk1"/>
-    </dgm:txFillClrLst>
-    <dgm:txEffectClrLst/>
-  </dgm:styleLbl>
-  <dgm:styleLbl name="conFgAcc1">
-    <dgm:fillClrLst meth="repeat">
-      <a:schemeClr val="lt1">
-        <a:alpha val="90000"/>
-      </a:schemeClr>
-    </dgm:fillClrLst>
-    <dgm:linClrLst meth="repeat">
-      <a:schemeClr val="accent1"/>
-    </dgm:linClrLst>
-    <dgm:effectClrLst/>
-    <dgm:txLinClrLst/>
-    <dgm:txFillClrLst meth="repeat">
-      <a:schemeClr val="dk1"/>
-    </dgm:txFillClrLst>
-    <dgm:txEffectClrLst/>
-  </dgm:styleLbl>
-  <dgm:styleLbl name="alignAcc1">
-    <dgm:fillClrLst meth="repeat">
-      <a:schemeClr val="lt1">
-        <a:alpha val="90000"/>
-      </a:schemeClr>
-    </dgm:fillClrLst>
-    <dgm:linClrLst meth="repeat">
-      <a:schemeClr val="accent1"/>
-    </dgm:linClrLst>
-    <dgm:effectClrLst/>
-    <dgm:txLinClrLst/>
-    <dgm:txFillClrLst meth="repeat">
-      <a:schemeClr val="dk1"/>
-    </dgm:txFillClrLst>
-    <dgm:txEffectClrLst/>
-  </dgm:styleLbl>
-  <dgm:styleLbl name="trAlignAcc1">
-    <dgm:fillClrLst meth="repeat">
-      <a:schemeClr val="lt1">
-        <a:alpha val="40000"/>
-      </a:schemeClr>
-    </dgm:fillClrLst>
-    <dgm:linClrLst meth="repeat">
-      <a:schemeClr val="accent1"/>
-    </dgm:linClrLst>
-    <dgm:effectClrLst/>
-    <dgm:txLinClrLst/>
-    <dgm:txFillClrLst meth="repeat">
-      <a:schemeClr val="dk1"/>
-    </dgm:txFillClrLst>
-    <dgm:txEffectClrLst/>
-  </dgm:styleLbl>
-  <dgm:styleLbl name="bgAcc1">
-    <dgm:fillClrLst meth="repeat">
-      <a:schemeClr val="lt1">
-        <a:alpha val="90000"/>
-      </a:schemeClr>
-    </dgm:fillClrLst>
-    <dgm:linClrLst meth="repeat">
-      <a:schemeClr val="accent1"/>
-    </dgm:linClrLst>
-    <dgm:effectClrLst/>
-    <dgm:txLinClrLst/>
-    <dgm:txFillClrLst meth="repeat">
-      <a:schemeClr val="dk1"/>
-    </dgm:txFillClrLst>
-    <dgm:txEffectClrLst/>
-  </dgm:styleLbl>
-  <dgm:styleLbl name="solidFgAcc1">
-    <dgm:fillClrLst meth="repeat">
-      <a:schemeClr val="lt1"/>
-    </dgm:fillClrLst>
-    <dgm:linClrLst meth="repeat">
-      <a:schemeClr val="accent1"/>
-    </dgm:linClrLst>
-    <dgm:effectClrLst/>
-    <dgm:txLinClrLst/>
-    <dgm:txFillClrLst meth="repeat">
-      <a:schemeClr val="dk1"/>
-    </dgm:txFillClrLst>
-    <dgm:txEffectClrLst/>
-  </dgm:styleLbl>
-  <dgm:styleLbl name="solidAlignAcc1">
-    <dgm:fillClrLst meth="repeat">
-      <a:schemeClr val="lt1"/>
-    </dgm:fillClrLst>
-    <dgm:linClrLst meth="repeat">
-      <a:schemeClr val="accent1"/>
-    </dgm:linClrLst>
-    <dgm:effectClrLst/>
-    <dgm:txLinClrLst/>
-    <dgm:txFillClrLst meth="repeat">
-      <a:schemeClr val="dk1"/>
-    </dgm:txFillClrLst>
-    <dgm:txEffectClrLst/>
-  </dgm:styleLbl>
-  <dgm:styleLbl name="solidBgAcc1">
-    <dgm:fillClrLst meth="repeat">
-      <a:schemeClr val="lt1"/>
-    </dgm:fillClrLst>
-    <dgm:linClrLst meth="repeat">
-      <a:schemeClr val="accent1"/>
-    </dgm:linClrLst>
-    <dgm:effectClrLst/>
-    <dgm:txLinClrLst/>
-    <dgm:txFillClrLst meth="repeat">
-      <a:schemeClr val="dk1"/>
-    </dgm:txFillClrLst>
-    <dgm:txEffectClrLst/>
-  </dgm:styleLbl>
-  <dgm:styleLbl name="fgAccFollowNode1">
-    <dgm:fillClrLst meth="repeat">
-      <a:schemeClr val="accent1">
-        <a:alpha val="90000"/>
-        <a:tint val="40000"/>
-      </a:schemeClr>
-    </dgm:fillClrLst>
-    <dgm:linClrLst meth="repeat">
-      <a:schemeClr val="accent1">
-        <a:alpha val="90000"/>
-        <a:tint val="40000"/>
-      </a:schemeClr>
-    </dgm:linClrLst>
-    <dgm:effectClrLst/>
-    <dgm:txLinClrLst/>
-    <dgm:txFillClrLst meth="repeat">
-      <a:schemeClr val="dk1"/>
-    </dgm:txFillClrLst>
-    <dgm:txEffectClrLst/>
-  </dgm:styleLbl>
-  <dgm:styleLbl name="alignAccFollowNode1">
-    <dgm:fillClrLst meth="repeat">
-      <a:schemeClr val="accent1">
-        <a:alpha val="90000"/>
-        <a:tint val="40000"/>
-      </a:schemeClr>
-    </dgm:fillClrLst>
-    <dgm:linClrLst meth="repeat">
-      <a:schemeClr val="accent1">
-        <a:alpha val="90000"/>
-        <a:tint val="40000"/>
-      </a:schemeClr>
-    </dgm:linClrLst>
-    <dgm:effectClrLst/>
-    <dgm:txLinClrLst/>
-    <dgm:txFillClrLst meth="repeat">
-      <a:schemeClr val="dk1"/>
-    </dgm:txFillClrLst>
-    <dgm:txEffectClrLst/>
-  </dgm:styleLbl>
-  <dgm:styleLbl name="bgAccFollowNode1">
-    <dgm:fillClrLst meth="repeat">
-      <a:schemeClr val="accent1">
-        <a:alpha val="90000"/>
-        <a:tint val="40000"/>
-      </a:schemeClr>
-    </dgm:fillClrLst>
-    <dgm:linClrLst meth="repeat">
-      <a:schemeClr val="accent1">
-        <a:alpha val="90000"/>
-        <a:tint val="40000"/>
-      </a:schemeClr>
-    </dgm:linClrLst>
-    <dgm:effectClrLst/>
-    <dgm:txLinClrLst/>
-    <dgm:txFillClrLst meth="repeat">
-      <a:schemeClr val="dk1"/>
-    </dgm:txFillClrLst>
-    <dgm:txEffectClrLst/>
-  </dgm:styleLbl>
-  <dgm:styleLbl name="fgAcc0">
-    <dgm:fillClrLst meth="repeat">
-      <a:schemeClr val="lt1">
-        <a:alpha val="90000"/>
-      </a:schemeClr>
-    </dgm:fillClrLst>
-    <dgm:linClrLst meth="repeat">
-      <a:schemeClr val="accent1"/>
-    </dgm:linClrLst>
-    <dgm:effectClrLst/>
-    <dgm:txLinClrLst/>
-    <dgm:txFillClrLst meth="repeat">
-      <a:schemeClr val="dk1"/>
-    </dgm:txFillClrLst>
-    <dgm:txEffectClrLst/>
-  </dgm:styleLbl>
-  <dgm:styleLbl name="fgAcc2">
-    <dgm:fillClrLst meth="repeat">
-      <a:schemeClr val="lt1">
-        <a:alpha val="90000"/>
-      </a:schemeClr>
-    </dgm:fillClrLst>
-    <dgm:linClrLst meth="repeat">
-      <a:schemeClr val="accent1"/>
-    </dgm:linClrLst>
-    <dgm:effectClrLst/>
-    <dgm:txLinClrLst/>
-    <dgm:txFillClrLst meth="repeat">
-      <a:schemeClr val="dk1"/>
-    </dgm:txFillClrLst>
-    <dgm:txEffectClrLst/>
-  </dgm:styleLbl>
-  <dgm:styleLbl name="fgAcc3">
-    <dgm:fillClrLst meth="repeat">
-      <a:schemeClr val="lt1">
-        <a:alpha val="90000"/>
-      </a:schemeClr>
-    </dgm:fillClrLst>
-    <dgm:linClrLst meth="repeat">
-      <a:schemeClr val="accent1"/>
-    </dgm:linClrLst>
-    <dgm:effectClrLst/>
-    <dgm:txLinClrLst/>
-    <dgm:txFillClrLst meth="repeat">
-      <a:schemeClr val="dk1"/>
-    </dgm:txFillClrLst>
-    <dgm:txEffectClrLst/>
-  </dgm:styleLbl>
-  <dgm:styleLbl name="fgAcc4">
-    <dgm:fillClrLst meth="repeat">
-      <a:schemeClr val="lt1">
-        <a:alpha val="90000"/>
-      </a:schemeClr>
-    </dgm:fillClrLst>
-    <dgm:linClrLst meth="repeat">
-      <a:schemeClr val="accent1"/>
-    </dgm:linClrLst>
-    <dgm:effectClrLst/>
-    <dgm:txLinClrLst/>
-    <dgm:txFillClrLst meth="repeat">
-      <a:schemeClr val="dk1"/>
-    </dgm:txFillClrLst>
-    <dgm:txEffectClrLst/>
-  </dgm:styleLbl>
-  <dgm:styleLbl name="bgShp">
-    <dgm:fillClrLst meth="repeat">
-      <a:schemeClr val="accent1">
-        <a:tint val="40000"/>
-      </a:schemeClr>
-    </dgm:fillClrLst>
-    <dgm:linClrLst meth="repeat">
-      <a:schemeClr val="accent1"/>
-    </dgm:linClrLst>
-    <dgm:effectClrLst/>
-    <dgm:txLinClrLst/>
-    <dgm:txFillClrLst meth="repeat">
-      <a:schemeClr val="dk1"/>
-    </dgm:txFillClrLst>
-    <dgm:txEffectClrLst/>
-  </dgm:styleLbl>
-  <dgm:styleLbl name="dkBgShp">
-    <dgm:fillClrLst meth="repeat">
-      <a:schemeClr val="accent1">
-        <a:shade val="80000"/>
-      </a:schemeClr>
-    </dgm:fillClrLst>
-    <dgm:linClrLst meth="repeat">
-      <a:schemeClr val="accent1"/>
-    </dgm:linClrLst>
-    <dgm:effectClrLst/>
-    <dgm:txLinClrLst/>
-    <dgm:txFillClrLst meth="repeat">
-      <a:schemeClr val="lt1"/>
-    </dgm:txFillClrLst>
-    <dgm:txEffectClrLst/>
-  </dgm:styleLbl>
-  <dgm:styleLbl name="trBgShp">
-    <dgm:fillClrLst meth="repeat">
-      <a:schemeClr val="accent1">
-        <a:tint val="50000"/>
-        <a:alpha val="40000"/>
-      </a:schemeClr>
-    </dgm:fillClrLst>
-    <dgm:linClrLst meth="repeat">
-      <a:schemeClr val="accent1"/>
-    </dgm:linClrLst>
-    <dgm:effectClrLst/>
-    <dgm:txLinClrLst/>
-    <dgm:txFillClrLst meth="repeat">
-      <a:schemeClr val="lt1"/>
-    </dgm:txFillClrLst>
-    <dgm:txEffectClrLst/>
-  </dgm:styleLbl>
-  <dgm:styleLbl name="fgShp">
-    <dgm:fillClrLst meth="repeat">
-      <a:schemeClr val="accent1">
-        <a:tint val="60000"/>
-      </a:schemeClr>
-    </dgm:fillClrLst>
-    <dgm:linClrLst meth="repeat">
-      <a:schemeClr val="lt1"/>
-    </dgm:linClrLst>
-    <dgm:effectClrLst/>
-    <dgm:txLinClrLst/>
-    <dgm:txFillClrLst meth="repeat">
-      <a:schemeClr val="dk1"/>
-    </dgm:txFillClrLst>
-    <dgm:txEffectClrLst/>
-  </dgm:styleLbl>
-  <dgm:styleLbl name="revTx">
-    <dgm:fillClrLst meth="repeat">
-      <a:schemeClr val="lt1">
-        <a:alpha val="0"/>
-      </a:schemeClr>
-    </dgm:fillClrLst>
-    <dgm:linClrLst meth="repeat">
-      <a:schemeClr val="dk1">
-        <a:alpha val="0"/>
-      </a:schemeClr>
-    </dgm:linClrLst>
-    <dgm:effectClrLst/>
-    <dgm:txLinClrLst/>
-    <dgm:txFillClrLst meth="repeat">
-      <a:schemeClr val="tx1"/>
-    </dgm:txFillClrLst>
-    <dgm:txEffectClrLst/>
-  </dgm:styleLbl>
-</dgm:colorsDef>
-</file>
-
-<file path=ppt/diagrams/colors6.xml><?xml version="1.0" encoding="utf-8"?>
 <dgm:colorsDef xmlns:dgm="http://schemas.openxmlformats.org/drawingml/2006/diagram" xmlns:a="http://schemas.openxmlformats.org/drawingml/2006/main" uniqueId="urn:microsoft.com/office/officeart/2005/8/colors/accent1_2">
   <dgm:title val=""/>
   <dgm:desc val=""/>
@@ -4937,8 +4180,8 @@
   <dgm:cxnLst>
     <dgm:cxn modelId="{199DC88E-6AE7-49CD-A6C6-4B5D62EAAD19}" srcId="{BF09B148-C0DD-4AFC-B4CC-843E561564E2}" destId="{747DFC8F-9D7F-4BC7-9BBB-09BE35F175E5}" srcOrd="1" destOrd="0" parTransId="{1B500D91-22D3-4065-A8B3-DD9D689FB21A}" sibTransId="{D48D2D33-C541-4075-BE8F-BF291A7A4BC7}"/>
     <dgm:cxn modelId="{F875FE47-B96E-4466-A881-1F094D5839D4}" srcId="{BF09B148-C0DD-4AFC-B4CC-843E561564E2}" destId="{9F16C795-E285-4FC2-B296-E28ED6156608}" srcOrd="2" destOrd="0" parTransId="{9ECC7953-8880-4B02-8980-5D0CD5CF276A}" sibTransId="{31FE319C-6AA6-4146-885C-139E15360B7E}"/>
+    <dgm:cxn modelId="{9AB2E88A-99A5-4F37-91C9-8F6F5CD5D788}" srcId="{BF09B148-C0DD-4AFC-B4CC-843E561564E2}" destId="{939DC333-85A3-4AEF-8CC8-582604EBA647}" srcOrd="0" destOrd="0" parTransId="{25DC1194-F99D-4476-BC6B-95CD78F6C400}" sibTransId="{9252C17D-735C-4928-B0C5-E532E35D2850}"/>
     <dgm:cxn modelId="{936FD28F-D6BD-464C-865F-CBB9CE3C7C7F}" type="presOf" srcId="{9F16C795-E285-4FC2-B296-E28ED6156608}" destId="{02E25B46-9D16-490D-8442-2CB9F46B7693}" srcOrd="0" destOrd="0" presId="urn:microsoft.com/office/officeart/2005/8/layout/chevron1"/>
-    <dgm:cxn modelId="{9AB2E88A-99A5-4F37-91C9-8F6F5CD5D788}" srcId="{BF09B148-C0DD-4AFC-B4CC-843E561564E2}" destId="{939DC333-85A3-4AEF-8CC8-582604EBA647}" srcOrd="0" destOrd="0" parTransId="{25DC1194-F99D-4476-BC6B-95CD78F6C400}" sibTransId="{9252C17D-735C-4928-B0C5-E532E35D2850}"/>
     <dgm:cxn modelId="{16D5C35B-6B02-4604-ADE8-0E9C4994CD32}" type="presOf" srcId="{747DFC8F-9D7F-4BC7-9BBB-09BE35F175E5}" destId="{BDF2A55D-938D-4342-B14A-75C6D1F699D7}" srcOrd="0" destOrd="0" presId="urn:microsoft.com/office/officeart/2005/8/layout/chevron1"/>
     <dgm:cxn modelId="{365DF7FD-82E6-44B5-851C-36FDA80C8617}" type="presOf" srcId="{BF09B148-C0DD-4AFC-B4CC-843E561564E2}" destId="{A3344252-8F40-465E-9ECD-9784B102754C}" srcOrd="0" destOrd="0" presId="urn:microsoft.com/office/officeart/2005/8/layout/chevron1"/>
     <dgm:cxn modelId="{88BAFC47-6198-406B-9DDF-13142C8E783F}" type="presOf" srcId="{939DC333-85A3-4AEF-8CC8-582604EBA647}" destId="{77986956-9C9B-4D32-8B5B-816929D88B45}" srcOrd="0" destOrd="0" presId="urn:microsoft.com/office/officeart/2005/8/layout/chevron1"/>
@@ -5802,292 +5045,6 @@
   </dgm:ptLst>
   <dgm:cxnLst>
     <dgm:cxn modelId="{199DC88E-6AE7-49CD-A6C6-4B5D62EAAD19}" srcId="{BF09B148-C0DD-4AFC-B4CC-843E561564E2}" destId="{747DFC8F-9D7F-4BC7-9BBB-09BE35F175E5}" srcOrd="1" destOrd="0" parTransId="{1B500D91-22D3-4065-A8B3-DD9D689FB21A}" sibTransId="{D48D2D33-C541-4075-BE8F-BF291A7A4BC7}"/>
-    <dgm:cxn modelId="{231C7FA5-31F9-46FE-BE63-99F5E538665D}" type="presOf" srcId="{BF09B148-C0DD-4AFC-B4CC-843E561564E2}" destId="{A3344252-8F40-465E-9ECD-9784B102754C}" srcOrd="0" destOrd="0" presId="urn:microsoft.com/office/officeart/2005/8/layout/chevron1"/>
-    <dgm:cxn modelId="{95D3F000-E730-4DA4-949A-9376C418BD88}" type="presOf" srcId="{939DC333-85A3-4AEF-8CC8-582604EBA647}" destId="{77986956-9C9B-4D32-8B5B-816929D88B45}" srcOrd="0" destOrd="0" presId="urn:microsoft.com/office/officeart/2005/8/layout/chevron1"/>
-    <dgm:cxn modelId="{9AB2E88A-99A5-4F37-91C9-8F6F5CD5D788}" srcId="{BF09B148-C0DD-4AFC-B4CC-843E561564E2}" destId="{939DC333-85A3-4AEF-8CC8-582604EBA647}" srcOrd="0" destOrd="0" parTransId="{25DC1194-F99D-4476-BC6B-95CD78F6C400}" sibTransId="{9252C17D-735C-4928-B0C5-E532E35D2850}"/>
-    <dgm:cxn modelId="{F58CD257-45D7-4F76-A6DD-3371CDFAC503}" type="presOf" srcId="{9F16C795-E285-4FC2-B296-E28ED6156608}" destId="{02E25B46-9D16-490D-8442-2CB9F46B7693}" srcOrd="0" destOrd="0" presId="urn:microsoft.com/office/officeart/2005/8/layout/chevron1"/>
-    <dgm:cxn modelId="{F875FE47-B96E-4466-A881-1F094D5839D4}" srcId="{BF09B148-C0DD-4AFC-B4CC-843E561564E2}" destId="{9F16C795-E285-4FC2-B296-E28ED6156608}" srcOrd="2" destOrd="0" parTransId="{9ECC7953-8880-4B02-8980-5D0CD5CF276A}" sibTransId="{31FE319C-6AA6-4146-885C-139E15360B7E}"/>
-    <dgm:cxn modelId="{104D1E69-6DCE-4367-B92F-8CD12CB58A1D}" type="presOf" srcId="{747DFC8F-9D7F-4BC7-9BBB-09BE35F175E5}" destId="{BDF2A55D-938D-4342-B14A-75C6D1F699D7}" srcOrd="0" destOrd="0" presId="urn:microsoft.com/office/officeart/2005/8/layout/chevron1"/>
-    <dgm:cxn modelId="{4CEA4BA8-4D5F-4549-B26C-AE11BD906455}" type="presParOf" srcId="{A3344252-8F40-465E-9ECD-9784B102754C}" destId="{77986956-9C9B-4D32-8B5B-816929D88B45}" srcOrd="0" destOrd="0" presId="urn:microsoft.com/office/officeart/2005/8/layout/chevron1"/>
-    <dgm:cxn modelId="{E2C23901-E9FA-4019-99F3-AC62F7C93171}" type="presParOf" srcId="{A3344252-8F40-465E-9ECD-9784B102754C}" destId="{B9FA9250-3EC0-4301-8D42-B9DBB2D23C24}" srcOrd="1" destOrd="0" presId="urn:microsoft.com/office/officeart/2005/8/layout/chevron1"/>
-    <dgm:cxn modelId="{A2FDDEDE-803D-48B5-942E-FA5F8279FBCB}" type="presParOf" srcId="{A3344252-8F40-465E-9ECD-9784B102754C}" destId="{BDF2A55D-938D-4342-B14A-75C6D1F699D7}" srcOrd="2" destOrd="0" presId="urn:microsoft.com/office/officeart/2005/8/layout/chevron1"/>
-    <dgm:cxn modelId="{85F403B3-63A6-460C-8453-C2B3B004743E}" type="presParOf" srcId="{A3344252-8F40-465E-9ECD-9784B102754C}" destId="{313E64E7-2DC8-4277-8AA3-4C6BAA2BC191}" srcOrd="3" destOrd="0" presId="urn:microsoft.com/office/officeart/2005/8/layout/chevron1"/>
-    <dgm:cxn modelId="{748DBEE3-F408-47D5-B898-A00C06E7D69C}" type="presParOf" srcId="{A3344252-8F40-465E-9ECD-9784B102754C}" destId="{02E25B46-9D16-490D-8442-2CB9F46B7693}" srcOrd="4" destOrd="0" presId="urn:microsoft.com/office/officeart/2005/8/layout/chevron1"/>
-  </dgm:cxnLst>
-  <dgm:bg/>
-  <dgm:whole/>
-  <dgm:extLst>
-    <a:ext uri="http://schemas.microsoft.com/office/drawing/2008/diagram">
-      <dsp:dataModelExt xmlns:dsp="http://schemas.microsoft.com/office/drawing/2008/diagram" relId="rId7" minVer="http://schemas.openxmlformats.org/drawingml/2006/diagram"/>
-    </a:ext>
-  </dgm:extLst>
-</dgm:dataModel>
-</file>
-
-<file path=ppt/diagrams/data5.xml><?xml version="1.0" encoding="utf-8"?>
-<dgm:dataModel xmlns:dgm="http://schemas.openxmlformats.org/drawingml/2006/diagram" xmlns:a="http://schemas.openxmlformats.org/drawingml/2006/main">
-  <dgm:ptLst>
-    <dgm:pt modelId="{BF09B148-C0DD-4AFC-B4CC-843E561564E2}" type="doc">
-      <dgm:prSet loTypeId="urn:microsoft.com/office/officeart/2005/8/layout/chevron1" loCatId="process" qsTypeId="urn:microsoft.com/office/officeart/2005/8/quickstyle/simple1" qsCatId="simple" csTypeId="urn:microsoft.com/office/officeart/2005/8/colors/accent1_2" csCatId="accent1" phldr="1"/>
-      <dgm:spPr/>
-    </dgm:pt>
-    <dgm:pt modelId="{939DC333-85A3-4AEF-8CC8-582604EBA647}">
-      <dgm:prSet phldrT="[Texte]" custT="1"/>
-      <dgm:spPr>
-        <a:solidFill>
-          <a:schemeClr val="bg2">
-            <a:lumMod val="20000"/>
-            <a:lumOff val="80000"/>
-          </a:schemeClr>
-        </a:solidFill>
-        <a:ln>
-          <a:solidFill>
-            <a:schemeClr val="tx1"/>
-          </a:solidFill>
-        </a:ln>
-      </dgm:spPr>
-      <dgm:t>
-        <a:bodyPr/>
-        <a:lstStyle/>
-        <a:p>
-          <a:pPr algn="ctr"/>
-          <a:r>
-            <a:rPr lang="fr-FR" sz="1400" dirty="0" smtClean="0">
-              <a:solidFill>
-                <a:schemeClr val="tx1"/>
-              </a:solidFill>
-              <a:latin typeface="Calibri" panose="020F0502020204030204" pitchFamily="34" charset="0"/>
-            </a:rPr>
-            <a:t>Qu’est-ce que c’est ?</a:t>
-          </a:r>
-          <a:endParaRPr lang="fr-FR" sz="1400" dirty="0">
-            <a:solidFill>
-              <a:schemeClr val="tx1"/>
-            </a:solidFill>
-            <a:latin typeface="Calibri" panose="020F0502020204030204" pitchFamily="34" charset="0"/>
-          </a:endParaRPr>
-        </a:p>
-      </dgm:t>
-    </dgm:pt>
-    <dgm:pt modelId="{25DC1194-F99D-4476-BC6B-95CD78F6C400}" type="parTrans" cxnId="{9AB2E88A-99A5-4F37-91C9-8F6F5CD5D788}">
-      <dgm:prSet/>
-      <dgm:spPr/>
-      <dgm:t>
-        <a:bodyPr/>
-        <a:lstStyle/>
-        <a:p>
-          <a:pPr algn="ctr"/>
-          <a:endParaRPr lang="fr-FR"/>
-        </a:p>
-      </dgm:t>
-    </dgm:pt>
-    <dgm:pt modelId="{9252C17D-735C-4928-B0C5-E532E35D2850}" type="sibTrans" cxnId="{9AB2E88A-99A5-4F37-91C9-8F6F5CD5D788}">
-      <dgm:prSet/>
-      <dgm:spPr/>
-      <dgm:t>
-        <a:bodyPr/>
-        <a:lstStyle/>
-        <a:p>
-          <a:pPr algn="ctr"/>
-          <a:endParaRPr lang="fr-FR"/>
-        </a:p>
-      </dgm:t>
-    </dgm:pt>
-    <dgm:pt modelId="{747DFC8F-9D7F-4BC7-9BBB-09BE35F175E5}">
-      <dgm:prSet phldrT="[Texte]" custT="1"/>
-      <dgm:spPr>
-        <a:solidFill>
-          <a:schemeClr val="bg1">
-            <a:lumMod val="75000"/>
-          </a:schemeClr>
-        </a:solidFill>
-        <a:ln>
-          <a:solidFill>
-            <a:schemeClr val="tx1"/>
-          </a:solidFill>
-        </a:ln>
-      </dgm:spPr>
-      <dgm:t>
-        <a:bodyPr/>
-        <a:lstStyle/>
-        <a:p>
-          <a:pPr algn="ctr"/>
-          <a:r>
-            <a:rPr lang="fr-FR" sz="1400" dirty="0" smtClean="0">
-              <a:solidFill>
-                <a:schemeClr val="tx1"/>
-              </a:solidFill>
-              <a:latin typeface="Calibri" panose="020F0502020204030204" pitchFamily="34" charset="0"/>
-            </a:rPr>
-            <a:t>Etat de l’art</a:t>
-          </a:r>
-          <a:endParaRPr lang="fr-FR" sz="1400" dirty="0">
-            <a:solidFill>
-              <a:schemeClr val="tx1"/>
-            </a:solidFill>
-            <a:latin typeface="Calibri" panose="020F0502020204030204" pitchFamily="34" charset="0"/>
-          </a:endParaRPr>
-        </a:p>
-      </dgm:t>
-    </dgm:pt>
-    <dgm:pt modelId="{1B500D91-22D3-4065-A8B3-DD9D689FB21A}" type="parTrans" cxnId="{199DC88E-6AE7-49CD-A6C6-4B5D62EAAD19}">
-      <dgm:prSet/>
-      <dgm:spPr/>
-      <dgm:t>
-        <a:bodyPr/>
-        <a:lstStyle/>
-        <a:p>
-          <a:pPr algn="ctr"/>
-          <a:endParaRPr lang="fr-FR"/>
-        </a:p>
-      </dgm:t>
-    </dgm:pt>
-    <dgm:pt modelId="{D48D2D33-C541-4075-BE8F-BF291A7A4BC7}" type="sibTrans" cxnId="{199DC88E-6AE7-49CD-A6C6-4B5D62EAAD19}">
-      <dgm:prSet/>
-      <dgm:spPr/>
-      <dgm:t>
-        <a:bodyPr/>
-        <a:lstStyle/>
-        <a:p>
-          <a:pPr algn="ctr"/>
-          <a:endParaRPr lang="fr-FR"/>
-        </a:p>
-      </dgm:t>
-    </dgm:pt>
-    <dgm:pt modelId="{9F16C795-E285-4FC2-B296-E28ED6156608}">
-      <dgm:prSet phldrT="[Texte]" custT="1"/>
-      <dgm:spPr>
-        <a:solidFill>
-          <a:schemeClr val="bg2">
-            <a:lumMod val="20000"/>
-            <a:lumOff val="80000"/>
-          </a:schemeClr>
-        </a:solidFill>
-        <a:ln>
-          <a:solidFill>
-            <a:schemeClr val="tx1"/>
-          </a:solidFill>
-        </a:ln>
-      </dgm:spPr>
-      <dgm:t>
-        <a:bodyPr/>
-        <a:lstStyle/>
-        <a:p>
-          <a:pPr algn="ctr"/>
-          <a:r>
-            <a:rPr lang="fr-FR" sz="1400" dirty="0" smtClean="0">
-              <a:solidFill>
-                <a:schemeClr val="tx1"/>
-              </a:solidFill>
-              <a:latin typeface="Calibri" panose="020F0502020204030204" pitchFamily="34" charset="0"/>
-            </a:rPr>
-            <a:t>Développement du CPL</a:t>
-          </a:r>
-          <a:endParaRPr lang="fr-FR" sz="1400" dirty="0">
-            <a:solidFill>
-              <a:schemeClr val="tx1"/>
-            </a:solidFill>
-            <a:latin typeface="Calibri" panose="020F0502020204030204" pitchFamily="34" charset="0"/>
-          </a:endParaRPr>
-        </a:p>
-      </dgm:t>
-    </dgm:pt>
-    <dgm:pt modelId="{9ECC7953-8880-4B02-8980-5D0CD5CF276A}" type="parTrans" cxnId="{F875FE47-B96E-4466-A881-1F094D5839D4}">
-      <dgm:prSet/>
-      <dgm:spPr/>
-      <dgm:t>
-        <a:bodyPr/>
-        <a:lstStyle/>
-        <a:p>
-          <a:pPr algn="ctr"/>
-          <a:endParaRPr lang="fr-FR"/>
-        </a:p>
-      </dgm:t>
-    </dgm:pt>
-    <dgm:pt modelId="{31FE319C-6AA6-4146-885C-139E15360B7E}" type="sibTrans" cxnId="{F875FE47-B96E-4466-A881-1F094D5839D4}">
-      <dgm:prSet/>
-      <dgm:spPr/>
-      <dgm:t>
-        <a:bodyPr/>
-        <a:lstStyle/>
-        <a:p>
-          <a:pPr algn="ctr"/>
-          <a:endParaRPr lang="fr-FR"/>
-        </a:p>
-      </dgm:t>
-    </dgm:pt>
-    <dgm:pt modelId="{A3344252-8F40-465E-9ECD-9784B102754C}" type="pres">
-      <dgm:prSet presAssocID="{BF09B148-C0DD-4AFC-B4CC-843E561564E2}" presName="Name0" presStyleCnt="0">
-        <dgm:presLayoutVars>
-          <dgm:dir/>
-          <dgm:animLvl val="lvl"/>
-          <dgm:resizeHandles val="exact"/>
-        </dgm:presLayoutVars>
-      </dgm:prSet>
-      <dgm:spPr/>
-    </dgm:pt>
-    <dgm:pt modelId="{77986956-9C9B-4D32-8B5B-816929D88B45}" type="pres">
-      <dgm:prSet presAssocID="{939DC333-85A3-4AEF-8CC8-582604EBA647}" presName="parTxOnly" presStyleLbl="node1" presStyleIdx="0" presStyleCnt="3" custLinFactNeighborX="-450">
-        <dgm:presLayoutVars>
-          <dgm:chMax val="0"/>
-          <dgm:chPref val="0"/>
-          <dgm:bulletEnabled val="1"/>
-        </dgm:presLayoutVars>
-      </dgm:prSet>
-      <dgm:spPr/>
-      <dgm:t>
-        <a:bodyPr/>
-        <a:lstStyle/>
-        <a:p>
-          <a:endParaRPr lang="fr-FR"/>
-        </a:p>
-      </dgm:t>
-    </dgm:pt>
-    <dgm:pt modelId="{B9FA9250-3EC0-4301-8D42-B9DBB2D23C24}" type="pres">
-      <dgm:prSet presAssocID="{9252C17D-735C-4928-B0C5-E532E35D2850}" presName="parTxOnlySpace" presStyleCnt="0"/>
-      <dgm:spPr/>
-    </dgm:pt>
-    <dgm:pt modelId="{BDF2A55D-938D-4342-B14A-75C6D1F699D7}" type="pres">
-      <dgm:prSet presAssocID="{747DFC8F-9D7F-4BC7-9BBB-09BE35F175E5}" presName="parTxOnly" presStyleLbl="node1" presStyleIdx="1" presStyleCnt="3" custScaleX="87763">
-        <dgm:presLayoutVars>
-          <dgm:chMax val="0"/>
-          <dgm:chPref val="0"/>
-          <dgm:bulletEnabled val="1"/>
-        </dgm:presLayoutVars>
-      </dgm:prSet>
-      <dgm:spPr/>
-      <dgm:t>
-        <a:bodyPr/>
-        <a:lstStyle/>
-        <a:p>
-          <a:endParaRPr lang="fr-FR"/>
-        </a:p>
-      </dgm:t>
-    </dgm:pt>
-    <dgm:pt modelId="{313E64E7-2DC8-4277-8AA3-4C6BAA2BC191}" type="pres">
-      <dgm:prSet presAssocID="{D48D2D33-C541-4075-BE8F-BF291A7A4BC7}" presName="parTxOnlySpace" presStyleCnt="0"/>
-      <dgm:spPr/>
-    </dgm:pt>
-    <dgm:pt modelId="{02E25B46-9D16-490D-8442-2CB9F46B7693}" type="pres">
-      <dgm:prSet presAssocID="{9F16C795-E285-4FC2-B296-E28ED6156608}" presName="parTxOnly" presStyleLbl="node1" presStyleIdx="2" presStyleCnt="3" custScaleX="81903">
-        <dgm:presLayoutVars>
-          <dgm:chMax val="0"/>
-          <dgm:chPref val="0"/>
-          <dgm:bulletEnabled val="1"/>
-        </dgm:presLayoutVars>
-      </dgm:prSet>
-      <dgm:spPr/>
-      <dgm:t>
-        <a:bodyPr/>
-        <a:lstStyle/>
-        <a:p>
-          <a:endParaRPr lang="fr-FR"/>
-        </a:p>
-      </dgm:t>
-    </dgm:pt>
-  </dgm:ptLst>
-  <dgm:cxnLst>
-    <dgm:cxn modelId="{199DC88E-6AE7-49CD-A6C6-4B5D62EAAD19}" srcId="{BF09B148-C0DD-4AFC-B4CC-843E561564E2}" destId="{747DFC8F-9D7F-4BC7-9BBB-09BE35F175E5}" srcOrd="1" destOrd="0" parTransId="{1B500D91-22D3-4065-A8B3-DD9D689FB21A}" sibTransId="{D48D2D33-C541-4075-BE8F-BF291A7A4BC7}"/>
     <dgm:cxn modelId="{99E3FC07-8DDE-4029-A9C7-31D8C9D6F448}" type="presOf" srcId="{939DC333-85A3-4AEF-8CC8-582604EBA647}" destId="{77986956-9C9B-4D32-8B5B-816929D88B45}" srcOrd="0" destOrd="0" presId="urn:microsoft.com/office/officeart/2005/8/layout/chevron1"/>
     <dgm:cxn modelId="{E89BE810-3388-454C-BCCA-7380224987F7}" type="presOf" srcId="{747DFC8F-9D7F-4BC7-9BBB-09BE35F175E5}" destId="{BDF2A55D-938D-4342-B14A-75C6D1F699D7}" srcOrd="0" destOrd="0" presId="urn:microsoft.com/office/officeart/2005/8/layout/chevron1"/>
     <dgm:cxn modelId="{9AB2E88A-99A5-4F37-91C9-8F6F5CD5D788}" srcId="{BF09B148-C0DD-4AFC-B4CC-843E561564E2}" destId="{939DC333-85A3-4AEF-8CC8-582604EBA647}" srcOrd="0" destOrd="0" parTransId="{25DC1194-F99D-4476-BC6B-95CD78F6C400}" sibTransId="{9252C17D-735C-4928-B0C5-E532E35D2850}"/>
@@ -6113,7 +5070,7 @@
 </dgm:dataModel>
 </file>
 
-<file path=ppt/diagrams/data6.xml><?xml version="1.0" encoding="utf-8"?>
+<file path=ppt/diagrams/data5.xml><?xml version="1.0" encoding="utf-8"?>
 <dgm:dataModel xmlns:dgm="http://schemas.openxmlformats.org/drawingml/2006/diagram" xmlns:a="http://schemas.openxmlformats.org/drawingml/2006/main">
   <dgm:ptLst>
     <dgm:pt modelId="{BF09B148-C0DD-4AFC-B4CC-843E561564E2}" type="doc">
@@ -7405,257 +6362,6 @@
 </file>
 
 <file path=ppt/diagrams/drawing5.xml><?xml version="1.0" encoding="utf-8"?>
-<dsp:drawing xmlns:dgm="http://schemas.openxmlformats.org/drawingml/2006/diagram" xmlns:dsp="http://schemas.microsoft.com/office/drawing/2008/diagram" xmlns:a="http://schemas.openxmlformats.org/drawingml/2006/main">
-  <dsp:spTree>
-    <dsp:nvGrpSpPr>
-      <dsp:cNvPr id="0" name=""/>
-      <dsp:cNvGrpSpPr/>
-    </dsp:nvGrpSpPr>
-    <dsp:grpSpPr/>
-    <dsp:sp modelId="{77986956-9C9B-4D32-8B5B-816929D88B45}">
-      <dsp:nvSpPr>
-        <dsp:cNvPr id="0" name=""/>
-        <dsp:cNvSpPr/>
-      </dsp:nvSpPr>
-      <dsp:spPr>
-        <a:xfrm>
-          <a:off x="1" y="0"/>
-          <a:ext cx="3661171" cy="287561"/>
-        </a:xfrm>
-        <a:prstGeom prst="chevron">
-          <a:avLst/>
-        </a:prstGeom>
-        <a:solidFill>
-          <a:schemeClr val="bg2">
-            <a:lumMod val="20000"/>
-            <a:lumOff val="80000"/>
-          </a:schemeClr>
-        </a:solidFill>
-        <a:ln w="25400" cap="flat" cmpd="sng" algn="ctr">
-          <a:solidFill>
-            <a:schemeClr val="tx1"/>
-          </a:solidFill>
-          <a:prstDash val="solid"/>
-        </a:ln>
-        <a:effectLst/>
-      </dsp:spPr>
-      <dsp:style>
-        <a:lnRef idx="2">
-          <a:scrgbClr r="0" g="0" b="0"/>
-        </a:lnRef>
-        <a:fillRef idx="1">
-          <a:scrgbClr r="0" g="0" b="0"/>
-        </a:fillRef>
-        <a:effectRef idx="0">
-          <a:scrgbClr r="0" g="0" b="0"/>
-        </a:effectRef>
-        <a:fontRef idx="minor">
-          <a:schemeClr val="lt1"/>
-        </a:fontRef>
-      </dsp:style>
-      <dsp:txBody>
-        <a:bodyPr spcFirstLastPara="0" vert="horz" wrap="square" lIns="56007" tIns="18669" rIns="18669" bIns="18669" numCol="1" spcCol="1270" anchor="ctr" anchorCtr="0">
-          <a:noAutofit/>
-        </a:bodyPr>
-        <a:lstStyle/>
-        <a:p>
-          <a:pPr lvl="0" algn="ctr" defTabSz="622300">
-            <a:lnSpc>
-              <a:spcPct val="90000"/>
-            </a:lnSpc>
-            <a:spcBef>
-              <a:spcPct val="0"/>
-            </a:spcBef>
-            <a:spcAft>
-              <a:spcPct val="35000"/>
-            </a:spcAft>
-          </a:pPr>
-          <a:r>
-            <a:rPr lang="fr-FR" sz="1400" kern="1200" dirty="0" smtClean="0">
-              <a:solidFill>
-                <a:schemeClr val="tx1"/>
-              </a:solidFill>
-              <a:latin typeface="Calibri" panose="020F0502020204030204" pitchFamily="34" charset="0"/>
-            </a:rPr>
-            <a:t>Qu’est-ce que c’est ?</a:t>
-          </a:r>
-          <a:endParaRPr lang="fr-FR" sz="1400" kern="1200" dirty="0">
-            <a:solidFill>
-              <a:schemeClr val="tx1"/>
-            </a:solidFill>
-            <a:latin typeface="Calibri" panose="020F0502020204030204" pitchFamily="34" charset="0"/>
-          </a:endParaRPr>
-        </a:p>
-      </dsp:txBody>
-      <dsp:txXfrm>
-        <a:off x="143782" y="0"/>
-        <a:ext cx="3373610" cy="287561"/>
-      </dsp:txXfrm>
-    </dsp:sp>
-    <dsp:sp modelId="{BDF2A55D-938D-4342-B14A-75C6D1F699D7}">
-      <dsp:nvSpPr>
-        <dsp:cNvPr id="0" name=""/>
-        <dsp:cNvSpPr/>
-      </dsp:nvSpPr>
-      <dsp:spPr>
-        <a:xfrm>
-          <a:off x="3296704" y="0"/>
-          <a:ext cx="3213154" cy="287561"/>
-        </a:xfrm>
-        <a:prstGeom prst="chevron">
-          <a:avLst/>
-        </a:prstGeom>
-        <a:solidFill>
-          <a:schemeClr val="bg1">
-            <a:lumMod val="75000"/>
-          </a:schemeClr>
-        </a:solidFill>
-        <a:ln w="25400" cap="flat" cmpd="sng" algn="ctr">
-          <a:solidFill>
-            <a:schemeClr val="tx1"/>
-          </a:solidFill>
-          <a:prstDash val="solid"/>
-        </a:ln>
-        <a:effectLst/>
-      </dsp:spPr>
-      <dsp:style>
-        <a:lnRef idx="2">
-          <a:scrgbClr r="0" g="0" b="0"/>
-        </a:lnRef>
-        <a:fillRef idx="1">
-          <a:scrgbClr r="0" g="0" b="0"/>
-        </a:fillRef>
-        <a:effectRef idx="0">
-          <a:scrgbClr r="0" g="0" b="0"/>
-        </a:effectRef>
-        <a:fontRef idx="minor">
-          <a:schemeClr val="lt1"/>
-        </a:fontRef>
-      </dsp:style>
-      <dsp:txBody>
-        <a:bodyPr spcFirstLastPara="0" vert="horz" wrap="square" lIns="56007" tIns="18669" rIns="18669" bIns="18669" numCol="1" spcCol="1270" anchor="ctr" anchorCtr="0">
-          <a:noAutofit/>
-        </a:bodyPr>
-        <a:lstStyle/>
-        <a:p>
-          <a:pPr lvl="0" algn="ctr" defTabSz="622300">
-            <a:lnSpc>
-              <a:spcPct val="90000"/>
-            </a:lnSpc>
-            <a:spcBef>
-              <a:spcPct val="0"/>
-            </a:spcBef>
-            <a:spcAft>
-              <a:spcPct val="35000"/>
-            </a:spcAft>
-          </a:pPr>
-          <a:r>
-            <a:rPr lang="fr-FR" sz="1400" kern="1200" dirty="0" smtClean="0">
-              <a:solidFill>
-                <a:schemeClr val="tx1"/>
-              </a:solidFill>
-              <a:latin typeface="Calibri" panose="020F0502020204030204" pitchFamily="34" charset="0"/>
-            </a:rPr>
-            <a:t>Etat de l’art</a:t>
-          </a:r>
-          <a:endParaRPr lang="fr-FR" sz="1400" kern="1200" dirty="0">
-            <a:solidFill>
-              <a:schemeClr val="tx1"/>
-            </a:solidFill>
-            <a:latin typeface="Calibri" panose="020F0502020204030204" pitchFamily="34" charset="0"/>
-          </a:endParaRPr>
-        </a:p>
-      </dsp:txBody>
-      <dsp:txXfrm>
-        <a:off x="3440485" y="0"/>
-        <a:ext cx="2925593" cy="287561"/>
-      </dsp:txXfrm>
-    </dsp:sp>
-    <dsp:sp modelId="{02E25B46-9D16-490D-8442-2CB9F46B7693}">
-      <dsp:nvSpPr>
-        <dsp:cNvPr id="0" name=""/>
-        <dsp:cNvSpPr/>
-      </dsp:nvSpPr>
-      <dsp:spPr>
-        <a:xfrm>
-          <a:off x="6143741" y="0"/>
-          <a:ext cx="2998609" cy="287561"/>
-        </a:xfrm>
-        <a:prstGeom prst="chevron">
-          <a:avLst/>
-        </a:prstGeom>
-        <a:solidFill>
-          <a:schemeClr val="bg2">
-            <a:lumMod val="20000"/>
-            <a:lumOff val="80000"/>
-          </a:schemeClr>
-        </a:solidFill>
-        <a:ln w="25400" cap="flat" cmpd="sng" algn="ctr">
-          <a:solidFill>
-            <a:schemeClr val="tx1"/>
-          </a:solidFill>
-          <a:prstDash val="solid"/>
-        </a:ln>
-        <a:effectLst/>
-      </dsp:spPr>
-      <dsp:style>
-        <a:lnRef idx="2">
-          <a:scrgbClr r="0" g="0" b="0"/>
-        </a:lnRef>
-        <a:fillRef idx="1">
-          <a:scrgbClr r="0" g="0" b="0"/>
-        </a:fillRef>
-        <a:effectRef idx="0">
-          <a:scrgbClr r="0" g="0" b="0"/>
-        </a:effectRef>
-        <a:fontRef idx="minor">
-          <a:schemeClr val="lt1"/>
-        </a:fontRef>
-      </dsp:style>
-      <dsp:txBody>
-        <a:bodyPr spcFirstLastPara="0" vert="horz" wrap="square" lIns="56007" tIns="18669" rIns="18669" bIns="18669" numCol="1" spcCol="1270" anchor="ctr" anchorCtr="0">
-          <a:noAutofit/>
-        </a:bodyPr>
-        <a:lstStyle/>
-        <a:p>
-          <a:pPr lvl="0" algn="ctr" defTabSz="622300">
-            <a:lnSpc>
-              <a:spcPct val="90000"/>
-            </a:lnSpc>
-            <a:spcBef>
-              <a:spcPct val="0"/>
-            </a:spcBef>
-            <a:spcAft>
-              <a:spcPct val="35000"/>
-            </a:spcAft>
-          </a:pPr>
-          <a:r>
-            <a:rPr lang="fr-FR" sz="1400" kern="1200" dirty="0" smtClean="0">
-              <a:solidFill>
-                <a:schemeClr val="tx1"/>
-              </a:solidFill>
-              <a:latin typeface="Calibri" panose="020F0502020204030204" pitchFamily="34" charset="0"/>
-            </a:rPr>
-            <a:t>Développement du CPL</a:t>
-          </a:r>
-          <a:endParaRPr lang="fr-FR" sz="1400" kern="1200" dirty="0">
-            <a:solidFill>
-              <a:schemeClr val="tx1"/>
-            </a:solidFill>
-            <a:latin typeface="Calibri" panose="020F0502020204030204" pitchFamily="34" charset="0"/>
-          </a:endParaRPr>
-        </a:p>
-      </dsp:txBody>
-      <dsp:txXfrm>
-        <a:off x="6287522" y="0"/>
-        <a:ext cx="2711048" cy="287561"/>
-      </dsp:txXfrm>
-    </dsp:sp>
-  </dsp:spTree>
-</dsp:drawing>
-</file>
-
-<file path=ppt/diagrams/drawing6.xml><?xml version="1.0" encoding="utf-8"?>
 <dsp:drawing xmlns:dgm="http://schemas.openxmlformats.org/drawingml/2006/diagram" xmlns:dsp="http://schemas.microsoft.com/office/drawing/2008/diagram" xmlns:a="http://schemas.openxmlformats.org/drawingml/2006/main">
   <dsp:spTree>
     <dsp:nvGrpSpPr>
@@ -9321,289 +8027,6 @@
 </dgm:layoutDef>
 </file>
 
-<file path=ppt/diagrams/layout6.xml><?xml version="1.0" encoding="utf-8"?>
-<dgm:layoutDef xmlns:dgm="http://schemas.openxmlformats.org/drawingml/2006/diagram" xmlns:a="http://schemas.openxmlformats.org/drawingml/2006/main" uniqueId="urn:microsoft.com/office/officeart/2005/8/layout/chevron1">
-  <dgm:title val=""/>
-  <dgm:desc val=""/>
-  <dgm:catLst>
-    <dgm:cat type="process" pri="9000"/>
-  </dgm:catLst>
-  <dgm:sampData useDef="1">
-    <dgm:dataModel>
-      <dgm:ptLst/>
-      <dgm:bg/>
-      <dgm:whole/>
-    </dgm:dataModel>
-  </dgm:sampData>
-  <dgm:styleData>
-    <dgm:dataModel>
-      <dgm:ptLst>
-        <dgm:pt modelId="0" type="doc"/>
-        <dgm:pt modelId="1"/>
-        <dgm:pt modelId="2"/>
-      </dgm:ptLst>
-      <dgm:cxnLst>
-        <dgm:cxn modelId="3" srcId="0" destId="1" srcOrd="0" destOrd="0"/>
-        <dgm:cxn modelId="4" srcId="0" destId="2" srcOrd="1" destOrd="0"/>
-      </dgm:cxnLst>
-      <dgm:bg/>
-      <dgm:whole/>
-    </dgm:dataModel>
-  </dgm:styleData>
-  <dgm:clrData>
-    <dgm:dataModel>
-      <dgm:ptLst>
-        <dgm:pt modelId="0" type="doc"/>
-        <dgm:pt modelId="1"/>
-        <dgm:pt modelId="2"/>
-        <dgm:pt modelId="3"/>
-        <dgm:pt modelId="4"/>
-      </dgm:ptLst>
-      <dgm:cxnLst>
-        <dgm:cxn modelId="5" srcId="0" destId="1" srcOrd="0" destOrd="0"/>
-        <dgm:cxn modelId="6" srcId="0" destId="2" srcOrd="1" destOrd="0"/>
-        <dgm:cxn modelId="7" srcId="0" destId="3" srcOrd="2" destOrd="0"/>
-        <dgm:cxn modelId="8" srcId="0" destId="4" srcOrd="3" destOrd="0"/>
-      </dgm:cxnLst>
-      <dgm:bg/>
-      <dgm:whole/>
-    </dgm:dataModel>
-  </dgm:clrData>
-  <dgm:layoutNode name="Name0">
-    <dgm:varLst>
-      <dgm:dir/>
-      <dgm:animLvl val="lvl"/>
-      <dgm:resizeHandles val="exact"/>
-    </dgm:varLst>
-    <dgm:choose name="Name1">
-      <dgm:if name="Name2" func="var" arg="dir" op="equ" val="norm">
-        <dgm:alg type="lin"/>
-      </dgm:if>
-      <dgm:else name="Name3">
-        <dgm:alg type="lin">
-          <dgm:param type="linDir" val="fromR"/>
-        </dgm:alg>
-      </dgm:else>
-    </dgm:choose>
-    <dgm:shape xmlns:r="http://schemas.openxmlformats.org/officeDocument/2006/relationships" r:blip="">
-      <dgm:adjLst/>
-    </dgm:shape>
-    <dgm:presOf/>
-    <dgm:choose name="Name4">
-      <dgm:if name="Name5" axis="des" func="maxDepth" op="gte" val="2">
-        <dgm:constrLst>
-          <dgm:constr type="h" for="ch" forName="composite" refType="h"/>
-          <dgm:constr type="w" for="ch" forName="composite" refType="w"/>
-          <dgm:constr type="w" for="des" forName="parTx"/>
-          <dgm:constr type="h" for="des" forName="parTx" op="equ"/>
-          <dgm:constr type="w" for="des" forName="desTx"/>
-          <dgm:constr type="h" for="des" forName="desTx" op="equ"/>
-          <dgm:constr type="primFontSz" for="des" forName="parTx" val="65"/>
-          <dgm:constr type="secFontSz" for="des" forName="desTx" refType="primFontSz" refFor="des" refForName="parTx" op="equ"/>
-          <dgm:constr type="h" for="des" forName="parTx" refType="primFontSz" refFor="des" refForName="parTx" fact="1.5"/>
-          <dgm:constr type="h" for="des" forName="desTx" refType="primFontSz" refFor="des" refForName="parTx" fact="0.5"/>
-          <dgm:constr type="w" for="ch" forName="space" op="equ" val="-6"/>
-        </dgm:constrLst>
-        <dgm:ruleLst>
-          <dgm:rule type="w" for="ch" forName="composite" val="0" fact="NaN" max="NaN"/>
-          <dgm:rule type="primFontSz" for="des" forName="parTx" val="5" fact="NaN" max="NaN"/>
-        </dgm:ruleLst>
-        <dgm:forEach name="Name6" axis="ch" ptType="node">
-          <dgm:layoutNode name="composite">
-            <dgm:alg type="composite"/>
-            <dgm:shape xmlns:r="http://schemas.openxmlformats.org/officeDocument/2006/relationships" r:blip="">
-              <dgm:adjLst/>
-            </dgm:shape>
-            <dgm:presOf/>
-            <dgm:choose name="Name7">
-              <dgm:if name="Name8" func="var" arg="dir" op="equ" val="norm">
-                <dgm:constrLst>
-                  <dgm:constr type="l" for="ch" forName="parTx"/>
-                  <dgm:constr type="w" for="ch" forName="parTx" refType="w"/>
-                  <dgm:constr type="t" for="ch" forName="parTx"/>
-                  <dgm:constr type="l" for="ch" forName="desTx"/>
-                  <dgm:constr type="w" for="ch" forName="desTx" refType="w" refFor="ch" refForName="parTx" fact="0.8"/>
-                  <dgm:constr type="t" for="ch" forName="desTx" refType="h" refFor="ch" refForName="parTx" fact="1.125"/>
-                </dgm:constrLst>
-              </dgm:if>
-              <dgm:else name="Name9">
-                <dgm:constrLst>
-                  <dgm:constr type="l" for="ch" forName="parTx"/>
-                  <dgm:constr type="w" for="ch" forName="parTx" refType="w"/>
-                  <dgm:constr type="t" for="ch" forName="parTx"/>
-                  <dgm:constr type="l" for="ch" forName="desTx" refType="w" fact="0.2"/>
-                  <dgm:constr type="w" for="ch" forName="desTx" refType="w" refFor="ch" refForName="parTx" fact="0.8"/>
-                  <dgm:constr type="t" for="ch" forName="desTx" refType="h" refFor="ch" refForName="parTx" fact="1.125"/>
-                </dgm:constrLst>
-              </dgm:else>
-            </dgm:choose>
-            <dgm:ruleLst>
-              <dgm:rule type="h" val="INF" fact="NaN" max="NaN"/>
-            </dgm:ruleLst>
-            <dgm:layoutNode name="parTx">
-              <dgm:varLst>
-                <dgm:chMax val="0"/>
-                <dgm:chPref val="0"/>
-                <dgm:bulletEnabled val="1"/>
-              </dgm:varLst>
-              <dgm:alg type="tx"/>
-              <dgm:choose name="Name10">
-                <dgm:if name="Name11" func="var" arg="dir" op="equ" val="norm">
-                  <dgm:shape xmlns:r="http://schemas.openxmlformats.org/officeDocument/2006/relationships" type="chevron" r:blip="">
-                    <dgm:adjLst/>
-                  </dgm:shape>
-                </dgm:if>
-                <dgm:else name="Name12">
-                  <dgm:shape xmlns:r="http://schemas.openxmlformats.org/officeDocument/2006/relationships" rot="180" type="chevron" r:blip="">
-                    <dgm:adjLst/>
-                  </dgm:shape>
-                </dgm:else>
-              </dgm:choose>
-              <dgm:presOf axis="self" ptType="node"/>
-              <dgm:choose name="Name13">
-                <dgm:if name="Name14" func="var" arg="dir" op="equ" val="norm">
-                  <dgm:constrLst>
-                    <dgm:constr type="h" refType="w" op="lte" fact="0.4"/>
-                    <dgm:constr type="h"/>
-                    <dgm:constr type="tMarg" refType="primFontSz" fact="0.105"/>
-                    <dgm:constr type="bMarg" refType="primFontSz" fact="0.105"/>
-                    <dgm:constr type="lMarg" refType="primFontSz" fact="0.315"/>
-                    <dgm:constr type="rMarg" refType="primFontSz" fact="0.105"/>
-                  </dgm:constrLst>
-                </dgm:if>
-                <dgm:else name="Name15">
-                  <dgm:constrLst>
-                    <dgm:constr type="h" refType="w" op="lte" fact="0.4"/>
-                    <dgm:constr type="h"/>
-                    <dgm:constr type="tMarg" refType="primFontSz" fact="0.105"/>
-                    <dgm:constr type="bMarg" refType="primFontSz" fact="0.105"/>
-                    <dgm:constr type="lMarg" refType="primFontSz" fact="0.105"/>
-                    <dgm:constr type="rMarg" refType="primFontSz" fact="0.315"/>
-                  </dgm:constrLst>
-                </dgm:else>
-              </dgm:choose>
-              <dgm:ruleLst>
-                <dgm:rule type="h" val="INF" fact="NaN" max="NaN"/>
-              </dgm:ruleLst>
-            </dgm:layoutNode>
-            <dgm:layoutNode name="desTx" styleLbl="revTx">
-              <dgm:varLst>
-                <dgm:bulletEnabled val="1"/>
-              </dgm:varLst>
-              <dgm:alg type="tx">
-                <dgm:param type="stBulletLvl" val="1"/>
-              </dgm:alg>
-              <dgm:choose name="Name16">
-                <dgm:if name="Name17" axis="ch" ptType="node" func="cnt" op="gte" val="1">
-                  <dgm:shape xmlns:r="http://schemas.openxmlformats.org/officeDocument/2006/relationships" type="rect" r:blip="">
-                    <dgm:adjLst/>
-                  </dgm:shape>
-                </dgm:if>
-                <dgm:else name="Name18">
-                  <dgm:shape xmlns:r="http://schemas.openxmlformats.org/officeDocument/2006/relationships" type="rect" r:blip="" hideGeom="1">
-                    <dgm:adjLst/>
-                  </dgm:shape>
-                </dgm:else>
-              </dgm:choose>
-              <dgm:presOf axis="des" ptType="node"/>
-              <dgm:constrLst>
-                <dgm:constr type="secFontSz" val="65"/>
-                <dgm:constr type="primFontSz" refType="secFontSz"/>
-                <dgm:constr type="h"/>
-                <dgm:constr type="tMarg"/>
-                <dgm:constr type="bMarg"/>
-                <dgm:constr type="rMarg"/>
-                <dgm:constr type="lMarg"/>
-              </dgm:constrLst>
-              <dgm:ruleLst>
-                <dgm:rule type="h" val="INF" fact="NaN" max="NaN"/>
-              </dgm:ruleLst>
-            </dgm:layoutNode>
-          </dgm:layoutNode>
-          <dgm:forEach name="Name19" axis="followSib" ptType="sibTrans" cnt="1">
-            <dgm:layoutNode name="space">
-              <dgm:alg type="sp"/>
-              <dgm:shape xmlns:r="http://schemas.openxmlformats.org/officeDocument/2006/relationships" r:blip="">
-                <dgm:adjLst/>
-              </dgm:shape>
-              <dgm:presOf/>
-              <dgm:constrLst/>
-              <dgm:ruleLst/>
-            </dgm:layoutNode>
-          </dgm:forEach>
-        </dgm:forEach>
-      </dgm:if>
-      <dgm:else name="Name20">
-        <dgm:constrLst>
-          <dgm:constr type="w" for="ch" forName="parTxOnly" refType="w"/>
-          <dgm:constr type="h" for="des" forName="parTxOnly" op="equ"/>
-          <dgm:constr type="primFontSz" for="des" forName="parTxOnly" op="equ" val="65"/>
-          <dgm:constr type="w" for="ch" forName="parTxOnlySpace" refType="w" refFor="ch" refForName="parTxOnly" fact="-0.1"/>
-        </dgm:constrLst>
-        <dgm:ruleLst/>
-        <dgm:forEach name="Name21" axis="ch" ptType="node">
-          <dgm:layoutNode name="parTxOnly">
-            <dgm:varLst>
-              <dgm:chMax val="0"/>
-              <dgm:chPref val="0"/>
-              <dgm:bulletEnabled val="1"/>
-            </dgm:varLst>
-            <dgm:alg type="tx"/>
-            <dgm:choose name="Name22">
-              <dgm:if name="Name23" func="var" arg="dir" op="equ" val="norm">
-                <dgm:shape xmlns:r="http://schemas.openxmlformats.org/officeDocument/2006/relationships" type="chevron" r:blip="">
-                  <dgm:adjLst/>
-                </dgm:shape>
-              </dgm:if>
-              <dgm:else name="Name24">
-                <dgm:shape xmlns:r="http://schemas.openxmlformats.org/officeDocument/2006/relationships" rot="180" type="chevron" r:blip="">
-                  <dgm:adjLst/>
-                </dgm:shape>
-              </dgm:else>
-            </dgm:choose>
-            <dgm:presOf axis="self" ptType="node"/>
-            <dgm:choose name="Name25">
-              <dgm:if name="Name26" func="var" arg="dir" op="equ" val="norm">
-                <dgm:constrLst>
-                  <dgm:constr type="h" refType="w" op="equ" fact="0.4"/>
-                  <dgm:constr type="tMarg" refType="primFontSz" fact="0.105"/>
-                  <dgm:constr type="bMarg" refType="primFontSz" fact="0.105"/>
-                  <dgm:constr type="lMarg" refType="primFontSz" fact="0.315"/>
-                  <dgm:constr type="rMarg" refType="primFontSz" fact="0.105"/>
-                </dgm:constrLst>
-              </dgm:if>
-              <dgm:else name="Name27">
-                <dgm:constrLst>
-                  <dgm:constr type="h" refType="w" op="equ" fact="0.4"/>
-                  <dgm:constr type="tMarg" refType="primFontSz" fact="0.105"/>
-                  <dgm:constr type="bMarg" refType="primFontSz" fact="0.105"/>
-                  <dgm:constr type="lMarg" refType="primFontSz" fact="0.105"/>
-                  <dgm:constr type="rMarg" refType="primFontSz" fact="0.315"/>
-                </dgm:constrLst>
-              </dgm:else>
-            </dgm:choose>
-            <dgm:ruleLst>
-              <dgm:rule type="primFontSz" val="5" fact="NaN" max="NaN"/>
-            </dgm:ruleLst>
-          </dgm:layoutNode>
-          <dgm:forEach name="Name28" axis="followSib" ptType="sibTrans" cnt="1">
-            <dgm:layoutNode name="parTxOnlySpace">
-              <dgm:alg type="sp"/>
-              <dgm:shape xmlns:r="http://schemas.openxmlformats.org/officeDocument/2006/relationships" r:blip="">
-                <dgm:adjLst/>
-              </dgm:shape>
-              <dgm:presOf/>
-              <dgm:constrLst/>
-              <dgm:ruleLst/>
-            </dgm:layoutNode>
-          </dgm:forEach>
-        </dgm:forEach>
-      </dgm:else>
-    </dgm:choose>
-  </dgm:layoutNode>
-</dgm:layoutDef>
-</file>
-
 <file path=ppt/diagrams/quickStyle1.xml><?xml version="1.0" encoding="utf-8"?>
 <dgm:styleDef xmlns:dgm="http://schemas.openxmlformats.org/drawingml/2006/diagram" xmlns:a="http://schemas.openxmlformats.org/drawingml/2006/main" uniqueId="urn:microsoft.com/office/officeart/2005/8/quickstyle/simple1">
   <dgm:title val=""/>
@@ -13741,1040 +12164,6 @@
 </file>
 
 <file path=ppt/diagrams/quickStyle5.xml><?xml version="1.0" encoding="utf-8"?>
-<dgm:styleDef xmlns:dgm="http://schemas.openxmlformats.org/drawingml/2006/diagram" xmlns:a="http://schemas.openxmlformats.org/drawingml/2006/main" uniqueId="urn:microsoft.com/office/officeart/2005/8/quickstyle/simple1">
-  <dgm:title val=""/>
-  <dgm:desc val=""/>
-  <dgm:catLst>
-    <dgm:cat type="simple" pri="10100"/>
-  </dgm:catLst>
-  <dgm:scene3d>
-    <a:camera prst="orthographicFront"/>
-    <a:lightRig rig="threePt" dir="t"/>
-  </dgm:scene3d>
-  <dgm:styleLbl name="node0">
-    <dgm:scene3d>
-      <a:camera prst="orthographicFront"/>
-      <a:lightRig rig="threePt" dir="t"/>
-    </dgm:scene3d>
-    <dgm:sp3d/>
-    <dgm:txPr/>
-    <dgm:style>
-      <a:lnRef idx="2">
-        <a:scrgbClr r="0" g="0" b="0"/>
-      </a:lnRef>
-      <a:fillRef idx="1">
-        <a:scrgbClr r="0" g="0" b="0"/>
-      </a:fillRef>
-      <a:effectRef idx="0">
-        <a:scrgbClr r="0" g="0" b="0"/>
-      </a:effectRef>
-      <a:fontRef idx="minor">
-        <a:schemeClr val="lt1"/>
-      </a:fontRef>
-    </dgm:style>
-  </dgm:styleLbl>
-  <dgm:styleLbl name="lnNode1">
-    <dgm:scene3d>
-      <a:camera prst="orthographicFront"/>
-      <a:lightRig rig="threePt" dir="t"/>
-    </dgm:scene3d>
-    <dgm:sp3d/>
-    <dgm:txPr/>
-    <dgm:style>
-      <a:lnRef idx="2">
-        <a:scrgbClr r="0" g="0" b="0"/>
-      </a:lnRef>
-      <a:fillRef idx="1">
-        <a:scrgbClr r="0" g="0" b="0"/>
-      </a:fillRef>
-      <a:effectRef idx="0">
-        <a:scrgbClr r="0" g="0" b="0"/>
-      </a:effectRef>
-      <a:fontRef idx="minor">
-        <a:schemeClr val="lt1"/>
-      </a:fontRef>
-    </dgm:style>
-  </dgm:styleLbl>
-  <dgm:styleLbl name="vennNode1">
-    <dgm:scene3d>
-      <a:camera prst="orthographicFront"/>
-      <a:lightRig rig="threePt" dir="t"/>
-    </dgm:scene3d>
-    <dgm:sp3d/>
-    <dgm:txPr/>
-    <dgm:style>
-      <a:lnRef idx="2">
-        <a:scrgbClr r="0" g="0" b="0"/>
-      </a:lnRef>
-      <a:fillRef idx="1">
-        <a:scrgbClr r="0" g="0" b="0"/>
-      </a:fillRef>
-      <a:effectRef idx="0">
-        <a:scrgbClr r="0" g="0" b="0"/>
-      </a:effectRef>
-      <a:fontRef idx="minor">
-        <a:schemeClr val="tx1"/>
-      </a:fontRef>
-    </dgm:style>
-  </dgm:styleLbl>
-  <dgm:styleLbl name="alignNode1">
-    <dgm:scene3d>
-      <a:camera prst="orthographicFront"/>
-      <a:lightRig rig="threePt" dir="t"/>
-    </dgm:scene3d>
-    <dgm:sp3d/>
-    <dgm:txPr/>
-    <dgm:style>
-      <a:lnRef idx="2">
-        <a:scrgbClr r="0" g="0" b="0"/>
-      </a:lnRef>
-      <a:fillRef idx="1">
-        <a:scrgbClr r="0" g="0" b="0"/>
-      </a:fillRef>
-      <a:effectRef idx="0">
-        <a:scrgbClr r="0" g="0" b="0"/>
-      </a:effectRef>
-      <a:fontRef idx="minor">
-        <a:schemeClr val="lt1"/>
-      </a:fontRef>
-    </dgm:style>
-  </dgm:styleLbl>
-  <dgm:styleLbl name="node1">
-    <dgm:scene3d>
-      <a:camera prst="orthographicFront"/>
-      <a:lightRig rig="threePt" dir="t"/>
-    </dgm:scene3d>
-    <dgm:sp3d/>
-    <dgm:txPr/>
-    <dgm:style>
-      <a:lnRef idx="2">
-        <a:scrgbClr r="0" g="0" b="0"/>
-      </a:lnRef>
-      <a:fillRef idx="1">
-        <a:scrgbClr r="0" g="0" b="0"/>
-      </a:fillRef>
-      <a:effectRef idx="0">
-        <a:scrgbClr r="0" g="0" b="0"/>
-      </a:effectRef>
-      <a:fontRef idx="minor">
-        <a:schemeClr val="lt1"/>
-      </a:fontRef>
-    </dgm:style>
-  </dgm:styleLbl>
-  <dgm:styleLbl name="node2">
-    <dgm:scene3d>
-      <a:camera prst="orthographicFront"/>
-      <a:lightRig rig="threePt" dir="t"/>
-    </dgm:scene3d>
-    <dgm:sp3d/>
-    <dgm:txPr/>
-    <dgm:style>
-      <a:lnRef idx="2">
-        <a:scrgbClr r="0" g="0" b="0"/>
-      </a:lnRef>
-      <a:fillRef idx="1">
-        <a:scrgbClr r="0" g="0" b="0"/>
-      </a:fillRef>
-      <a:effectRef idx="0">
-        <a:scrgbClr r="0" g="0" b="0"/>
-      </a:effectRef>
-      <a:fontRef idx="minor">
-        <a:schemeClr val="lt1"/>
-      </a:fontRef>
-    </dgm:style>
-  </dgm:styleLbl>
-  <dgm:styleLbl name="node3">
-    <dgm:scene3d>
-      <a:camera prst="orthographicFront"/>
-      <a:lightRig rig="threePt" dir="t"/>
-    </dgm:scene3d>
-    <dgm:sp3d/>
-    <dgm:txPr/>
-    <dgm:style>
-      <a:lnRef idx="2">
-        <a:scrgbClr r="0" g="0" b="0"/>
-      </a:lnRef>
-      <a:fillRef idx="1">
-        <a:scrgbClr r="0" g="0" b="0"/>
-      </a:fillRef>
-      <a:effectRef idx="0">
-        <a:scrgbClr r="0" g="0" b="0"/>
-      </a:effectRef>
-      <a:fontRef idx="minor">
-        <a:schemeClr val="lt1"/>
-      </a:fontRef>
-    </dgm:style>
-  </dgm:styleLbl>
-  <dgm:styleLbl name="node4">
-    <dgm:scene3d>
-      <a:camera prst="orthographicFront"/>
-      <a:lightRig rig="threePt" dir="t"/>
-    </dgm:scene3d>
-    <dgm:sp3d/>
-    <dgm:txPr/>
-    <dgm:style>
-      <a:lnRef idx="2">
-        <a:scrgbClr r="0" g="0" b="0"/>
-      </a:lnRef>
-      <a:fillRef idx="1">
-        <a:scrgbClr r="0" g="0" b="0"/>
-      </a:fillRef>
-      <a:effectRef idx="0">
-        <a:scrgbClr r="0" g="0" b="0"/>
-      </a:effectRef>
-      <a:fontRef idx="minor">
-        <a:schemeClr val="lt1"/>
-      </a:fontRef>
-    </dgm:style>
-  </dgm:styleLbl>
-  <dgm:styleLbl name="fgImgPlace1">
-    <dgm:scene3d>
-      <a:camera prst="orthographicFront"/>
-      <a:lightRig rig="threePt" dir="t"/>
-    </dgm:scene3d>
-    <dgm:sp3d/>
-    <dgm:txPr/>
-    <dgm:style>
-      <a:lnRef idx="2">
-        <a:scrgbClr r="0" g="0" b="0"/>
-      </a:lnRef>
-      <a:fillRef idx="1">
-        <a:scrgbClr r="0" g="0" b="0"/>
-      </a:fillRef>
-      <a:effectRef idx="0">
-        <a:scrgbClr r="0" g="0" b="0"/>
-      </a:effectRef>
-      <a:fontRef idx="minor"/>
-    </dgm:style>
-  </dgm:styleLbl>
-  <dgm:styleLbl name="alignImgPlace1">
-    <dgm:scene3d>
-      <a:camera prst="orthographicFront"/>
-      <a:lightRig rig="threePt" dir="t"/>
-    </dgm:scene3d>
-    <dgm:sp3d/>
-    <dgm:txPr/>
-    <dgm:style>
-      <a:lnRef idx="2">
-        <a:scrgbClr r="0" g="0" b="0"/>
-      </a:lnRef>
-      <a:fillRef idx="1">
-        <a:scrgbClr r="0" g="0" b="0"/>
-      </a:fillRef>
-      <a:effectRef idx="0">
-        <a:scrgbClr r="0" g="0" b="0"/>
-      </a:effectRef>
-      <a:fontRef idx="minor"/>
-    </dgm:style>
-  </dgm:styleLbl>
-  <dgm:styleLbl name="bgImgPlace1">
-    <dgm:scene3d>
-      <a:camera prst="orthographicFront"/>
-      <a:lightRig rig="threePt" dir="t"/>
-    </dgm:scene3d>
-    <dgm:sp3d/>
-    <dgm:txPr/>
-    <dgm:style>
-      <a:lnRef idx="2">
-        <a:scrgbClr r="0" g="0" b="0"/>
-      </a:lnRef>
-      <a:fillRef idx="1">
-        <a:scrgbClr r="0" g="0" b="0"/>
-      </a:fillRef>
-      <a:effectRef idx="0">
-        <a:scrgbClr r="0" g="0" b="0"/>
-      </a:effectRef>
-      <a:fontRef idx="minor"/>
-    </dgm:style>
-  </dgm:styleLbl>
-  <dgm:styleLbl name="sibTrans2D1">
-    <dgm:scene3d>
-      <a:camera prst="orthographicFront"/>
-      <a:lightRig rig="threePt" dir="t"/>
-    </dgm:scene3d>
-    <dgm:sp3d/>
-    <dgm:txPr/>
-    <dgm:style>
-      <a:lnRef idx="0">
-        <a:scrgbClr r="0" g="0" b="0"/>
-      </a:lnRef>
-      <a:fillRef idx="1">
-        <a:scrgbClr r="0" g="0" b="0"/>
-      </a:fillRef>
-      <a:effectRef idx="0">
-        <a:scrgbClr r="0" g="0" b="0"/>
-      </a:effectRef>
-      <a:fontRef idx="minor">
-        <a:schemeClr val="lt1"/>
-      </a:fontRef>
-    </dgm:style>
-  </dgm:styleLbl>
-  <dgm:styleLbl name="fgSibTrans2D1">
-    <dgm:scene3d>
-      <a:camera prst="orthographicFront"/>
-      <a:lightRig rig="threePt" dir="t"/>
-    </dgm:scene3d>
-    <dgm:sp3d/>
-    <dgm:txPr/>
-    <dgm:style>
-      <a:lnRef idx="0">
-        <a:scrgbClr r="0" g="0" b="0"/>
-      </a:lnRef>
-      <a:fillRef idx="1">
-        <a:scrgbClr r="0" g="0" b="0"/>
-      </a:fillRef>
-      <a:effectRef idx="0">
-        <a:scrgbClr r="0" g="0" b="0"/>
-      </a:effectRef>
-      <a:fontRef idx="minor">
-        <a:schemeClr val="lt1"/>
-      </a:fontRef>
-    </dgm:style>
-  </dgm:styleLbl>
-  <dgm:styleLbl name="bgSibTrans2D1">
-    <dgm:scene3d>
-      <a:camera prst="orthographicFront"/>
-      <a:lightRig rig="threePt" dir="t"/>
-    </dgm:scene3d>
-    <dgm:sp3d/>
-    <dgm:txPr/>
-    <dgm:style>
-      <a:lnRef idx="0">
-        <a:scrgbClr r="0" g="0" b="0"/>
-      </a:lnRef>
-      <a:fillRef idx="1">
-        <a:scrgbClr r="0" g="0" b="0"/>
-      </a:fillRef>
-      <a:effectRef idx="0">
-        <a:scrgbClr r="0" g="0" b="0"/>
-      </a:effectRef>
-      <a:fontRef idx="minor">
-        <a:schemeClr val="lt1"/>
-      </a:fontRef>
-    </dgm:style>
-  </dgm:styleLbl>
-  <dgm:styleLbl name="sibTrans1D1">
-    <dgm:scene3d>
-      <a:camera prst="orthographicFront"/>
-      <a:lightRig rig="threePt" dir="t"/>
-    </dgm:scene3d>
-    <dgm:sp3d/>
-    <dgm:txPr/>
-    <dgm:style>
-      <a:lnRef idx="1">
-        <a:scrgbClr r="0" g="0" b="0"/>
-      </a:lnRef>
-      <a:fillRef idx="0">
-        <a:scrgbClr r="0" g="0" b="0"/>
-      </a:fillRef>
-      <a:effectRef idx="0">
-        <a:scrgbClr r="0" g="0" b="0"/>
-      </a:effectRef>
-      <a:fontRef idx="minor"/>
-    </dgm:style>
-  </dgm:styleLbl>
-  <dgm:styleLbl name="callout">
-    <dgm:scene3d>
-      <a:camera prst="orthographicFront"/>
-      <a:lightRig rig="threePt" dir="t"/>
-    </dgm:scene3d>
-    <dgm:sp3d/>
-    <dgm:txPr/>
-    <dgm:style>
-      <a:lnRef idx="2">
-        <a:scrgbClr r="0" g="0" b="0"/>
-      </a:lnRef>
-      <a:fillRef idx="1">
-        <a:scrgbClr r="0" g="0" b="0"/>
-      </a:fillRef>
-      <a:effectRef idx="0">
-        <a:scrgbClr r="0" g="0" b="0"/>
-      </a:effectRef>
-      <a:fontRef idx="minor"/>
-    </dgm:style>
-  </dgm:styleLbl>
-  <dgm:styleLbl name="asst0">
-    <dgm:scene3d>
-      <a:camera prst="orthographicFront"/>
-      <a:lightRig rig="threePt" dir="t"/>
-    </dgm:scene3d>
-    <dgm:sp3d/>
-    <dgm:txPr/>
-    <dgm:style>
-      <a:lnRef idx="2">
-        <a:scrgbClr r="0" g="0" b="0"/>
-      </a:lnRef>
-      <a:fillRef idx="1">
-        <a:scrgbClr r="0" g="0" b="0"/>
-      </a:fillRef>
-      <a:effectRef idx="0">
-        <a:scrgbClr r="0" g="0" b="0"/>
-      </a:effectRef>
-      <a:fontRef idx="minor">
-        <a:schemeClr val="lt1"/>
-      </a:fontRef>
-    </dgm:style>
-  </dgm:styleLbl>
-  <dgm:styleLbl name="asst1">
-    <dgm:scene3d>
-      <a:camera prst="orthographicFront"/>
-      <a:lightRig rig="threePt" dir="t"/>
-    </dgm:scene3d>
-    <dgm:sp3d/>
-    <dgm:txPr/>
-    <dgm:style>
-      <a:lnRef idx="2">
-        <a:scrgbClr r="0" g="0" b="0"/>
-      </a:lnRef>
-      <a:fillRef idx="1">
-        <a:scrgbClr r="0" g="0" b="0"/>
-      </a:fillRef>
-      <a:effectRef idx="0">
-        <a:scrgbClr r="0" g="0" b="0"/>
-      </a:effectRef>
-      <a:fontRef idx="minor">
-        <a:schemeClr val="lt1"/>
-      </a:fontRef>
-    </dgm:style>
-  </dgm:styleLbl>
-  <dgm:styleLbl name="asst2">
-    <dgm:scene3d>
-      <a:camera prst="orthographicFront"/>
-      <a:lightRig rig="threePt" dir="t"/>
-    </dgm:scene3d>
-    <dgm:sp3d/>
-    <dgm:txPr/>
-    <dgm:style>
-      <a:lnRef idx="2">
-        <a:scrgbClr r="0" g="0" b="0"/>
-      </a:lnRef>
-      <a:fillRef idx="1">
-        <a:scrgbClr r="0" g="0" b="0"/>
-      </a:fillRef>
-      <a:effectRef idx="0">
-        <a:scrgbClr r="0" g="0" b="0"/>
-      </a:effectRef>
-      <a:fontRef idx="minor">
-        <a:schemeClr val="lt1"/>
-      </a:fontRef>
-    </dgm:style>
-  </dgm:styleLbl>
-  <dgm:styleLbl name="asst3">
-    <dgm:scene3d>
-      <a:camera prst="orthographicFront"/>
-      <a:lightRig rig="threePt" dir="t"/>
-    </dgm:scene3d>
-    <dgm:sp3d/>
-    <dgm:txPr/>
-    <dgm:style>
-      <a:lnRef idx="2">
-        <a:scrgbClr r="0" g="0" b="0"/>
-      </a:lnRef>
-      <a:fillRef idx="1">
-        <a:scrgbClr r="0" g="0" b="0"/>
-      </a:fillRef>
-      <a:effectRef idx="0">
-        <a:scrgbClr r="0" g="0" b="0"/>
-      </a:effectRef>
-      <a:fontRef idx="minor">
-        <a:schemeClr val="lt1"/>
-      </a:fontRef>
-    </dgm:style>
-  </dgm:styleLbl>
-  <dgm:styleLbl name="asst4">
-    <dgm:scene3d>
-      <a:camera prst="orthographicFront"/>
-      <a:lightRig rig="threePt" dir="t"/>
-    </dgm:scene3d>
-    <dgm:sp3d/>
-    <dgm:txPr/>
-    <dgm:style>
-      <a:lnRef idx="2">
-        <a:scrgbClr r="0" g="0" b="0"/>
-      </a:lnRef>
-      <a:fillRef idx="1">
-        <a:scrgbClr r="0" g="0" b="0"/>
-      </a:fillRef>
-      <a:effectRef idx="0">
-        <a:scrgbClr r="0" g="0" b="0"/>
-      </a:effectRef>
-      <a:fontRef idx="minor">
-        <a:schemeClr val="lt1"/>
-      </a:fontRef>
-    </dgm:style>
-  </dgm:styleLbl>
-  <dgm:styleLbl name="parChTrans2D1">
-    <dgm:scene3d>
-      <a:camera prst="orthographicFront"/>
-      <a:lightRig rig="threePt" dir="t"/>
-    </dgm:scene3d>
-    <dgm:sp3d/>
-    <dgm:txPr/>
-    <dgm:style>
-      <a:lnRef idx="2">
-        <a:scrgbClr r="0" g="0" b="0"/>
-      </a:lnRef>
-      <a:fillRef idx="1">
-        <a:scrgbClr r="0" g="0" b="0"/>
-      </a:fillRef>
-      <a:effectRef idx="0">
-        <a:scrgbClr r="0" g="0" b="0"/>
-      </a:effectRef>
-      <a:fontRef idx="minor">
-        <a:schemeClr val="lt1"/>
-      </a:fontRef>
-    </dgm:style>
-  </dgm:styleLbl>
-  <dgm:styleLbl name="parChTrans2D2">
-    <dgm:scene3d>
-      <a:camera prst="orthographicFront"/>
-      <a:lightRig rig="threePt" dir="t"/>
-    </dgm:scene3d>
-    <dgm:sp3d/>
-    <dgm:txPr/>
-    <dgm:style>
-      <a:lnRef idx="2">
-        <a:scrgbClr r="0" g="0" b="0"/>
-      </a:lnRef>
-      <a:fillRef idx="1">
-        <a:scrgbClr r="0" g="0" b="0"/>
-      </a:fillRef>
-      <a:effectRef idx="0">
-        <a:scrgbClr r="0" g="0" b="0"/>
-      </a:effectRef>
-      <a:fontRef idx="minor">
-        <a:schemeClr val="lt1"/>
-      </a:fontRef>
-    </dgm:style>
-  </dgm:styleLbl>
-  <dgm:styleLbl name="parChTrans2D3">
-    <dgm:scene3d>
-      <a:camera prst="orthographicFront"/>
-      <a:lightRig rig="threePt" dir="t"/>
-    </dgm:scene3d>
-    <dgm:sp3d/>
-    <dgm:txPr/>
-    <dgm:style>
-      <a:lnRef idx="2">
-        <a:scrgbClr r="0" g="0" b="0"/>
-      </a:lnRef>
-      <a:fillRef idx="1">
-        <a:scrgbClr r="0" g="0" b="0"/>
-      </a:fillRef>
-      <a:effectRef idx="0">
-        <a:scrgbClr r="0" g="0" b="0"/>
-      </a:effectRef>
-      <a:fontRef idx="minor">
-        <a:schemeClr val="lt1"/>
-      </a:fontRef>
-    </dgm:style>
-  </dgm:styleLbl>
-  <dgm:styleLbl name="parChTrans2D4">
-    <dgm:scene3d>
-      <a:camera prst="orthographicFront"/>
-      <a:lightRig rig="threePt" dir="t"/>
-    </dgm:scene3d>
-    <dgm:sp3d/>
-    <dgm:txPr/>
-    <dgm:style>
-      <a:lnRef idx="2">
-        <a:scrgbClr r="0" g="0" b="0"/>
-      </a:lnRef>
-      <a:fillRef idx="1">
-        <a:scrgbClr r="0" g="0" b="0"/>
-      </a:fillRef>
-      <a:effectRef idx="0">
-        <a:scrgbClr r="0" g="0" b="0"/>
-      </a:effectRef>
-      <a:fontRef idx="minor">
-        <a:schemeClr val="lt1"/>
-      </a:fontRef>
-    </dgm:style>
-  </dgm:styleLbl>
-  <dgm:styleLbl name="parChTrans1D1">
-    <dgm:scene3d>
-      <a:camera prst="orthographicFront"/>
-      <a:lightRig rig="threePt" dir="t"/>
-    </dgm:scene3d>
-    <dgm:sp3d/>
-    <dgm:txPr/>
-    <dgm:style>
-      <a:lnRef idx="2">
-        <a:scrgbClr r="0" g="0" b="0"/>
-      </a:lnRef>
-      <a:fillRef idx="0">
-        <a:scrgbClr r="0" g="0" b="0"/>
-      </a:fillRef>
-      <a:effectRef idx="0">
-        <a:scrgbClr r="0" g="0" b="0"/>
-      </a:effectRef>
-      <a:fontRef idx="minor"/>
-    </dgm:style>
-  </dgm:styleLbl>
-  <dgm:styleLbl name="parChTrans1D2">
-    <dgm:scene3d>
-      <a:camera prst="orthographicFront"/>
-      <a:lightRig rig="threePt" dir="t"/>
-    </dgm:scene3d>
-    <dgm:sp3d/>
-    <dgm:txPr/>
-    <dgm:style>
-      <a:lnRef idx="2">
-        <a:scrgbClr r="0" g="0" b="0"/>
-      </a:lnRef>
-      <a:fillRef idx="0">
-        <a:scrgbClr r="0" g="0" b="0"/>
-      </a:fillRef>
-      <a:effectRef idx="0">
-        <a:scrgbClr r="0" g="0" b="0"/>
-      </a:effectRef>
-      <a:fontRef idx="minor"/>
-    </dgm:style>
-  </dgm:styleLbl>
-  <dgm:styleLbl name="parChTrans1D3">
-    <dgm:scene3d>
-      <a:camera prst="orthographicFront"/>
-      <a:lightRig rig="threePt" dir="t"/>
-    </dgm:scene3d>
-    <dgm:sp3d/>
-    <dgm:txPr/>
-    <dgm:style>
-      <a:lnRef idx="2">
-        <a:scrgbClr r="0" g="0" b="0"/>
-      </a:lnRef>
-      <a:fillRef idx="0">
-        <a:scrgbClr r="0" g="0" b="0"/>
-      </a:fillRef>
-      <a:effectRef idx="0">
-        <a:scrgbClr r="0" g="0" b="0"/>
-      </a:effectRef>
-      <a:fontRef idx="minor"/>
-    </dgm:style>
-  </dgm:styleLbl>
-  <dgm:styleLbl name="parChTrans1D4">
-    <dgm:scene3d>
-      <a:camera prst="orthographicFront"/>
-      <a:lightRig rig="threePt" dir="t"/>
-    </dgm:scene3d>
-    <dgm:sp3d/>
-    <dgm:txPr/>
-    <dgm:style>
-      <a:lnRef idx="2">
-        <a:scrgbClr r="0" g="0" b="0"/>
-      </a:lnRef>
-      <a:fillRef idx="0">
-        <a:scrgbClr r="0" g="0" b="0"/>
-      </a:fillRef>
-      <a:effectRef idx="0">
-        <a:scrgbClr r="0" g="0" b="0"/>
-      </a:effectRef>
-      <a:fontRef idx="minor"/>
-    </dgm:style>
-  </dgm:styleLbl>
-  <dgm:styleLbl name="fgAcc1">
-    <dgm:scene3d>
-      <a:camera prst="orthographicFront"/>
-      <a:lightRig rig="threePt" dir="t"/>
-    </dgm:scene3d>
-    <dgm:sp3d/>
-    <dgm:txPr/>
-    <dgm:style>
-      <a:lnRef idx="2">
-        <a:scrgbClr r="0" g="0" b="0"/>
-      </a:lnRef>
-      <a:fillRef idx="1">
-        <a:scrgbClr r="0" g="0" b="0"/>
-      </a:fillRef>
-      <a:effectRef idx="0">
-        <a:scrgbClr r="0" g="0" b="0"/>
-      </a:effectRef>
-      <a:fontRef idx="minor"/>
-    </dgm:style>
-  </dgm:styleLbl>
-  <dgm:styleLbl name="conFgAcc1">
-    <dgm:scene3d>
-      <a:camera prst="orthographicFront"/>
-      <a:lightRig rig="threePt" dir="t"/>
-    </dgm:scene3d>
-    <dgm:sp3d/>
-    <dgm:txPr/>
-    <dgm:style>
-      <a:lnRef idx="2">
-        <a:scrgbClr r="0" g="0" b="0"/>
-      </a:lnRef>
-      <a:fillRef idx="1">
-        <a:scrgbClr r="0" g="0" b="0"/>
-      </a:fillRef>
-      <a:effectRef idx="0">
-        <a:scrgbClr r="0" g="0" b="0"/>
-      </a:effectRef>
-      <a:fontRef idx="minor"/>
-    </dgm:style>
-  </dgm:styleLbl>
-  <dgm:styleLbl name="alignAcc1">
-    <dgm:scene3d>
-      <a:camera prst="orthographicFront"/>
-      <a:lightRig rig="threePt" dir="t"/>
-    </dgm:scene3d>
-    <dgm:sp3d/>
-    <dgm:txPr/>
-    <dgm:style>
-      <a:lnRef idx="2">
-        <a:scrgbClr r="0" g="0" b="0"/>
-      </a:lnRef>
-      <a:fillRef idx="1">
-        <a:scrgbClr r="0" g="0" b="0"/>
-      </a:fillRef>
-      <a:effectRef idx="0">
-        <a:scrgbClr r="0" g="0" b="0"/>
-      </a:effectRef>
-      <a:fontRef idx="minor"/>
-    </dgm:style>
-  </dgm:styleLbl>
-  <dgm:styleLbl name="trAlignAcc1">
-    <dgm:scene3d>
-      <a:camera prst="orthographicFront"/>
-      <a:lightRig rig="threePt" dir="t"/>
-    </dgm:scene3d>
-    <dgm:sp3d/>
-    <dgm:txPr/>
-    <dgm:style>
-      <a:lnRef idx="1">
-        <a:scrgbClr r="0" g="0" b="0"/>
-      </a:lnRef>
-      <a:fillRef idx="1">
-        <a:scrgbClr r="0" g="0" b="0"/>
-      </a:fillRef>
-      <a:effectRef idx="0">
-        <a:scrgbClr r="0" g="0" b="0"/>
-      </a:effectRef>
-      <a:fontRef idx="minor"/>
-    </dgm:style>
-  </dgm:styleLbl>
-  <dgm:styleLbl name="bgAcc1">
-    <dgm:scene3d>
-      <a:camera prst="orthographicFront"/>
-      <a:lightRig rig="threePt" dir="t"/>
-    </dgm:scene3d>
-    <dgm:sp3d/>
-    <dgm:txPr/>
-    <dgm:style>
-      <a:lnRef idx="2">
-        <a:scrgbClr r="0" g="0" b="0"/>
-      </a:lnRef>
-      <a:fillRef idx="1">
-        <a:scrgbClr r="0" g="0" b="0"/>
-      </a:fillRef>
-      <a:effectRef idx="0">
-        <a:scrgbClr r="0" g="0" b="0"/>
-      </a:effectRef>
-      <a:fontRef idx="minor"/>
-    </dgm:style>
-  </dgm:styleLbl>
-  <dgm:styleLbl name="solidFgAcc1">
-    <dgm:scene3d>
-      <a:camera prst="orthographicFront"/>
-      <a:lightRig rig="threePt" dir="t"/>
-    </dgm:scene3d>
-    <dgm:sp3d/>
-    <dgm:txPr/>
-    <dgm:style>
-      <a:lnRef idx="2">
-        <a:scrgbClr r="0" g="0" b="0"/>
-      </a:lnRef>
-      <a:fillRef idx="1">
-        <a:scrgbClr r="0" g="0" b="0"/>
-      </a:fillRef>
-      <a:effectRef idx="0">
-        <a:scrgbClr r="0" g="0" b="0"/>
-      </a:effectRef>
-      <a:fontRef idx="minor"/>
-    </dgm:style>
-  </dgm:styleLbl>
-  <dgm:styleLbl name="solidAlignAcc1">
-    <dgm:scene3d>
-      <a:camera prst="orthographicFront"/>
-      <a:lightRig rig="threePt" dir="t"/>
-    </dgm:scene3d>
-    <dgm:sp3d/>
-    <dgm:txPr/>
-    <dgm:style>
-      <a:lnRef idx="2">
-        <a:scrgbClr r="0" g="0" b="0"/>
-      </a:lnRef>
-      <a:fillRef idx="1">
-        <a:scrgbClr r="0" g="0" b="0"/>
-      </a:fillRef>
-      <a:effectRef idx="0">
-        <a:scrgbClr r="0" g="0" b="0"/>
-      </a:effectRef>
-      <a:fontRef idx="minor"/>
-    </dgm:style>
-  </dgm:styleLbl>
-  <dgm:styleLbl name="solidBgAcc1">
-    <dgm:scene3d>
-      <a:camera prst="orthographicFront"/>
-      <a:lightRig rig="threePt" dir="t"/>
-    </dgm:scene3d>
-    <dgm:sp3d/>
-    <dgm:txPr/>
-    <dgm:style>
-      <a:lnRef idx="2">
-        <a:scrgbClr r="0" g="0" b="0"/>
-      </a:lnRef>
-      <a:fillRef idx="1">
-        <a:scrgbClr r="0" g="0" b="0"/>
-      </a:fillRef>
-      <a:effectRef idx="0">
-        <a:scrgbClr r="0" g="0" b="0"/>
-      </a:effectRef>
-      <a:fontRef idx="minor"/>
-    </dgm:style>
-  </dgm:styleLbl>
-  <dgm:styleLbl name="fgAccFollowNode1">
-    <dgm:scene3d>
-      <a:camera prst="orthographicFront"/>
-      <a:lightRig rig="threePt" dir="t"/>
-    </dgm:scene3d>
-    <dgm:sp3d/>
-    <dgm:txPr/>
-    <dgm:style>
-      <a:lnRef idx="2">
-        <a:scrgbClr r="0" g="0" b="0"/>
-      </a:lnRef>
-      <a:fillRef idx="1">
-        <a:scrgbClr r="0" g="0" b="0"/>
-      </a:fillRef>
-      <a:effectRef idx="0">
-        <a:scrgbClr r="0" g="0" b="0"/>
-      </a:effectRef>
-      <a:fontRef idx="minor"/>
-    </dgm:style>
-  </dgm:styleLbl>
-  <dgm:styleLbl name="alignAccFollowNode1">
-    <dgm:scene3d>
-      <a:camera prst="orthographicFront"/>
-      <a:lightRig rig="threePt" dir="t"/>
-    </dgm:scene3d>
-    <dgm:sp3d/>
-    <dgm:txPr/>
-    <dgm:style>
-      <a:lnRef idx="2">
-        <a:scrgbClr r="0" g="0" b="0"/>
-      </a:lnRef>
-      <a:fillRef idx="1">
-        <a:scrgbClr r="0" g="0" b="0"/>
-      </a:fillRef>
-      <a:effectRef idx="0">
-        <a:scrgbClr r="0" g="0" b="0"/>
-      </a:effectRef>
-      <a:fontRef idx="minor"/>
-    </dgm:style>
-  </dgm:styleLbl>
-  <dgm:styleLbl name="bgAccFollowNode1">
-    <dgm:scene3d>
-      <a:camera prst="orthographicFront"/>
-      <a:lightRig rig="threePt" dir="t"/>
-    </dgm:scene3d>
-    <dgm:sp3d/>
-    <dgm:txPr/>
-    <dgm:style>
-      <a:lnRef idx="2">
-        <a:scrgbClr r="0" g="0" b="0"/>
-      </a:lnRef>
-      <a:fillRef idx="1">
-        <a:scrgbClr r="0" g="0" b="0"/>
-      </a:fillRef>
-      <a:effectRef idx="0">
-        <a:scrgbClr r="0" g="0" b="0"/>
-      </a:effectRef>
-      <a:fontRef idx="minor"/>
-    </dgm:style>
-  </dgm:styleLbl>
-  <dgm:styleLbl name="fgAcc0">
-    <dgm:scene3d>
-      <a:camera prst="orthographicFront"/>
-      <a:lightRig rig="threePt" dir="t"/>
-    </dgm:scene3d>
-    <dgm:sp3d/>
-    <dgm:txPr/>
-    <dgm:style>
-      <a:lnRef idx="2">
-        <a:scrgbClr r="0" g="0" b="0"/>
-      </a:lnRef>
-      <a:fillRef idx="1">
-        <a:scrgbClr r="0" g="0" b="0"/>
-      </a:fillRef>
-      <a:effectRef idx="0">
-        <a:scrgbClr r="0" g="0" b="0"/>
-      </a:effectRef>
-      <a:fontRef idx="minor"/>
-    </dgm:style>
-  </dgm:styleLbl>
-  <dgm:styleLbl name="fgAcc2">
-    <dgm:scene3d>
-      <a:camera prst="orthographicFront"/>
-      <a:lightRig rig="threePt" dir="t"/>
-    </dgm:scene3d>
-    <dgm:sp3d/>
-    <dgm:txPr/>
-    <dgm:style>
-      <a:lnRef idx="2">
-        <a:scrgbClr r="0" g="0" b="0"/>
-      </a:lnRef>
-      <a:fillRef idx="1">
-        <a:scrgbClr r="0" g="0" b="0"/>
-      </a:fillRef>
-      <a:effectRef idx="0">
-        <a:scrgbClr r="0" g="0" b="0"/>
-      </a:effectRef>
-      <a:fontRef idx="minor"/>
-    </dgm:style>
-  </dgm:styleLbl>
-  <dgm:styleLbl name="fgAcc3">
-    <dgm:scene3d>
-      <a:camera prst="orthographicFront"/>
-      <a:lightRig rig="threePt" dir="t"/>
-    </dgm:scene3d>
-    <dgm:sp3d/>
-    <dgm:txPr/>
-    <dgm:style>
-      <a:lnRef idx="2">
-        <a:scrgbClr r="0" g="0" b="0"/>
-      </a:lnRef>
-      <a:fillRef idx="1">
-        <a:scrgbClr r="0" g="0" b="0"/>
-      </a:fillRef>
-      <a:effectRef idx="0">
-        <a:scrgbClr r="0" g="0" b="0"/>
-      </a:effectRef>
-      <a:fontRef idx="minor"/>
-    </dgm:style>
-  </dgm:styleLbl>
-  <dgm:styleLbl name="fgAcc4">
-    <dgm:scene3d>
-      <a:camera prst="orthographicFront"/>
-      <a:lightRig rig="threePt" dir="t"/>
-    </dgm:scene3d>
-    <dgm:sp3d/>
-    <dgm:txPr/>
-    <dgm:style>
-      <a:lnRef idx="2">
-        <a:scrgbClr r="0" g="0" b="0"/>
-      </a:lnRef>
-      <a:fillRef idx="1">
-        <a:scrgbClr r="0" g="0" b="0"/>
-      </a:fillRef>
-      <a:effectRef idx="0">
-        <a:scrgbClr r="0" g="0" b="0"/>
-      </a:effectRef>
-      <a:fontRef idx="minor"/>
-    </dgm:style>
-  </dgm:styleLbl>
-  <dgm:styleLbl name="bgShp">
-    <dgm:scene3d>
-      <a:camera prst="orthographicFront"/>
-      <a:lightRig rig="threePt" dir="t"/>
-    </dgm:scene3d>
-    <dgm:sp3d/>
-    <dgm:txPr/>
-    <dgm:style>
-      <a:lnRef idx="0">
-        <a:scrgbClr r="0" g="0" b="0"/>
-      </a:lnRef>
-      <a:fillRef idx="1">
-        <a:scrgbClr r="0" g="0" b="0"/>
-      </a:fillRef>
-      <a:effectRef idx="0">
-        <a:scrgbClr r="0" g="0" b="0"/>
-      </a:effectRef>
-      <a:fontRef idx="minor"/>
-    </dgm:style>
-  </dgm:styleLbl>
-  <dgm:styleLbl name="dkBgShp">
-    <dgm:scene3d>
-      <a:camera prst="orthographicFront"/>
-      <a:lightRig rig="threePt" dir="t"/>
-    </dgm:scene3d>
-    <dgm:sp3d/>
-    <dgm:txPr/>
-    <dgm:style>
-      <a:lnRef idx="0">
-        <a:scrgbClr r="0" g="0" b="0"/>
-      </a:lnRef>
-      <a:fillRef idx="1">
-        <a:scrgbClr r="0" g="0" b="0"/>
-      </a:fillRef>
-      <a:effectRef idx="0">
-        <a:scrgbClr r="0" g="0" b="0"/>
-      </a:effectRef>
-      <a:fontRef idx="minor"/>
-    </dgm:style>
-  </dgm:styleLbl>
-  <dgm:styleLbl name="trBgShp">
-    <dgm:scene3d>
-      <a:camera prst="orthographicFront"/>
-      <a:lightRig rig="threePt" dir="t"/>
-    </dgm:scene3d>
-    <dgm:sp3d/>
-    <dgm:txPr/>
-    <dgm:style>
-      <a:lnRef idx="0">
-        <a:scrgbClr r="0" g="0" b="0"/>
-      </a:lnRef>
-      <a:fillRef idx="1">
-        <a:scrgbClr r="0" g="0" b="0"/>
-      </a:fillRef>
-      <a:effectRef idx="0">
-        <a:scrgbClr r="0" g="0" b="0"/>
-      </a:effectRef>
-      <a:fontRef idx="minor"/>
-    </dgm:style>
-  </dgm:styleLbl>
-  <dgm:styleLbl name="fgShp">
-    <dgm:scene3d>
-      <a:camera prst="orthographicFront"/>
-      <a:lightRig rig="threePt" dir="t"/>
-    </dgm:scene3d>
-    <dgm:sp3d/>
-    <dgm:txPr/>
-    <dgm:style>
-      <a:lnRef idx="2">
-        <a:scrgbClr r="0" g="0" b="0"/>
-      </a:lnRef>
-      <a:fillRef idx="1">
-        <a:scrgbClr r="0" g="0" b="0"/>
-      </a:fillRef>
-      <a:effectRef idx="0">
-        <a:scrgbClr r="0" g="0" b="0"/>
-      </a:effectRef>
-      <a:fontRef idx="minor"/>
-    </dgm:style>
-  </dgm:styleLbl>
-  <dgm:styleLbl name="revTx">
-    <dgm:scene3d>
-      <a:camera prst="orthographicFront"/>
-      <a:lightRig rig="threePt" dir="t"/>
-    </dgm:scene3d>
-    <dgm:sp3d/>
-    <dgm:txPr/>
-    <dgm:style>
-      <a:lnRef idx="0">
-        <a:scrgbClr r="0" g="0" b="0"/>
-      </a:lnRef>
-      <a:fillRef idx="0">
-        <a:scrgbClr r="0" g="0" b="0"/>
-      </a:fillRef>
-      <a:effectRef idx="0">
-        <a:scrgbClr r="0" g="0" b="0"/>
-      </a:effectRef>
-      <a:fontRef idx="minor"/>
-    </dgm:style>
-  </dgm:styleLbl>
-</dgm:styleDef>
-</file>
-
-<file path=ppt/diagrams/quickStyle6.xml><?xml version="1.0" encoding="utf-8"?>
 <dgm:styleDef xmlns:dgm="http://schemas.openxmlformats.org/drawingml/2006/diagram" xmlns:a="http://schemas.openxmlformats.org/drawingml/2006/main" uniqueId="urn:microsoft.com/office/officeart/2005/8/quickstyle/simple1">
   <dgm:title val=""/>
   <dgm:desc val=""/>
@@ -15891,7 +13280,7 @@
             <a:fld id="{48A38605-3704-42FD-8A77-D50FA3F2E68A}" type="datetimeFigureOut">
               <a:rPr lang="fr-FR" smtClean="0"/>
               <a:pPr/>
-              <a:t>31/03/2015</a:t>
+              <a:t>01/04/2015</a:t>
             </a:fld>
             <a:endParaRPr lang="fr-FR"/>
           </a:p>
@@ -16204,40 +13593,6 @@
           <a:bodyPr/>
           <a:lstStyle/>
           <a:p>
-            <a:r>
-              <a:rPr lang="fr-FR" dirty="0" smtClean="0"/>
-              <a:t>Be </a:t>
-            </a:r>
-            <a:r>
-              <a:rPr lang="fr-FR" dirty="0" err="1" smtClean="0"/>
-              <a:t>telecom</a:t>
-            </a:r>
-            <a:r>
-              <a:rPr lang="fr-FR" dirty="0" smtClean="0"/>
-              <a:t> L3</a:t>
-            </a:r>
-          </a:p>
-          <a:p>
-            <a:r>
-              <a:rPr lang="fr-FR" dirty="0" smtClean="0"/>
-              <a:t>Enlever </a:t>
-            </a:r>
-            <a:r>
-              <a:rPr lang="fr-FR" baseline="0" dirty="0" smtClean="0"/>
-              <a:t> </a:t>
-            </a:r>
-            <a:r>
-              <a:rPr lang="fr-FR" baseline="0" dirty="0" err="1" smtClean="0"/>
-              <a:t>derrniere</a:t>
-            </a:r>
-            <a:r>
-              <a:rPr lang="fr-FR" baseline="0" dirty="0" smtClean="0"/>
-              <a:t> </a:t>
-            </a:r>
-            <a:r>
-              <a:rPr lang="fr-FR" baseline="0" dirty="0" err="1" smtClean="0"/>
-              <a:t>modi</a:t>
-            </a:r>
             <a:endParaRPr lang="fr-FR" dirty="0" smtClean="0"/>
           </a:p>
         </p:txBody>
@@ -16493,6 +13848,55 @@
           <a:bodyPr/>
           <a:lstStyle/>
           <a:p>
+            <a:r>
+              <a:rPr lang="fr-FR" dirty="0" smtClean="0"/>
+              <a:t>Plug FAI : prise </a:t>
+            </a:r>
+            <a:r>
+              <a:rPr lang="fr-FR" dirty="0" err="1" smtClean="0"/>
+              <a:t>cpl</a:t>
+            </a:r>
+            <a:r>
+              <a:rPr lang="fr-FR" dirty="0" smtClean="0"/>
+              <a:t> pour relier les box </a:t>
+            </a:r>
+            <a:r>
+              <a:rPr lang="fr-FR" dirty="0" err="1" smtClean="0"/>
+              <a:t>adsl</a:t>
+            </a:r>
+            <a:r>
+              <a:rPr lang="fr-FR" dirty="0" smtClean="0"/>
+              <a:t> aux </a:t>
+            </a:r>
+            <a:r>
+              <a:rPr lang="fr-FR" dirty="0" err="1" smtClean="0"/>
+              <a:t>bos</a:t>
+            </a:r>
+            <a:r>
+              <a:rPr lang="fr-FR" dirty="0" smtClean="0"/>
+              <a:t> TV</a:t>
+            </a:r>
+          </a:p>
+          <a:p>
+            <a:endParaRPr lang="fr-FR" dirty="0" smtClean="0"/>
+          </a:p>
+          <a:p>
+            <a:r>
+              <a:rPr lang="fr-FR" dirty="0" smtClean="0"/>
+              <a:t>Plug réseau local</a:t>
+            </a:r>
+            <a:r>
+              <a:rPr lang="fr-FR" baseline="0" dirty="0" smtClean="0"/>
+              <a:t> : routeur, </a:t>
+            </a:r>
+            <a:r>
+              <a:rPr lang="fr-FR" baseline="0" dirty="0" err="1" smtClean="0"/>
+              <a:t>répetteur</a:t>
+            </a:r>
+            <a:r>
+              <a:rPr lang="fr-FR" baseline="0" dirty="0" smtClean="0"/>
+              <a:t>, …</a:t>
+            </a:r>
             <a:endParaRPr lang="fr-FR" dirty="0"/>
           </a:p>
         </p:txBody>
@@ -16580,31 +13984,52 @@
           <a:p>
             <a:r>
               <a:rPr lang="fr-FR" dirty="0" smtClean="0"/>
-              <a:t>Plug FAI : prise </a:t>
+              <a:t>Wifi :</a:t>
+            </a:r>
+          </a:p>
+          <a:p>
+            <a:r>
+              <a:rPr lang="fr-FR" dirty="0" smtClean="0"/>
+              <a:t>Avantage : pas d’installation spécifique, le signal se diffuse. </a:t>
             </a:r>
             <a:r>
               <a:rPr lang="fr-FR" dirty="0" err="1" smtClean="0"/>
-              <a:t>cpl</a:t>
+              <a:t>Necessité</a:t>
+            </a:r>
+            <a:r>
+              <a:rPr lang="fr-FR" baseline="0" dirty="0" smtClean="0"/>
+              <a:t> cependant de répéteur pour de grandes distance.</a:t>
+            </a:r>
+          </a:p>
+          <a:p>
+            <a:r>
+              <a:rPr lang="fr-FR" baseline="0" dirty="0" smtClean="0"/>
+              <a:t>Inconvénient : Les ondes qui circules, de plus en plus on cherche a les réduire ce qui fait que ce n’est pas une bonne approche pour le futur</a:t>
+            </a:r>
+          </a:p>
+          <a:p>
+            <a:endParaRPr lang="fr-FR" baseline="0" dirty="0" smtClean="0"/>
+          </a:p>
+          <a:p>
+            <a:r>
+              <a:rPr lang="fr-FR" dirty="0" err="1" smtClean="0"/>
+              <a:t>Cable</a:t>
             </a:r>
             <a:r>
               <a:rPr lang="fr-FR" dirty="0" smtClean="0"/>
-              <a:t> pour relier les box </a:t>
-            </a:r>
-            <a:r>
-              <a:rPr lang="fr-FR" dirty="0" err="1" smtClean="0"/>
-              <a:t>adsl</a:t>
-            </a:r>
+              <a:t> :</a:t>
+            </a:r>
+          </a:p>
+          <a:p>
             <a:r>
               <a:rPr lang="fr-FR" dirty="0" smtClean="0"/>
-              <a:t> aux </a:t>
-            </a:r>
-            <a:r>
-              <a:rPr lang="fr-FR" dirty="0" err="1" smtClean="0"/>
-              <a:t>bos</a:t>
-            </a:r>
+              <a:t>Avantage : </a:t>
+            </a:r>
+          </a:p>
+          <a:p>
             <a:r>
               <a:rPr lang="fr-FR" dirty="0" smtClean="0"/>
-              <a:t> TV</a:t>
+              <a:t>Inconvénient :</a:t>
             </a:r>
           </a:p>
           <a:p>
@@ -16613,19 +14038,19 @@
           <a:p>
             <a:r>
               <a:rPr lang="fr-FR" dirty="0" smtClean="0"/>
-              <a:t>Plug réseau local</a:t>
-            </a:r>
-            <a:r>
-              <a:rPr lang="fr-FR" baseline="0" dirty="0" smtClean="0"/>
-              <a:t> : routeur, </a:t>
-            </a:r>
-            <a:r>
-              <a:rPr lang="fr-FR" baseline="0" dirty="0" err="1" smtClean="0"/>
-              <a:t>répetteur</a:t>
-            </a:r>
-            <a:r>
-              <a:rPr lang="fr-FR" baseline="0" dirty="0" smtClean="0"/>
-              <a:t>, …</a:t>
+              <a:t>Bus proprio :</a:t>
+            </a:r>
+          </a:p>
+          <a:p>
+            <a:r>
+              <a:rPr lang="fr-FR" dirty="0" smtClean="0"/>
+              <a:t>Avantage :</a:t>
+            </a:r>
+          </a:p>
+          <a:p>
+            <a:r>
+              <a:rPr lang="fr-FR" dirty="0" smtClean="0"/>
+              <a:t>Inconvénient :</a:t>
             </a:r>
             <a:endParaRPr lang="fr-FR" dirty="0"/>
           </a:p>
@@ -16658,7 +14083,7 @@
     </p:spTree>
     <p:extLst>
       <p:ext uri="{BB962C8B-B14F-4D97-AF65-F5344CB8AC3E}">
-        <p14:creationId xmlns:p14="http://schemas.microsoft.com/office/powerpoint/2010/main" val="2636632387"/>
+        <p14:creationId xmlns:p14="http://schemas.microsoft.com/office/powerpoint/2010/main" val="4286161135"/>
       </p:ext>
     </p:extLst>
   </p:cSld>
@@ -16714,47 +14139,15 @@
           <a:p>
             <a:r>
               <a:rPr lang="fr-FR" dirty="0" smtClean="0"/>
-              <a:t>Wifi :</a:t>
-            </a:r>
-          </a:p>
-          <a:p>
-            <a:r>
-              <a:rPr lang="fr-FR" dirty="0" smtClean="0"/>
-              <a:t>Avantage : pas d’installation spécifique, le signal se diffuse. </a:t>
-            </a:r>
-            <a:r>
-              <a:rPr lang="fr-FR" dirty="0" err="1" smtClean="0"/>
-              <a:t>Necessité</a:t>
+              <a:t>Avantage</a:t>
             </a:r>
             <a:r>
               <a:rPr lang="fr-FR" baseline="0" dirty="0" smtClean="0"/>
-              <a:t> cependant de répéteur pour de grandes distance.</a:t>
-            </a:r>
-          </a:p>
-          <a:p>
-            <a:r>
-              <a:rPr lang="fr-FR" baseline="0" dirty="0" smtClean="0"/>
-              <a:t>Inconvénient : Les ondes qui circules, de plus en plus on cherche a les réduire ce qui fait que ce n’est pas une bonne approche pour le futur</a:t>
-            </a:r>
-          </a:p>
-          <a:p>
-            <a:endParaRPr lang="fr-FR" baseline="0" dirty="0" smtClean="0"/>
-          </a:p>
-          <a:p>
-            <a:r>
-              <a:rPr lang="fr-FR" dirty="0" err="1" smtClean="0"/>
-              <a:t>Cable</a:t>
-            </a:r>
-            <a:r>
-              <a:rPr lang="fr-FR" dirty="0" smtClean="0"/>
               <a:t> :</a:t>
             </a:r>
           </a:p>
           <a:p>
-            <a:r>
-              <a:rPr lang="fr-FR" dirty="0" smtClean="0"/>
-              <a:t>Avantage : </a:t>
-            </a:r>
+            <a:endParaRPr lang="fr-FR" dirty="0" smtClean="0"/>
           </a:p>
           <a:p>
             <a:r>
@@ -16763,25 +14156,47 @@
             </a:r>
           </a:p>
           <a:p>
-            <a:endParaRPr lang="fr-FR" dirty="0" smtClean="0"/>
-          </a:p>
-          <a:p>
+            <a:pPr marL="171450" indent="-171450">
+              <a:buFontTx/>
+              <a:buChar char="-"/>
+            </a:pPr>
             <a:r>
               <a:rPr lang="fr-FR" dirty="0" smtClean="0"/>
-              <a:t>Bus proprio :</a:t>
-            </a:r>
-          </a:p>
-          <a:p>
-            <a:r>
-              <a:rPr lang="fr-FR" dirty="0" smtClean="0"/>
-              <a:t>Avantage :</a:t>
-            </a:r>
-          </a:p>
-          <a:p>
-            <a:r>
-              <a:rPr lang="fr-FR" dirty="0" smtClean="0"/>
-              <a:t>Inconvénient :</a:t>
-            </a:r>
+              <a:t>Perf inférieures</a:t>
+            </a:r>
+            <a:r>
+              <a:rPr lang="fr-FR" baseline="0" dirty="0" smtClean="0"/>
+              <a:t> au wifi/</a:t>
+            </a:r>
+            <a:r>
+              <a:rPr lang="fr-FR" baseline="0" dirty="0" err="1" smtClean="0"/>
+              <a:t>cable</a:t>
+            </a:r>
+            <a:r>
+              <a:rPr lang="fr-FR" baseline="0" dirty="0" smtClean="0"/>
+              <a:t> </a:t>
+            </a:r>
+            <a:r>
+              <a:rPr lang="fr-FR" baseline="0" dirty="0" err="1" smtClean="0"/>
+              <a:t>ethenet</a:t>
+            </a:r>
+            <a:endParaRPr lang="fr-FR" baseline="0" dirty="0" smtClean="0"/>
+          </a:p>
+          <a:p>
+            <a:pPr marL="171450" indent="-171450">
+              <a:buFontTx/>
+              <a:buChar char="-"/>
+            </a:pPr>
+            <a:r>
+              <a:rPr lang="fr-FR" baseline="0" dirty="0" smtClean="0"/>
+              <a:t>Débit varie selon l’utilisation du réseau électrique</a:t>
+            </a:r>
+          </a:p>
+          <a:p>
+            <a:pPr marL="171450" indent="-171450">
+              <a:buFontTx/>
+              <a:buChar char="-"/>
+            </a:pPr>
             <a:endParaRPr lang="fr-FR" dirty="0"/>
           </a:p>
         </p:txBody>
@@ -16813,371 +14228,7 @@
     </p:spTree>
     <p:extLst>
       <p:ext uri="{BB962C8B-B14F-4D97-AF65-F5344CB8AC3E}">
-        <p14:creationId xmlns:p14="http://schemas.microsoft.com/office/powerpoint/2010/main" val="4286161135"/>
-      </p:ext>
-    </p:extLst>
-  </p:cSld>
-  <p:clrMapOvr>
-    <a:masterClrMapping/>
-  </p:clrMapOvr>
-</p:notes>
-</file>
-
-<file path=ppt/notesSlides/notesSlide15.xml><?xml version="1.0" encoding="utf-8"?>
-<p:notes xmlns:a="http://schemas.openxmlformats.org/drawingml/2006/main" xmlns:r="http://schemas.openxmlformats.org/officeDocument/2006/relationships" xmlns:p="http://schemas.openxmlformats.org/presentationml/2006/main">
-  <p:cSld>
-    <p:spTree>
-      <p:nvGrpSpPr>
-        <p:cNvPr id="1" name=""/>
-        <p:cNvGrpSpPr/>
-        <p:nvPr/>
-      </p:nvGrpSpPr>
-      <p:grpSpPr>
-        <a:xfrm>
-          <a:off x="0" y="0"/>
-          <a:ext cx="0" cy="0"/>
-          <a:chOff x="0" y="0"/>
-          <a:chExt cx="0" cy="0"/>
-        </a:xfrm>
-      </p:grpSpPr>
-      <p:sp>
-        <p:nvSpPr>
-          <p:cNvPr id="2" name="Espace réservé de l'image des diapositives 1"/>
-          <p:cNvSpPr>
-            <a:spLocks noGrp="1" noRot="1" noChangeAspect="1"/>
-          </p:cNvSpPr>
-          <p:nvPr>
-            <p:ph type="sldImg"/>
-          </p:nvPr>
-        </p:nvSpPr>
-        <p:spPr/>
-      </p:sp>
-      <p:sp>
-        <p:nvSpPr>
-          <p:cNvPr id="3" name="Espace réservé des commentaires 2"/>
-          <p:cNvSpPr>
-            <a:spLocks noGrp="1"/>
-          </p:cNvSpPr>
-          <p:nvPr>
-            <p:ph type="body" idx="1"/>
-          </p:nvPr>
-        </p:nvSpPr>
-        <p:spPr/>
-        <p:txBody>
-          <a:bodyPr/>
-          <a:lstStyle/>
-          <a:p>
-            <a:r>
-              <a:rPr lang="fr-FR" dirty="0" smtClean="0"/>
-              <a:t>Avantage</a:t>
-            </a:r>
-            <a:r>
-              <a:rPr lang="fr-FR" baseline="0" dirty="0" smtClean="0"/>
-              <a:t> :</a:t>
-            </a:r>
-          </a:p>
-          <a:p>
-            <a:endParaRPr lang="fr-FR" dirty="0" smtClean="0"/>
-          </a:p>
-          <a:p>
-            <a:r>
-              <a:rPr lang="fr-FR" dirty="0" smtClean="0"/>
-              <a:t>Inconvénient :</a:t>
-            </a:r>
-          </a:p>
-          <a:p>
-            <a:pPr marL="171450" indent="-171450">
-              <a:buFontTx/>
-              <a:buChar char="-"/>
-            </a:pPr>
-            <a:r>
-              <a:rPr lang="fr-FR" dirty="0" smtClean="0"/>
-              <a:t>Perf inférieures</a:t>
-            </a:r>
-            <a:r>
-              <a:rPr lang="fr-FR" baseline="0" dirty="0" smtClean="0"/>
-              <a:t> au wifi/</a:t>
-            </a:r>
-            <a:r>
-              <a:rPr lang="fr-FR" baseline="0" dirty="0" err="1" smtClean="0"/>
-              <a:t>cable</a:t>
-            </a:r>
-            <a:r>
-              <a:rPr lang="fr-FR" baseline="0" dirty="0" smtClean="0"/>
-              <a:t> </a:t>
-            </a:r>
-            <a:r>
-              <a:rPr lang="fr-FR" baseline="0" dirty="0" err="1" smtClean="0"/>
-              <a:t>ethenet</a:t>
-            </a:r>
-            <a:endParaRPr lang="fr-FR" baseline="0" dirty="0" smtClean="0"/>
-          </a:p>
-          <a:p>
-            <a:pPr marL="171450" indent="-171450">
-              <a:buFontTx/>
-              <a:buChar char="-"/>
-            </a:pPr>
-            <a:r>
-              <a:rPr lang="fr-FR" baseline="0" dirty="0" smtClean="0"/>
-              <a:t>Débit varie selon l’utilisation du réseau électrique</a:t>
-            </a:r>
-          </a:p>
-          <a:p>
-            <a:pPr marL="171450" indent="-171450">
-              <a:buFontTx/>
-              <a:buChar char="-"/>
-            </a:pPr>
-            <a:endParaRPr lang="fr-FR" dirty="0"/>
-          </a:p>
-        </p:txBody>
-      </p:sp>
-      <p:sp>
-        <p:nvSpPr>
-          <p:cNvPr id="4" name="Espace réservé du numéro de diapositive 3"/>
-          <p:cNvSpPr>
-            <a:spLocks noGrp="1"/>
-          </p:cNvSpPr>
-          <p:nvPr>
-            <p:ph type="sldNum" sz="quarter" idx="10"/>
-          </p:nvPr>
-        </p:nvSpPr>
-        <p:spPr/>
-        <p:txBody>
-          <a:bodyPr/>
-          <a:lstStyle/>
-          <a:p>
-            <a:fld id="{799A7FBE-DE10-47BC-AA37-8A753178CFF3}" type="slidenum">
-              <a:rPr lang="fr-FR" smtClean="0"/>
-              <a:pPr/>
-              <a:t>18</a:t>
-            </a:fld>
-            <a:endParaRPr lang="fr-FR"/>
-          </a:p>
-        </p:txBody>
-      </p:sp>
-    </p:spTree>
-    <p:extLst>
-      <p:ext uri="{BB962C8B-B14F-4D97-AF65-F5344CB8AC3E}">
         <p14:creationId xmlns:p14="http://schemas.microsoft.com/office/powerpoint/2010/main" val="3191225002"/>
-      </p:ext>
-    </p:extLst>
-  </p:cSld>
-  <p:clrMapOvr>
-    <a:masterClrMapping/>
-  </p:clrMapOvr>
-</p:notes>
-</file>
-
-<file path=ppt/notesSlides/notesSlide16.xml><?xml version="1.0" encoding="utf-8"?>
-<p:notes xmlns:a="http://schemas.openxmlformats.org/drawingml/2006/main" xmlns:r="http://schemas.openxmlformats.org/officeDocument/2006/relationships" xmlns:p="http://schemas.openxmlformats.org/presentationml/2006/main">
-  <p:cSld>
-    <p:spTree>
-      <p:nvGrpSpPr>
-        <p:cNvPr id="1" name=""/>
-        <p:cNvGrpSpPr/>
-        <p:nvPr/>
-      </p:nvGrpSpPr>
-      <p:grpSpPr>
-        <a:xfrm>
-          <a:off x="0" y="0"/>
-          <a:ext cx="0" cy="0"/>
-          <a:chOff x="0" y="0"/>
-          <a:chExt cx="0" cy="0"/>
-        </a:xfrm>
-      </p:grpSpPr>
-      <p:sp>
-        <p:nvSpPr>
-          <p:cNvPr id="2" name="Espace réservé de l'image des diapositives 1"/>
-          <p:cNvSpPr>
-            <a:spLocks noGrp="1" noRot="1" noChangeAspect="1"/>
-          </p:cNvSpPr>
-          <p:nvPr>
-            <p:ph type="sldImg"/>
-          </p:nvPr>
-        </p:nvSpPr>
-        <p:spPr/>
-      </p:sp>
-      <p:sp>
-        <p:nvSpPr>
-          <p:cNvPr id="3" name="Espace réservé des commentaires 2"/>
-          <p:cNvSpPr>
-            <a:spLocks noGrp="1"/>
-          </p:cNvSpPr>
-          <p:nvPr>
-            <p:ph type="body" idx="1"/>
-          </p:nvPr>
-        </p:nvSpPr>
-        <p:spPr/>
-        <p:txBody>
-          <a:bodyPr/>
-          <a:lstStyle/>
-          <a:p>
-            <a:endParaRPr lang="fr-FR" dirty="0"/>
-          </a:p>
-        </p:txBody>
-      </p:sp>
-      <p:sp>
-        <p:nvSpPr>
-          <p:cNvPr id="4" name="Espace réservé du numéro de diapositive 3"/>
-          <p:cNvSpPr>
-            <a:spLocks noGrp="1"/>
-          </p:cNvSpPr>
-          <p:nvPr>
-            <p:ph type="sldNum" sz="quarter" idx="10"/>
-          </p:nvPr>
-        </p:nvSpPr>
-        <p:spPr/>
-        <p:txBody>
-          <a:bodyPr/>
-          <a:lstStyle/>
-          <a:p>
-            <a:fld id="{799A7FBE-DE10-47BC-AA37-8A753178CFF3}" type="slidenum">
-              <a:rPr lang="fr-FR" smtClean="0"/>
-              <a:pPr/>
-              <a:t>21</a:t>
-            </a:fld>
-            <a:endParaRPr lang="fr-FR"/>
-          </a:p>
-        </p:txBody>
-      </p:sp>
-    </p:spTree>
-    <p:extLst>
-      <p:ext uri="{BB962C8B-B14F-4D97-AF65-F5344CB8AC3E}">
-        <p14:creationId xmlns:p14="http://schemas.microsoft.com/office/powerpoint/2010/main" val="713790570"/>
-      </p:ext>
-    </p:extLst>
-  </p:cSld>
-  <p:clrMapOvr>
-    <a:masterClrMapping/>
-  </p:clrMapOvr>
-</p:notes>
-</file>
-
-<file path=ppt/notesSlides/notesSlide17.xml><?xml version="1.0" encoding="utf-8"?>
-<p:notes xmlns:a="http://schemas.openxmlformats.org/drawingml/2006/main" xmlns:r="http://schemas.openxmlformats.org/officeDocument/2006/relationships" xmlns:p="http://schemas.openxmlformats.org/presentationml/2006/main">
-  <p:cSld>
-    <p:spTree>
-      <p:nvGrpSpPr>
-        <p:cNvPr id="1" name=""/>
-        <p:cNvGrpSpPr/>
-        <p:nvPr/>
-      </p:nvGrpSpPr>
-      <p:grpSpPr>
-        <a:xfrm>
-          <a:off x="0" y="0"/>
-          <a:ext cx="0" cy="0"/>
-          <a:chOff x="0" y="0"/>
-          <a:chExt cx="0" cy="0"/>
-        </a:xfrm>
-      </p:grpSpPr>
-      <p:sp>
-        <p:nvSpPr>
-          <p:cNvPr id="2" name="Espace réservé de l'image des diapositives 1"/>
-          <p:cNvSpPr>
-            <a:spLocks noGrp="1" noRot="1" noChangeAspect="1"/>
-          </p:cNvSpPr>
-          <p:nvPr>
-            <p:ph type="sldImg"/>
-          </p:nvPr>
-        </p:nvSpPr>
-        <p:spPr/>
-      </p:sp>
-      <p:sp>
-        <p:nvSpPr>
-          <p:cNvPr id="3" name="Espace réservé des commentaires 2"/>
-          <p:cNvSpPr>
-            <a:spLocks noGrp="1"/>
-          </p:cNvSpPr>
-          <p:nvPr>
-            <p:ph type="body" idx="1"/>
-          </p:nvPr>
-        </p:nvSpPr>
-        <p:spPr/>
-        <p:txBody>
-          <a:bodyPr/>
-          <a:lstStyle/>
-          <a:p>
-            <a:r>
-              <a:rPr lang="fr-FR" dirty="0" smtClean="0"/>
-              <a:t>Plug FAI : prise </a:t>
-            </a:r>
-            <a:r>
-              <a:rPr lang="fr-FR" dirty="0" err="1" smtClean="0"/>
-              <a:t>cpl</a:t>
-            </a:r>
-            <a:r>
-              <a:rPr lang="fr-FR" dirty="0" smtClean="0"/>
-              <a:t> pour relier les box </a:t>
-            </a:r>
-            <a:r>
-              <a:rPr lang="fr-FR" dirty="0" err="1" smtClean="0"/>
-              <a:t>adsl</a:t>
-            </a:r>
-            <a:r>
-              <a:rPr lang="fr-FR" dirty="0" smtClean="0"/>
-              <a:t> aux </a:t>
-            </a:r>
-            <a:r>
-              <a:rPr lang="fr-FR" dirty="0" err="1" smtClean="0"/>
-              <a:t>bos</a:t>
-            </a:r>
-            <a:r>
-              <a:rPr lang="fr-FR" dirty="0" smtClean="0"/>
-              <a:t> TV</a:t>
-            </a:r>
-          </a:p>
-          <a:p>
-            <a:endParaRPr lang="fr-FR" dirty="0" smtClean="0"/>
-          </a:p>
-          <a:p>
-            <a:r>
-              <a:rPr lang="fr-FR" dirty="0" smtClean="0"/>
-              <a:t>Plug réseau local</a:t>
-            </a:r>
-            <a:r>
-              <a:rPr lang="fr-FR" baseline="0" dirty="0" smtClean="0"/>
-              <a:t> : routeur, </a:t>
-            </a:r>
-            <a:r>
-              <a:rPr lang="fr-FR" baseline="0" dirty="0" err="1" smtClean="0"/>
-              <a:t>répetteur</a:t>
-            </a:r>
-            <a:r>
-              <a:rPr lang="fr-FR" baseline="0" dirty="0" smtClean="0"/>
-              <a:t>, …</a:t>
-            </a:r>
-            <a:endParaRPr lang="fr-FR" dirty="0"/>
-          </a:p>
-        </p:txBody>
-      </p:sp>
-      <p:sp>
-        <p:nvSpPr>
-          <p:cNvPr id="4" name="Espace réservé du numéro de diapositive 3"/>
-          <p:cNvSpPr>
-            <a:spLocks noGrp="1"/>
-          </p:cNvSpPr>
-          <p:nvPr>
-            <p:ph type="sldNum" sz="quarter" idx="10"/>
-          </p:nvPr>
-        </p:nvSpPr>
-        <p:spPr/>
-        <p:txBody>
-          <a:bodyPr/>
-          <a:lstStyle/>
-          <a:p>
-            <a:fld id="{799A7FBE-DE10-47BC-AA37-8A753178CFF3}" type="slidenum">
-              <a:rPr lang="fr-FR" smtClean="0"/>
-              <a:pPr/>
-              <a:t>22</a:t>
-            </a:fld>
-            <a:endParaRPr lang="fr-FR"/>
-          </a:p>
-        </p:txBody>
-      </p:sp>
-    </p:spTree>
-    <p:extLst>
-      <p:ext uri="{BB962C8B-B14F-4D97-AF65-F5344CB8AC3E}">
-        <p14:creationId xmlns:p14="http://schemas.microsoft.com/office/powerpoint/2010/main" val="2636632387"/>
       </p:ext>
     </p:extLst>
   </p:cSld>
@@ -17230,70 +14281,6 @@
         <p:txBody>
           <a:bodyPr/>
           <a:lstStyle/>
-          <a:p>
-            <a:pPr marL="0" marR="0" indent="0" algn="l" defTabSz="914400" rtl="0" eaLnBrk="1" fontAlgn="auto" latinLnBrk="0" hangingPunct="1">
-              <a:lnSpc>
-                <a:spcPct val="100000"/>
-              </a:lnSpc>
-              <a:spcBef>
-                <a:spcPts val="0"/>
-              </a:spcBef>
-              <a:spcAft>
-                <a:spcPts val="0"/>
-              </a:spcAft>
-              <a:buClrTx/>
-              <a:buSzTx/>
-              <a:buFontTx/>
-              <a:buNone/>
-              <a:tabLst/>
-              <a:defRPr/>
-            </a:pPr>
-            <a:r>
-              <a:rPr lang="fr-FR" dirty="0" smtClean="0"/>
-              <a:t>Fournisseur / ce qui est actuellement proposé</a:t>
-            </a:r>
-          </a:p>
-          <a:p>
-            <a:pPr marL="0" marR="0" indent="0" algn="l" defTabSz="914400" rtl="0" eaLnBrk="1" fontAlgn="auto" latinLnBrk="0" hangingPunct="1">
-              <a:lnSpc>
-                <a:spcPct val="100000"/>
-              </a:lnSpc>
-              <a:spcBef>
-                <a:spcPts val="0"/>
-              </a:spcBef>
-              <a:spcAft>
-                <a:spcPts val="0"/>
-              </a:spcAft>
-              <a:buClrTx/>
-              <a:buSzTx/>
-              <a:buFontTx/>
-              <a:buNone/>
-              <a:tabLst/>
-              <a:defRPr/>
-            </a:pPr>
-            <a:endParaRPr lang="fr-FR" dirty="0" smtClean="0"/>
-          </a:p>
-          <a:p>
-            <a:pPr lvl="1"/>
-            <a:r>
-              <a:rPr lang="fr-FR" dirty="0" smtClean="0"/>
-              <a:t>(dessiner un maison)</a:t>
-            </a:r>
-          </a:p>
-          <a:p>
-            <a:pPr lvl="1"/>
-            <a:r>
-              <a:rPr lang="fr-FR" dirty="0" smtClean="0"/>
-              <a:t>(lister les éléments susceptibles d’être installés dans l’habitat)</a:t>
-            </a:r>
-          </a:p>
-          <a:p>
-            <a:pPr lvl="1"/>
-            <a:r>
-              <a:rPr lang="fr-FR" dirty="0" smtClean="0"/>
-              <a:t>(regarder le coût de l’installation)</a:t>
-            </a:r>
-          </a:p>
           <a:p>
             <a:pPr marL="0" marR="0" indent="0" algn="l" defTabSz="914400" rtl="0" eaLnBrk="1" fontAlgn="auto" latinLnBrk="0" hangingPunct="1">
               <a:lnSpc>
@@ -17503,19 +14490,11 @@
           <a:p>
             <a:r>
               <a:rPr lang="fr-FR" dirty="0" smtClean="0"/>
-              <a:t>Techno propre </a:t>
-            </a:r>
-            <a:r>
-              <a:rPr lang="fr-FR" dirty="0" smtClean="0"/>
-              <a:t>: moins d’ondes,</a:t>
+              <a:t>Techno propre : moins d’ondes,</a:t>
             </a:r>
             <a:r>
               <a:rPr lang="fr-FR" baseline="0" dirty="0" smtClean="0"/>
-              <a:t> moins de </a:t>
-            </a:r>
-            <a:r>
-              <a:rPr lang="fr-FR" baseline="0" dirty="0" smtClean="0"/>
-              <a:t>consommations d’énergie, il peut y avoir des cas de rayon électromagnétique (ex cas du compteur électrique), énergie grise</a:t>
+              <a:t> moins de consommations d’énergie, il peut y avoir des cas de rayon électromagnétique (ex cas du compteur électrique), énergie grise</a:t>
             </a:r>
             <a:endParaRPr lang="fr-FR" dirty="0"/>
           </a:p>
@@ -17619,305 +14598,6 @@
               <a:tabLst/>
               <a:defRPr/>
             </a:pPr>
-            <a:r>
-              <a:rPr lang="fr-FR" dirty="0" smtClean="0"/>
-              <a:t>Bien préparer les 4 points par</a:t>
-            </a:r>
-            <a:r>
-              <a:rPr lang="fr-FR" baseline="0" dirty="0" smtClean="0"/>
-              <a:t> celui qui fait la diapo</a:t>
-            </a:r>
-          </a:p>
-          <a:p>
-            <a:pPr marL="0" marR="0" lvl="1" indent="0" algn="l" defTabSz="914400" rtl="0" eaLnBrk="1" fontAlgn="auto" latinLnBrk="0" hangingPunct="1">
-              <a:lnSpc>
-                <a:spcPct val="100000"/>
-              </a:lnSpc>
-              <a:spcBef>
-                <a:spcPts val="0"/>
-              </a:spcBef>
-              <a:spcAft>
-                <a:spcPts val="0"/>
-              </a:spcAft>
-              <a:buClrTx/>
-              <a:buSzTx/>
-              <a:buFontTx/>
-              <a:buNone/>
-              <a:tabLst/>
-              <a:defRPr/>
-            </a:pPr>
-            <a:endParaRPr lang="fr-FR" baseline="0" dirty="0" smtClean="0"/>
-          </a:p>
-          <a:p>
-            <a:pPr marL="0" marR="0" lvl="1" indent="0" algn="l" defTabSz="914400" rtl="0" eaLnBrk="1" fontAlgn="auto" latinLnBrk="0" hangingPunct="1">
-              <a:lnSpc>
-                <a:spcPct val="100000"/>
-              </a:lnSpc>
-              <a:spcBef>
-                <a:spcPts val="0"/>
-              </a:spcBef>
-              <a:spcAft>
-                <a:spcPts val="0"/>
-              </a:spcAft>
-              <a:buClrTx/>
-              <a:buSzTx/>
-              <a:buFontTx/>
-              <a:buNone/>
-              <a:tabLst/>
-              <a:defRPr/>
-            </a:pPr>
-            <a:r>
-              <a:rPr lang="fr-FR" baseline="0" dirty="0" smtClean="0"/>
-              <a:t>Pt 1 : fait de tirer des câbles dans un habitat existant</a:t>
-            </a:r>
-          </a:p>
-          <a:p>
-            <a:pPr marL="0" marR="0" lvl="1" indent="0" algn="l" defTabSz="914400" rtl="0" eaLnBrk="1" fontAlgn="auto" latinLnBrk="0" hangingPunct="1">
-              <a:lnSpc>
-                <a:spcPct val="100000"/>
-              </a:lnSpc>
-              <a:spcBef>
-                <a:spcPts val="0"/>
-              </a:spcBef>
-              <a:spcAft>
-                <a:spcPts val="0"/>
-              </a:spcAft>
-              <a:buClrTx/>
-              <a:buSzTx/>
-              <a:buFontTx/>
-              <a:buNone/>
-              <a:tabLst/>
-              <a:defRPr/>
-            </a:pPr>
-            <a:endParaRPr lang="fr-FR" baseline="0" dirty="0" smtClean="0"/>
-          </a:p>
-          <a:p>
-            <a:pPr marL="0" marR="0" lvl="1" indent="0" algn="l" defTabSz="914400" rtl="0" eaLnBrk="1" fontAlgn="auto" latinLnBrk="0" hangingPunct="1">
-              <a:lnSpc>
-                <a:spcPct val="100000"/>
-              </a:lnSpc>
-              <a:spcBef>
-                <a:spcPts val="0"/>
-              </a:spcBef>
-              <a:spcAft>
-                <a:spcPts val="0"/>
-              </a:spcAft>
-              <a:buClrTx/>
-              <a:buSzTx/>
-              <a:buFontTx/>
-              <a:buNone/>
-              <a:tabLst/>
-              <a:defRPr/>
-            </a:pPr>
-            <a:r>
-              <a:rPr lang="fr-FR" baseline="0" dirty="0" smtClean="0"/>
-              <a:t>Pt 2 : Surplus à cause du réseau de communication a installer</a:t>
-            </a:r>
-          </a:p>
-          <a:p>
-            <a:pPr marL="0" marR="0" lvl="1" indent="0" algn="l" defTabSz="914400" rtl="0" eaLnBrk="1" fontAlgn="auto" latinLnBrk="0" hangingPunct="1">
-              <a:lnSpc>
-                <a:spcPct val="100000"/>
-              </a:lnSpc>
-              <a:spcBef>
-                <a:spcPts val="0"/>
-              </a:spcBef>
-              <a:spcAft>
-                <a:spcPts val="0"/>
-              </a:spcAft>
-              <a:buClrTx/>
-              <a:buSzTx/>
-              <a:buFontTx/>
-              <a:buNone/>
-              <a:tabLst/>
-              <a:defRPr/>
-            </a:pPr>
-            <a:endParaRPr lang="fr-FR" baseline="0" dirty="0" smtClean="0"/>
-          </a:p>
-          <a:p>
-            <a:pPr marL="0" marR="0" lvl="1" indent="0" algn="l" defTabSz="914400" rtl="0" eaLnBrk="1" fontAlgn="auto" latinLnBrk="0" hangingPunct="1">
-              <a:lnSpc>
-                <a:spcPct val="100000"/>
-              </a:lnSpc>
-              <a:spcBef>
-                <a:spcPts val="0"/>
-              </a:spcBef>
-              <a:spcAft>
-                <a:spcPts val="0"/>
-              </a:spcAft>
-              <a:buClrTx/>
-              <a:buSzTx/>
-              <a:buFontTx/>
-              <a:buNone/>
-              <a:tabLst/>
-              <a:defRPr/>
-            </a:pPr>
-            <a:r>
-              <a:rPr lang="fr-FR" baseline="0" dirty="0" smtClean="0"/>
-              <a:t>Pt 3 : </a:t>
-            </a:r>
-            <a:endParaRPr lang="fr-FR" dirty="0" smtClean="0"/>
-          </a:p>
-          <a:p>
-            <a:pPr marL="0" marR="0" lvl="1" indent="0" algn="l" defTabSz="914400" rtl="0" eaLnBrk="1" fontAlgn="auto" latinLnBrk="0" hangingPunct="1">
-              <a:lnSpc>
-                <a:spcPct val="100000"/>
-              </a:lnSpc>
-              <a:spcBef>
-                <a:spcPts val="0"/>
-              </a:spcBef>
-              <a:spcAft>
-                <a:spcPts val="0"/>
-              </a:spcAft>
-              <a:buClrTx/>
-              <a:buSzTx/>
-              <a:buFontTx/>
-              <a:buNone/>
-              <a:tabLst/>
-              <a:defRPr/>
-            </a:pPr>
-            <a:endParaRPr lang="fr-FR" dirty="0" smtClean="0"/>
-          </a:p>
-          <a:p>
-            <a:pPr marL="0" marR="0" lvl="1" indent="0" algn="l" defTabSz="914400" rtl="0" eaLnBrk="1" fontAlgn="auto" latinLnBrk="0" hangingPunct="1">
-              <a:lnSpc>
-                <a:spcPct val="100000"/>
-              </a:lnSpc>
-              <a:spcBef>
-                <a:spcPts val="0"/>
-              </a:spcBef>
-              <a:spcAft>
-                <a:spcPts val="0"/>
-              </a:spcAft>
-              <a:buClrTx/>
-              <a:buSzTx/>
-              <a:buFontTx/>
-              <a:buNone/>
-              <a:tabLst/>
-              <a:defRPr/>
-            </a:pPr>
-            <a:r>
-              <a:rPr lang="fr-FR" dirty="0" smtClean="0"/>
-              <a:t>On parle</a:t>
-            </a:r>
-            <a:r>
-              <a:rPr lang="fr-FR" baseline="0" dirty="0" smtClean="0"/>
-              <a:t> des installations actuelles, pas du CPL.</a:t>
-            </a:r>
-          </a:p>
-          <a:p>
-            <a:pPr marL="0" marR="0" lvl="1" indent="0" algn="l" defTabSz="914400" rtl="0" eaLnBrk="1" fontAlgn="auto" latinLnBrk="0" hangingPunct="1">
-              <a:lnSpc>
-                <a:spcPct val="100000"/>
-              </a:lnSpc>
-              <a:spcBef>
-                <a:spcPts val="0"/>
-              </a:spcBef>
-              <a:spcAft>
-                <a:spcPts val="0"/>
-              </a:spcAft>
-              <a:buClrTx/>
-              <a:buSzTx/>
-              <a:buFontTx/>
-              <a:buNone/>
-              <a:tabLst/>
-              <a:defRPr/>
-            </a:pPr>
-            <a:endParaRPr lang="fr-FR" baseline="0" dirty="0" smtClean="0"/>
-          </a:p>
-          <a:p>
-            <a:pPr marL="0" marR="0" lvl="1" indent="0" algn="l" defTabSz="914400" rtl="0" eaLnBrk="1" fontAlgn="auto" latinLnBrk="0" hangingPunct="1">
-              <a:lnSpc>
-                <a:spcPct val="100000"/>
-              </a:lnSpc>
-              <a:spcBef>
-                <a:spcPts val="0"/>
-              </a:spcBef>
-              <a:spcAft>
-                <a:spcPts val="0"/>
-              </a:spcAft>
-              <a:buClrTx/>
-              <a:buSzTx/>
-              <a:buFontTx/>
-              <a:buNone/>
-              <a:tabLst/>
-              <a:defRPr/>
-            </a:pPr>
-            <a:r>
-              <a:rPr lang="fr-FR" baseline="0" dirty="0" smtClean="0"/>
-              <a:t>Contraintes comme passer des </a:t>
-            </a:r>
-            <a:r>
-              <a:rPr lang="fr-FR" baseline="0" dirty="0" err="1" smtClean="0"/>
-              <a:t>cables</a:t>
-            </a:r>
-            <a:r>
-              <a:rPr lang="fr-FR" baseline="0" dirty="0" smtClean="0"/>
-              <a:t> dans les murs, ..</a:t>
-            </a:r>
-          </a:p>
-          <a:p>
-            <a:pPr marL="0" marR="0" lvl="1" indent="0" algn="l" defTabSz="914400" rtl="0" eaLnBrk="1" fontAlgn="auto" latinLnBrk="0" hangingPunct="1">
-              <a:lnSpc>
-                <a:spcPct val="100000"/>
-              </a:lnSpc>
-              <a:spcBef>
-                <a:spcPts val="0"/>
-              </a:spcBef>
-              <a:spcAft>
-                <a:spcPts val="0"/>
-              </a:spcAft>
-              <a:buClrTx/>
-              <a:buSzTx/>
-              <a:buFontTx/>
-              <a:buNone/>
-              <a:tabLst/>
-              <a:defRPr/>
-            </a:pPr>
-            <a:endParaRPr lang="fr-FR" baseline="0" dirty="0" smtClean="0"/>
-          </a:p>
-          <a:p>
-            <a:pPr marL="0" marR="0" lvl="1" indent="0" algn="l" defTabSz="914400" rtl="0" eaLnBrk="1" fontAlgn="auto" latinLnBrk="0" hangingPunct="1">
-              <a:lnSpc>
-                <a:spcPct val="100000"/>
-              </a:lnSpc>
-              <a:spcBef>
-                <a:spcPts val="0"/>
-              </a:spcBef>
-              <a:spcAft>
-                <a:spcPts val="0"/>
-              </a:spcAft>
-              <a:buClrTx/>
-              <a:buSzTx/>
-              <a:buFontTx/>
-              <a:buNone/>
-              <a:tabLst/>
-              <a:defRPr/>
-            </a:pPr>
-            <a:r>
-              <a:rPr lang="fr-FR" baseline="0" dirty="0" smtClean="0"/>
-              <a:t>Pt 4 : une fois l’installation en place, pour faire des </a:t>
-            </a:r>
-            <a:r>
-              <a:rPr lang="fr-FR" baseline="0" dirty="0" err="1" smtClean="0"/>
-              <a:t>modifs</a:t>
-            </a:r>
-            <a:r>
-              <a:rPr lang="fr-FR" baseline="0" dirty="0" smtClean="0"/>
-              <a:t>, ça peut être compliqué : ex si un </a:t>
-            </a:r>
-            <a:r>
-              <a:rPr lang="fr-FR" baseline="0" dirty="0" err="1" smtClean="0"/>
-              <a:t>cable</a:t>
-            </a:r>
-            <a:r>
-              <a:rPr lang="fr-FR" baseline="0" dirty="0" smtClean="0"/>
-              <a:t> bus est coupé (ex par un animal) dans un mur, on est obligé de coupé le mur. Ou si on prévoit de modifier le positionnement d’un équipement ou qu’on souhaite en rajouté, il faudra redéployer de nouveaux </a:t>
-            </a:r>
-            <a:r>
-              <a:rPr lang="fr-FR" baseline="0" dirty="0" err="1" smtClean="0"/>
-              <a:t>cables</a:t>
-            </a:r>
             <a:endParaRPr lang="fr-FR" dirty="0"/>
           </a:p>
         </p:txBody>
@@ -18020,6 +14700,96 @@
               <a:tabLst/>
               <a:defRPr/>
             </a:pPr>
+            <a:r>
+              <a:rPr lang="fr-FR" dirty="0" smtClean="0"/>
+              <a:t>On vient de voir l’état</a:t>
+            </a:r>
+            <a:r>
+              <a:rPr lang="fr-FR" baseline="0" dirty="0" smtClean="0"/>
+              <a:t> actuel d’une installation classique de domotique, mais nous allons maintenant voir en quoi l’utilisation des CPL </a:t>
+            </a:r>
+            <a:r>
+              <a:rPr lang="fr-FR" baseline="0" dirty="0" smtClean="0"/>
+              <a:t>est une réponse </a:t>
+            </a:r>
+            <a:r>
+              <a:rPr lang="fr-FR" baseline="0" dirty="0" smtClean="0"/>
+              <a:t>à cette problématique.</a:t>
+            </a:r>
+          </a:p>
+          <a:p>
+            <a:pPr marL="0" marR="0" lvl="1" indent="0" algn="l" defTabSz="914400" rtl="0" eaLnBrk="1" fontAlgn="auto" latinLnBrk="0" hangingPunct="1">
+              <a:lnSpc>
+                <a:spcPct val="100000"/>
+              </a:lnSpc>
+              <a:spcBef>
+                <a:spcPts val="0"/>
+              </a:spcBef>
+              <a:spcAft>
+                <a:spcPts val="0"/>
+              </a:spcAft>
+              <a:buClrTx/>
+              <a:buSzTx/>
+              <a:buFontTx/>
+              <a:buNone/>
+              <a:tabLst/>
+              <a:defRPr/>
+            </a:pPr>
+            <a:endParaRPr lang="fr-FR" baseline="0" dirty="0" smtClean="0"/>
+          </a:p>
+          <a:p>
+            <a:pPr marL="0" marR="0" lvl="1" indent="0" algn="l" defTabSz="914400" rtl="0" eaLnBrk="1" fontAlgn="auto" latinLnBrk="0" hangingPunct="1">
+              <a:lnSpc>
+                <a:spcPct val="100000"/>
+              </a:lnSpc>
+              <a:spcBef>
+                <a:spcPts val="0"/>
+              </a:spcBef>
+              <a:spcAft>
+                <a:spcPts val="0"/>
+              </a:spcAft>
+              <a:buClrTx/>
+              <a:buSzTx/>
+              <a:buFontTx/>
+              <a:buNone/>
+              <a:tabLst/>
+              <a:defRPr/>
+            </a:pPr>
+            <a:r>
+              <a:rPr lang="fr-FR" baseline="0" dirty="0" smtClean="0"/>
+              <a:t>-&gt; schématique d’une maison avec une unité centrale qui gère l’ensemble des équipements</a:t>
+            </a:r>
+          </a:p>
+          <a:p>
+            <a:pPr marL="0" marR="0" lvl="1" indent="0" algn="l" defTabSz="914400" rtl="0" eaLnBrk="1" fontAlgn="auto" latinLnBrk="0" hangingPunct="1">
+              <a:lnSpc>
+                <a:spcPct val="100000"/>
+              </a:lnSpc>
+              <a:spcBef>
+                <a:spcPts val="0"/>
+              </a:spcBef>
+              <a:spcAft>
+                <a:spcPts val="0"/>
+              </a:spcAft>
+              <a:buClrTx/>
+              <a:buSzTx/>
+              <a:buFontTx/>
+              <a:buNone/>
+              <a:tabLst/>
+              <a:defRPr/>
+            </a:pPr>
+            <a:r>
+              <a:rPr lang="fr-FR" baseline="0" dirty="0" smtClean="0"/>
+              <a:t>Nous allons voir maintenant au cours d’un exemple d’une installation </a:t>
+            </a:r>
+            <a:r>
+              <a:rPr lang="fr-FR" baseline="0" dirty="0" err="1" smtClean="0"/>
+              <a:t>complete</a:t>
+            </a:r>
+            <a:r>
+              <a:rPr lang="fr-FR" baseline="0" dirty="0" smtClean="0"/>
+              <a:t> en quoi le CPL est propice à un tel développement.</a:t>
+            </a:r>
             <a:endParaRPr lang="fr-FR" dirty="0"/>
           </a:p>
         </p:txBody>
@@ -18105,104 +14875,23 @@
           <a:bodyPr/>
           <a:lstStyle/>
           <a:p>
-            <a:pPr marL="0" marR="0" lvl="1" indent="0" algn="l" defTabSz="914400" rtl="0" eaLnBrk="1" fontAlgn="auto" latinLnBrk="0" hangingPunct="1">
-              <a:lnSpc>
-                <a:spcPct val="100000"/>
-              </a:lnSpc>
-              <a:spcBef>
-                <a:spcPts val="0"/>
-              </a:spcBef>
-              <a:spcAft>
-                <a:spcPts val="0"/>
-              </a:spcAft>
-              <a:buClrTx/>
-              <a:buSzTx/>
-              <a:buFontTx/>
-              <a:buNone/>
-              <a:tabLst/>
-              <a:defRPr/>
-            </a:pPr>
             <a:r>
               <a:rPr lang="fr-FR" dirty="0" smtClean="0"/>
-              <a:t>On vient de voir l’état</a:t>
+              <a:t>Norme X10 CPL</a:t>
+            </a:r>
+          </a:p>
+          <a:p>
+            <a:r>
+              <a:rPr lang="fr-FR" dirty="0" err="1" smtClean="0"/>
+              <a:t>Azibase</a:t>
+            </a:r>
+            <a:r>
+              <a:rPr lang="fr-FR" dirty="0" smtClean="0"/>
+              <a:t> : supervision</a:t>
             </a:r>
             <a:r>
               <a:rPr lang="fr-FR" baseline="0" dirty="0" smtClean="0"/>
-              <a:t> actuel d’une installation classique de domotique, mais nous allons maintenant voir en quoi l’utilisation des CPL peut répondre à cette problématique.</a:t>
-            </a:r>
-          </a:p>
-          <a:p>
-            <a:pPr marL="0" marR="0" lvl="1" indent="0" algn="l" defTabSz="914400" rtl="0" eaLnBrk="1" fontAlgn="auto" latinLnBrk="0" hangingPunct="1">
-              <a:lnSpc>
-                <a:spcPct val="100000"/>
-              </a:lnSpc>
-              <a:spcBef>
-                <a:spcPts val="0"/>
-              </a:spcBef>
-              <a:spcAft>
-                <a:spcPts val="0"/>
-              </a:spcAft>
-              <a:buClrTx/>
-              <a:buSzTx/>
-              <a:buFontTx/>
-              <a:buNone/>
-              <a:tabLst/>
-              <a:defRPr/>
-            </a:pPr>
-            <a:endParaRPr lang="fr-FR" baseline="0" dirty="0" smtClean="0"/>
-          </a:p>
-          <a:p>
-            <a:pPr marL="0" marR="0" lvl="1" indent="0" algn="l" defTabSz="914400" rtl="0" eaLnBrk="1" fontAlgn="auto" latinLnBrk="0" hangingPunct="1">
-              <a:lnSpc>
-                <a:spcPct val="100000"/>
-              </a:lnSpc>
-              <a:spcBef>
-                <a:spcPts val="0"/>
-              </a:spcBef>
-              <a:spcAft>
-                <a:spcPts val="0"/>
-              </a:spcAft>
-              <a:buClrTx/>
-              <a:buSzTx/>
-              <a:buFontTx/>
-              <a:buNone/>
-              <a:tabLst/>
-              <a:defRPr/>
-            </a:pPr>
-            <a:r>
-              <a:rPr lang="fr-FR" baseline="0" dirty="0" smtClean="0"/>
-              <a:t>-&gt; schématique d’une maison avec une unité centrale qui gère l’ensemble des équipements</a:t>
-            </a:r>
-          </a:p>
-          <a:p>
-            <a:pPr marL="0" marR="0" lvl="1" indent="0" algn="l" defTabSz="914400" rtl="0" eaLnBrk="1" fontAlgn="auto" latinLnBrk="0" hangingPunct="1">
-              <a:lnSpc>
-                <a:spcPct val="100000"/>
-              </a:lnSpc>
-              <a:spcBef>
-                <a:spcPts val="0"/>
-              </a:spcBef>
-              <a:spcAft>
-                <a:spcPts val="0"/>
-              </a:spcAft>
-              <a:buClrTx/>
-              <a:buSzTx/>
-              <a:buFontTx/>
-              <a:buNone/>
-              <a:tabLst/>
-              <a:defRPr/>
-            </a:pPr>
-            <a:r>
-              <a:rPr lang="fr-FR" baseline="0" dirty="0" smtClean="0"/>
-              <a:t>Nous allons voir maintenant au cours d’un exemple d’une installation </a:t>
-            </a:r>
-            <a:r>
-              <a:rPr lang="fr-FR" baseline="0" dirty="0" err="1" smtClean="0"/>
-              <a:t>complete</a:t>
-            </a:r>
-            <a:r>
-              <a:rPr lang="fr-FR" baseline="0" dirty="0" smtClean="0"/>
-              <a:t> en quoi le CPL est propice à un tel développement.</a:t>
+              <a:t> domotique, télé alarme et alerte, </a:t>
             </a:r>
             <a:endParaRPr lang="fr-FR" dirty="0"/>
           </a:p>
@@ -18226,7 +14915,7 @@
             <a:fld id="{799A7FBE-DE10-47BC-AA37-8A753178CFF3}" type="slidenum">
               <a:rPr lang="fr-FR" smtClean="0"/>
               <a:pPr/>
-              <a:t>9</a:t>
+              <a:t>10</a:t>
             </a:fld>
             <a:endParaRPr lang="fr-FR"/>
           </a:p>
@@ -18235,7 +14924,7 @@
     </p:spTree>
     <p:extLst>
       <p:ext uri="{BB962C8B-B14F-4D97-AF65-F5344CB8AC3E}">
-        <p14:creationId xmlns:p14="http://schemas.microsoft.com/office/powerpoint/2010/main" val="2091411103"/>
+        <p14:creationId xmlns:p14="http://schemas.microsoft.com/office/powerpoint/2010/main" val="2636632387"/>
       </p:ext>
     </p:extLst>
   </p:cSld>
@@ -18289,24 +14978,6 @@
           <a:bodyPr/>
           <a:lstStyle/>
           <a:p>
-            <a:r>
-              <a:rPr lang="fr-FR" dirty="0" smtClean="0"/>
-              <a:t>Norme X10 CPL</a:t>
-            </a:r>
-          </a:p>
-          <a:p>
-            <a:r>
-              <a:rPr lang="fr-FR" dirty="0" err="1" smtClean="0"/>
-              <a:t>Azibase</a:t>
-            </a:r>
-            <a:r>
-              <a:rPr lang="fr-FR" dirty="0" smtClean="0"/>
-              <a:t> : supervision</a:t>
-            </a:r>
-            <a:r>
-              <a:rPr lang="fr-FR" baseline="0" dirty="0" smtClean="0"/>
-              <a:t> domotique, télé alarme et alerte, </a:t>
-            </a:r>
             <a:endParaRPr lang="fr-FR" dirty="0"/>
           </a:p>
         </p:txBody>
@@ -18545,7 +15216,7 @@
             <a:fld id="{C3E5ED7E-40EA-43F0-8C97-AF9673590088}" type="datetime1">
               <a:rPr lang="fr-FR" smtClean="0"/>
               <a:pPr/>
-              <a:t>31/03/2015</a:t>
+              <a:t>01/04/2015</a:t>
             </a:fld>
             <a:endParaRPr lang="fr-FR"/>
           </a:p>
@@ -18784,7 +15455,7 @@
             <a:fld id="{63542190-6A95-492E-99B3-87D38136E612}" type="datetime1">
               <a:rPr lang="fr-FR" smtClean="0"/>
               <a:pPr/>
-              <a:t>31/03/2015</a:t>
+              <a:t>01/04/2015</a:t>
             </a:fld>
             <a:endParaRPr lang="fr-FR"/>
           </a:p>
@@ -18972,7 +15643,7 @@
             <a:fld id="{703CA322-6B47-4D38-86A0-7D36B081F458}" type="datetime1">
               <a:rPr lang="fr-FR" smtClean="0"/>
               <a:pPr/>
-              <a:t>31/03/2015</a:t>
+              <a:t>01/04/2015</a:t>
             </a:fld>
             <a:endParaRPr lang="fr-FR"/>
           </a:p>
@@ -19187,7 +15858,7 @@
             <a:fld id="{7630DF03-65AF-4ECA-9D21-FFC619D6369C}" type="datetime1">
               <a:rPr lang="fr-FR" smtClean="0"/>
               <a:pPr/>
-              <a:t>31/03/2015</a:t>
+              <a:t>01/04/2015</a:t>
             </a:fld>
             <a:endParaRPr lang="fr-FR" dirty="0"/>
           </a:p>
@@ -19355,7 +16026,7 @@
             <a:fld id="{688489DE-DC01-4F6E-9559-3CB0F0280979}" type="datetime1">
               <a:rPr lang="fr-FR" smtClean="0"/>
               <a:pPr/>
-              <a:t>31/03/2015</a:t>
+              <a:t>01/04/2015</a:t>
             </a:fld>
             <a:endParaRPr lang="fr-FR" dirty="0"/>
           </a:p>
@@ -19752,7 +16423,7 @@
             <a:fld id="{688489DE-DC01-4F6E-9559-3CB0F0280979}" type="datetime1">
               <a:rPr lang="fr-FR" smtClean="0"/>
               <a:pPr/>
-              <a:t>31/03/2015</a:t>
+              <a:t>01/04/2015</a:t>
             </a:fld>
             <a:endParaRPr lang="fr-FR" dirty="0"/>
           </a:p>
@@ -20025,7 +16696,7 @@
             <a:fld id="{688489DE-DC01-4F6E-9559-3CB0F0280979}" type="datetime1">
               <a:rPr lang="fr-FR" smtClean="0"/>
               <a:pPr/>
-              <a:t>31/03/2015</a:t>
+              <a:t>01/04/2015</a:t>
             </a:fld>
             <a:endParaRPr lang="fr-FR" dirty="0"/>
           </a:p>
@@ -20474,7 +17145,7 @@
             <a:fld id="{688489DE-DC01-4F6E-9559-3CB0F0280979}" type="datetime1">
               <a:rPr lang="fr-FR" smtClean="0"/>
               <a:pPr/>
-              <a:t>31/03/2015</a:t>
+              <a:t>01/04/2015</a:t>
             </a:fld>
             <a:endParaRPr lang="fr-FR" dirty="0"/>
           </a:p>
@@ -20830,7 +17501,7 @@
             <a:fld id="{688489DE-DC01-4F6E-9559-3CB0F0280979}" type="datetime1">
               <a:rPr lang="fr-FR" smtClean="0"/>
               <a:pPr/>
-              <a:t>31/03/2015</a:t>
+              <a:t>01/04/2015</a:t>
             </a:fld>
             <a:endParaRPr lang="fr-FR" dirty="0"/>
           </a:p>
@@ -21279,7 +17950,7 @@
             <a:fld id="{688489DE-DC01-4F6E-9559-3CB0F0280979}" type="datetime1">
               <a:rPr lang="fr-FR" smtClean="0"/>
               <a:pPr/>
-              <a:t>31/03/2015</a:t>
+              <a:t>01/04/2015</a:t>
             </a:fld>
             <a:endParaRPr lang="fr-FR" dirty="0"/>
           </a:p>
@@ -21687,7 +18358,7 @@
             <a:fld id="{A69F0891-F8BD-48AD-9821-23A1C5F598B6}" type="datetime1">
               <a:rPr lang="fr-FR" smtClean="0"/>
               <a:pPr/>
-              <a:t>31/03/2015</a:t>
+              <a:t>01/04/2015</a:t>
             </a:fld>
             <a:endParaRPr lang="fr-FR" dirty="0"/>
           </a:p>
@@ -22043,7 +18714,7 @@
             <a:fld id="{F43C7FC8-C452-4699-BDF3-57C21E3BED8B}" type="datetime1">
               <a:rPr lang="fr-FR" smtClean="0"/>
               <a:pPr/>
-              <a:t>31/03/2015</a:t>
+              <a:t>01/04/2015</a:t>
             </a:fld>
             <a:endParaRPr lang="fr-FR"/>
           </a:p>
@@ -22245,7 +18916,7 @@
             <a:fld id="{688489DE-DC01-4F6E-9559-3CB0F0280979}" type="datetime1">
               <a:rPr lang="fr-FR" smtClean="0"/>
               <a:pPr/>
-              <a:t>31/03/2015</a:t>
+              <a:t>01/04/2015</a:t>
             </a:fld>
             <a:endParaRPr lang="fr-FR" dirty="0"/>
           </a:p>
@@ -22518,7 +19189,7 @@
             <a:fld id="{688489DE-DC01-4F6E-9559-3CB0F0280979}" type="datetime1">
               <a:rPr lang="fr-FR" smtClean="0"/>
               <a:pPr/>
-              <a:t>31/03/2015</a:t>
+              <a:t>01/04/2015</a:t>
             </a:fld>
             <a:endParaRPr lang="fr-FR" dirty="0"/>
           </a:p>
@@ -22841,7 +19512,7 @@
             <a:fld id="{DCB4961F-C0EF-4A36-92B3-E242E326739A}" type="datetime1">
               <a:rPr lang="fr-FR" smtClean="0"/>
               <a:pPr/>
-              <a:t>31/03/2015</a:t>
+              <a:t>01/04/2015</a:t>
             </a:fld>
             <a:endParaRPr lang="fr-FR"/>
           </a:p>
@@ -23118,7 +19789,7 @@
             <a:fld id="{73B474CE-096C-4778-A38A-0196F28EBA54}" type="datetime1">
               <a:rPr lang="fr-FR" smtClean="0"/>
               <a:pPr/>
-              <a:t>31/03/2015</a:t>
+              <a:t>01/04/2015</a:t>
             </a:fld>
             <a:endParaRPr lang="fr-FR"/>
           </a:p>
@@ -23505,7 +20176,7 @@
             <a:fld id="{5DC4EB38-1413-4938-9145-D23C85AF0DD2}" type="datetime1">
               <a:rPr lang="fr-FR" smtClean="0"/>
               <a:pPr/>
-              <a:t>31/03/2015</a:t>
+              <a:t>01/04/2015</a:t>
             </a:fld>
             <a:endParaRPr lang="fr-FR"/>
           </a:p>
@@ -23631,7 +20302,7 @@
             <a:fld id="{296F3F95-594A-44CC-BF57-6920A88AE66C}" type="datetime1">
               <a:rPr lang="fr-FR" smtClean="0"/>
               <a:pPr/>
-              <a:t>31/03/2015</a:t>
+              <a:t>01/04/2015</a:t>
             </a:fld>
             <a:endParaRPr lang="fr-FR"/>
           </a:p>
@@ -23734,7 +20405,7 @@
             <a:fld id="{E5A6521C-AC08-4F20-A6F4-46899F5B1F22}" type="datetime1">
               <a:rPr lang="fr-FR" smtClean="0"/>
               <a:pPr/>
-              <a:t>31/03/2015</a:t>
+              <a:t>01/04/2015</a:t>
             </a:fld>
             <a:endParaRPr lang="fr-FR"/>
           </a:p>
@@ -24005,7 +20676,7 @@
             <a:fld id="{E27F3B02-C2E5-4FBA-AE18-429F46CEC6B5}" type="datetime1">
               <a:rPr lang="fr-FR" smtClean="0"/>
               <a:pPr/>
-              <a:t>31/03/2015</a:t>
+              <a:t>01/04/2015</a:t>
             </a:fld>
             <a:endParaRPr lang="fr-FR"/>
           </a:p>
@@ -24282,7 +20953,7 @@
             <a:fld id="{0F9CF09B-EB02-4A88-90D1-33448506FEB9}" type="datetime1">
               <a:rPr lang="fr-FR" smtClean="0"/>
               <a:pPr/>
-              <a:t>31/03/2015</a:t>
+              <a:t>01/04/2015</a:t>
             </a:fld>
             <a:endParaRPr lang="fr-FR"/>
           </a:p>
@@ -24517,7 +21188,7 @@
             <a:fld id="{B43A461F-C2C0-4949-8B45-BA4AB2C7ECA1}" type="datetime1">
               <a:rPr lang="fr-FR" smtClean="0"/>
               <a:pPr/>
-              <a:t>31/03/2015</a:t>
+              <a:t>01/04/2015</a:t>
             </a:fld>
             <a:endParaRPr lang="fr-FR"/>
           </a:p>
@@ -25147,7 +21818,7 @@
         </p:nvSpPr>
         <p:spPr>
           <a:xfrm>
-            <a:off x="6228184" y="5589240"/>
+            <a:off x="6418014" y="6093296"/>
             <a:ext cx="2133600" cy="365125"/>
           </a:xfrm>
         </p:spPr>
@@ -25155,14 +21826,10 @@
           <a:bodyPr/>
           <a:lstStyle/>
           <a:p>
-            <a:r>
-              <a:rPr lang="fr-FR" dirty="0" smtClean="0"/>
-              <a:t>Dernière modification </a:t>
-            </a:r>
             <a:fld id="{5B20C9E3-D599-4B24-81FF-1FE94C133512}" type="datetime1">
               <a:rPr lang="fr-FR" smtClean="0"/>
               <a:pPr/>
-              <a:t>31/03/2015</a:t>
+              <a:t>01/04/2015</a:t>
             </a:fld>
             <a:endParaRPr lang="fr-FR" dirty="0"/>
           </a:p>
@@ -25506,141 +22173,6 @@
       </p:grpSpPr>
       <p:sp>
         <p:nvSpPr>
-          <p:cNvPr id="5" name="Titre 4"/>
-          <p:cNvSpPr>
-            <a:spLocks noGrp="1"/>
-          </p:cNvSpPr>
-          <p:nvPr>
-            <p:ph type="title"/>
-          </p:nvPr>
-        </p:nvSpPr>
-        <p:spPr/>
-        <p:txBody>
-          <a:bodyPr>
-            <a:normAutofit/>
-          </a:bodyPr>
-          <a:lstStyle/>
-          <a:p>
-            <a:r>
-              <a:rPr lang="fr-FR" dirty="0"/>
-              <a:t>Exemple type</a:t>
-            </a:r>
-          </a:p>
-        </p:txBody>
-      </p:sp>
-      <p:sp>
-        <p:nvSpPr>
-          <p:cNvPr id="2" name="Espace réservé de la date 1"/>
-          <p:cNvSpPr>
-            <a:spLocks noGrp="1"/>
-          </p:cNvSpPr>
-          <p:nvPr>
-            <p:ph type="dt" sz="half" idx="10"/>
-          </p:nvPr>
-        </p:nvSpPr>
-        <p:spPr/>
-        <p:txBody>
-          <a:bodyPr/>
-          <a:lstStyle/>
-          <a:p>
-            <a:fld id="{DA8C846E-2DF1-4F81-8E58-555B82CD55E4}" type="datetime1">
-              <a:rPr lang="fr-FR" smtClean="0"/>
-              <a:pPr/>
-              <a:t>31/03/2015</a:t>
-            </a:fld>
-            <a:endParaRPr lang="fr-FR" dirty="0"/>
-          </a:p>
-        </p:txBody>
-      </p:sp>
-      <p:sp>
-        <p:nvSpPr>
-          <p:cNvPr id="3" name="Espace réservé du pied de page 2"/>
-          <p:cNvSpPr>
-            <a:spLocks noGrp="1"/>
-          </p:cNvSpPr>
-          <p:nvPr>
-            <p:ph type="ftr" sz="quarter" idx="11"/>
-          </p:nvPr>
-        </p:nvSpPr>
-        <p:spPr/>
-        <p:txBody>
-          <a:bodyPr/>
-          <a:lstStyle/>
-          <a:p>
-            <a:r>
-              <a:rPr lang="fr-FR" smtClean="0"/>
-              <a:t>BARBARESCO - TOSI - DEGIRONDE - BARBASTE</a:t>
-            </a:r>
-          </a:p>
-          <a:p>
-            <a:endParaRPr lang="fr-FR" sz="900" dirty="0"/>
-          </a:p>
-        </p:txBody>
-      </p:sp>
-      <p:sp>
-        <p:nvSpPr>
-          <p:cNvPr id="4" name="Espace réservé du numéro de diapositive 3"/>
-          <p:cNvSpPr>
-            <a:spLocks noGrp="1"/>
-          </p:cNvSpPr>
-          <p:nvPr>
-            <p:ph type="sldNum" sz="quarter" idx="12"/>
-          </p:nvPr>
-        </p:nvSpPr>
-        <p:spPr/>
-        <p:txBody>
-          <a:bodyPr/>
-          <a:lstStyle/>
-          <a:p>
-            <a:fld id="{01C2C2A7-E788-4DEF-81A1-763FFC2D4095}" type="slidenum">
-              <a:rPr lang="fr-FR" smtClean="0"/>
-              <a:pPr/>
-              <a:t>10</a:t>
-            </a:fld>
-            <a:endParaRPr lang="fr-FR" dirty="0"/>
-          </a:p>
-        </p:txBody>
-      </p:sp>
-    </p:spTree>
-    <p:extLst>
-      <p:ext uri="{BB962C8B-B14F-4D97-AF65-F5344CB8AC3E}">
-        <p14:creationId xmlns:p14="http://schemas.microsoft.com/office/powerpoint/2010/main" val="2839783828"/>
-      </p:ext>
-    </p:extLst>
-  </p:cSld>
-  <p:clrMapOvr>
-    <a:masterClrMapping/>
-  </p:clrMapOvr>
-  <p:transition/>
-  <p:timing>
-    <p:tnLst>
-      <p:par>
-        <p:cTn id="1" dur="indefinite" restart="never" nodeType="tmRoot"/>
-      </p:par>
-    </p:tnLst>
-  </p:timing>
-</p:sld>
-</file>
-
-<file path=ppt/slides/slide11.xml><?xml version="1.0" encoding="utf-8"?>
-<p:sld xmlns:a="http://schemas.openxmlformats.org/drawingml/2006/main" xmlns:r="http://schemas.openxmlformats.org/officeDocument/2006/relationships" xmlns:p="http://schemas.openxmlformats.org/presentationml/2006/main">
-  <p:cSld>
-    <p:spTree>
-      <p:nvGrpSpPr>
-        <p:cNvPr id="1" name=""/>
-        <p:cNvGrpSpPr/>
-        <p:nvPr/>
-      </p:nvGrpSpPr>
-      <p:grpSpPr>
-        <a:xfrm>
-          <a:off x="0" y="0"/>
-          <a:ext cx="0" cy="0"/>
-          <a:chOff x="0" y="0"/>
-          <a:chExt cx="0" cy="0"/>
-        </a:xfrm>
-      </p:grpSpPr>
-      <p:sp>
-        <p:nvSpPr>
           <p:cNvPr id="16" name="Titre 14"/>
           <p:cNvSpPr>
             <a:spLocks noGrp="1"/>
@@ -25682,7 +22214,7 @@
             <a:fld id="{2930045B-F838-499A-A866-54B50D6976AC}" type="datetime1">
               <a:rPr lang="fr-FR" smtClean="0"/>
               <a:pPr/>
-              <a:t>31/03/2015</a:t>
+              <a:t>01/04/2015</a:t>
             </a:fld>
             <a:endParaRPr lang="fr-FR"/>
           </a:p>
@@ -25704,8 +22236,12 @@
           <a:lstStyle/>
           <a:p>
             <a:r>
-              <a:rPr lang="fr-FR" smtClean="0"/>
-              <a:t>BARBARESCO - TOSI - DEGIRONDE - BARBASTE</a:t>
+              <a:rPr lang="fr-FR" dirty="0" smtClean="0"/>
+              <a:t>BARBARESCO - TOSI - DEGIRONDE - </a:t>
+            </a:r>
+            <a:r>
+              <a:rPr lang="fr-FR" u="sng" dirty="0" smtClean="0"/>
+              <a:t>BARBASTE</a:t>
             </a:r>
           </a:p>
           <a:p>
@@ -25731,7 +22267,7 @@
             <a:fld id="{01C2C2A7-E788-4DEF-81A1-763FFC2D4095}" type="slidenum">
               <a:rPr lang="fr-FR" smtClean="0"/>
               <a:pPr/>
-              <a:t>11</a:t>
+              <a:t>10</a:t>
             </a:fld>
             <a:endParaRPr lang="fr-FR" dirty="0"/>
           </a:p>
@@ -25794,7 +22330,6 @@
               <a:rPr lang="fr-FR" dirty="0" smtClean="0"/>
               <a:t>Installation choisie </a:t>
             </a:r>
-            <a:endParaRPr lang="fr-FR" dirty="0" smtClean="0"/>
           </a:p>
         </p:txBody>
       </p:sp>
@@ -25818,7 +22353,7 @@
 </p:sld>
 </file>
 
-<file path=ppt/slides/slide12.xml><?xml version="1.0" encoding="utf-8"?>
+<file path=ppt/slides/slide11.xml><?xml version="1.0" encoding="utf-8"?>
 <p:sld xmlns:a="http://schemas.openxmlformats.org/drawingml/2006/main" xmlns:r="http://schemas.openxmlformats.org/officeDocument/2006/relationships" xmlns:p="http://schemas.openxmlformats.org/presentationml/2006/main">
   <p:cSld>
     <p:spTree>
@@ -25854,18 +22389,18 @@
           <a:p>
             <a:r>
               <a:rPr lang="fr-FR" sz="2400" dirty="0" smtClean="0"/>
-              <a:t>Exemple </a:t>
-            </a:r>
-            <a:r>
-              <a:rPr lang="fr-FR" sz="2400" dirty="0" smtClean="0"/>
-              <a:t>type</a:t>
+              <a:t>Exemple type</a:t>
             </a:r>
             <a:br>
               <a:rPr lang="fr-FR" sz="2400" dirty="0" smtClean="0"/>
             </a:br>
             <a:r>
               <a:rPr lang="fr-FR" dirty="0" smtClean="0"/>
-              <a:t>Les volets roulants électrique</a:t>
+              <a:t>Les volets roulants </a:t>
+            </a:r>
+            <a:r>
+              <a:rPr lang="fr-FR" dirty="0" smtClean="0"/>
+              <a:t>électriques</a:t>
             </a:r>
             <a:endParaRPr lang="fr-FR" sz="2400" dirty="0"/>
           </a:p>
@@ -25889,7 +22424,7 @@
             <a:fld id="{2930045B-F838-499A-A866-54B50D6976AC}" type="datetime1">
               <a:rPr lang="fr-FR" smtClean="0"/>
               <a:pPr/>
-              <a:t>31/03/2015</a:t>
+              <a:t>01/04/2015</a:t>
             </a:fld>
             <a:endParaRPr lang="fr-FR"/>
           </a:p>
@@ -25911,8 +22446,12 @@
           <a:lstStyle/>
           <a:p>
             <a:r>
-              <a:rPr lang="fr-FR" smtClean="0"/>
-              <a:t>BARBARESCO - TOSI - DEGIRONDE - BARBASTE</a:t>
+              <a:rPr lang="fr-FR" u="sng" dirty="0" smtClean="0"/>
+              <a:t>BARBARESCO</a:t>
+            </a:r>
+            <a:r>
+              <a:rPr lang="fr-FR" dirty="0" smtClean="0"/>
+              <a:t> - TOSI - DEGIRONDE - BARBASTE</a:t>
             </a:r>
           </a:p>
           <a:p>
@@ -25938,7 +22477,7 @@
             <a:fld id="{01C2C2A7-E788-4DEF-81A1-763FFC2D4095}" type="slidenum">
               <a:rPr lang="fr-FR" smtClean="0"/>
               <a:pPr/>
-              <a:t>12</a:t>
+              <a:t>11</a:t>
             </a:fld>
             <a:endParaRPr lang="fr-FR" dirty="0"/>
           </a:p>
@@ -26050,8 +22589,21 @@
           <a:p>
             <a:r>
               <a:rPr lang="fr-FR" dirty="0" smtClean="0"/>
-              <a:t>Association commande mécanique et logiciel</a:t>
-            </a:r>
+              <a:t>Association </a:t>
+            </a:r>
+            <a:r>
+              <a:rPr lang="fr-FR" dirty="0" smtClean="0"/>
+              <a:t>commandes mécanique </a:t>
+            </a:r>
+            <a:r>
+              <a:rPr lang="fr-FR" dirty="0" smtClean="0"/>
+              <a:t>et </a:t>
+            </a:r>
+            <a:r>
+              <a:rPr lang="fr-FR" dirty="0" smtClean="0"/>
+              <a:t>logiciel</a:t>
+            </a:r>
+            <a:endParaRPr lang="fr-FR" dirty="0" smtClean="0"/>
           </a:p>
           <a:p>
             <a:endParaRPr lang="fr-FR" dirty="0"/>
@@ -26059,7 +22611,11 @@
           <a:p>
             <a:r>
               <a:rPr lang="fr-FR" dirty="0" smtClean="0"/>
-              <a:t>Cerveau moteur connecté électriquement au réseau</a:t>
+              <a:t>Cerveau moteur </a:t>
+            </a:r>
+            <a:r>
+              <a:rPr lang="fr-FR" dirty="0" smtClean="0"/>
+              <a:t>connecté électriquement au réseau</a:t>
             </a:r>
             <a:endParaRPr lang="fr-FR" dirty="0"/>
           </a:p>
@@ -26085,7 +22641,7 @@
 </p:sld>
 </file>
 
-<file path=ppt/slides/slide13.xml><?xml version="1.0" encoding="utf-8"?>
+<file path=ppt/slides/slide12.xml><?xml version="1.0" encoding="utf-8"?>
 <p:sld xmlns:a="http://schemas.openxmlformats.org/drawingml/2006/main" xmlns:r="http://schemas.openxmlformats.org/officeDocument/2006/relationships" xmlns:p="http://schemas.openxmlformats.org/presentationml/2006/main">
   <p:cSld>
     <p:spTree>
@@ -26126,7 +22682,18 @@
           <a:p>
             <a:r>
               <a:rPr lang="fr-FR" sz="2400" dirty="0" smtClean="0"/>
-              <a:t>Exemple type</a:t>
+              <a:t>Exemple </a:t>
+            </a:r>
+            <a:r>
+              <a:rPr lang="fr-FR" sz="2400" dirty="0" smtClean="0"/>
+              <a:t>type</a:t>
+            </a:r>
+            <a:br>
+              <a:rPr lang="fr-FR" sz="2400" dirty="0" smtClean="0"/>
+            </a:br>
+            <a:r>
+              <a:rPr lang="fr-FR" dirty="0" smtClean="0"/>
+              <a:t>Eclairages et interrupteurs </a:t>
             </a:r>
             <a:endParaRPr lang="fr-FR" sz="2400" dirty="0"/>
           </a:p>
@@ -26150,7 +22717,7 @@
             <a:fld id="{2930045B-F838-499A-A866-54B50D6976AC}" type="datetime1">
               <a:rPr lang="fr-FR" smtClean="0"/>
               <a:pPr/>
-              <a:t>31/03/2015</a:t>
+              <a:t>01/04/2015</a:t>
             </a:fld>
             <a:endParaRPr lang="fr-FR"/>
           </a:p>
@@ -26172,8 +22739,12 @@
           <a:lstStyle/>
           <a:p>
             <a:r>
-              <a:rPr lang="fr-FR" smtClean="0"/>
-              <a:t>BARBARESCO - TOSI - DEGIRONDE - BARBASTE</a:t>
+              <a:rPr lang="fr-FR" u="sng" dirty="0" smtClean="0"/>
+              <a:t>BARBARESCO</a:t>
+            </a:r>
+            <a:r>
+              <a:rPr lang="fr-FR" dirty="0" smtClean="0"/>
+              <a:t> - TOSI - DEGIRONDE - BARBASTE</a:t>
             </a:r>
           </a:p>
           <a:p>
@@ -26199,7 +22770,7 @@
             <a:fld id="{01C2C2A7-E788-4DEF-81A1-763FFC2D4095}" type="slidenum">
               <a:rPr lang="fr-FR" smtClean="0"/>
               <a:pPr/>
-              <a:t>13</a:t>
+              <a:t>12</a:t>
             </a:fld>
             <a:endParaRPr lang="fr-FR" dirty="0"/>
           </a:p>
@@ -26313,17 +22884,18 @@
               <a:rPr lang="fr-FR" dirty="0" smtClean="0"/>
               <a:t>Interrupteur intelligent</a:t>
             </a:r>
-          </a:p>
-          <a:p>
             <a:endParaRPr lang="fr-FR" dirty="0" smtClean="0"/>
           </a:p>
           <a:p>
+            <a:endParaRPr lang="fr-FR" dirty="0" smtClean="0"/>
+          </a:p>
+          <a:p>
             <a:endParaRPr lang="fr-FR" dirty="0"/>
           </a:p>
           <a:p>
             <a:r>
               <a:rPr lang="fr-FR" dirty="0" smtClean="0"/>
-              <a:t>Prises intelligentes</a:t>
+              <a:t>Prise intelligente</a:t>
             </a:r>
             <a:endParaRPr lang="fr-FR" dirty="0"/>
           </a:p>
@@ -26333,6 +22905,338 @@
     <p:extLst>
       <p:ext uri="{BB962C8B-B14F-4D97-AF65-F5344CB8AC3E}">
         <p14:creationId xmlns:p14="http://schemas.microsoft.com/office/powerpoint/2010/main" val="3014630435"/>
+      </p:ext>
+    </p:extLst>
+  </p:cSld>
+  <p:clrMapOvr>
+    <a:masterClrMapping/>
+  </p:clrMapOvr>
+  <p:timing>
+    <p:tnLst>
+      <p:par>
+        <p:cTn id="1" dur="indefinite" restart="never" nodeType="tmRoot"/>
+      </p:par>
+    </p:tnLst>
+  </p:timing>
+</p:sld>
+</file>
+
+<file path=ppt/slides/slide13.xml><?xml version="1.0" encoding="utf-8"?>
+<p:sld xmlns:a="http://schemas.openxmlformats.org/drawingml/2006/main" xmlns:r="http://schemas.openxmlformats.org/officeDocument/2006/relationships" xmlns:p="http://schemas.openxmlformats.org/presentationml/2006/main">
+  <p:cSld>
+    <p:spTree>
+      <p:nvGrpSpPr>
+        <p:cNvPr id="1" name=""/>
+        <p:cNvGrpSpPr/>
+        <p:nvPr/>
+      </p:nvGrpSpPr>
+      <p:grpSpPr>
+        <a:xfrm>
+          <a:off x="0" y="0"/>
+          <a:ext cx="0" cy="0"/>
+          <a:chOff x="0" y="0"/>
+          <a:chExt cx="0" cy="0"/>
+        </a:xfrm>
+      </p:grpSpPr>
+      <p:sp>
+        <p:nvSpPr>
+          <p:cNvPr id="16" name="Titre 14"/>
+          <p:cNvSpPr>
+            <a:spLocks noGrp="1"/>
+          </p:cNvSpPr>
+          <p:nvPr>
+            <p:ph type="title"/>
+          </p:nvPr>
+        </p:nvSpPr>
+        <p:spPr/>
+        <p:txBody>
+          <a:bodyPr>
+            <a:noAutofit/>
+          </a:bodyPr>
+          <a:lstStyle/>
+          <a:p>
+            <a:r>
+              <a:rPr lang="fr-FR" sz="2400" dirty="0" smtClean="0"/>
+              <a:t>Exemple type</a:t>
+            </a:r>
+            <a:br>
+              <a:rPr lang="fr-FR" sz="2400" dirty="0" smtClean="0"/>
+            </a:br>
+            <a:r>
+              <a:rPr lang="fr-FR" dirty="0" smtClean="0"/>
+              <a:t>Gestion du chauffage</a:t>
+            </a:r>
+            <a:endParaRPr lang="fr-FR" sz="2400" dirty="0"/>
+          </a:p>
+        </p:txBody>
+      </p:sp>
+      <p:sp>
+        <p:nvSpPr>
+          <p:cNvPr id="17" name="Espace réservé de la date 3"/>
+          <p:cNvSpPr>
+            <a:spLocks noGrp="1"/>
+          </p:cNvSpPr>
+          <p:nvPr>
+            <p:ph type="dt" sz="half" idx="10"/>
+          </p:nvPr>
+        </p:nvSpPr>
+        <p:spPr/>
+        <p:txBody>
+          <a:bodyPr/>
+          <a:lstStyle/>
+          <a:p>
+            <a:fld id="{2930045B-F838-499A-A866-54B50D6976AC}" type="datetime1">
+              <a:rPr lang="fr-FR" smtClean="0"/>
+              <a:pPr/>
+              <a:t>01/04/2015</a:t>
+            </a:fld>
+            <a:endParaRPr lang="fr-FR"/>
+          </a:p>
+        </p:txBody>
+      </p:sp>
+      <p:sp>
+        <p:nvSpPr>
+          <p:cNvPr id="18" name="Espace réservé du pied de page 12"/>
+          <p:cNvSpPr>
+            <a:spLocks noGrp="1"/>
+          </p:cNvSpPr>
+          <p:nvPr>
+            <p:ph type="ftr" sz="quarter" idx="11"/>
+          </p:nvPr>
+        </p:nvSpPr>
+        <p:spPr/>
+        <p:txBody>
+          <a:bodyPr/>
+          <a:lstStyle/>
+          <a:p>
+            <a:r>
+              <a:rPr lang="fr-FR" dirty="0" smtClean="0"/>
+              <a:t>BARBARESCO - </a:t>
+            </a:r>
+            <a:r>
+              <a:rPr lang="fr-FR" u="sng" dirty="0" smtClean="0"/>
+              <a:t>TOSI</a:t>
+            </a:r>
+            <a:r>
+              <a:rPr lang="fr-FR" dirty="0" smtClean="0"/>
+              <a:t> - DEGIRONDE - BARBASTE</a:t>
+            </a:r>
+          </a:p>
+          <a:p>
+            <a:endParaRPr lang="fr-FR" dirty="0"/>
+          </a:p>
+        </p:txBody>
+      </p:sp>
+      <p:sp>
+        <p:nvSpPr>
+          <p:cNvPr id="21" name="Espace réservé du numéro de diapositive 13"/>
+          <p:cNvSpPr>
+            <a:spLocks noGrp="1"/>
+          </p:cNvSpPr>
+          <p:nvPr>
+            <p:ph type="sldNum" sz="quarter" idx="12"/>
+          </p:nvPr>
+        </p:nvSpPr>
+        <p:spPr/>
+        <p:txBody>
+          <a:bodyPr/>
+          <a:lstStyle/>
+          <a:p>
+            <a:fld id="{01C2C2A7-E788-4DEF-81A1-763FFC2D4095}" type="slidenum">
+              <a:rPr lang="fr-FR" smtClean="0"/>
+              <a:pPr/>
+              <a:t>13</a:t>
+            </a:fld>
+            <a:endParaRPr lang="fr-FR" dirty="0"/>
+          </a:p>
+        </p:txBody>
+      </p:sp>
+      <p:sp>
+        <p:nvSpPr>
+          <p:cNvPr id="5" name="ZoneTexte 4"/>
+          <p:cNvSpPr txBox="1"/>
+          <p:nvPr/>
+        </p:nvSpPr>
+        <p:spPr>
+          <a:xfrm>
+            <a:off x="53864" y="5154409"/>
+            <a:ext cx="4608512" cy="430887"/>
+          </a:xfrm>
+          <a:prstGeom prst="rect">
+            <a:avLst/>
+          </a:prstGeom>
+          <a:noFill/>
+        </p:spPr>
+        <p:txBody>
+          <a:bodyPr wrap="square" rtlCol="0">
+            <a:spAutoFit/>
+          </a:bodyPr>
+          <a:lstStyle/>
+          <a:p>
+            <a:r>
+              <a:rPr lang="fr-FR" sz="1100" b="1" u="sng" dirty="0" smtClean="0"/>
+              <a:t>Source</a:t>
+            </a:r>
+            <a:r>
+              <a:rPr lang="fr-FR" sz="1100" dirty="0" smtClean="0"/>
+              <a:t> </a:t>
+            </a:r>
+            <a:r>
+              <a:rPr lang="fr-FR" sz="1100" dirty="0"/>
+              <a:t>: http://</a:t>
+            </a:r>
+            <a:r>
+              <a:rPr lang="fr-FR" sz="1100" dirty="0" err="1"/>
+              <a:t>img.archiexpo.fr</a:t>
+            </a:r>
+            <a:r>
+              <a:rPr lang="fr-FR" sz="1100" dirty="0"/>
+              <a:t>/</a:t>
+            </a:r>
+            <a:r>
+              <a:rPr lang="fr-FR" sz="1100" dirty="0" err="1"/>
+              <a:t>images_ae</a:t>
+            </a:r>
+            <a:r>
+              <a:rPr lang="fr-FR" sz="1100" dirty="0"/>
+              <a:t>/photo-g/installation-domotique-climatisation-chauffage-51487-6566503.jpg</a:t>
+            </a:r>
+          </a:p>
+        </p:txBody>
+      </p:sp>
+      <p:pic>
+        <p:nvPicPr>
+          <p:cNvPr id="3" name="Image 2"/>
+          <p:cNvPicPr>
+            <a:picLocks noChangeAspect="1"/>
+          </p:cNvPicPr>
+          <p:nvPr/>
+        </p:nvPicPr>
+        <p:blipFill>
+          <a:blip r:embed="rId3"/>
+          <a:stretch>
+            <a:fillRect/>
+          </a:stretch>
+        </p:blipFill>
+        <p:spPr>
+          <a:xfrm>
+            <a:off x="539552" y="1340768"/>
+            <a:ext cx="3637136" cy="3637136"/>
+          </a:xfrm>
+          <a:prstGeom prst="rect">
+            <a:avLst/>
+          </a:prstGeom>
+        </p:spPr>
+      </p:pic>
+      <p:sp>
+        <p:nvSpPr>
+          <p:cNvPr id="2" name="ZoneTexte 1"/>
+          <p:cNvSpPr txBox="1"/>
+          <p:nvPr/>
+        </p:nvSpPr>
+        <p:spPr>
+          <a:xfrm>
+            <a:off x="4827512" y="2005174"/>
+            <a:ext cx="3960440" cy="2308324"/>
+          </a:xfrm>
+          <a:prstGeom prst="rect">
+            <a:avLst/>
+          </a:prstGeom>
+          <a:noFill/>
+        </p:spPr>
+        <p:txBody>
+          <a:bodyPr wrap="square" rtlCol="0">
+            <a:spAutoFit/>
+          </a:bodyPr>
+          <a:lstStyle/>
+          <a:p>
+            <a:r>
+              <a:rPr lang="fr-FR" dirty="0" smtClean="0"/>
+              <a:t>Thermostat connecté</a:t>
+            </a:r>
+          </a:p>
+          <a:p>
+            <a:endParaRPr lang="fr-FR" dirty="0"/>
+          </a:p>
+          <a:p>
+            <a:r>
+              <a:rPr lang="fr-FR" dirty="0" smtClean="0"/>
+              <a:t>Pompe à chaleur / chaudière</a:t>
+            </a:r>
+          </a:p>
+          <a:p>
+            <a:r>
+              <a:rPr lang="fr-FR" dirty="0"/>
+              <a:t> </a:t>
+            </a:r>
+            <a:r>
+              <a:rPr lang="fr-FR" dirty="0" smtClean="0"/>
+              <a:t>      </a:t>
+            </a:r>
+            <a:r>
+              <a:rPr lang="fr-FR" dirty="0" smtClean="0">
+                <a:sym typeface="Wingdings" panose="05000000000000000000" pitchFamily="2" charset="2"/>
+              </a:rPr>
+              <a:t> Gestion des </a:t>
+            </a:r>
+            <a:r>
+              <a:rPr lang="fr-FR" dirty="0" smtClean="0">
+                <a:sym typeface="Wingdings" panose="05000000000000000000" pitchFamily="2" charset="2"/>
+              </a:rPr>
+              <a:t>points </a:t>
+            </a:r>
+            <a:r>
+              <a:rPr lang="fr-FR" dirty="0" smtClean="0">
+                <a:sym typeface="Wingdings" panose="05000000000000000000" pitchFamily="2" charset="2"/>
+              </a:rPr>
+              <a:t>de chauffe</a:t>
+            </a:r>
+          </a:p>
+          <a:p>
+            <a:endParaRPr lang="fr-FR" dirty="0">
+              <a:sym typeface="Wingdings" panose="05000000000000000000" pitchFamily="2" charset="2"/>
+            </a:endParaRPr>
+          </a:p>
+          <a:p>
+            <a:r>
+              <a:rPr lang="fr-FR" dirty="0" smtClean="0">
+                <a:sym typeface="Wingdings" panose="05000000000000000000" pitchFamily="2" charset="2"/>
+              </a:rPr>
+              <a:t>Répartition </a:t>
+            </a:r>
+            <a:r>
+              <a:rPr lang="fr-FR" dirty="0" smtClean="0">
+                <a:sym typeface="Wingdings" panose="05000000000000000000" pitchFamily="2" charset="2"/>
+              </a:rPr>
+              <a:t>optimisée </a:t>
+            </a:r>
+            <a:r>
+              <a:rPr lang="fr-FR" dirty="0" smtClean="0">
+                <a:sym typeface="Wingdings" panose="05000000000000000000" pitchFamily="2" charset="2"/>
+              </a:rPr>
+              <a:t>de l’énergie</a:t>
+            </a:r>
+          </a:p>
+          <a:p>
+            <a:endParaRPr lang="fr-FR" dirty="0">
+              <a:sym typeface="Wingdings" panose="05000000000000000000" pitchFamily="2" charset="2"/>
+            </a:endParaRPr>
+          </a:p>
+          <a:p>
+            <a:r>
+              <a:rPr lang="fr-FR" dirty="0" smtClean="0">
+                <a:sym typeface="Wingdings" panose="05000000000000000000" pitchFamily="2" charset="2"/>
+              </a:rPr>
+              <a:t>Economies d’énergie</a:t>
+            </a:r>
+            <a:endParaRPr lang="fr-FR" dirty="0"/>
+          </a:p>
+        </p:txBody>
+      </p:sp>
+    </p:spTree>
+    <p:extLst>
+      <p:ext uri="{BB962C8B-B14F-4D97-AF65-F5344CB8AC3E}">
+        <p14:creationId xmlns:p14="http://schemas.microsoft.com/office/powerpoint/2010/main" val="320720832"/>
       </p:ext>
     </p:extLst>
   </p:cSld>
@@ -26385,18 +23289,14 @@
           <a:p>
             <a:r>
               <a:rPr lang="fr-FR" sz="2400" dirty="0" smtClean="0"/>
-              <a:t>Exemple </a:t>
-            </a:r>
-            <a:r>
-              <a:rPr lang="fr-FR" sz="2400" dirty="0" smtClean="0"/>
-              <a:t>type</a:t>
+              <a:t>Exemple type</a:t>
             </a:r>
             <a:br>
               <a:rPr lang="fr-FR" sz="2400" dirty="0" smtClean="0"/>
             </a:br>
             <a:r>
               <a:rPr lang="fr-FR" dirty="0" smtClean="0"/>
-              <a:t>Gestion du chauffage</a:t>
+              <a:t>Sécurité</a:t>
             </a:r>
             <a:endParaRPr lang="fr-FR" sz="2400" dirty="0"/>
           </a:p>
@@ -26420,7 +23320,7 @@
             <a:fld id="{2930045B-F838-499A-A866-54B50D6976AC}" type="datetime1">
               <a:rPr lang="fr-FR" smtClean="0"/>
               <a:pPr/>
-              <a:t>31/03/2015</a:t>
+              <a:t>01/04/2015</a:t>
             </a:fld>
             <a:endParaRPr lang="fr-FR"/>
           </a:p>
@@ -26442,8 +23342,16 @@
           <a:lstStyle/>
           <a:p>
             <a:r>
-              <a:rPr lang="fr-FR" smtClean="0"/>
-              <a:t>BARBARESCO - TOSI - DEGIRONDE - BARBASTE</a:t>
+              <a:rPr lang="fr-FR" dirty="0" smtClean="0"/>
+              <a:t>BARBARESCO - </a:t>
+            </a:r>
+            <a:r>
+              <a:rPr lang="fr-FR" u="sng" dirty="0" smtClean="0"/>
+              <a:t>TOSI</a:t>
+            </a:r>
+            <a:r>
+              <a:rPr lang="fr-FR" dirty="0" smtClean="0"/>
+              <a:t> - DEGIRONDE - BARBASTE</a:t>
             </a:r>
           </a:p>
           <a:p>
@@ -26470,310 +23378,6 @@
               <a:rPr lang="fr-FR" smtClean="0"/>
               <a:pPr/>
               <a:t>14</a:t>
-            </a:fld>
-            <a:endParaRPr lang="fr-FR" dirty="0"/>
-          </a:p>
-        </p:txBody>
-      </p:sp>
-      <p:sp>
-        <p:nvSpPr>
-          <p:cNvPr id="5" name="ZoneTexte 4"/>
-          <p:cNvSpPr txBox="1"/>
-          <p:nvPr/>
-        </p:nvSpPr>
-        <p:spPr>
-          <a:xfrm>
-            <a:off x="53864" y="5154409"/>
-            <a:ext cx="4608512" cy="430887"/>
-          </a:xfrm>
-          <a:prstGeom prst="rect">
-            <a:avLst/>
-          </a:prstGeom>
-          <a:noFill/>
-        </p:spPr>
-        <p:txBody>
-          <a:bodyPr wrap="square" rtlCol="0">
-            <a:spAutoFit/>
-          </a:bodyPr>
-          <a:lstStyle/>
-          <a:p>
-            <a:r>
-              <a:rPr lang="fr-FR" sz="1100" b="1" u="sng" dirty="0" smtClean="0"/>
-              <a:t>Source</a:t>
-            </a:r>
-            <a:r>
-              <a:rPr lang="fr-FR" sz="1100" dirty="0" smtClean="0"/>
-              <a:t> </a:t>
-            </a:r>
-            <a:r>
-              <a:rPr lang="fr-FR" sz="1100" dirty="0"/>
-              <a:t>: http://</a:t>
-            </a:r>
-            <a:r>
-              <a:rPr lang="fr-FR" sz="1100" dirty="0" err="1"/>
-              <a:t>img.archiexpo.fr</a:t>
-            </a:r>
-            <a:r>
-              <a:rPr lang="fr-FR" sz="1100" dirty="0"/>
-              <a:t>/</a:t>
-            </a:r>
-            <a:r>
-              <a:rPr lang="fr-FR" sz="1100" dirty="0" err="1"/>
-              <a:t>images_ae</a:t>
-            </a:r>
-            <a:r>
-              <a:rPr lang="fr-FR" sz="1100" dirty="0"/>
-              <a:t>/photo-g/installation-domotique-climatisation-chauffage-51487-6566503.jpg</a:t>
-            </a:r>
-          </a:p>
-        </p:txBody>
-      </p:sp>
-      <p:pic>
-        <p:nvPicPr>
-          <p:cNvPr id="3" name="Image 2"/>
-          <p:cNvPicPr>
-            <a:picLocks noChangeAspect="1"/>
-          </p:cNvPicPr>
-          <p:nvPr/>
-        </p:nvPicPr>
-        <p:blipFill>
-          <a:blip r:embed="rId3"/>
-          <a:stretch>
-            <a:fillRect/>
-          </a:stretch>
-        </p:blipFill>
-        <p:spPr>
-          <a:xfrm>
-            <a:off x="539552" y="1340768"/>
-            <a:ext cx="3637136" cy="3637136"/>
-          </a:xfrm>
-          <a:prstGeom prst="rect">
-            <a:avLst/>
-          </a:prstGeom>
-        </p:spPr>
-      </p:pic>
-      <p:sp>
-        <p:nvSpPr>
-          <p:cNvPr id="2" name="ZoneTexte 1"/>
-          <p:cNvSpPr txBox="1"/>
-          <p:nvPr/>
-        </p:nvSpPr>
-        <p:spPr>
-          <a:xfrm>
-            <a:off x="4827512" y="2005174"/>
-            <a:ext cx="3960440" cy="2308324"/>
-          </a:xfrm>
-          <a:prstGeom prst="rect">
-            <a:avLst/>
-          </a:prstGeom>
-          <a:noFill/>
-        </p:spPr>
-        <p:txBody>
-          <a:bodyPr wrap="square" rtlCol="0">
-            <a:spAutoFit/>
-          </a:bodyPr>
-          <a:lstStyle/>
-          <a:p>
-            <a:r>
-              <a:rPr lang="fr-FR" dirty="0" smtClean="0"/>
-              <a:t>Thermostat connecté</a:t>
-            </a:r>
-          </a:p>
-          <a:p>
-            <a:endParaRPr lang="fr-FR" dirty="0"/>
-          </a:p>
-          <a:p>
-            <a:r>
-              <a:rPr lang="fr-FR" dirty="0" smtClean="0"/>
-              <a:t>Pompe à chaleur / chaudière</a:t>
-            </a:r>
-          </a:p>
-          <a:p>
-            <a:r>
-              <a:rPr lang="fr-FR" dirty="0"/>
-              <a:t> </a:t>
-            </a:r>
-            <a:r>
-              <a:rPr lang="fr-FR" dirty="0" smtClean="0"/>
-              <a:t>      </a:t>
-            </a:r>
-            <a:r>
-              <a:rPr lang="fr-FR" dirty="0" smtClean="0">
-                <a:sym typeface="Wingdings" panose="05000000000000000000" pitchFamily="2" charset="2"/>
-              </a:rPr>
-              <a:t> Gestion des point de chauffe</a:t>
-            </a:r>
-          </a:p>
-          <a:p>
-            <a:endParaRPr lang="fr-FR" dirty="0">
-              <a:sym typeface="Wingdings" panose="05000000000000000000" pitchFamily="2" charset="2"/>
-            </a:endParaRPr>
-          </a:p>
-          <a:p>
-            <a:r>
-              <a:rPr lang="fr-FR" dirty="0" smtClean="0">
-                <a:sym typeface="Wingdings" panose="05000000000000000000" pitchFamily="2" charset="2"/>
-              </a:rPr>
-              <a:t>Répartition optimisé de l’énergie</a:t>
-            </a:r>
-          </a:p>
-          <a:p>
-            <a:endParaRPr lang="fr-FR" dirty="0">
-              <a:sym typeface="Wingdings" panose="05000000000000000000" pitchFamily="2" charset="2"/>
-            </a:endParaRPr>
-          </a:p>
-          <a:p>
-            <a:r>
-              <a:rPr lang="fr-FR" dirty="0" smtClean="0">
-                <a:sym typeface="Wingdings" panose="05000000000000000000" pitchFamily="2" charset="2"/>
-              </a:rPr>
-              <a:t>Economies d’énergie</a:t>
-            </a:r>
-            <a:endParaRPr lang="fr-FR" dirty="0"/>
-          </a:p>
-        </p:txBody>
-      </p:sp>
-    </p:spTree>
-    <p:extLst>
-      <p:ext uri="{BB962C8B-B14F-4D97-AF65-F5344CB8AC3E}">
-        <p14:creationId xmlns:p14="http://schemas.microsoft.com/office/powerpoint/2010/main" val="320720832"/>
-      </p:ext>
-    </p:extLst>
-  </p:cSld>
-  <p:clrMapOvr>
-    <a:masterClrMapping/>
-  </p:clrMapOvr>
-  <p:timing>
-    <p:tnLst>
-      <p:par>
-        <p:cTn id="1" dur="indefinite" restart="never" nodeType="tmRoot"/>
-      </p:par>
-    </p:tnLst>
-  </p:timing>
-</p:sld>
-</file>
-
-<file path=ppt/slides/slide15.xml><?xml version="1.0" encoding="utf-8"?>
-<p:sld xmlns:a="http://schemas.openxmlformats.org/drawingml/2006/main" xmlns:r="http://schemas.openxmlformats.org/officeDocument/2006/relationships" xmlns:p="http://schemas.openxmlformats.org/presentationml/2006/main">
-  <p:cSld>
-    <p:spTree>
-      <p:nvGrpSpPr>
-        <p:cNvPr id="1" name=""/>
-        <p:cNvGrpSpPr/>
-        <p:nvPr/>
-      </p:nvGrpSpPr>
-      <p:grpSpPr>
-        <a:xfrm>
-          <a:off x="0" y="0"/>
-          <a:ext cx="0" cy="0"/>
-          <a:chOff x="0" y="0"/>
-          <a:chExt cx="0" cy="0"/>
-        </a:xfrm>
-      </p:grpSpPr>
-      <p:sp>
-        <p:nvSpPr>
-          <p:cNvPr id="16" name="Titre 14"/>
-          <p:cNvSpPr>
-            <a:spLocks noGrp="1"/>
-          </p:cNvSpPr>
-          <p:nvPr>
-            <p:ph type="title"/>
-          </p:nvPr>
-        </p:nvSpPr>
-        <p:spPr/>
-        <p:txBody>
-          <a:bodyPr>
-            <a:noAutofit/>
-          </a:bodyPr>
-          <a:lstStyle/>
-          <a:p>
-            <a:r>
-              <a:rPr lang="fr-FR" sz="2400" dirty="0" smtClean="0"/>
-              <a:t>Exemple </a:t>
-            </a:r>
-            <a:r>
-              <a:rPr lang="fr-FR" sz="2400" dirty="0" smtClean="0"/>
-              <a:t>type</a:t>
-            </a:r>
-            <a:br>
-              <a:rPr lang="fr-FR" sz="2400" dirty="0" smtClean="0"/>
-            </a:br>
-            <a:r>
-              <a:rPr lang="fr-FR" dirty="0" smtClean="0"/>
-              <a:t>Sécurité</a:t>
-            </a:r>
-            <a:endParaRPr lang="fr-FR" sz="2400" dirty="0"/>
-          </a:p>
-        </p:txBody>
-      </p:sp>
-      <p:sp>
-        <p:nvSpPr>
-          <p:cNvPr id="17" name="Espace réservé de la date 3"/>
-          <p:cNvSpPr>
-            <a:spLocks noGrp="1"/>
-          </p:cNvSpPr>
-          <p:nvPr>
-            <p:ph type="dt" sz="half" idx="10"/>
-          </p:nvPr>
-        </p:nvSpPr>
-        <p:spPr/>
-        <p:txBody>
-          <a:bodyPr/>
-          <a:lstStyle/>
-          <a:p>
-            <a:fld id="{2930045B-F838-499A-A866-54B50D6976AC}" type="datetime1">
-              <a:rPr lang="fr-FR" smtClean="0"/>
-              <a:pPr/>
-              <a:t>31/03/2015</a:t>
-            </a:fld>
-            <a:endParaRPr lang="fr-FR"/>
-          </a:p>
-        </p:txBody>
-      </p:sp>
-      <p:sp>
-        <p:nvSpPr>
-          <p:cNvPr id="18" name="Espace réservé du pied de page 12"/>
-          <p:cNvSpPr>
-            <a:spLocks noGrp="1"/>
-          </p:cNvSpPr>
-          <p:nvPr>
-            <p:ph type="ftr" sz="quarter" idx="11"/>
-          </p:nvPr>
-        </p:nvSpPr>
-        <p:spPr/>
-        <p:txBody>
-          <a:bodyPr/>
-          <a:lstStyle/>
-          <a:p>
-            <a:r>
-              <a:rPr lang="fr-FR" smtClean="0"/>
-              <a:t>BARBARESCO - TOSI - DEGIRONDE - BARBASTE</a:t>
-            </a:r>
-          </a:p>
-          <a:p>
-            <a:endParaRPr lang="fr-FR" dirty="0"/>
-          </a:p>
-        </p:txBody>
-      </p:sp>
-      <p:sp>
-        <p:nvSpPr>
-          <p:cNvPr id="21" name="Espace réservé du numéro de diapositive 13"/>
-          <p:cNvSpPr>
-            <a:spLocks noGrp="1"/>
-          </p:cNvSpPr>
-          <p:nvPr>
-            <p:ph type="sldNum" sz="quarter" idx="12"/>
-          </p:nvPr>
-        </p:nvSpPr>
-        <p:spPr/>
-        <p:txBody>
-          <a:bodyPr/>
-          <a:lstStyle/>
-          <a:p>
-            <a:fld id="{01C2C2A7-E788-4DEF-81A1-763FFC2D4095}" type="slidenum">
-              <a:rPr lang="fr-FR" smtClean="0"/>
-              <a:pPr/>
-              <a:t>15</a:t>
             </a:fld>
             <a:endParaRPr lang="fr-FR" dirty="0"/>
           </a:p>
@@ -26856,7 +23460,15 @@
             </a:r>
             <a:r>
               <a:rPr lang="fr-FR" dirty="0" smtClean="0"/>
-              <a:t>     Détecteurs de mouvement</a:t>
+              <a:t>     </a:t>
+            </a:r>
+            <a:r>
+              <a:rPr lang="fr-FR" dirty="0" smtClean="0"/>
+              <a:t>Détecteurs </a:t>
+            </a:r>
+            <a:r>
+              <a:rPr lang="fr-FR" dirty="0" smtClean="0"/>
+              <a:t>de mouvement</a:t>
             </a:r>
           </a:p>
           <a:p>
@@ -26869,8 +23481,13 @@
             </a:r>
             <a:r>
               <a:rPr lang="fr-FR" dirty="0" smtClean="0"/>
-              <a:t>    Alarmes</a:t>
-            </a:r>
+              <a:t>    </a:t>
+            </a:r>
+            <a:r>
+              <a:rPr lang="fr-FR" dirty="0" smtClean="0"/>
+              <a:t>Alarme</a:t>
+            </a:r>
+            <a:endParaRPr lang="fr-FR" dirty="0" smtClean="0"/>
           </a:p>
           <a:p>
             <a:endParaRPr lang="fr-FR" dirty="0"/>
@@ -27007,7 +23624,7 @@
 </p:sld>
 </file>
 
-<file path=ppt/slides/slide16.xml><?xml version="1.0" encoding="utf-8"?>
+<file path=ppt/slides/slide15.xml><?xml version="1.0" encoding="utf-8"?>
 <p:sld xmlns:a="http://schemas.openxmlformats.org/drawingml/2006/main" xmlns:r="http://schemas.openxmlformats.org/officeDocument/2006/relationships" xmlns:p="http://schemas.openxmlformats.org/presentationml/2006/main">
   <p:cSld>
     <p:spTree>
@@ -27067,7 +23684,7 @@
             <a:fld id="{2930045B-F838-499A-A866-54B50D6976AC}" type="datetime1">
               <a:rPr lang="fr-FR" smtClean="0"/>
               <a:pPr/>
-              <a:t>31/03/2015</a:t>
+              <a:t>01/04/2015</a:t>
             </a:fld>
             <a:endParaRPr lang="fr-FR"/>
           </a:p>
@@ -27089,8 +23706,16 @@
           <a:lstStyle/>
           <a:p>
             <a:r>
-              <a:rPr lang="fr-FR" smtClean="0"/>
-              <a:t>BARBARESCO - TOSI - DEGIRONDE - BARBASTE</a:t>
+              <a:rPr lang="fr-FR" dirty="0" smtClean="0"/>
+              <a:t>BARBARESCO - TOSI -</a:t>
+            </a:r>
+            <a:r>
+              <a:rPr lang="fr-FR" u="sng" dirty="0" smtClean="0"/>
+              <a:t> DEGIRONDE</a:t>
+            </a:r>
+            <a:r>
+              <a:rPr lang="fr-FR" dirty="0" smtClean="0"/>
+              <a:t> - BARBASTE</a:t>
             </a:r>
           </a:p>
           <a:p>
@@ -27116,7 +23741,7 @@
             <a:fld id="{01C2C2A7-E788-4DEF-81A1-763FFC2D4095}" type="slidenum">
               <a:rPr lang="fr-FR" smtClean="0"/>
               <a:pPr/>
-              <a:t>16</a:t>
+              <a:t>15</a:t>
             </a:fld>
             <a:endParaRPr lang="fr-FR" dirty="0"/>
           </a:p>
@@ -27257,8 +23882,8 @@
         </p:nvSpPr>
         <p:spPr>
           <a:xfrm>
-            <a:off x="251520" y="5229200"/>
-            <a:ext cx="2195736" cy="646331"/>
+            <a:off x="13568" y="5185002"/>
+            <a:ext cx="2376264" cy="646331"/>
           </a:xfrm>
           <a:prstGeom prst="rect">
             <a:avLst/>
@@ -27273,7 +23898,11 @@
           <a:p>
             <a:r>
               <a:rPr lang="fr-FR" dirty="0" smtClean="0"/>
-              <a:t>Récepteur portail électrique 63€</a:t>
+              <a:t>Récepteur du </a:t>
+            </a:r>
+            <a:r>
+              <a:rPr lang="fr-FR" dirty="0" smtClean="0"/>
+              <a:t>portail électrique 63€</a:t>
             </a:r>
             <a:endParaRPr lang="fr-FR" dirty="0"/>
           </a:p>
@@ -27748,7 +24377,7 @@
 </p:sld>
 </file>
 
-<file path=ppt/slides/slide17.xml><?xml version="1.0" encoding="utf-8"?>
+<file path=ppt/slides/slide16.xml><?xml version="1.0" encoding="utf-8"?>
 <p:sld xmlns:a="http://schemas.openxmlformats.org/drawingml/2006/main" xmlns:r="http://schemas.openxmlformats.org/officeDocument/2006/relationships" xmlns:p="http://schemas.openxmlformats.org/presentationml/2006/main">
   <p:cSld>
     <p:spTree>
@@ -27784,15 +24413,7 @@
           <a:p>
             <a:r>
               <a:rPr lang="fr-FR" sz="2400" dirty="0" smtClean="0"/>
-              <a:t>Et les </a:t>
-            </a:r>
-            <a:r>
-              <a:rPr lang="fr-FR" sz="2400" dirty="0" smtClean="0"/>
-              <a:t>autres technologies </a:t>
-            </a:r>
-            <a:r>
-              <a:rPr lang="fr-FR" sz="2400" dirty="0" smtClean="0"/>
-              <a:t>?</a:t>
+              <a:t>Et les autres technologies ?</a:t>
             </a:r>
             <a:endParaRPr lang="fr-FR" sz="2400" dirty="0"/>
           </a:p>
@@ -27816,7 +24437,7 @@
             <a:fld id="{2930045B-F838-499A-A866-54B50D6976AC}" type="datetime1">
               <a:rPr lang="fr-FR" smtClean="0"/>
               <a:pPr/>
-              <a:t>31/03/2015</a:t>
+              <a:t>01/04/2015</a:t>
             </a:fld>
             <a:endParaRPr lang="fr-FR"/>
           </a:p>
@@ -27838,8 +24459,20 @@
           <a:lstStyle/>
           <a:p>
             <a:r>
-              <a:rPr lang="fr-FR" smtClean="0"/>
-              <a:t>BARBARESCO - TOSI - DEGIRONDE - BARBASTE</a:t>
+              <a:rPr lang="fr-FR" u="sng" dirty="0" smtClean="0"/>
+              <a:t>BARBARESCO</a:t>
+            </a:r>
+            <a:r>
+              <a:rPr lang="fr-FR" dirty="0" smtClean="0"/>
+              <a:t> - </a:t>
+            </a:r>
+            <a:r>
+              <a:rPr lang="fr-FR" u="sng" dirty="0" smtClean="0"/>
+              <a:t>TOSI</a:t>
+            </a:r>
+            <a:r>
+              <a:rPr lang="fr-FR" dirty="0" smtClean="0"/>
+              <a:t> - DEGIRONDE - BARBASTE</a:t>
             </a:r>
           </a:p>
           <a:p>
@@ -27865,7 +24498,7 @@
             <a:fld id="{01C2C2A7-E788-4DEF-81A1-763FFC2D4095}" type="slidenum">
               <a:rPr lang="fr-FR" smtClean="0"/>
               <a:pPr/>
-              <a:t>17</a:t>
+              <a:t>16</a:t>
             </a:fld>
             <a:endParaRPr lang="fr-FR" dirty="0"/>
           </a:p>
@@ -27881,7 +24514,7 @@
         </p:nvSpPr>
         <p:spPr>
           <a:xfrm>
-            <a:off x="215008" y="1497765"/>
+            <a:off x="215008" y="1268760"/>
             <a:ext cx="8928992" cy="4896544"/>
           </a:xfrm>
           <a:prstGeom prst="rect">
@@ -28095,16 +24728,9 @@
             </a:pPr>
             <a:r>
               <a:rPr lang="fr-FR" dirty="0" smtClean="0"/>
-              <a:t>Câble</a:t>
-            </a:r>
-            <a:r>
-              <a:rPr lang="fr-FR" dirty="0"/>
-              <a:t> </a:t>
-            </a:r>
-            <a:r>
-              <a:rPr lang="fr-FR" dirty="0" smtClean="0"/>
-              <a:t>réseau</a:t>
-            </a:r>
+              <a:t>Câbles réseaux</a:t>
+            </a:r>
+            <a:endParaRPr lang="fr-FR" dirty="0" smtClean="0"/>
           </a:p>
           <a:p>
             <a:pPr>
@@ -28118,8 +24744,9 @@
             </a:pPr>
             <a:r>
               <a:rPr lang="fr-FR" dirty="0" smtClean="0"/>
-              <a:t>BUS propriétaire</a:t>
-            </a:r>
+              <a:t>Protocoles propriétaires</a:t>
+            </a:r>
+            <a:endParaRPr lang="fr-FR" dirty="0" smtClean="0"/>
           </a:p>
           <a:p>
             <a:endParaRPr lang="fr-FR" dirty="0" smtClean="0"/>
@@ -28139,6 +24766,143 @@
     <p:extLst>
       <p:ext uri="{BB962C8B-B14F-4D97-AF65-F5344CB8AC3E}">
         <p14:creationId xmlns:p14="http://schemas.microsoft.com/office/powerpoint/2010/main" val="2929426722"/>
+      </p:ext>
+    </p:extLst>
+  </p:cSld>
+  <p:clrMapOvr>
+    <a:masterClrMapping/>
+  </p:clrMapOvr>
+  <p:timing>
+    <p:tnLst>
+      <p:par>
+        <p:cTn id="1" dur="indefinite" restart="never" nodeType="tmRoot"/>
+      </p:par>
+    </p:tnLst>
+  </p:timing>
+</p:sld>
+</file>
+
+<file path=ppt/slides/slide17.xml><?xml version="1.0" encoding="utf-8"?>
+<p:sld xmlns:a="http://schemas.openxmlformats.org/drawingml/2006/main" xmlns:r="http://schemas.openxmlformats.org/officeDocument/2006/relationships" xmlns:p="http://schemas.openxmlformats.org/presentationml/2006/main">
+  <p:cSld>
+    <p:spTree>
+      <p:nvGrpSpPr>
+        <p:cNvPr id="1" name=""/>
+        <p:cNvGrpSpPr/>
+        <p:nvPr/>
+      </p:nvGrpSpPr>
+      <p:grpSpPr>
+        <a:xfrm>
+          <a:off x="0" y="0"/>
+          <a:ext cx="0" cy="0"/>
+          <a:chOff x="0" y="0"/>
+          <a:chExt cx="0" cy="0"/>
+        </a:xfrm>
+      </p:grpSpPr>
+      <p:sp>
+        <p:nvSpPr>
+          <p:cNvPr id="2" name="Titre 1"/>
+          <p:cNvSpPr>
+            <a:spLocks noGrp="1"/>
+          </p:cNvSpPr>
+          <p:nvPr>
+            <p:ph type="title"/>
+          </p:nvPr>
+        </p:nvSpPr>
+        <p:spPr/>
+        <p:txBody>
+          <a:bodyPr/>
+          <a:lstStyle/>
+          <a:p>
+            <a:r>
+              <a:rPr lang="fr-FR" dirty="0" smtClean="0"/>
+              <a:t>Conclusion</a:t>
+            </a:r>
+            <a:endParaRPr lang="fr-FR" dirty="0"/>
+          </a:p>
+        </p:txBody>
+      </p:sp>
+      <p:sp>
+        <p:nvSpPr>
+          <p:cNvPr id="3" name="Espace réservé de la date 2"/>
+          <p:cNvSpPr>
+            <a:spLocks noGrp="1"/>
+          </p:cNvSpPr>
+          <p:nvPr>
+            <p:ph type="dt" sz="half" idx="10"/>
+          </p:nvPr>
+        </p:nvSpPr>
+        <p:spPr/>
+        <p:txBody>
+          <a:bodyPr/>
+          <a:lstStyle/>
+          <a:p>
+            <a:fld id="{5068D6C2-C554-4D48-BC24-0E664F4BF82E}" type="datetime1">
+              <a:rPr lang="fr-FR" smtClean="0"/>
+              <a:pPr/>
+              <a:t>01/04/2015</a:t>
+            </a:fld>
+            <a:endParaRPr lang="fr-FR" dirty="0"/>
+          </a:p>
+        </p:txBody>
+      </p:sp>
+      <p:sp>
+        <p:nvSpPr>
+          <p:cNvPr id="4" name="Espace réservé du pied de page 3"/>
+          <p:cNvSpPr>
+            <a:spLocks noGrp="1"/>
+          </p:cNvSpPr>
+          <p:nvPr>
+            <p:ph type="ftr" sz="quarter" idx="11"/>
+          </p:nvPr>
+        </p:nvSpPr>
+        <p:spPr/>
+        <p:txBody>
+          <a:bodyPr/>
+          <a:lstStyle/>
+          <a:p>
+            <a:r>
+              <a:rPr lang="fr-FR" u="sng" dirty="0" smtClean="0"/>
+              <a:t>BARBARESCO</a:t>
+            </a:r>
+            <a:r>
+              <a:rPr lang="fr-FR" dirty="0" smtClean="0"/>
+              <a:t> - TOSI - DEGIRONDE - BARBASTE</a:t>
+            </a:r>
+          </a:p>
+          <a:p>
+            <a:endParaRPr lang="fr-FR" sz="900" dirty="0"/>
+          </a:p>
+        </p:txBody>
+      </p:sp>
+      <p:sp>
+        <p:nvSpPr>
+          <p:cNvPr id="5" name="Espace réservé du numéro de diapositive 4"/>
+          <p:cNvSpPr>
+            <a:spLocks noGrp="1"/>
+          </p:cNvSpPr>
+          <p:nvPr>
+            <p:ph type="sldNum" sz="quarter" idx="12"/>
+          </p:nvPr>
+        </p:nvSpPr>
+        <p:spPr/>
+        <p:txBody>
+          <a:bodyPr/>
+          <a:lstStyle/>
+          <a:p>
+            <a:fld id="{01C2C2A7-E788-4DEF-81A1-763FFC2D4095}" type="slidenum">
+              <a:rPr lang="fr-FR" smtClean="0"/>
+              <a:pPr/>
+              <a:t>17</a:t>
+            </a:fld>
+            <a:endParaRPr lang="fr-FR" dirty="0"/>
+          </a:p>
+        </p:txBody>
+      </p:sp>
+    </p:spTree>
+    <p:extLst>
+      <p:ext uri="{BB962C8B-B14F-4D97-AF65-F5344CB8AC3E}">
+        <p14:creationId xmlns:p14="http://schemas.microsoft.com/office/powerpoint/2010/main" val="679397478"/>
       </p:ext>
     </p:extLst>
   </p:cSld>
@@ -28174,7 +24938,7 @@
       </p:grpSpPr>
       <p:sp>
         <p:nvSpPr>
-          <p:cNvPr id="2" name="Titre 1"/>
+          <p:cNvPr id="6" name="Titre 5"/>
           <p:cNvSpPr>
             <a:spLocks noGrp="1"/>
           </p:cNvSpPr>
@@ -28189,7 +24953,7 @@
           <a:p>
             <a:r>
               <a:rPr lang="fr-FR" dirty="0" smtClean="0"/>
-              <a:t>Conclusion</a:t>
+              <a:t>Avez-vous des questions ?</a:t>
             </a:r>
             <a:endParaRPr lang="fr-FR" dirty="0"/>
           </a:p>
@@ -28210,10 +24974,10 @@
           <a:bodyPr/>
           <a:lstStyle/>
           <a:p>
-            <a:fld id="{5068D6C2-C554-4D48-BC24-0E664F4BF82E}" type="datetime1">
+            <a:fld id="{D844B812-10CA-4F1B-8C86-BE36A3E26B51}" type="datetime1">
               <a:rPr lang="fr-FR" smtClean="0"/>
               <a:pPr/>
-              <a:t>31/03/2015</a:t>
+              <a:t>01/04/2015</a:t>
             </a:fld>
             <a:endParaRPr lang="fr-FR" dirty="0"/>
           </a:p>
@@ -28235,8 +24999,32 @@
           <a:lstStyle/>
           <a:p>
             <a:r>
-              <a:rPr lang="fr-FR" smtClean="0"/>
-              <a:t>BARBARESCO - TOSI - DEGIRONDE - BARBASTE</a:t>
+              <a:rPr lang="fr-FR" u="sng" dirty="0" smtClean="0"/>
+              <a:t>BARBARESCO</a:t>
+            </a:r>
+            <a:r>
+              <a:rPr lang="fr-FR" dirty="0" smtClean="0"/>
+              <a:t> - </a:t>
+            </a:r>
+            <a:r>
+              <a:rPr lang="fr-FR" u="sng" dirty="0" smtClean="0"/>
+              <a:t>TOSI</a:t>
+            </a:r>
+            <a:r>
+              <a:rPr lang="fr-FR" dirty="0" smtClean="0"/>
+              <a:t> - </a:t>
+            </a:r>
+            <a:r>
+              <a:rPr lang="fr-FR" u="sng" dirty="0" smtClean="0"/>
+              <a:t>DEGIRONDE</a:t>
+            </a:r>
+            <a:r>
+              <a:rPr lang="fr-FR" dirty="0" smtClean="0"/>
+              <a:t> - </a:t>
+            </a:r>
+            <a:r>
+              <a:rPr lang="fr-FR" u="sng" dirty="0" smtClean="0"/>
+              <a:t>BARBASTE</a:t>
             </a:r>
           </a:p>
           <a:p>
@@ -28271,7 +25059,7 @@
     </p:spTree>
     <p:extLst>
       <p:ext uri="{BB962C8B-B14F-4D97-AF65-F5344CB8AC3E}">
-        <p14:creationId xmlns:p14="http://schemas.microsoft.com/office/powerpoint/2010/main" val="679397478"/>
+        <p14:creationId xmlns:p14="http://schemas.microsoft.com/office/powerpoint/2010/main" val="3508279675"/>
       </p:ext>
     </p:extLst>
   </p:cSld>
@@ -28307,7 +25095,7 @@
       </p:grpSpPr>
       <p:sp>
         <p:nvSpPr>
-          <p:cNvPr id="6" name="Titre 5"/>
+          <p:cNvPr id="2" name="Titre 1"/>
           <p:cNvSpPr>
             <a:spLocks noGrp="1"/>
           </p:cNvSpPr>
@@ -28315,14 +25103,23 @@
             <p:ph type="title"/>
           </p:nvPr>
         </p:nvSpPr>
-        <p:spPr/>
+        <p:spPr>
+          <a:xfrm>
+            <a:off x="251520" y="2708920"/>
+            <a:ext cx="8640960" cy="1440160"/>
+          </a:xfrm>
+        </p:spPr>
         <p:txBody>
-          <a:bodyPr/>
+          <a:bodyPr>
+            <a:normAutofit/>
+          </a:bodyPr>
           <a:lstStyle/>
           <a:p>
             <a:r>
-              <a:rPr lang="fr-FR" dirty="0" smtClean="0"/>
-              <a:t>Avez-vous des questions ?</a:t>
+              <a:rPr lang="fr-FR" dirty="0" smtClean="0">
+                <a:hlinkClick r:id="rId2"/>
+              </a:rPr>
+              <a:t>Lien vers notre outil de calcul Filtres de Tchebychev</a:t>
             </a:r>
             <a:endParaRPr lang="fr-FR" dirty="0"/>
           </a:p>
@@ -28343,10 +25140,10 @@
           <a:bodyPr/>
           <a:lstStyle/>
           <a:p>
-            <a:fld id="{D844B812-10CA-4F1B-8C86-BE36A3E26B51}" type="datetime1">
+            <a:fld id="{688489DE-DC01-4F6E-9559-3CB0F0280979}" type="datetime1">
               <a:rPr lang="fr-FR" smtClean="0"/>
               <a:pPr/>
-              <a:t>31/03/2015</a:t>
+              <a:t>01/04/2015</a:t>
             </a:fld>
             <a:endParaRPr lang="fr-FR" dirty="0"/>
           </a:p>
@@ -28368,8 +25165,12 @@
           <a:lstStyle/>
           <a:p>
             <a:r>
-              <a:rPr lang="fr-FR" smtClean="0"/>
-              <a:t>BARBARESCO - TOSI - DEGIRONDE - BARBASTE</a:t>
+              <a:rPr lang="fr-FR" dirty="0" smtClean="0"/>
+              <a:t>BARBARESCO - TOSI - DEGIRONDE - </a:t>
+            </a:r>
+            <a:r>
+              <a:rPr lang="fr-FR" u="sng" dirty="0" smtClean="0"/>
+              <a:t>BARBASTE</a:t>
             </a:r>
           </a:p>
           <a:p>
@@ -28404,7 +25205,7 @@
     </p:spTree>
     <p:extLst>
       <p:ext uri="{BB962C8B-B14F-4D97-AF65-F5344CB8AC3E}">
-        <p14:creationId xmlns:p14="http://schemas.microsoft.com/office/powerpoint/2010/main" val="3508279675"/>
+        <p14:creationId xmlns:p14="http://schemas.microsoft.com/office/powerpoint/2010/main" val="2297352776"/>
       </p:ext>
     </p:extLst>
   </p:cSld>
@@ -28499,11 +25300,7 @@
             </a:pPr>
             <a:r>
               <a:rPr lang="fr-FR" u="none" dirty="0" smtClean="0"/>
-              <a:t>Exemple </a:t>
-            </a:r>
-            <a:r>
-              <a:rPr lang="fr-FR" u="none" dirty="0" smtClean="0"/>
-              <a:t>type</a:t>
+              <a:t>Exemple type</a:t>
             </a:r>
           </a:p>
           <a:p>
@@ -28591,8 +25388,12 @@
           <a:lstStyle/>
           <a:p>
             <a:r>
-              <a:rPr lang="fr-FR" smtClean="0"/>
-              <a:t>BARBARESCO - TOSI - DEGIRONDE - BARBASTE</a:t>
+              <a:rPr lang="fr-FR" dirty="0" smtClean="0"/>
+              <a:t>BARBARESCO - TOSI - DEGIRONDE - </a:t>
+            </a:r>
+            <a:r>
+              <a:rPr lang="fr-FR" u="sng" dirty="0" smtClean="0"/>
+              <a:t>BARBASTE</a:t>
             </a:r>
           </a:p>
           <a:p>
@@ -28634,1199 +25435,6 @@
   <p:clrMapOvr>
     <a:masterClrMapping/>
   </p:clrMapOvr>
-  <p:timing>
-    <p:tnLst>
-      <p:par>
-        <p:cTn id="1" dur="indefinite" restart="never" nodeType="tmRoot"/>
-      </p:par>
-    </p:tnLst>
-  </p:timing>
-</p:sld>
-</file>
-
-<file path=ppt/slides/slide20.xml><?xml version="1.0" encoding="utf-8"?>
-<p:sld xmlns:a="http://schemas.openxmlformats.org/drawingml/2006/main" xmlns:r="http://schemas.openxmlformats.org/officeDocument/2006/relationships" xmlns:p="http://schemas.openxmlformats.org/presentationml/2006/main">
-  <p:cSld>
-    <p:spTree>
-      <p:nvGrpSpPr>
-        <p:cNvPr id="1" name=""/>
-        <p:cNvGrpSpPr/>
-        <p:nvPr/>
-      </p:nvGrpSpPr>
-      <p:grpSpPr>
-        <a:xfrm>
-          <a:off x="0" y="0"/>
-          <a:ext cx="0" cy="0"/>
-          <a:chOff x="0" y="0"/>
-          <a:chExt cx="0" cy="0"/>
-        </a:xfrm>
-      </p:grpSpPr>
-      <p:sp>
-        <p:nvSpPr>
-          <p:cNvPr id="2" name="Titre 1"/>
-          <p:cNvSpPr>
-            <a:spLocks noGrp="1"/>
-          </p:cNvSpPr>
-          <p:nvPr>
-            <p:ph type="title"/>
-          </p:nvPr>
-        </p:nvSpPr>
-        <p:spPr/>
-        <p:txBody>
-          <a:bodyPr/>
-          <a:lstStyle/>
-          <a:p>
-            <a:r>
-              <a:rPr lang="fr-FR" dirty="0">
-                <a:hlinkClick r:id="rId2"/>
-              </a:rPr>
-              <a:t>Lien vers les filtres.</a:t>
-            </a:r>
-            <a:endParaRPr lang="fr-FR" dirty="0"/>
-          </a:p>
-        </p:txBody>
-      </p:sp>
-      <p:sp>
-        <p:nvSpPr>
-          <p:cNvPr id="3" name="Espace réservé de la date 2"/>
-          <p:cNvSpPr>
-            <a:spLocks noGrp="1"/>
-          </p:cNvSpPr>
-          <p:nvPr>
-            <p:ph type="dt" sz="half" idx="10"/>
-          </p:nvPr>
-        </p:nvSpPr>
-        <p:spPr/>
-        <p:txBody>
-          <a:bodyPr/>
-          <a:lstStyle/>
-          <a:p>
-            <a:fld id="{688489DE-DC01-4F6E-9559-3CB0F0280979}" type="datetime1">
-              <a:rPr lang="fr-FR" smtClean="0"/>
-              <a:pPr/>
-              <a:t>31/03/2015</a:t>
-            </a:fld>
-            <a:endParaRPr lang="fr-FR" dirty="0"/>
-          </a:p>
-        </p:txBody>
-      </p:sp>
-      <p:sp>
-        <p:nvSpPr>
-          <p:cNvPr id="4" name="Espace réservé du pied de page 3"/>
-          <p:cNvSpPr>
-            <a:spLocks noGrp="1"/>
-          </p:cNvSpPr>
-          <p:nvPr>
-            <p:ph type="ftr" sz="quarter" idx="11"/>
-          </p:nvPr>
-        </p:nvSpPr>
-        <p:spPr/>
-        <p:txBody>
-          <a:bodyPr/>
-          <a:lstStyle/>
-          <a:p>
-            <a:r>
-              <a:rPr lang="fr-FR" smtClean="0"/>
-              <a:t>BARBARESCO - TOSI - DEGIRONDE - BARBASTE</a:t>
-            </a:r>
-          </a:p>
-          <a:p>
-            <a:endParaRPr lang="fr-FR" sz="900" dirty="0"/>
-          </a:p>
-        </p:txBody>
-      </p:sp>
-      <p:sp>
-        <p:nvSpPr>
-          <p:cNvPr id="5" name="Espace réservé du numéro de diapositive 4"/>
-          <p:cNvSpPr>
-            <a:spLocks noGrp="1"/>
-          </p:cNvSpPr>
-          <p:nvPr>
-            <p:ph type="sldNum" sz="quarter" idx="12"/>
-          </p:nvPr>
-        </p:nvSpPr>
-        <p:spPr/>
-        <p:txBody>
-          <a:bodyPr/>
-          <a:lstStyle/>
-          <a:p>
-            <a:fld id="{01C2C2A7-E788-4DEF-81A1-763FFC2D4095}" type="slidenum">
-              <a:rPr lang="fr-FR" smtClean="0"/>
-              <a:pPr/>
-              <a:t>20</a:t>
-            </a:fld>
-            <a:endParaRPr lang="fr-FR" dirty="0"/>
-          </a:p>
-        </p:txBody>
-      </p:sp>
-    </p:spTree>
-    <p:extLst>
-      <p:ext uri="{BB962C8B-B14F-4D97-AF65-F5344CB8AC3E}">
-        <p14:creationId xmlns:p14="http://schemas.microsoft.com/office/powerpoint/2010/main" val="2297352776"/>
-      </p:ext>
-    </p:extLst>
-  </p:cSld>
-  <p:clrMapOvr>
-    <a:masterClrMapping/>
-  </p:clrMapOvr>
-  <p:timing>
-    <p:tnLst>
-      <p:par>
-        <p:cTn id="1" dur="indefinite" restart="never" nodeType="tmRoot"/>
-      </p:par>
-    </p:tnLst>
-  </p:timing>
-</p:sld>
-</file>
-
-<file path=ppt/slides/slide21.xml><?xml version="1.0" encoding="utf-8"?>
-<p:sld xmlns:a="http://schemas.openxmlformats.org/drawingml/2006/main" xmlns:r="http://schemas.openxmlformats.org/officeDocument/2006/relationships" xmlns:p="http://schemas.openxmlformats.org/presentationml/2006/main" show="0">
-  <p:cSld>
-    <p:spTree>
-      <p:nvGrpSpPr>
-        <p:cNvPr id="1" name=""/>
-        <p:cNvGrpSpPr/>
-        <p:nvPr/>
-      </p:nvGrpSpPr>
-      <p:grpSpPr>
-        <a:xfrm>
-          <a:off x="0" y="0"/>
-          <a:ext cx="0" cy="0"/>
-          <a:chOff x="0" y="0"/>
-          <a:chExt cx="0" cy="0"/>
-        </a:xfrm>
-      </p:grpSpPr>
-      <p:sp>
-        <p:nvSpPr>
-          <p:cNvPr id="6" name="Titre 5"/>
-          <p:cNvSpPr>
-            <a:spLocks noGrp="1"/>
-          </p:cNvSpPr>
-          <p:nvPr>
-            <p:ph type="title"/>
-          </p:nvPr>
-        </p:nvSpPr>
-        <p:spPr/>
-        <p:txBody>
-          <a:bodyPr/>
-          <a:lstStyle/>
-          <a:p>
-            <a:r>
-              <a:rPr lang="fr-FR" dirty="0"/>
-              <a:t>Ce qui est actuellement proposé</a:t>
-            </a:r>
-          </a:p>
-        </p:txBody>
-      </p:sp>
-      <p:sp>
-        <p:nvSpPr>
-          <p:cNvPr id="3" name="Espace réservé de la date 2"/>
-          <p:cNvSpPr>
-            <a:spLocks noGrp="1"/>
-          </p:cNvSpPr>
-          <p:nvPr>
-            <p:ph type="dt" sz="half" idx="10"/>
-          </p:nvPr>
-        </p:nvSpPr>
-        <p:spPr/>
-        <p:txBody>
-          <a:bodyPr/>
-          <a:lstStyle/>
-          <a:p>
-            <a:fld id="{186244FB-DD29-4B75-8C37-8249E171F4F2}" type="datetime1">
-              <a:rPr lang="fr-FR" smtClean="0"/>
-              <a:pPr/>
-              <a:t>31/03/2015</a:t>
-            </a:fld>
-            <a:endParaRPr lang="fr-FR" dirty="0"/>
-          </a:p>
-        </p:txBody>
-      </p:sp>
-      <p:sp>
-        <p:nvSpPr>
-          <p:cNvPr id="4" name="Espace réservé du pied de page 3"/>
-          <p:cNvSpPr>
-            <a:spLocks noGrp="1"/>
-          </p:cNvSpPr>
-          <p:nvPr>
-            <p:ph type="ftr" sz="quarter" idx="11"/>
-          </p:nvPr>
-        </p:nvSpPr>
-        <p:spPr/>
-        <p:txBody>
-          <a:bodyPr/>
-          <a:lstStyle/>
-          <a:p>
-            <a:r>
-              <a:rPr lang="fr-FR" smtClean="0"/>
-              <a:t>BARBARESCO - TOSI - DEGIRONDE - BARBASTE</a:t>
-            </a:r>
-          </a:p>
-          <a:p>
-            <a:endParaRPr lang="fr-FR" sz="900" dirty="0"/>
-          </a:p>
-        </p:txBody>
-      </p:sp>
-      <p:sp>
-        <p:nvSpPr>
-          <p:cNvPr id="5" name="Espace réservé du numéro de diapositive 4"/>
-          <p:cNvSpPr>
-            <a:spLocks noGrp="1"/>
-          </p:cNvSpPr>
-          <p:nvPr>
-            <p:ph type="sldNum" sz="quarter" idx="12"/>
-          </p:nvPr>
-        </p:nvSpPr>
-        <p:spPr/>
-        <p:txBody>
-          <a:bodyPr/>
-          <a:lstStyle/>
-          <a:p>
-            <a:fld id="{01C2C2A7-E788-4DEF-81A1-763FFC2D4095}" type="slidenum">
-              <a:rPr lang="fr-FR" smtClean="0"/>
-              <a:pPr/>
-              <a:t>21</a:t>
-            </a:fld>
-            <a:endParaRPr lang="fr-FR" dirty="0"/>
-          </a:p>
-        </p:txBody>
-      </p:sp>
-    </p:spTree>
-    <p:extLst>
-      <p:ext uri="{BB962C8B-B14F-4D97-AF65-F5344CB8AC3E}">
-        <p14:creationId xmlns:p14="http://schemas.microsoft.com/office/powerpoint/2010/main" val="3110239788"/>
-      </p:ext>
-    </p:extLst>
-  </p:cSld>
-  <p:clrMapOvr>
-    <a:masterClrMapping/>
-  </p:clrMapOvr>
-  <mc:AlternateContent xmlns:mc="http://schemas.openxmlformats.org/markup-compatibility/2006">
-    <mc:Choice xmlns:p14="http://schemas.microsoft.com/office/powerpoint/2010/main" Requires="p14">
-      <p:transition spd="slow" p14:dur="2000"/>
-    </mc:Choice>
-    <mc:Fallback>
-      <p:transition spd="slow"/>
-    </mc:Fallback>
-  </mc:AlternateContent>
-  <p:timing>
-    <p:tnLst>
-      <p:par>
-        <p:cTn id="1" dur="indefinite" restart="never" nodeType="tmRoot"/>
-      </p:par>
-    </p:tnLst>
-  </p:timing>
-</p:sld>
-</file>
-
-<file path=ppt/slides/slide22.xml><?xml version="1.0" encoding="utf-8"?>
-<p:sld xmlns:a="http://schemas.openxmlformats.org/drawingml/2006/main" xmlns:r="http://schemas.openxmlformats.org/officeDocument/2006/relationships" xmlns:p="http://schemas.openxmlformats.org/presentationml/2006/main" show="0">
-  <p:cSld>
-    <p:spTree>
-      <p:nvGrpSpPr>
-        <p:cNvPr id="1" name=""/>
-        <p:cNvGrpSpPr/>
-        <p:nvPr/>
-      </p:nvGrpSpPr>
-      <p:grpSpPr>
-        <a:xfrm>
-          <a:off x="0" y="0"/>
-          <a:ext cx="0" cy="0"/>
-          <a:chOff x="0" y="0"/>
-          <a:chExt cx="0" cy="0"/>
-        </a:xfrm>
-      </p:grpSpPr>
-      <p:sp>
-        <p:nvSpPr>
-          <p:cNvPr id="16" name="Titre 14"/>
-          <p:cNvSpPr>
-            <a:spLocks noGrp="1"/>
-          </p:cNvSpPr>
-          <p:nvPr>
-            <p:ph type="title"/>
-          </p:nvPr>
-        </p:nvSpPr>
-        <p:spPr/>
-        <p:txBody>
-          <a:bodyPr>
-            <a:noAutofit/>
-          </a:bodyPr>
-          <a:lstStyle/>
-          <a:p>
-            <a:r>
-              <a:rPr lang="fr-FR" sz="2400" dirty="0" smtClean="0"/>
-              <a:t>Ce qui est actuellement proposé</a:t>
-            </a:r>
-            <a:endParaRPr lang="fr-FR" sz="2400" dirty="0"/>
-          </a:p>
-        </p:txBody>
-      </p:sp>
-      <p:sp>
-        <p:nvSpPr>
-          <p:cNvPr id="17" name="Espace réservé de la date 3"/>
-          <p:cNvSpPr>
-            <a:spLocks noGrp="1"/>
-          </p:cNvSpPr>
-          <p:nvPr>
-            <p:ph type="dt" sz="half" idx="10"/>
-          </p:nvPr>
-        </p:nvSpPr>
-        <p:spPr/>
-        <p:txBody>
-          <a:bodyPr/>
-          <a:lstStyle/>
-          <a:p>
-            <a:fld id="{2930045B-F838-499A-A866-54B50D6976AC}" type="datetime1">
-              <a:rPr lang="fr-FR" smtClean="0"/>
-              <a:pPr/>
-              <a:t>31/03/2015</a:t>
-            </a:fld>
-            <a:endParaRPr lang="fr-FR"/>
-          </a:p>
-        </p:txBody>
-      </p:sp>
-      <p:sp>
-        <p:nvSpPr>
-          <p:cNvPr id="18" name="Espace réservé du pied de page 12"/>
-          <p:cNvSpPr>
-            <a:spLocks noGrp="1"/>
-          </p:cNvSpPr>
-          <p:nvPr>
-            <p:ph type="ftr" sz="quarter" idx="11"/>
-          </p:nvPr>
-        </p:nvSpPr>
-        <p:spPr/>
-        <p:txBody>
-          <a:bodyPr/>
-          <a:lstStyle/>
-          <a:p>
-            <a:r>
-              <a:rPr lang="fr-FR" smtClean="0"/>
-              <a:t>BARBARESCO - TOSI - DEGIRONDE - BARBASTE</a:t>
-            </a:r>
-          </a:p>
-          <a:p>
-            <a:endParaRPr lang="fr-FR" dirty="0"/>
-          </a:p>
-        </p:txBody>
-      </p:sp>
-      <p:sp>
-        <p:nvSpPr>
-          <p:cNvPr id="21" name="Espace réservé du numéro de diapositive 13"/>
-          <p:cNvSpPr>
-            <a:spLocks noGrp="1"/>
-          </p:cNvSpPr>
-          <p:nvPr>
-            <p:ph type="sldNum" sz="quarter" idx="12"/>
-          </p:nvPr>
-        </p:nvSpPr>
-        <p:spPr/>
-        <p:txBody>
-          <a:bodyPr/>
-          <a:lstStyle/>
-          <a:p>
-            <a:fld id="{01C2C2A7-E788-4DEF-81A1-763FFC2D4095}" type="slidenum">
-              <a:rPr lang="fr-FR" smtClean="0"/>
-              <a:pPr/>
-              <a:t>22</a:t>
-            </a:fld>
-            <a:endParaRPr lang="fr-FR" dirty="0"/>
-          </a:p>
-        </p:txBody>
-      </p:sp>
-      <p:sp>
-        <p:nvSpPr>
-          <p:cNvPr id="8" name="Espace réservé du contenu 24"/>
-          <p:cNvSpPr>
-            <a:spLocks noGrp="1"/>
-          </p:cNvSpPr>
-          <p:nvPr>
-            <p:ph sz="quarter" idx="13"/>
-          </p:nvPr>
-        </p:nvSpPr>
-        <p:spPr>
-          <a:xfrm>
-            <a:off x="107504" y="1484784"/>
-            <a:ext cx="8928992" cy="4824536"/>
-          </a:xfrm>
-        </p:spPr>
-        <p:txBody>
-          <a:bodyPr/>
-          <a:lstStyle/>
-          <a:p>
-            <a:pPr marL="2084832" lvl="8" indent="0">
-              <a:buNone/>
-            </a:pPr>
-            <a:endParaRPr lang="fr-FR" dirty="0" smtClean="0"/>
-          </a:p>
-          <a:p>
-            <a:endParaRPr lang="fr-FR" dirty="0" smtClean="0"/>
-          </a:p>
-          <a:p>
-            <a:pPr marL="137160" indent="0">
-              <a:buNone/>
-            </a:pPr>
-            <a:endParaRPr lang="fr-FR" dirty="0" smtClean="0"/>
-          </a:p>
-          <a:p>
-            <a:endParaRPr lang="fr-FR" dirty="0" smtClean="0"/>
-          </a:p>
-          <a:p>
-            <a:endParaRPr lang="fr-FR" dirty="0" smtClean="0"/>
-          </a:p>
-          <a:p>
-            <a:endParaRPr lang="fr-FR" dirty="0"/>
-          </a:p>
-        </p:txBody>
-      </p:sp>
-      <p:sp>
-        <p:nvSpPr>
-          <p:cNvPr id="23" name="Espace réservé du contenu 10"/>
-          <p:cNvSpPr txBox="1">
-            <a:spLocks/>
-          </p:cNvSpPr>
-          <p:nvPr/>
-        </p:nvSpPr>
-        <p:spPr>
-          <a:xfrm>
-            <a:off x="8219" y="908720"/>
-            <a:ext cx="8928992" cy="5328592"/>
-          </a:xfrm>
-          <a:prstGeom prst="rect">
-            <a:avLst/>
-          </a:prstGeom>
-        </p:spPr>
-        <p:txBody>
-          <a:bodyPr vert="horz">
-            <a:normAutofit/>
-          </a:bodyPr>
-          <a:lstStyle>
-            <a:lvl1pPr marL="548640" indent="-411480" algn="l" rtl="0" eaLnBrk="1" latinLnBrk="0" hangingPunct="1">
-              <a:spcBef>
-                <a:spcPct val="20000"/>
-              </a:spcBef>
-              <a:buClr>
-                <a:schemeClr val="tx1">
-                  <a:shade val="95000"/>
-                </a:schemeClr>
-              </a:buClr>
-              <a:buSzPct val="65000"/>
-              <a:buFont typeface="Wingdings 2"/>
-              <a:buChar char=""/>
-              <a:defRPr kumimoji="0" sz="2800" kern="1200">
-                <a:solidFill>
-                  <a:schemeClr val="tx1"/>
-                </a:solidFill>
-                <a:latin typeface="+mn-lt"/>
-                <a:ea typeface="+mn-ea"/>
-                <a:cs typeface="+mn-cs"/>
-              </a:defRPr>
-            </a:lvl1pPr>
-            <a:lvl2pPr marL="868680" indent="-283464" algn="l" rtl="0" eaLnBrk="1" latinLnBrk="0" hangingPunct="1">
-              <a:spcBef>
-                <a:spcPct val="20000"/>
-              </a:spcBef>
-              <a:buClr>
-                <a:schemeClr val="tx1"/>
-              </a:buClr>
-              <a:buSzPct val="80000"/>
-              <a:buFont typeface="Wingdings 2"/>
-              <a:buChar char=""/>
-              <a:defRPr kumimoji="0" sz="2400" kern="1200">
-                <a:solidFill>
-                  <a:schemeClr val="tx1"/>
-                </a:solidFill>
-                <a:latin typeface="+mn-lt"/>
-                <a:ea typeface="+mn-ea"/>
-                <a:cs typeface="+mn-cs"/>
-              </a:defRPr>
-            </a:lvl2pPr>
-            <a:lvl3pPr marL="1133856" indent="-228600" algn="l" rtl="0" eaLnBrk="1" latinLnBrk="0" hangingPunct="1">
-              <a:spcBef>
-                <a:spcPct val="20000"/>
-              </a:spcBef>
-              <a:buClr>
-                <a:schemeClr val="tx1"/>
-              </a:buClr>
-              <a:buSzPct val="95000"/>
-              <a:buFont typeface="Wingdings"/>
-              <a:buChar char=""/>
-              <a:defRPr kumimoji="0" sz="2200" kern="1200">
-                <a:solidFill>
-                  <a:schemeClr val="tx1"/>
-                </a:solidFill>
-                <a:latin typeface="+mn-lt"/>
-                <a:ea typeface="+mn-ea"/>
-                <a:cs typeface="+mn-cs"/>
-              </a:defRPr>
-            </a:lvl3pPr>
-            <a:lvl4pPr marL="1353312" indent="-182880" algn="l" rtl="0" eaLnBrk="1" latinLnBrk="0" hangingPunct="1">
-              <a:spcBef>
-                <a:spcPct val="20000"/>
-              </a:spcBef>
-              <a:buClr>
-                <a:schemeClr val="tx1"/>
-              </a:buClr>
-              <a:buSzPct val="100000"/>
-              <a:buFont typeface="Wingdings 3"/>
-              <a:buChar char=""/>
-              <a:defRPr kumimoji="0" sz="2000" kern="1200">
-                <a:solidFill>
-                  <a:schemeClr val="tx1"/>
-                </a:solidFill>
-                <a:latin typeface="+mn-lt"/>
-                <a:ea typeface="+mn-ea"/>
-                <a:cs typeface="+mn-cs"/>
-              </a:defRPr>
-            </a:lvl4pPr>
-            <a:lvl5pPr marL="1545336" indent="-182880" algn="l" rtl="0" eaLnBrk="1" latinLnBrk="0" hangingPunct="1">
-              <a:spcBef>
-                <a:spcPct val="20000"/>
-              </a:spcBef>
-              <a:buClr>
-                <a:schemeClr val="tx1"/>
-              </a:buClr>
-              <a:buFont typeface="Wingdings 2"/>
-              <a:buChar char=""/>
-              <a:defRPr kumimoji="0" sz="2000" kern="1200">
-                <a:solidFill>
-                  <a:schemeClr val="tx1"/>
-                </a:solidFill>
-                <a:latin typeface="+mn-lt"/>
-                <a:ea typeface="+mn-ea"/>
-                <a:cs typeface="+mn-cs"/>
-              </a:defRPr>
-            </a:lvl5pPr>
-            <a:lvl6pPr marL="1764792" indent="-182880" algn="l" rtl="0" eaLnBrk="1" latinLnBrk="0" hangingPunct="1">
-              <a:spcBef>
-                <a:spcPct val="20000"/>
-              </a:spcBef>
-              <a:buClr>
-                <a:schemeClr val="tx1"/>
-              </a:buClr>
-              <a:buFont typeface="Wingdings 3"/>
-              <a:buChar char=""/>
-              <a:defRPr kumimoji="0" sz="1800" kern="1200">
-                <a:solidFill>
-                  <a:schemeClr val="tx1"/>
-                </a:solidFill>
-                <a:latin typeface="+mn-lt"/>
-                <a:ea typeface="+mn-ea"/>
-                <a:cs typeface="+mn-cs"/>
-              </a:defRPr>
-            </a:lvl6pPr>
-            <a:lvl7pPr marL="1965960" indent="-182880" algn="l" rtl="0" eaLnBrk="1" latinLnBrk="0" hangingPunct="1">
-              <a:spcBef>
-                <a:spcPct val="20000"/>
-              </a:spcBef>
-              <a:buClr>
-                <a:schemeClr val="tx1"/>
-              </a:buClr>
-              <a:buFont typeface="Wingdings 2"/>
-              <a:buChar char=""/>
-              <a:defRPr kumimoji="0" sz="1600" kern="1200">
-                <a:solidFill>
-                  <a:schemeClr val="tx1"/>
-                </a:solidFill>
-                <a:latin typeface="+mn-lt"/>
-                <a:ea typeface="+mn-ea"/>
-                <a:cs typeface="+mn-cs"/>
-              </a:defRPr>
-            </a:lvl7pPr>
-            <a:lvl8pPr marL="2167128" indent="-182880" algn="l" rtl="0" eaLnBrk="1" latinLnBrk="0" hangingPunct="1">
-              <a:spcBef>
-                <a:spcPct val="20000"/>
-              </a:spcBef>
-              <a:buClr>
-                <a:schemeClr val="tx1"/>
-              </a:buClr>
-              <a:buFont typeface="Wingdings 2"/>
-              <a:buChar char=""/>
-              <a:defRPr kumimoji="0" sz="1400" kern="1200">
-                <a:solidFill>
-                  <a:schemeClr val="tx1"/>
-                </a:solidFill>
-                <a:latin typeface="+mn-lt"/>
-                <a:ea typeface="+mn-ea"/>
-                <a:cs typeface="+mn-cs"/>
-              </a:defRPr>
-            </a:lvl8pPr>
-            <a:lvl9pPr marL="2368296" indent="-182880" algn="l" rtl="0" eaLnBrk="1" latinLnBrk="0" hangingPunct="1">
-              <a:spcBef>
-                <a:spcPct val="20000"/>
-              </a:spcBef>
-              <a:buClr>
-                <a:schemeClr val="tx1"/>
-              </a:buClr>
-              <a:buFont typeface="Wingdings 2"/>
-              <a:buChar char=""/>
-              <a:defRPr kumimoji="0" sz="1400" kern="1200" baseline="0">
-                <a:solidFill>
-                  <a:schemeClr val="tx1"/>
-                </a:solidFill>
-                <a:latin typeface="+mn-lt"/>
-                <a:ea typeface="+mn-ea"/>
-                <a:cs typeface="+mn-cs"/>
-              </a:defRPr>
-            </a:lvl9pPr>
-          </a:lstStyle>
-          <a:p>
-            <a:pPr>
-              <a:lnSpc>
-                <a:spcPct val="110000"/>
-              </a:lnSpc>
-              <a:buNone/>
-            </a:pPr>
-            <a:r>
-              <a:rPr lang="fr-FR" dirty="0" smtClean="0"/>
-              <a:t>Volets roulants</a:t>
-            </a:r>
-          </a:p>
-          <a:p>
-            <a:pPr>
-              <a:lnSpc>
-                <a:spcPct val="110000"/>
-              </a:lnSpc>
-              <a:buNone/>
-            </a:pPr>
-            <a:r>
-              <a:rPr lang="fr-FR" dirty="0"/>
-              <a:t>C</a:t>
-            </a:r>
-            <a:r>
-              <a:rPr lang="fr-FR" dirty="0" smtClean="0"/>
-              <a:t>hauffage</a:t>
-            </a:r>
-          </a:p>
-          <a:p>
-            <a:pPr>
-              <a:lnSpc>
-                <a:spcPct val="110000"/>
-              </a:lnSpc>
-              <a:buNone/>
-            </a:pPr>
-            <a:r>
-              <a:rPr lang="fr-FR" dirty="0" smtClean="0"/>
-              <a:t>Eclairage</a:t>
-            </a:r>
-          </a:p>
-          <a:p>
-            <a:pPr marL="137160" indent="0">
-              <a:lnSpc>
-                <a:spcPct val="110000"/>
-              </a:lnSpc>
-              <a:buNone/>
-            </a:pPr>
-            <a:r>
-              <a:rPr lang="fr-FR" dirty="0"/>
-              <a:t>P</a:t>
-            </a:r>
-            <a:r>
-              <a:rPr lang="fr-FR" dirty="0" smtClean="0"/>
-              <a:t>ortail</a:t>
-            </a:r>
-          </a:p>
-          <a:p>
-            <a:pPr marL="137160" indent="0">
-              <a:lnSpc>
-                <a:spcPct val="110000"/>
-              </a:lnSpc>
-              <a:buNone/>
-            </a:pPr>
-            <a:r>
-              <a:rPr lang="fr-FR" dirty="0" smtClean="0"/>
-              <a:t>Alarme</a:t>
-            </a:r>
-          </a:p>
-          <a:p>
-            <a:pPr marL="137160" indent="0">
-              <a:lnSpc>
-                <a:spcPct val="110000"/>
-              </a:lnSpc>
-              <a:buNone/>
-            </a:pPr>
-            <a:r>
-              <a:rPr lang="fr-FR" dirty="0" smtClean="0"/>
-              <a:t>Sèche serviette</a:t>
-            </a:r>
-          </a:p>
-          <a:p>
-            <a:pPr marL="137160" indent="0">
-              <a:lnSpc>
-                <a:spcPct val="110000"/>
-              </a:lnSpc>
-              <a:buNone/>
-            </a:pPr>
-            <a:r>
-              <a:rPr lang="fr-FR" dirty="0" smtClean="0"/>
-              <a:t>Ventilation</a:t>
-            </a:r>
-          </a:p>
-          <a:p>
-            <a:pPr marL="137160" indent="0">
-              <a:lnSpc>
-                <a:spcPct val="110000"/>
-              </a:lnSpc>
-              <a:buNone/>
-            </a:pPr>
-            <a:r>
-              <a:rPr lang="fr-FR" dirty="0" smtClean="0"/>
-              <a:t>Gestion des prises</a:t>
-            </a:r>
-          </a:p>
-          <a:p>
-            <a:pPr marL="137160" indent="0">
-              <a:lnSpc>
-                <a:spcPct val="110000"/>
-              </a:lnSpc>
-              <a:buNone/>
-            </a:pPr>
-            <a:r>
-              <a:rPr lang="fr-FR" dirty="0" smtClean="0"/>
-              <a:t>Caméra</a:t>
-            </a:r>
-          </a:p>
-        </p:txBody>
-      </p:sp>
-    </p:spTree>
-    <p:extLst>
-      <p:ext uri="{BB962C8B-B14F-4D97-AF65-F5344CB8AC3E}">
-        <p14:creationId xmlns:p14="http://schemas.microsoft.com/office/powerpoint/2010/main" val="3349118536"/>
-      </p:ext>
-    </p:extLst>
-  </p:cSld>
-  <p:clrMapOvr>
-    <a:masterClrMapping/>
-  </p:clrMapOvr>
-  <mc:AlternateContent xmlns:mc="http://schemas.openxmlformats.org/markup-compatibility/2006">
-    <mc:Choice xmlns:p14="http://schemas.microsoft.com/office/powerpoint/2010/main" Requires="p14">
-      <p:transition spd="slow" p14:dur="2000"/>
-    </mc:Choice>
-    <mc:Fallback>
-      <p:transition spd="slow"/>
-    </mc:Fallback>
-  </mc:AlternateContent>
-  <p:timing>
-    <p:tnLst>
-      <p:par>
-        <p:cTn id="1" dur="indefinite" restart="never" nodeType="tmRoot"/>
-      </p:par>
-    </p:tnLst>
-  </p:timing>
-</p:sld>
-</file>
-
-<file path=ppt/slides/slide23.xml><?xml version="1.0" encoding="utf-8"?>
-<p:sld xmlns:a="http://schemas.openxmlformats.org/drawingml/2006/main" xmlns:r="http://schemas.openxmlformats.org/officeDocument/2006/relationships" xmlns:p="http://schemas.openxmlformats.org/presentationml/2006/main" show="0">
-  <p:cSld>
-    <p:spTree>
-      <p:nvGrpSpPr>
-        <p:cNvPr id="1" name=""/>
-        <p:cNvGrpSpPr/>
-        <p:nvPr/>
-      </p:nvGrpSpPr>
-      <p:grpSpPr>
-        <a:xfrm>
-          <a:off x="0" y="0"/>
-          <a:ext cx="0" cy="0"/>
-          <a:chOff x="0" y="0"/>
-          <a:chExt cx="0" cy="0"/>
-        </a:xfrm>
-      </p:grpSpPr>
-      <p:sp>
-        <p:nvSpPr>
-          <p:cNvPr id="6" name="Titre 5"/>
-          <p:cNvSpPr>
-            <a:spLocks noGrp="1"/>
-          </p:cNvSpPr>
-          <p:nvPr>
-            <p:ph type="title"/>
-          </p:nvPr>
-        </p:nvSpPr>
-        <p:spPr>
-          <a:xfrm>
-            <a:off x="1619672" y="116632"/>
-            <a:ext cx="5616624" cy="576064"/>
-          </a:xfrm>
-        </p:spPr>
-        <p:txBody>
-          <a:bodyPr/>
-          <a:lstStyle/>
-          <a:p>
-            <a:r>
-              <a:rPr lang="fr-FR" dirty="0" smtClean="0"/>
-              <a:t>Exemple type</a:t>
-            </a:r>
-            <a:br>
-              <a:rPr lang="fr-FR" dirty="0" smtClean="0"/>
-            </a:br>
-            <a:r>
-              <a:rPr lang="fr-FR" dirty="0" smtClean="0"/>
-              <a:t>Extension du réseau</a:t>
-            </a:r>
-            <a:endParaRPr lang="fr-FR" dirty="0"/>
-          </a:p>
-        </p:txBody>
-      </p:sp>
-      <p:sp>
-        <p:nvSpPr>
-          <p:cNvPr id="3" name="Espace réservé de la date 2"/>
-          <p:cNvSpPr>
-            <a:spLocks noGrp="1"/>
-          </p:cNvSpPr>
-          <p:nvPr>
-            <p:ph type="dt" sz="half" idx="10"/>
-          </p:nvPr>
-        </p:nvSpPr>
-        <p:spPr/>
-        <p:txBody>
-          <a:bodyPr/>
-          <a:lstStyle/>
-          <a:p>
-            <a:fld id="{688489DE-DC01-4F6E-9559-3CB0F0280979}" type="datetime1">
-              <a:rPr lang="fr-FR" smtClean="0"/>
-              <a:pPr/>
-              <a:t>31/03/2015</a:t>
-            </a:fld>
-            <a:endParaRPr lang="fr-FR" dirty="0"/>
-          </a:p>
-        </p:txBody>
-      </p:sp>
-      <p:sp>
-        <p:nvSpPr>
-          <p:cNvPr id="4" name="Espace réservé du pied de page 3"/>
-          <p:cNvSpPr>
-            <a:spLocks noGrp="1"/>
-          </p:cNvSpPr>
-          <p:nvPr>
-            <p:ph type="ftr" sz="quarter" idx="11"/>
-          </p:nvPr>
-        </p:nvSpPr>
-        <p:spPr/>
-        <p:txBody>
-          <a:bodyPr/>
-          <a:lstStyle/>
-          <a:p>
-            <a:r>
-              <a:rPr lang="fr-FR" smtClean="0"/>
-              <a:t>BARBARESCO - TOSI - DEGIRONDE - BARBASTE</a:t>
-            </a:r>
-          </a:p>
-          <a:p>
-            <a:endParaRPr lang="fr-FR" sz="900" dirty="0"/>
-          </a:p>
-        </p:txBody>
-      </p:sp>
-      <p:sp>
-        <p:nvSpPr>
-          <p:cNvPr id="5" name="Espace réservé du numéro de diapositive 4"/>
-          <p:cNvSpPr>
-            <a:spLocks noGrp="1"/>
-          </p:cNvSpPr>
-          <p:nvPr>
-            <p:ph type="sldNum" sz="quarter" idx="12"/>
-          </p:nvPr>
-        </p:nvSpPr>
-        <p:spPr/>
-        <p:txBody>
-          <a:bodyPr/>
-          <a:lstStyle/>
-          <a:p>
-            <a:fld id="{01C2C2A7-E788-4DEF-81A1-763FFC2D4095}" type="slidenum">
-              <a:rPr lang="fr-FR" smtClean="0"/>
-              <a:pPr/>
-              <a:t>23</a:t>
-            </a:fld>
-            <a:endParaRPr lang="fr-FR" dirty="0"/>
-          </a:p>
-        </p:txBody>
-      </p:sp>
-      <p:pic>
-        <p:nvPicPr>
-          <p:cNvPr id="6147" name="Picture 3"/>
-          <p:cNvPicPr>
-            <a:picLocks noGrp="1" noChangeAspect="1" noChangeArrowheads="1"/>
-          </p:cNvPicPr>
-          <p:nvPr>
-            <p:ph sz="quarter" idx="13"/>
-          </p:nvPr>
-        </p:nvPicPr>
-        <p:blipFill>
-          <a:blip r:embed="rId2" cstate="print">
-            <a:extLst>
-              <a:ext uri="{28A0092B-C50C-407E-A947-70E740481C1C}">
-                <a14:useLocalDpi xmlns:a14="http://schemas.microsoft.com/office/drawing/2010/main" val="0"/>
-              </a:ext>
-            </a:extLst>
-          </a:blip>
-          <a:srcRect/>
-          <a:stretch>
-            <a:fillRect/>
-          </a:stretch>
-        </p:blipFill>
-        <p:spPr bwMode="auto">
-          <a:xfrm>
-            <a:off x="827584" y="1556792"/>
-            <a:ext cx="7591425" cy="3762375"/>
-          </a:xfrm>
-          <a:prstGeom prst="rect">
-            <a:avLst/>
-          </a:prstGeom>
-          <a:noFill/>
-          <a:ln>
-            <a:noFill/>
-          </a:ln>
-          <a:extLst>
-            <a:ext uri="{909E8E84-426E-40DD-AFC4-6F175D3DCCD1}">
-              <a14:hiddenFill xmlns:a14="http://schemas.microsoft.com/office/drawing/2010/main">
-                <a:solidFill>
-                  <a:schemeClr val="accent1"/>
-                </a:solidFill>
-              </a14:hiddenFill>
-            </a:ext>
-            <a:ext uri="{91240B29-F687-4F45-9708-019B960494DF}">
-              <a14:hiddenLine xmlns:a14="http://schemas.microsoft.com/office/drawing/2010/main" w="9525">
-                <a:solidFill>
-                  <a:schemeClr val="tx1"/>
-                </a:solidFill>
-                <a:miter lim="800000"/>
-                <a:headEnd/>
-                <a:tailEnd/>
-              </a14:hiddenLine>
-            </a:ext>
-          </a:extLst>
-        </p:spPr>
-      </p:pic>
-    </p:spTree>
-    <p:extLst>
-      <p:ext uri="{BB962C8B-B14F-4D97-AF65-F5344CB8AC3E}">
-        <p14:creationId xmlns:p14="http://schemas.microsoft.com/office/powerpoint/2010/main" val="4072310227"/>
-      </p:ext>
-    </p:extLst>
-  </p:cSld>
-  <p:clrMapOvr>
-    <a:masterClrMapping/>
-  </p:clrMapOvr>
-  <mc:AlternateContent xmlns:mc="http://schemas.openxmlformats.org/markup-compatibility/2006" xmlns:p14="http://schemas.microsoft.com/office/powerpoint/2010/main">
-    <mc:Choice Requires="p14">
-      <p:transition spd="slow" p14:dur="2000"/>
-    </mc:Choice>
-    <mc:Fallback xmlns="">
-      <p:transition spd="slow"/>
-    </mc:Fallback>
-  </mc:AlternateContent>
-  <p:timing>
-    <p:tnLst>
-      <p:par>
-        <p:cTn id="1" dur="indefinite" restart="never" nodeType="tmRoot"/>
-      </p:par>
-    </p:tnLst>
-  </p:timing>
-</p:sld>
-</file>
-
-<file path=ppt/slides/slide24.xml><?xml version="1.0" encoding="utf-8"?>
-<p:sld xmlns:a="http://schemas.openxmlformats.org/drawingml/2006/main" xmlns:r="http://schemas.openxmlformats.org/officeDocument/2006/relationships" xmlns:p="http://schemas.openxmlformats.org/presentationml/2006/main" show="0">
-  <p:cSld>
-    <p:spTree>
-      <p:nvGrpSpPr>
-        <p:cNvPr id="1" name=""/>
-        <p:cNvGrpSpPr/>
-        <p:nvPr/>
-      </p:nvGrpSpPr>
-      <p:grpSpPr>
-        <a:xfrm>
-          <a:off x="0" y="0"/>
-          <a:ext cx="0" cy="0"/>
-          <a:chOff x="0" y="0"/>
-          <a:chExt cx="0" cy="0"/>
-        </a:xfrm>
-      </p:grpSpPr>
-      <p:sp>
-        <p:nvSpPr>
-          <p:cNvPr id="6" name="Titre 5"/>
-          <p:cNvSpPr>
-            <a:spLocks noGrp="1"/>
-          </p:cNvSpPr>
-          <p:nvPr>
-            <p:ph type="title"/>
-          </p:nvPr>
-        </p:nvSpPr>
-        <p:spPr>
-          <a:xfrm>
-            <a:off x="1619672" y="116632"/>
-            <a:ext cx="5616624" cy="576064"/>
-          </a:xfrm>
-        </p:spPr>
-        <p:txBody>
-          <a:bodyPr/>
-          <a:lstStyle/>
-          <a:p>
-            <a:r>
-              <a:rPr lang="fr-FR" dirty="0" smtClean="0"/>
-              <a:t>Exemple type</a:t>
-            </a:r>
-            <a:br>
-              <a:rPr lang="fr-FR" dirty="0" smtClean="0"/>
-            </a:br>
-            <a:r>
-              <a:rPr lang="fr-FR" dirty="0" smtClean="0"/>
-              <a:t>Extension du réseau</a:t>
-            </a:r>
-            <a:endParaRPr lang="fr-FR" dirty="0"/>
-          </a:p>
-        </p:txBody>
-      </p:sp>
-      <p:sp>
-        <p:nvSpPr>
-          <p:cNvPr id="3" name="Espace réservé de la date 2"/>
-          <p:cNvSpPr>
-            <a:spLocks noGrp="1"/>
-          </p:cNvSpPr>
-          <p:nvPr>
-            <p:ph type="dt" sz="half" idx="10"/>
-          </p:nvPr>
-        </p:nvSpPr>
-        <p:spPr/>
-        <p:txBody>
-          <a:bodyPr/>
-          <a:lstStyle/>
-          <a:p>
-            <a:fld id="{688489DE-DC01-4F6E-9559-3CB0F0280979}" type="datetime1">
-              <a:rPr lang="fr-FR" smtClean="0"/>
-              <a:pPr/>
-              <a:t>31/03/2015</a:t>
-            </a:fld>
-            <a:endParaRPr lang="fr-FR" dirty="0"/>
-          </a:p>
-        </p:txBody>
-      </p:sp>
-      <p:sp>
-        <p:nvSpPr>
-          <p:cNvPr id="4" name="Espace réservé du pied de page 3"/>
-          <p:cNvSpPr>
-            <a:spLocks noGrp="1"/>
-          </p:cNvSpPr>
-          <p:nvPr>
-            <p:ph type="ftr" sz="quarter" idx="11"/>
-          </p:nvPr>
-        </p:nvSpPr>
-        <p:spPr/>
-        <p:txBody>
-          <a:bodyPr/>
-          <a:lstStyle/>
-          <a:p>
-            <a:r>
-              <a:rPr lang="fr-FR" smtClean="0"/>
-              <a:t>BARBARESCO - TOSI - DEGIRONDE - BARBASTE</a:t>
-            </a:r>
-          </a:p>
-          <a:p>
-            <a:endParaRPr lang="fr-FR" sz="900" dirty="0"/>
-          </a:p>
-        </p:txBody>
-      </p:sp>
-      <p:sp>
-        <p:nvSpPr>
-          <p:cNvPr id="5" name="Espace réservé du numéro de diapositive 4"/>
-          <p:cNvSpPr>
-            <a:spLocks noGrp="1"/>
-          </p:cNvSpPr>
-          <p:nvPr>
-            <p:ph type="sldNum" sz="quarter" idx="12"/>
-          </p:nvPr>
-        </p:nvSpPr>
-        <p:spPr/>
-        <p:txBody>
-          <a:bodyPr/>
-          <a:lstStyle/>
-          <a:p>
-            <a:fld id="{01C2C2A7-E788-4DEF-81A1-763FFC2D4095}" type="slidenum">
-              <a:rPr lang="fr-FR" smtClean="0"/>
-              <a:pPr/>
-              <a:t>24</a:t>
-            </a:fld>
-            <a:endParaRPr lang="fr-FR" dirty="0"/>
-          </a:p>
-        </p:txBody>
-      </p:sp>
-      <p:pic>
-        <p:nvPicPr>
-          <p:cNvPr id="7" name="Espace réservé du contenu 6"/>
-          <p:cNvPicPr>
-            <a:picLocks noGrp="1" noChangeAspect="1"/>
-          </p:cNvPicPr>
-          <p:nvPr>
-            <p:ph sz="quarter" idx="13"/>
-          </p:nvPr>
-        </p:nvPicPr>
-        <p:blipFill>
-          <a:blip r:embed="rId2" cstate="print">
-            <a:extLst>
-              <a:ext uri="{28A0092B-C50C-407E-A947-70E740481C1C}">
-                <a14:useLocalDpi xmlns:a14="http://schemas.microsoft.com/office/drawing/2010/main" val="0"/>
-              </a:ext>
-            </a:extLst>
-          </a:blip>
-          <a:stretch>
-            <a:fillRect/>
-          </a:stretch>
-        </p:blipFill>
-        <p:spPr>
-          <a:xfrm>
-            <a:off x="1547664" y="1340768"/>
-            <a:ext cx="6096000" cy="4105275"/>
-          </a:xfrm>
-        </p:spPr>
-      </p:pic>
-      <p:sp>
-        <p:nvSpPr>
-          <p:cNvPr id="8" name="ZoneTexte 7"/>
-          <p:cNvSpPr txBox="1"/>
-          <p:nvPr/>
-        </p:nvSpPr>
-        <p:spPr>
-          <a:xfrm>
-            <a:off x="2251596" y="5929560"/>
-            <a:ext cx="5256584" cy="253916"/>
-          </a:xfrm>
-          <a:prstGeom prst="rect">
-            <a:avLst/>
-          </a:prstGeom>
-          <a:noFill/>
-        </p:spPr>
-        <p:txBody>
-          <a:bodyPr wrap="square" rtlCol="0">
-            <a:spAutoFit/>
-          </a:bodyPr>
-          <a:lstStyle/>
-          <a:p>
-            <a:r>
-              <a:rPr lang="fr-FR" sz="1050" u="sng" dirty="0"/>
-              <a:t>Source : http://www.groupe-dragon.com/modules/psblog/uploads/1418915227.jpg</a:t>
-            </a:r>
-            <a:endParaRPr lang="fr-FR" sz="1050" dirty="0"/>
-          </a:p>
-        </p:txBody>
-      </p:sp>
-    </p:spTree>
-    <p:extLst>
-      <p:ext uri="{BB962C8B-B14F-4D97-AF65-F5344CB8AC3E}">
-        <p14:creationId xmlns:p14="http://schemas.microsoft.com/office/powerpoint/2010/main" val="94680946"/>
-      </p:ext>
-    </p:extLst>
-  </p:cSld>
-  <p:clrMapOvr>
-    <a:masterClrMapping/>
-  </p:clrMapOvr>
-  <mc:AlternateContent xmlns:mc="http://schemas.openxmlformats.org/markup-compatibility/2006" xmlns:p14="http://schemas.microsoft.com/office/powerpoint/2010/main">
-    <mc:Choice Requires="p14">
-      <p:transition spd="slow" p14:dur="2000"/>
-    </mc:Choice>
-    <mc:Fallback xmlns="">
-      <p:transition spd="slow"/>
-    </mc:Fallback>
-  </mc:AlternateContent>
   <p:timing>
     <p:tnLst>
       <p:par>
@@ -29904,7 +25512,7 @@
             <a:fld id="{6F3D85C9-A9CF-4F26-B03B-F359C1FE3C18}" type="datetime1">
               <a:rPr lang="fr-FR" smtClean="0"/>
               <a:pPr/>
-              <a:t>31/03/2015</a:t>
+              <a:t>01/04/2015</a:t>
             </a:fld>
             <a:endParaRPr lang="fr-FR" dirty="0"/>
           </a:p>
@@ -29926,8 +25534,16 @@
           <a:lstStyle/>
           <a:p>
             <a:r>
-              <a:rPr lang="fr-FR" smtClean="0"/>
-              <a:t>BARBARESCO - TOSI - DEGIRONDE - BARBASTE</a:t>
+              <a:rPr lang="fr-FR" dirty="0" smtClean="0"/>
+              <a:t>BARBARESCO - </a:t>
+            </a:r>
+            <a:r>
+              <a:rPr lang="fr-FR" u="sng" dirty="0" smtClean="0"/>
+              <a:t>TOSI</a:t>
+            </a:r>
+            <a:r>
+              <a:rPr lang="fr-FR" dirty="0" smtClean="0"/>
+              <a:t> - DEGIRONDE - BARBASTE</a:t>
             </a:r>
           </a:p>
           <a:p>
@@ -30039,7 +25655,7 @@
             <a:fld id="{2930045B-F838-499A-A866-54B50D6976AC}" type="datetime1">
               <a:rPr lang="fr-FR" smtClean="0"/>
               <a:pPr/>
-              <a:t>31/03/2015</a:t>
+              <a:t>01/04/2015</a:t>
             </a:fld>
             <a:endParaRPr lang="fr-FR"/>
           </a:p>
@@ -30061,8 +25677,16 @@
           <a:lstStyle/>
           <a:p>
             <a:r>
-              <a:rPr lang="fr-FR" smtClean="0"/>
-              <a:t>BARBARESCO - TOSI - DEGIRONDE - BARBASTE</a:t>
+              <a:rPr lang="fr-FR" dirty="0" smtClean="0"/>
+              <a:t>BARBARESCO - </a:t>
+            </a:r>
+            <a:r>
+              <a:rPr lang="fr-FR" u="sng" dirty="0" smtClean="0"/>
+              <a:t>TOSI</a:t>
+            </a:r>
+            <a:r>
+              <a:rPr lang="fr-FR" dirty="0" smtClean="0"/>
+              <a:t> - DEGIRONDE - BARBASTE</a:t>
             </a:r>
           </a:p>
           <a:p>
@@ -30303,7 +25927,7 @@
             <a:fld id="{2930045B-F838-499A-A866-54B50D6976AC}" type="datetime1">
               <a:rPr lang="fr-FR" smtClean="0"/>
               <a:pPr/>
-              <a:t>31/03/2015</a:t>
+              <a:t>01/04/2015</a:t>
             </a:fld>
             <a:endParaRPr lang="fr-FR"/>
           </a:p>
@@ -30325,8 +25949,12 @@
           <a:lstStyle/>
           <a:p>
             <a:r>
-              <a:rPr lang="fr-FR" smtClean="0"/>
-              <a:t>BARBARESCO - TOSI - DEGIRONDE - BARBASTE</a:t>
+              <a:rPr lang="fr-FR" u="sng" dirty="0" smtClean="0"/>
+              <a:t>BARBARESCO</a:t>
+            </a:r>
+            <a:r>
+              <a:rPr lang="fr-FR" dirty="0" smtClean="0"/>
+              <a:t> - TOSI - DEGIRONDE - BARBASTE</a:t>
             </a:r>
           </a:p>
           <a:p>
@@ -30599,7 +26227,7 @@
             <a:fld id="{2930045B-F838-499A-A866-54B50D6976AC}" type="datetime1">
               <a:rPr lang="fr-FR" smtClean="0"/>
               <a:pPr/>
-              <a:t>31/03/2015</a:t>
+              <a:t>01/04/2015</a:t>
             </a:fld>
             <a:endParaRPr lang="fr-FR"/>
           </a:p>
@@ -30621,8 +26249,16 @@
           <a:lstStyle/>
           <a:p>
             <a:r>
-              <a:rPr lang="fr-FR" smtClean="0"/>
-              <a:t>BARBARESCO - TOSI - DEGIRONDE - BARBASTE</a:t>
+              <a:rPr lang="fr-FR" dirty="0" smtClean="0"/>
+              <a:t>BARBARESCO - TOSI - </a:t>
+            </a:r>
+            <a:r>
+              <a:rPr lang="fr-FR" u="sng" dirty="0" smtClean="0"/>
+              <a:t>DEGIRONDE</a:t>
+            </a:r>
+            <a:r>
+              <a:rPr lang="fr-FR" dirty="0" smtClean="0"/>
+              <a:t> - BARBASTE</a:t>
             </a:r>
           </a:p>
           <a:p>
@@ -30932,11 +26568,7 @@
             </a:pPr>
             <a:r>
               <a:rPr lang="fr-FR" dirty="0" smtClean="0"/>
-              <a:t>Vers une technologie </a:t>
-            </a:r>
-            <a:r>
-              <a:rPr lang="fr-FR" dirty="0" smtClean="0"/>
-              <a:t>propre</a:t>
+              <a:t>Vers une technologie propre</a:t>
             </a:r>
           </a:p>
           <a:p>
@@ -31000,7 +26632,7 @@
           <a:p>
             <a:r>
               <a:rPr lang="fr-FR" sz="2400" dirty="0" smtClean="0"/>
-              <a:t>La Domotique et les objets connectés … des complications</a:t>
+              <a:t>La Domotique et les objets connectés</a:t>
             </a:r>
             <a:endParaRPr lang="fr-FR" sz="2400" dirty="0"/>
           </a:p>
@@ -31024,9 +26656,9 @@
             <a:fld id="{2930045B-F838-499A-A866-54B50D6976AC}" type="datetime1">
               <a:rPr lang="fr-FR" smtClean="0"/>
               <a:pPr/>
-              <a:t>31/03/2015</a:t>
+              <a:t>01/04/2015</a:t>
             </a:fld>
-            <a:endParaRPr lang="fr-FR"/>
+            <a:endParaRPr lang="fr-FR" dirty="0"/>
           </a:p>
         </p:txBody>
       </p:sp>
@@ -31046,8 +26678,16 @@
           <a:lstStyle/>
           <a:p>
             <a:r>
-              <a:rPr lang="fr-FR" smtClean="0"/>
-              <a:t>BARBARESCO - TOSI - DEGIRONDE - BARBASTE</a:t>
+              <a:rPr lang="fr-FR" dirty="0" smtClean="0"/>
+              <a:t>BARBARESCO - TOSI - </a:t>
+            </a:r>
+            <a:r>
+              <a:rPr lang="fr-FR" u="sng" dirty="0" smtClean="0"/>
+              <a:t>DEGIRONDE</a:t>
+            </a:r>
+            <a:r>
+              <a:rPr lang="fr-FR" dirty="0" smtClean="0"/>
+              <a:t> - BARBASTE</a:t>
             </a:r>
           </a:p>
           <a:p>
@@ -31074,421 +26714,6 @@
               <a:rPr lang="fr-FR" smtClean="0"/>
               <a:pPr/>
               <a:t>7</a:t>
-            </a:fld>
-            <a:endParaRPr lang="fr-FR" dirty="0"/>
-          </a:p>
-        </p:txBody>
-      </p:sp>
-      <p:graphicFrame>
-        <p:nvGraphicFramePr>
-          <p:cNvPr id="23" name="Espace réservé du graphique SmartArt 18"/>
-          <p:cNvGraphicFramePr>
-            <a:graphicFrameLocks/>
-          </p:cNvGraphicFramePr>
-          <p:nvPr>
-            <p:extLst>
-              <p:ext uri="{D42A27DB-BD31-4B8C-83A1-F6EECF244321}">
-                <p14:modId xmlns:p14="http://schemas.microsoft.com/office/powerpoint/2010/main" val="4160082716"/>
-              </p:ext>
-            </p:extLst>
-          </p:nvPr>
-        </p:nvGraphicFramePr>
-        <p:xfrm>
-          <a:off x="0" y="908720"/>
-          <a:ext cx="9144000" cy="287561"/>
-        </p:xfrm>
-        <a:graphic>
-          <a:graphicData uri="http://schemas.openxmlformats.org/drawingml/2006/diagram">
-            <dgm:relIds xmlns:dgm="http://schemas.openxmlformats.org/drawingml/2006/diagram" xmlns:r="http://schemas.openxmlformats.org/officeDocument/2006/relationships" r:dm="rId3" r:lo="rId4" r:qs="rId5" r:cs="rId6"/>
-          </a:graphicData>
-        </a:graphic>
-      </p:graphicFrame>
-      <p:sp>
-        <p:nvSpPr>
-          <p:cNvPr id="10" name="Espace réservé du contenu 10"/>
-          <p:cNvSpPr txBox="1">
-            <a:spLocks/>
-          </p:cNvSpPr>
-          <p:nvPr/>
-        </p:nvSpPr>
-        <p:spPr>
-          <a:xfrm>
-            <a:off x="21039" y="1556792"/>
-            <a:ext cx="8928992" cy="4896544"/>
-          </a:xfrm>
-          <a:prstGeom prst="rect">
-            <a:avLst/>
-          </a:prstGeom>
-        </p:spPr>
-        <p:txBody>
-          <a:bodyPr vert="horz">
-            <a:normAutofit/>
-          </a:bodyPr>
-          <a:lstStyle>
-            <a:lvl1pPr marL="548640" indent="-411480" algn="l" rtl="0" eaLnBrk="1" latinLnBrk="0" hangingPunct="1">
-              <a:spcBef>
-                <a:spcPct val="20000"/>
-              </a:spcBef>
-              <a:buClr>
-                <a:schemeClr val="tx1">
-                  <a:shade val="95000"/>
-                </a:schemeClr>
-              </a:buClr>
-              <a:buSzPct val="65000"/>
-              <a:buFont typeface="Wingdings 2"/>
-              <a:buChar char=""/>
-              <a:defRPr kumimoji="0" sz="2800" kern="1200">
-                <a:solidFill>
-                  <a:schemeClr val="tx1"/>
-                </a:solidFill>
-                <a:latin typeface="+mn-lt"/>
-                <a:ea typeface="+mn-ea"/>
-                <a:cs typeface="+mn-cs"/>
-              </a:defRPr>
-            </a:lvl1pPr>
-            <a:lvl2pPr marL="868680" indent="-283464" algn="l" rtl="0" eaLnBrk="1" latinLnBrk="0" hangingPunct="1">
-              <a:spcBef>
-                <a:spcPct val="20000"/>
-              </a:spcBef>
-              <a:buClr>
-                <a:schemeClr val="tx1"/>
-              </a:buClr>
-              <a:buSzPct val="80000"/>
-              <a:buFont typeface="Wingdings 2"/>
-              <a:buChar char=""/>
-              <a:defRPr kumimoji="0" sz="2400" kern="1200">
-                <a:solidFill>
-                  <a:schemeClr val="tx1"/>
-                </a:solidFill>
-                <a:latin typeface="+mn-lt"/>
-                <a:ea typeface="+mn-ea"/>
-                <a:cs typeface="+mn-cs"/>
-              </a:defRPr>
-            </a:lvl2pPr>
-            <a:lvl3pPr marL="1133856" indent="-228600" algn="l" rtl="0" eaLnBrk="1" latinLnBrk="0" hangingPunct="1">
-              <a:spcBef>
-                <a:spcPct val="20000"/>
-              </a:spcBef>
-              <a:buClr>
-                <a:schemeClr val="tx1"/>
-              </a:buClr>
-              <a:buSzPct val="95000"/>
-              <a:buFont typeface="Wingdings"/>
-              <a:buChar char=""/>
-              <a:defRPr kumimoji="0" sz="2200" kern="1200">
-                <a:solidFill>
-                  <a:schemeClr val="tx1"/>
-                </a:solidFill>
-                <a:latin typeface="+mn-lt"/>
-                <a:ea typeface="+mn-ea"/>
-                <a:cs typeface="+mn-cs"/>
-              </a:defRPr>
-            </a:lvl3pPr>
-            <a:lvl4pPr marL="1353312" indent="-182880" algn="l" rtl="0" eaLnBrk="1" latinLnBrk="0" hangingPunct="1">
-              <a:spcBef>
-                <a:spcPct val="20000"/>
-              </a:spcBef>
-              <a:buClr>
-                <a:schemeClr val="tx1"/>
-              </a:buClr>
-              <a:buSzPct val="100000"/>
-              <a:buFont typeface="Wingdings 3"/>
-              <a:buChar char=""/>
-              <a:defRPr kumimoji="0" sz="2000" kern="1200">
-                <a:solidFill>
-                  <a:schemeClr val="tx1"/>
-                </a:solidFill>
-                <a:latin typeface="+mn-lt"/>
-                <a:ea typeface="+mn-ea"/>
-                <a:cs typeface="+mn-cs"/>
-              </a:defRPr>
-            </a:lvl4pPr>
-            <a:lvl5pPr marL="1545336" indent="-182880" algn="l" rtl="0" eaLnBrk="1" latinLnBrk="0" hangingPunct="1">
-              <a:spcBef>
-                <a:spcPct val="20000"/>
-              </a:spcBef>
-              <a:buClr>
-                <a:schemeClr val="tx1"/>
-              </a:buClr>
-              <a:buFont typeface="Wingdings 2"/>
-              <a:buChar char=""/>
-              <a:defRPr kumimoji="0" sz="2000" kern="1200">
-                <a:solidFill>
-                  <a:schemeClr val="tx1"/>
-                </a:solidFill>
-                <a:latin typeface="+mn-lt"/>
-                <a:ea typeface="+mn-ea"/>
-                <a:cs typeface="+mn-cs"/>
-              </a:defRPr>
-            </a:lvl5pPr>
-            <a:lvl6pPr marL="1764792" indent="-182880" algn="l" rtl="0" eaLnBrk="1" latinLnBrk="0" hangingPunct="1">
-              <a:spcBef>
-                <a:spcPct val="20000"/>
-              </a:spcBef>
-              <a:buClr>
-                <a:schemeClr val="tx1"/>
-              </a:buClr>
-              <a:buFont typeface="Wingdings 3"/>
-              <a:buChar char=""/>
-              <a:defRPr kumimoji="0" sz="1800" kern="1200">
-                <a:solidFill>
-                  <a:schemeClr val="tx1"/>
-                </a:solidFill>
-                <a:latin typeface="+mn-lt"/>
-                <a:ea typeface="+mn-ea"/>
-                <a:cs typeface="+mn-cs"/>
-              </a:defRPr>
-            </a:lvl6pPr>
-            <a:lvl7pPr marL="1965960" indent="-182880" algn="l" rtl="0" eaLnBrk="1" latinLnBrk="0" hangingPunct="1">
-              <a:spcBef>
-                <a:spcPct val="20000"/>
-              </a:spcBef>
-              <a:buClr>
-                <a:schemeClr val="tx1"/>
-              </a:buClr>
-              <a:buFont typeface="Wingdings 2"/>
-              <a:buChar char=""/>
-              <a:defRPr kumimoji="0" sz="1600" kern="1200">
-                <a:solidFill>
-                  <a:schemeClr val="tx1"/>
-                </a:solidFill>
-                <a:latin typeface="+mn-lt"/>
-                <a:ea typeface="+mn-ea"/>
-                <a:cs typeface="+mn-cs"/>
-              </a:defRPr>
-            </a:lvl7pPr>
-            <a:lvl8pPr marL="2167128" indent="-182880" algn="l" rtl="0" eaLnBrk="1" latinLnBrk="0" hangingPunct="1">
-              <a:spcBef>
-                <a:spcPct val="20000"/>
-              </a:spcBef>
-              <a:buClr>
-                <a:schemeClr val="tx1"/>
-              </a:buClr>
-              <a:buFont typeface="Wingdings 2"/>
-              <a:buChar char=""/>
-              <a:defRPr kumimoji="0" sz="1400" kern="1200">
-                <a:solidFill>
-                  <a:schemeClr val="tx1"/>
-                </a:solidFill>
-                <a:latin typeface="+mn-lt"/>
-                <a:ea typeface="+mn-ea"/>
-                <a:cs typeface="+mn-cs"/>
-              </a:defRPr>
-            </a:lvl8pPr>
-            <a:lvl9pPr marL="2368296" indent="-182880" algn="l" rtl="0" eaLnBrk="1" latinLnBrk="0" hangingPunct="1">
-              <a:spcBef>
-                <a:spcPct val="20000"/>
-              </a:spcBef>
-              <a:buClr>
-                <a:schemeClr val="tx1"/>
-              </a:buClr>
-              <a:buFont typeface="Wingdings 2"/>
-              <a:buChar char=""/>
-              <a:defRPr kumimoji="0" sz="1400" kern="1200" baseline="0">
-                <a:solidFill>
-                  <a:schemeClr val="tx1"/>
-                </a:solidFill>
-                <a:latin typeface="+mn-lt"/>
-                <a:ea typeface="+mn-ea"/>
-                <a:cs typeface="+mn-cs"/>
-              </a:defRPr>
-            </a:lvl9pPr>
-          </a:lstStyle>
-          <a:p>
-            <a:pPr>
-              <a:buNone/>
-            </a:pPr>
-            <a:endParaRPr lang="fr-FR" dirty="0" smtClean="0"/>
-          </a:p>
-          <a:p>
-            <a:pPr>
-              <a:buNone/>
-            </a:pPr>
-            <a:r>
-              <a:rPr lang="fr-FR" dirty="0" smtClean="0"/>
-              <a:t>Contraintes et topologie du bâtiment</a:t>
-            </a:r>
-          </a:p>
-          <a:p>
-            <a:pPr>
-              <a:buNone/>
-            </a:pPr>
-            <a:endParaRPr lang="fr-FR" dirty="0" smtClean="0"/>
-          </a:p>
-          <a:p>
-            <a:pPr>
-              <a:buNone/>
-            </a:pPr>
-            <a:r>
-              <a:rPr lang="fr-FR" dirty="0" smtClean="0"/>
-              <a:t>Coût d’achat</a:t>
-            </a:r>
-          </a:p>
-          <a:p>
-            <a:pPr>
-              <a:buNone/>
-            </a:pPr>
-            <a:endParaRPr lang="fr-FR" dirty="0"/>
-          </a:p>
-          <a:p>
-            <a:pPr>
-              <a:buNone/>
-            </a:pPr>
-            <a:r>
-              <a:rPr lang="fr-FR" dirty="0" smtClean="0"/>
-              <a:t>Complexité de l’installation</a:t>
-            </a:r>
-          </a:p>
-          <a:p>
-            <a:pPr>
-              <a:buNone/>
-            </a:pPr>
-            <a:endParaRPr lang="fr-FR" dirty="0" smtClean="0"/>
-          </a:p>
-          <a:p>
-            <a:pPr>
-              <a:buNone/>
-            </a:pPr>
-            <a:r>
-              <a:rPr lang="fr-FR" dirty="0" smtClean="0"/>
-              <a:t>Maintenance</a:t>
-            </a:r>
-          </a:p>
-          <a:p>
-            <a:endParaRPr lang="fr-FR" dirty="0"/>
-          </a:p>
-        </p:txBody>
-      </p:sp>
-    </p:spTree>
-    <p:extLst>
-      <p:ext uri="{BB962C8B-B14F-4D97-AF65-F5344CB8AC3E}">
-        <p14:creationId xmlns:p14="http://schemas.microsoft.com/office/powerpoint/2010/main" val="4127046793"/>
-      </p:ext>
-    </p:extLst>
-  </p:cSld>
-  <p:clrMapOvr>
-    <a:masterClrMapping/>
-  </p:clrMapOvr>
-  <p:timing>
-    <p:tnLst>
-      <p:par>
-        <p:cTn id="1" dur="indefinite" restart="never" nodeType="tmRoot"/>
-      </p:par>
-    </p:tnLst>
-  </p:timing>
-</p:sld>
-</file>
-
-<file path=ppt/slides/slide8.xml><?xml version="1.0" encoding="utf-8"?>
-<p:sld xmlns:a="http://schemas.openxmlformats.org/drawingml/2006/main" xmlns:r="http://schemas.openxmlformats.org/officeDocument/2006/relationships" xmlns:p="http://schemas.openxmlformats.org/presentationml/2006/main">
-  <p:cSld>
-    <p:spTree>
-      <p:nvGrpSpPr>
-        <p:cNvPr id="1" name=""/>
-        <p:cNvGrpSpPr/>
-        <p:nvPr/>
-      </p:nvGrpSpPr>
-      <p:grpSpPr>
-        <a:xfrm>
-          <a:off x="0" y="0"/>
-          <a:ext cx="0" cy="0"/>
-          <a:chOff x="0" y="0"/>
-          <a:chExt cx="0" cy="0"/>
-        </a:xfrm>
-      </p:grpSpPr>
-      <p:sp>
-        <p:nvSpPr>
-          <p:cNvPr id="16" name="Titre 14"/>
-          <p:cNvSpPr>
-            <a:spLocks noGrp="1"/>
-          </p:cNvSpPr>
-          <p:nvPr>
-            <p:ph type="title"/>
-          </p:nvPr>
-        </p:nvSpPr>
-        <p:spPr/>
-        <p:txBody>
-          <a:bodyPr>
-            <a:noAutofit/>
-          </a:bodyPr>
-          <a:lstStyle/>
-          <a:p>
-            <a:r>
-              <a:rPr lang="fr-FR" sz="2400" dirty="0" smtClean="0"/>
-              <a:t>La Domotique et les objets connectés</a:t>
-            </a:r>
-            <a:endParaRPr lang="fr-FR" sz="2400" dirty="0"/>
-          </a:p>
-        </p:txBody>
-      </p:sp>
-      <p:sp>
-        <p:nvSpPr>
-          <p:cNvPr id="17" name="Espace réservé de la date 3"/>
-          <p:cNvSpPr>
-            <a:spLocks noGrp="1"/>
-          </p:cNvSpPr>
-          <p:nvPr>
-            <p:ph type="dt" sz="half" idx="10"/>
-          </p:nvPr>
-        </p:nvSpPr>
-        <p:spPr/>
-        <p:txBody>
-          <a:bodyPr/>
-          <a:lstStyle/>
-          <a:p>
-            <a:fld id="{2930045B-F838-499A-A866-54B50D6976AC}" type="datetime1">
-              <a:rPr lang="fr-FR" smtClean="0"/>
-              <a:pPr/>
-              <a:t>31/03/2015</a:t>
-            </a:fld>
-            <a:endParaRPr lang="fr-FR" dirty="0"/>
-          </a:p>
-        </p:txBody>
-      </p:sp>
-      <p:sp>
-        <p:nvSpPr>
-          <p:cNvPr id="18" name="Espace réservé du pied de page 12"/>
-          <p:cNvSpPr>
-            <a:spLocks noGrp="1"/>
-          </p:cNvSpPr>
-          <p:nvPr>
-            <p:ph type="ftr" sz="quarter" idx="11"/>
-          </p:nvPr>
-        </p:nvSpPr>
-        <p:spPr/>
-        <p:txBody>
-          <a:bodyPr/>
-          <a:lstStyle/>
-          <a:p>
-            <a:r>
-              <a:rPr lang="fr-FR" smtClean="0"/>
-              <a:t>BARBARESCO - TOSI - DEGIRONDE - BARBASTE</a:t>
-            </a:r>
-          </a:p>
-          <a:p>
-            <a:endParaRPr lang="fr-FR" dirty="0"/>
-          </a:p>
-        </p:txBody>
-      </p:sp>
-      <p:sp>
-        <p:nvSpPr>
-          <p:cNvPr id="21" name="Espace réservé du numéro de diapositive 13"/>
-          <p:cNvSpPr>
-            <a:spLocks noGrp="1"/>
-          </p:cNvSpPr>
-          <p:nvPr>
-            <p:ph type="sldNum" sz="quarter" idx="12"/>
-          </p:nvPr>
-        </p:nvSpPr>
-        <p:spPr/>
-        <p:txBody>
-          <a:bodyPr/>
-          <a:lstStyle/>
-          <a:p>
-            <a:fld id="{01C2C2A7-E788-4DEF-81A1-763FFC2D4095}" type="slidenum">
-              <a:rPr lang="fr-FR" smtClean="0"/>
-              <a:pPr/>
-              <a:t>8</a:t>
             </a:fld>
             <a:endParaRPr lang="fr-FR" dirty="0"/>
           </a:p>
@@ -31748,8 +26973,9 @@
             </a:pPr>
             <a:r>
               <a:rPr lang="fr-FR" dirty="0" smtClean="0"/>
-              <a:t>Câble spécifique</a:t>
-            </a:r>
+              <a:t>Câbles spécifiques</a:t>
+            </a:r>
+            <a:endParaRPr lang="fr-FR" dirty="0" smtClean="0"/>
           </a:p>
           <a:p>
             <a:pPr lvl="1">
@@ -31763,11 +26989,7 @@
             </a:pPr>
             <a:r>
               <a:rPr lang="fr-FR" dirty="0" smtClean="0"/>
-              <a:t>Coût d’installation </a:t>
-            </a:r>
-            <a:r>
-              <a:rPr lang="fr-FR" dirty="0" smtClean="0"/>
-              <a:t>: important</a:t>
+              <a:t>Coût d’installation : important</a:t>
             </a:r>
             <a:endParaRPr lang="fr-FR" dirty="0"/>
           </a:p>
@@ -31783,7 +27005,11 @@
             </a:pPr>
             <a:r>
               <a:rPr lang="fr-FR" dirty="0" smtClean="0"/>
-              <a:t>Modifications difficile</a:t>
+              <a:t>Modifications </a:t>
+            </a:r>
+            <a:r>
+              <a:rPr lang="fr-FR" dirty="0" smtClean="0"/>
+              <a:t>difficiles</a:t>
             </a:r>
             <a:endParaRPr lang="fr-FR" dirty="0" smtClean="0"/>
           </a:p>
@@ -32352,7 +27578,7 @@
 </p:sld>
 </file>
 
-<file path=ppt/slides/slide9.xml><?xml version="1.0" encoding="utf-8"?>
+<file path=ppt/slides/slide8.xml><?xml version="1.0" encoding="utf-8"?>
 <p:sld xmlns:a="http://schemas.openxmlformats.org/drawingml/2006/main" xmlns:r="http://schemas.openxmlformats.org/officeDocument/2006/relationships" xmlns:p="http://schemas.openxmlformats.org/presentationml/2006/main">
   <p:cSld>
     <p:spTree>
@@ -32412,7 +27638,7 @@
             <a:fld id="{2930045B-F838-499A-A866-54B50D6976AC}" type="datetime1">
               <a:rPr lang="fr-FR" smtClean="0"/>
               <a:pPr/>
-              <a:t>31/03/2015</a:t>
+              <a:t>01/04/2015</a:t>
             </a:fld>
             <a:endParaRPr lang="fr-FR" dirty="0"/>
           </a:p>
@@ -32434,8 +27660,12 @@
           <a:lstStyle/>
           <a:p>
             <a:r>
-              <a:rPr lang="fr-FR" smtClean="0"/>
-              <a:t>BARBARESCO - TOSI - DEGIRONDE - BARBASTE</a:t>
+              <a:rPr lang="fr-FR" dirty="0" smtClean="0"/>
+              <a:t>BARBARESCO - TOSI - DEGIRONDE - </a:t>
+            </a:r>
+            <a:r>
+              <a:rPr lang="fr-FR" u="sng" dirty="0" smtClean="0"/>
+              <a:t>BARBASTE</a:t>
             </a:r>
           </a:p>
           <a:p>
@@ -32461,7 +27691,7 @@
             <a:fld id="{01C2C2A7-E788-4DEF-81A1-763FFC2D4095}" type="slidenum">
               <a:rPr lang="fr-FR" smtClean="0"/>
               <a:pPr/>
-              <a:t>9</a:t>
+              <a:t>8</a:t>
             </a:fld>
             <a:endParaRPr lang="fr-FR" dirty="0"/>
           </a:p>
@@ -32568,6 +27798,145 @@
   <p:clrMapOvr>
     <a:masterClrMapping/>
   </p:clrMapOvr>
+  <p:timing>
+    <p:tnLst>
+      <p:par>
+        <p:cTn id="1" dur="indefinite" restart="never" nodeType="tmRoot"/>
+      </p:par>
+    </p:tnLst>
+  </p:timing>
+</p:sld>
+</file>
+
+<file path=ppt/slides/slide9.xml><?xml version="1.0" encoding="utf-8"?>
+<p:sld xmlns:a="http://schemas.openxmlformats.org/drawingml/2006/main" xmlns:r="http://schemas.openxmlformats.org/officeDocument/2006/relationships" xmlns:p="http://schemas.openxmlformats.org/presentationml/2006/main">
+  <p:cSld>
+    <p:spTree>
+      <p:nvGrpSpPr>
+        <p:cNvPr id="1" name=""/>
+        <p:cNvGrpSpPr/>
+        <p:nvPr/>
+      </p:nvGrpSpPr>
+      <p:grpSpPr>
+        <a:xfrm>
+          <a:off x="0" y="0"/>
+          <a:ext cx="0" cy="0"/>
+          <a:chOff x="0" y="0"/>
+          <a:chExt cx="0" cy="0"/>
+        </a:xfrm>
+      </p:grpSpPr>
+      <p:sp>
+        <p:nvSpPr>
+          <p:cNvPr id="5" name="Titre 4"/>
+          <p:cNvSpPr>
+            <a:spLocks noGrp="1"/>
+          </p:cNvSpPr>
+          <p:nvPr>
+            <p:ph type="title"/>
+          </p:nvPr>
+        </p:nvSpPr>
+        <p:spPr/>
+        <p:txBody>
+          <a:bodyPr>
+            <a:normAutofit/>
+          </a:bodyPr>
+          <a:lstStyle/>
+          <a:p>
+            <a:r>
+              <a:rPr lang="fr-FR" dirty="0"/>
+              <a:t>Exemple type</a:t>
+            </a:r>
+          </a:p>
+        </p:txBody>
+      </p:sp>
+      <p:sp>
+        <p:nvSpPr>
+          <p:cNvPr id="2" name="Espace réservé de la date 1"/>
+          <p:cNvSpPr>
+            <a:spLocks noGrp="1"/>
+          </p:cNvSpPr>
+          <p:nvPr>
+            <p:ph type="dt" sz="half" idx="10"/>
+          </p:nvPr>
+        </p:nvSpPr>
+        <p:spPr/>
+        <p:txBody>
+          <a:bodyPr/>
+          <a:lstStyle/>
+          <a:p>
+            <a:fld id="{DA8C846E-2DF1-4F81-8E58-555B82CD55E4}" type="datetime1">
+              <a:rPr lang="fr-FR" smtClean="0"/>
+              <a:pPr/>
+              <a:t>01/04/2015</a:t>
+            </a:fld>
+            <a:endParaRPr lang="fr-FR" dirty="0"/>
+          </a:p>
+        </p:txBody>
+      </p:sp>
+      <p:sp>
+        <p:nvSpPr>
+          <p:cNvPr id="3" name="Espace réservé du pied de page 2"/>
+          <p:cNvSpPr>
+            <a:spLocks noGrp="1"/>
+          </p:cNvSpPr>
+          <p:nvPr>
+            <p:ph type="ftr" sz="quarter" idx="11"/>
+          </p:nvPr>
+        </p:nvSpPr>
+        <p:spPr/>
+        <p:txBody>
+          <a:bodyPr/>
+          <a:lstStyle/>
+          <a:p>
+            <a:r>
+              <a:rPr lang="fr-FR" dirty="0" smtClean="0"/>
+              <a:t>BARBARESCO - TOSI - DEGIRONDE - </a:t>
+            </a:r>
+            <a:r>
+              <a:rPr lang="fr-FR" u="sng" dirty="0" smtClean="0"/>
+              <a:t>BARBASTE</a:t>
+            </a:r>
+          </a:p>
+          <a:p>
+            <a:endParaRPr lang="fr-FR" sz="900" dirty="0"/>
+          </a:p>
+        </p:txBody>
+      </p:sp>
+      <p:sp>
+        <p:nvSpPr>
+          <p:cNvPr id="4" name="Espace réservé du numéro de diapositive 3"/>
+          <p:cNvSpPr>
+            <a:spLocks noGrp="1"/>
+          </p:cNvSpPr>
+          <p:nvPr>
+            <p:ph type="sldNum" sz="quarter" idx="12"/>
+          </p:nvPr>
+        </p:nvSpPr>
+        <p:spPr/>
+        <p:txBody>
+          <a:bodyPr/>
+          <a:lstStyle/>
+          <a:p>
+            <a:fld id="{01C2C2A7-E788-4DEF-81A1-763FFC2D4095}" type="slidenum">
+              <a:rPr lang="fr-FR" smtClean="0"/>
+              <a:pPr/>
+              <a:t>9</a:t>
+            </a:fld>
+            <a:endParaRPr lang="fr-FR" dirty="0"/>
+          </a:p>
+        </p:txBody>
+      </p:sp>
+    </p:spTree>
+    <p:extLst>
+      <p:ext uri="{BB962C8B-B14F-4D97-AF65-F5344CB8AC3E}">
+        <p14:creationId xmlns:p14="http://schemas.microsoft.com/office/powerpoint/2010/main" val="2839783828"/>
+      </p:ext>
+    </p:extLst>
+  </p:cSld>
+  <p:clrMapOvr>
+    <a:masterClrMapping/>
+  </p:clrMapOvr>
+  <p:transition/>
   <p:timing>
     <p:tnLst>
       <p:par>

--- a/diapo/CPL.pptx
+++ b/diapo/CPL.pptx
@@ -4180,8 +4180,8 @@
   <dgm:cxnLst>
     <dgm:cxn modelId="{199DC88E-6AE7-49CD-A6C6-4B5D62EAAD19}" srcId="{BF09B148-C0DD-4AFC-B4CC-843E561564E2}" destId="{747DFC8F-9D7F-4BC7-9BBB-09BE35F175E5}" srcOrd="1" destOrd="0" parTransId="{1B500D91-22D3-4065-A8B3-DD9D689FB21A}" sibTransId="{D48D2D33-C541-4075-BE8F-BF291A7A4BC7}"/>
     <dgm:cxn modelId="{F875FE47-B96E-4466-A881-1F094D5839D4}" srcId="{BF09B148-C0DD-4AFC-B4CC-843E561564E2}" destId="{9F16C795-E285-4FC2-B296-E28ED6156608}" srcOrd="2" destOrd="0" parTransId="{9ECC7953-8880-4B02-8980-5D0CD5CF276A}" sibTransId="{31FE319C-6AA6-4146-885C-139E15360B7E}"/>
+    <dgm:cxn modelId="{936FD28F-D6BD-464C-865F-CBB9CE3C7C7F}" type="presOf" srcId="{9F16C795-E285-4FC2-B296-E28ED6156608}" destId="{02E25B46-9D16-490D-8442-2CB9F46B7693}" srcOrd="0" destOrd="0" presId="urn:microsoft.com/office/officeart/2005/8/layout/chevron1"/>
     <dgm:cxn modelId="{9AB2E88A-99A5-4F37-91C9-8F6F5CD5D788}" srcId="{BF09B148-C0DD-4AFC-B4CC-843E561564E2}" destId="{939DC333-85A3-4AEF-8CC8-582604EBA647}" srcOrd="0" destOrd="0" parTransId="{25DC1194-F99D-4476-BC6B-95CD78F6C400}" sibTransId="{9252C17D-735C-4928-B0C5-E532E35D2850}"/>
-    <dgm:cxn modelId="{936FD28F-D6BD-464C-865F-CBB9CE3C7C7F}" type="presOf" srcId="{9F16C795-E285-4FC2-B296-E28ED6156608}" destId="{02E25B46-9D16-490D-8442-2CB9F46B7693}" srcOrd="0" destOrd="0" presId="urn:microsoft.com/office/officeart/2005/8/layout/chevron1"/>
     <dgm:cxn modelId="{16D5C35B-6B02-4604-ADE8-0E9C4994CD32}" type="presOf" srcId="{747DFC8F-9D7F-4BC7-9BBB-09BE35F175E5}" destId="{BDF2A55D-938D-4342-B14A-75C6D1F699D7}" srcOrd="0" destOrd="0" presId="urn:microsoft.com/office/officeart/2005/8/layout/chevron1"/>
     <dgm:cxn modelId="{365DF7FD-82E6-44B5-851C-36FDA80C8617}" type="presOf" srcId="{BF09B148-C0DD-4AFC-B4CC-843E561564E2}" destId="{A3344252-8F40-465E-9ECD-9784B102754C}" srcOrd="0" destOrd="0" presId="urn:microsoft.com/office/officeart/2005/8/layout/chevron1"/>
     <dgm:cxn modelId="{88BAFC47-6198-406B-9DDF-13142C8E783F}" type="presOf" srcId="{939DC333-85A3-4AEF-8CC8-582604EBA647}" destId="{77986956-9C9B-4D32-8B5B-816929D88B45}" srcOrd="0" destOrd="0" presId="urn:microsoft.com/office/officeart/2005/8/layout/chevron1"/>
@@ -4195,7 +4195,7 @@
   <dgm:whole/>
   <dgm:extLst>
     <a:ext uri="http://schemas.microsoft.com/office/drawing/2008/diagram">
-      <dsp:dataModelExt xmlns:dsp="http://schemas.microsoft.com/office/drawing/2008/diagram" relId="rId6" minVer="http://schemas.openxmlformats.org/drawingml/2006/diagram"/>
+      <dsp:dataModelExt xmlns:dsp="http://schemas.microsoft.com/office/drawing/2008/diagram" relId="rId7" minVer="http://schemas.openxmlformats.org/drawingml/2006/diagram"/>
     </a:ext>
     <a:ext uri="{C62137D5-CB1D-491B-B009-E17868A290BF}">
       <dgm14:recolorImg xmlns:dgm14="http://schemas.microsoft.com/office/drawing/2010/diagram" val="1"/>
@@ -13593,6 +13593,44 @@
           <a:bodyPr/>
           <a:lstStyle/>
           <a:p>
+            <a:r>
+              <a:rPr lang="fr-FR" dirty="0" smtClean="0"/>
+              <a:t>Bonjour, dans le cadre</a:t>
+            </a:r>
+            <a:r>
+              <a:rPr lang="fr-FR" baseline="0" dirty="0" smtClean="0"/>
+              <a:t> du bureau d’étude, nous avons choisi d’étudier les courants porteurs de ligne.</a:t>
+            </a:r>
+          </a:p>
+          <a:p>
+            <a:r>
+              <a:rPr lang="fr-FR" baseline="0" dirty="0" smtClean="0"/>
+              <a:t>Pour cela nous somme 4 : </a:t>
+            </a:r>
+            <a:r>
+              <a:rPr lang="fr-FR" baseline="0" dirty="0" err="1" smtClean="0"/>
+              <a:t>loic</a:t>
+            </a:r>
+            <a:r>
+              <a:rPr lang="fr-FR" baseline="0" dirty="0" smtClean="0"/>
+              <a:t>, robin, </a:t>
+            </a:r>
+            <a:r>
+              <a:rPr lang="fr-FR" baseline="0" dirty="0" err="1" smtClean="0"/>
+              <a:t>emeric</a:t>
+            </a:r>
+            <a:r>
+              <a:rPr lang="fr-FR" baseline="0" dirty="0" smtClean="0"/>
+              <a:t> et moi-même. </a:t>
+            </a:r>
+          </a:p>
+          <a:p>
+            <a:r>
+              <a:rPr lang="fr-FR" baseline="0" dirty="0" smtClean="0"/>
+              <a:t>Nous nous somme demandé …</a:t>
+            </a:r>
+          </a:p>
+          <a:p>
             <a:endParaRPr lang="fr-FR" dirty="0" smtClean="0"/>
           </a:p>
         </p:txBody>
@@ -13678,6 +13716,61 @@
           <a:bodyPr/>
           <a:lstStyle/>
           <a:p>
+            <a:r>
+              <a:rPr lang="fr-FR" dirty="0" smtClean="0"/>
+              <a:t>Voici</a:t>
+            </a:r>
+            <a:r>
+              <a:rPr lang="fr-FR" baseline="0" dirty="0" smtClean="0"/>
+              <a:t> l’installation choisie :</a:t>
+            </a:r>
+          </a:p>
+          <a:p>
+            <a:endParaRPr lang="fr-FR" baseline="0" dirty="0" smtClean="0"/>
+          </a:p>
+          <a:p>
+            <a:r>
+              <a:rPr lang="fr-FR" baseline="0" dirty="0" smtClean="0"/>
+              <a:t> - Chauffage</a:t>
+            </a:r>
+          </a:p>
+          <a:p>
+            <a:r>
+              <a:rPr lang="fr-FR" baseline="0" dirty="0" smtClean="0"/>
+              <a:t> - volets </a:t>
+            </a:r>
+            <a:r>
+              <a:rPr lang="fr-FR" baseline="0" dirty="0" err="1" smtClean="0"/>
+              <a:t>electriques</a:t>
+            </a:r>
+            <a:endParaRPr lang="fr-FR" baseline="0" dirty="0" smtClean="0"/>
+          </a:p>
+          <a:p>
+            <a:r>
+              <a:rPr lang="fr-FR" baseline="0" dirty="0" smtClean="0"/>
+              <a:t> - éclairage</a:t>
+            </a:r>
+          </a:p>
+          <a:p>
+            <a:r>
+              <a:rPr lang="fr-FR" baseline="0" dirty="0" smtClean="0"/>
+              <a:t> - alarme/vidéo-surveillance</a:t>
+            </a:r>
+          </a:p>
+          <a:p>
+            <a:r>
+              <a:rPr lang="fr-FR" baseline="0" dirty="0" smtClean="0"/>
+              <a:t> - …</a:t>
+            </a:r>
+          </a:p>
+          <a:p>
+            <a:endParaRPr lang="fr-FR" baseline="0" dirty="0" smtClean="0"/>
+          </a:p>
+          <a:p>
+            <a:r>
+              <a:rPr lang="fr-FR" baseline="0" dirty="0" smtClean="0"/>
+              <a:t>Dans les diaporamas qui suivent, nous allons voir un peu plus en détail divers postes d’installation</a:t>
+            </a:r>
             <a:endParaRPr lang="fr-FR" dirty="0"/>
           </a:p>
         </p:txBody>
@@ -13700,7 +13793,7 @@
             <a:fld id="{799A7FBE-DE10-47BC-AA37-8A753178CFF3}" type="slidenum">
               <a:rPr lang="fr-FR" smtClean="0"/>
               <a:pPr/>
-              <a:t>13</a:t>
+              <a:t>10</a:t>
             </a:fld>
             <a:endParaRPr lang="fr-FR"/>
           </a:p>
@@ -13763,6 +13856,36 @@
           <a:bodyPr/>
           <a:lstStyle/>
           <a:p>
+            <a:r>
+              <a:rPr lang="fr-FR" dirty="0" smtClean="0"/>
+              <a:t>Les volets </a:t>
+            </a:r>
+            <a:r>
+              <a:rPr lang="fr-FR" dirty="0" err="1" smtClean="0"/>
+              <a:t>electriques</a:t>
+            </a:r>
+            <a:r>
+              <a:rPr lang="fr-FR" dirty="0" smtClean="0"/>
+              <a:t> sont en permanence</a:t>
+            </a:r>
+            <a:r>
+              <a:rPr lang="fr-FR" baseline="0" dirty="0" smtClean="0"/>
+              <a:t> connectés au réseau </a:t>
+            </a:r>
+            <a:r>
+              <a:rPr lang="fr-FR" baseline="0" dirty="0" err="1" smtClean="0"/>
+              <a:t>electrique</a:t>
+            </a:r>
+            <a:r>
+              <a:rPr lang="fr-FR" baseline="0" dirty="0" smtClean="0"/>
+              <a:t>, il est donc facile de mettre en place les CPL.</a:t>
+            </a:r>
+          </a:p>
+          <a:p>
+            <a:r>
+              <a:rPr lang="fr-FR" baseline="0" dirty="0" smtClean="0"/>
+              <a:t>Cela est dont facile d’installer la domotique pour permettre l’utilisation a distance que se soit pour la sécurité (exemple) ou pour l’ensoleillement. </a:t>
+            </a:r>
             <a:endParaRPr lang="fr-FR" dirty="0"/>
           </a:p>
         </p:txBody>
@@ -13785,7 +13908,7 @@
             <a:fld id="{799A7FBE-DE10-47BC-AA37-8A753178CFF3}" type="slidenum">
               <a:rPr lang="fr-FR" smtClean="0"/>
               <a:pPr/>
-              <a:t>14</a:t>
+              <a:t>11</a:t>
             </a:fld>
             <a:endParaRPr lang="fr-FR"/>
           </a:p>
@@ -13850,52 +13973,50 @@
           <a:p>
             <a:r>
               <a:rPr lang="fr-FR" dirty="0" smtClean="0"/>
-              <a:t>Plug FAI : prise </a:t>
-            </a:r>
-            <a:r>
-              <a:rPr lang="fr-FR" dirty="0" err="1" smtClean="0"/>
-              <a:t>cpl</a:t>
-            </a:r>
-            <a:r>
-              <a:rPr lang="fr-FR" dirty="0" smtClean="0"/>
-              <a:t> pour relier les box </a:t>
-            </a:r>
-            <a:r>
-              <a:rPr lang="fr-FR" dirty="0" err="1" smtClean="0"/>
-              <a:t>adsl</a:t>
-            </a:r>
-            <a:r>
-              <a:rPr lang="fr-FR" dirty="0" smtClean="0"/>
-              <a:t> aux </a:t>
-            </a:r>
-            <a:r>
-              <a:rPr lang="fr-FR" dirty="0" err="1" smtClean="0"/>
-              <a:t>bos</a:t>
-            </a:r>
-            <a:r>
-              <a:rPr lang="fr-FR" dirty="0" smtClean="0"/>
-              <a:t> TV</a:t>
-            </a:r>
-          </a:p>
-          <a:p>
-            <a:endParaRPr lang="fr-FR" dirty="0" smtClean="0"/>
-          </a:p>
-          <a:p>
-            <a:r>
-              <a:rPr lang="fr-FR" dirty="0" smtClean="0"/>
-              <a:t>Plug réseau local</a:t>
+              <a:t>La domotique permet aussi de pouvoir</a:t>
             </a:r>
             <a:r>
               <a:rPr lang="fr-FR" baseline="0" dirty="0" smtClean="0"/>
-              <a:t> : routeur, </a:t>
+              <a:t> utiliser a notre souhait les </a:t>
             </a:r>
             <a:r>
               <a:rPr lang="fr-FR" baseline="0" dirty="0" err="1" smtClean="0"/>
-              <a:t>répetteur</a:t>
+              <a:t>intérupteurs</a:t>
             </a:r>
             <a:r>
               <a:rPr lang="fr-FR" baseline="0" dirty="0" smtClean="0"/>
-              <a:t>, …</a:t>
+              <a:t>, l’</a:t>
+            </a:r>
+            <a:r>
+              <a:rPr lang="fr-FR" baseline="0" dirty="0" err="1" smtClean="0"/>
+              <a:t>eclairage</a:t>
+            </a:r>
+            <a:r>
+              <a:rPr lang="fr-FR" baseline="0" dirty="0" smtClean="0"/>
+              <a:t> ou les prises murales du fait que ces équipement sont </a:t>
+            </a:r>
+            <a:r>
+              <a:rPr lang="fr-FR" baseline="0" dirty="0" err="1" smtClean="0"/>
+              <a:t>necessairement</a:t>
+            </a:r>
+            <a:r>
+              <a:rPr lang="fr-FR" baseline="0" dirty="0" smtClean="0"/>
+              <a:t> branché sur un réseau électrique pour fonctionner</a:t>
+            </a:r>
+          </a:p>
+          <a:p>
+            <a:r>
+              <a:rPr lang="fr-FR" baseline="0" dirty="0" smtClean="0"/>
+              <a:t>Exemple</a:t>
+            </a:r>
+          </a:p>
+          <a:p>
+            <a:endParaRPr lang="fr-FR" baseline="0" dirty="0" smtClean="0"/>
+          </a:p>
+          <a:p>
+            <a:r>
+              <a:rPr lang="fr-FR" baseline="0" dirty="0" smtClean="0"/>
+              <a:t>Emeric </a:t>
             </a:r>
             <a:endParaRPr lang="fr-FR" dirty="0"/>
           </a:p>
@@ -13919,7 +14040,7 @@
             <a:fld id="{799A7FBE-DE10-47BC-AA37-8A753178CFF3}" type="slidenum">
               <a:rPr lang="fr-FR" smtClean="0"/>
               <a:pPr/>
-              <a:t>15</a:t>
+              <a:t>12</a:t>
             </a:fld>
             <a:endParaRPr lang="fr-FR"/>
           </a:p>
@@ -13983,74 +14104,80 @@
           <a:lstStyle/>
           <a:p>
             <a:r>
-              <a:rPr lang="fr-FR" dirty="0" smtClean="0"/>
-              <a:t>Wifi :</a:t>
-            </a:r>
-          </a:p>
-          <a:p>
-            <a:r>
-              <a:rPr lang="fr-FR" dirty="0" smtClean="0"/>
-              <a:t>Avantage : pas d’installation spécifique, le signal se diffuse. </a:t>
-            </a:r>
-            <a:r>
-              <a:rPr lang="fr-FR" dirty="0" err="1" smtClean="0"/>
-              <a:t>Necessité</a:t>
-            </a:r>
-            <a:r>
               <a:rPr lang="fr-FR" baseline="0" dirty="0" smtClean="0"/>
-              <a:t> cependant de répéteur pour de grandes distance.</a:t>
-            </a:r>
-          </a:p>
-          <a:p>
+              <a:t>La plupart des </a:t>
+            </a:r>
+            <a:r>
+              <a:rPr lang="fr-FR" baseline="0" dirty="0" err="1" smtClean="0"/>
+              <a:t>equipements</a:t>
+            </a:r>
             <a:r>
               <a:rPr lang="fr-FR" baseline="0" dirty="0" smtClean="0"/>
-              <a:t>Inconvénient : Les ondes qui circules, de plus en plus on cherche a les réduire ce qui fait que ce n’est pas une bonne approche pour le futur</a:t>
-            </a:r>
-          </a:p>
-          <a:p>
-            <a:endParaRPr lang="fr-FR" baseline="0" dirty="0" smtClean="0"/>
-          </a:p>
-          <a:p>
-            <a:r>
-              <a:rPr lang="fr-FR" dirty="0" err="1" smtClean="0"/>
-              <a:t>Cable</a:t>
-            </a:r>
-            <a:r>
-              <a:rPr lang="fr-FR" dirty="0" smtClean="0"/>
-              <a:t> :</a:t>
-            </a:r>
-          </a:p>
-          <a:p>
-            <a:r>
-              <a:rPr lang="fr-FR" dirty="0" smtClean="0"/>
-              <a:t>Avantage : </a:t>
-            </a:r>
-          </a:p>
-          <a:p>
-            <a:r>
-              <a:rPr lang="fr-FR" dirty="0" smtClean="0"/>
-              <a:t>Inconvénient :</a:t>
-            </a:r>
-          </a:p>
-          <a:p>
-            <a:endParaRPr lang="fr-FR" dirty="0" smtClean="0"/>
-          </a:p>
-          <a:p>
-            <a:r>
-              <a:rPr lang="fr-FR" dirty="0" smtClean="0"/>
-              <a:t>Bus proprio :</a:t>
-            </a:r>
-          </a:p>
-          <a:p>
-            <a:r>
-              <a:rPr lang="fr-FR" dirty="0" smtClean="0"/>
-              <a:t>Avantage :</a:t>
-            </a:r>
-          </a:p>
-          <a:p>
-            <a:r>
-              <a:rPr lang="fr-FR" dirty="0" smtClean="0"/>
-              <a:t>Inconvénient :</a:t>
+              <a:t> de chauffage et de climatisation sont eux aussi </a:t>
+            </a:r>
+            <a:r>
+              <a:rPr lang="fr-FR" baseline="0" dirty="0" err="1" smtClean="0"/>
+              <a:t>dejà</a:t>
+            </a:r>
+            <a:r>
+              <a:rPr lang="fr-FR" baseline="0" dirty="0" smtClean="0"/>
+              <a:t> branché sur le </a:t>
+            </a:r>
+            <a:r>
+              <a:rPr lang="fr-FR" baseline="0" dirty="0" err="1" smtClean="0"/>
+              <a:t>reseau</a:t>
+            </a:r>
+            <a:r>
+              <a:rPr lang="fr-FR" baseline="0" dirty="0" smtClean="0"/>
+              <a:t> </a:t>
+            </a:r>
+            <a:r>
+              <a:rPr lang="fr-FR" baseline="0" dirty="0" err="1" smtClean="0"/>
+              <a:t>electrique</a:t>
+            </a:r>
+            <a:r>
+              <a:rPr lang="fr-FR" baseline="0" dirty="0" smtClean="0"/>
+              <a:t> du logement, l’usage des </a:t>
+            </a:r>
+            <a:r>
+              <a:rPr lang="fr-FR" baseline="0" dirty="0" err="1" smtClean="0"/>
+              <a:t>cpl</a:t>
+            </a:r>
+            <a:r>
+              <a:rPr lang="fr-FR" baseline="0" dirty="0" smtClean="0"/>
+              <a:t> permettent donc des </a:t>
+            </a:r>
+            <a:r>
+              <a:rPr lang="fr-FR" baseline="0" dirty="0" err="1" smtClean="0"/>
+              <a:t>releves</a:t>
+            </a:r>
+            <a:r>
+              <a:rPr lang="fr-FR" baseline="0" dirty="0" smtClean="0"/>
+              <a:t> de </a:t>
+            </a:r>
+            <a:r>
+              <a:rPr lang="fr-FR" baseline="0" dirty="0" err="1" smtClean="0"/>
+              <a:t>temperature</a:t>
+            </a:r>
+            <a:r>
+              <a:rPr lang="fr-FR" baseline="0" dirty="0" smtClean="0"/>
+              <a:t>, de consommation d’</a:t>
+            </a:r>
+            <a:r>
+              <a:rPr lang="fr-FR" baseline="0" dirty="0" err="1" smtClean="0"/>
+              <a:t>energie</a:t>
+            </a:r>
+            <a:r>
+              <a:rPr lang="fr-FR" baseline="0" dirty="0" smtClean="0"/>
+              <a:t>, et de </a:t>
+            </a:r>
+            <a:r>
+              <a:rPr lang="fr-FR" baseline="0" dirty="0" err="1" smtClean="0"/>
+              <a:t>reglage</a:t>
+            </a:r>
+            <a:r>
+              <a:rPr lang="fr-FR" baseline="0" dirty="0" smtClean="0"/>
+              <a:t> de ces derniers.</a:t>
             </a:r>
             <a:endParaRPr lang="fr-FR" dirty="0"/>
           </a:p>
@@ -14074,7 +14201,7 @@
             <a:fld id="{799A7FBE-DE10-47BC-AA37-8A753178CFF3}" type="slidenum">
               <a:rPr lang="fr-FR" smtClean="0"/>
               <a:pPr/>
-              <a:t>16</a:t>
+              <a:t>13</a:t>
             </a:fld>
             <a:endParaRPr lang="fr-FR"/>
           </a:p>
@@ -14083,7 +14210,7 @@
     </p:spTree>
     <p:extLst>
       <p:ext uri="{BB962C8B-B14F-4D97-AF65-F5344CB8AC3E}">
-        <p14:creationId xmlns:p14="http://schemas.microsoft.com/office/powerpoint/2010/main" val="4286161135"/>
+        <p14:creationId xmlns:p14="http://schemas.microsoft.com/office/powerpoint/2010/main" val="2636632387"/>
       </p:ext>
     </p:extLst>
   </p:cSld>
@@ -14139,6 +14266,631 @@
           <a:p>
             <a:r>
               <a:rPr lang="fr-FR" dirty="0" smtClean="0"/>
+              <a:t>Pour assurer</a:t>
+            </a:r>
+            <a:r>
+              <a:rPr lang="fr-FR" baseline="0" dirty="0" smtClean="0"/>
+              <a:t> une </a:t>
+            </a:r>
+            <a:r>
+              <a:rPr lang="fr-FR" baseline="0" dirty="0" err="1" smtClean="0"/>
+              <a:t>securite</a:t>
+            </a:r>
+            <a:r>
+              <a:rPr lang="fr-FR" baseline="0" dirty="0" smtClean="0"/>
+              <a:t> optimale dans un logement le support de communication se doit d’être </a:t>
+            </a:r>
+            <a:r>
+              <a:rPr lang="fr-FR" baseline="0" dirty="0" err="1" smtClean="0"/>
+              <a:t>securitaire</a:t>
+            </a:r>
+            <a:r>
+              <a:rPr lang="fr-FR" baseline="0" dirty="0" smtClean="0"/>
+              <a:t>,</a:t>
+            </a:r>
+          </a:p>
+          <a:p>
+            <a:r>
+              <a:rPr lang="fr-FR" baseline="0" dirty="0" smtClean="0"/>
+              <a:t>Les </a:t>
+            </a:r>
+            <a:r>
+              <a:rPr lang="fr-FR" baseline="0" dirty="0" err="1" smtClean="0"/>
+              <a:t>reseaux</a:t>
+            </a:r>
+            <a:r>
+              <a:rPr lang="fr-FR" baseline="0" dirty="0" smtClean="0"/>
+              <a:t> sans fil de par leur nature sans fil, sont attaquables par n’importe  qui de plus en plus facilement,</a:t>
+            </a:r>
+          </a:p>
+          <a:p>
+            <a:r>
+              <a:rPr lang="fr-FR" baseline="0" dirty="0" smtClean="0"/>
+              <a:t>Les </a:t>
+            </a:r>
+            <a:r>
+              <a:rPr lang="fr-FR" baseline="0" dirty="0" err="1" smtClean="0"/>
+              <a:t>cpl</a:t>
+            </a:r>
+            <a:r>
+              <a:rPr lang="fr-FR" baseline="0" dirty="0" smtClean="0"/>
+              <a:t> permettent donc de </a:t>
+            </a:r>
+            <a:r>
+              <a:rPr lang="fr-FR" baseline="0" dirty="0" err="1" smtClean="0"/>
+              <a:t>saffranchir</a:t>
+            </a:r>
+            <a:r>
+              <a:rPr lang="fr-FR" baseline="0" dirty="0" smtClean="0"/>
+              <a:t> de la mise en place de </a:t>
+            </a:r>
+            <a:r>
+              <a:rPr lang="fr-FR" baseline="0" dirty="0" err="1" smtClean="0"/>
+              <a:t>cables</a:t>
+            </a:r>
+            <a:r>
+              <a:rPr lang="fr-FR" baseline="0" dirty="0" smtClean="0"/>
+              <a:t> couteuse tout en assurant des performances suffisante a la </a:t>
+            </a:r>
+            <a:r>
+              <a:rPr lang="fr-FR" baseline="0" dirty="0" err="1" smtClean="0"/>
+              <a:t>video-surveillance</a:t>
+            </a:r>
+            <a:r>
+              <a:rPr lang="fr-FR" baseline="0" dirty="0" smtClean="0"/>
+              <a:t> qui est un usage des plus gourmand en termes de </a:t>
+            </a:r>
+            <a:r>
+              <a:rPr lang="fr-FR" baseline="0" dirty="0" err="1" smtClean="0"/>
+              <a:t>debits</a:t>
+            </a:r>
+            <a:r>
+              <a:rPr lang="fr-FR" baseline="0" dirty="0" smtClean="0"/>
+              <a:t>.</a:t>
+            </a:r>
+          </a:p>
+          <a:p>
+            <a:endParaRPr lang="fr-FR" dirty="0"/>
+          </a:p>
+        </p:txBody>
+      </p:sp>
+      <p:sp>
+        <p:nvSpPr>
+          <p:cNvPr id="4" name="Espace réservé du numéro de diapositive 3"/>
+          <p:cNvSpPr>
+            <a:spLocks noGrp="1"/>
+          </p:cNvSpPr>
+          <p:nvPr>
+            <p:ph type="sldNum" sz="quarter" idx="10"/>
+          </p:nvPr>
+        </p:nvSpPr>
+        <p:spPr/>
+        <p:txBody>
+          <a:bodyPr/>
+          <a:lstStyle/>
+          <a:p>
+            <a:fld id="{799A7FBE-DE10-47BC-AA37-8A753178CFF3}" type="slidenum">
+              <a:rPr lang="fr-FR" smtClean="0"/>
+              <a:pPr/>
+              <a:t>14</a:t>
+            </a:fld>
+            <a:endParaRPr lang="fr-FR"/>
+          </a:p>
+        </p:txBody>
+      </p:sp>
+    </p:spTree>
+    <p:extLst>
+      <p:ext uri="{BB962C8B-B14F-4D97-AF65-F5344CB8AC3E}">
+        <p14:creationId xmlns:p14="http://schemas.microsoft.com/office/powerpoint/2010/main" val="2636632387"/>
+      </p:ext>
+    </p:extLst>
+  </p:cSld>
+  <p:clrMapOvr>
+    <a:masterClrMapping/>
+  </p:clrMapOvr>
+</p:notes>
+</file>
+
+<file path=ppt/notesSlides/notesSlide15.xml><?xml version="1.0" encoding="utf-8"?>
+<p:notes xmlns:a="http://schemas.openxmlformats.org/drawingml/2006/main" xmlns:r="http://schemas.openxmlformats.org/officeDocument/2006/relationships" xmlns:p="http://schemas.openxmlformats.org/presentationml/2006/main">
+  <p:cSld>
+    <p:spTree>
+      <p:nvGrpSpPr>
+        <p:cNvPr id="1" name=""/>
+        <p:cNvGrpSpPr/>
+        <p:nvPr/>
+      </p:nvGrpSpPr>
+      <p:grpSpPr>
+        <a:xfrm>
+          <a:off x="0" y="0"/>
+          <a:ext cx="0" cy="0"/>
+          <a:chOff x="0" y="0"/>
+          <a:chExt cx="0" cy="0"/>
+        </a:xfrm>
+      </p:grpSpPr>
+      <p:sp>
+        <p:nvSpPr>
+          <p:cNvPr id="2" name="Espace réservé de l'image des diapositives 1"/>
+          <p:cNvSpPr>
+            <a:spLocks noGrp="1" noRot="1" noChangeAspect="1"/>
+          </p:cNvSpPr>
+          <p:nvPr>
+            <p:ph type="sldImg"/>
+          </p:nvPr>
+        </p:nvSpPr>
+        <p:spPr/>
+      </p:sp>
+      <p:sp>
+        <p:nvSpPr>
+          <p:cNvPr id="3" name="Espace réservé des commentaires 2"/>
+          <p:cNvSpPr>
+            <a:spLocks noGrp="1"/>
+          </p:cNvSpPr>
+          <p:nvPr>
+            <p:ph type="body" idx="1"/>
+          </p:nvPr>
+        </p:nvSpPr>
+        <p:spPr/>
+        <p:txBody>
+          <a:bodyPr/>
+          <a:lstStyle/>
+          <a:p>
+            <a:r>
+              <a:rPr lang="fr-FR" dirty="0" err="1" smtClean="0"/>
+              <a:t>Resume</a:t>
+            </a:r>
+            <a:r>
+              <a:rPr lang="fr-FR" baseline="0" dirty="0" smtClean="0"/>
+              <a:t> de tout cet ensemble au niveau tarifaire</a:t>
+            </a:r>
+            <a:endParaRPr lang="fr-FR" dirty="0" smtClean="0"/>
+          </a:p>
+          <a:p>
+            <a:endParaRPr lang="fr-FR" dirty="0" smtClean="0"/>
+          </a:p>
+          <a:p>
+            <a:r>
+              <a:rPr lang="fr-FR" dirty="0" err="1" smtClean="0"/>
+              <a:t>Telecommande</a:t>
+            </a:r>
+            <a:endParaRPr lang="fr-FR" dirty="0" smtClean="0"/>
+          </a:p>
+          <a:p>
+            <a:r>
+              <a:rPr lang="fr-FR" dirty="0" smtClean="0"/>
+              <a:t>Volet roulant</a:t>
+            </a:r>
+          </a:p>
+          <a:p>
+            <a:r>
+              <a:rPr lang="fr-FR" dirty="0" smtClean="0"/>
+              <a:t>Thermostat</a:t>
+            </a:r>
+          </a:p>
+          <a:p>
+            <a:r>
+              <a:rPr lang="fr-FR" dirty="0" err="1" smtClean="0"/>
+              <a:t>Recepteur</a:t>
+            </a:r>
+            <a:r>
+              <a:rPr lang="fr-FR" dirty="0" smtClean="0"/>
+              <a:t> Chauffage</a:t>
+            </a:r>
+          </a:p>
+          <a:p>
+            <a:r>
+              <a:rPr lang="fr-FR" dirty="0" smtClean="0"/>
+              <a:t>Eclairage </a:t>
+            </a:r>
+            <a:r>
+              <a:rPr lang="fr-FR" dirty="0" err="1" smtClean="0"/>
+              <a:t>exterieur</a:t>
+            </a:r>
+            <a:endParaRPr lang="fr-FR" dirty="0" smtClean="0"/>
+          </a:p>
+          <a:p>
+            <a:r>
+              <a:rPr lang="fr-FR" dirty="0" err="1" smtClean="0"/>
+              <a:t>Recepteur</a:t>
+            </a:r>
+            <a:r>
+              <a:rPr lang="fr-FR" dirty="0" smtClean="0"/>
+              <a:t> portail </a:t>
+            </a:r>
+            <a:r>
+              <a:rPr lang="fr-FR" dirty="0" err="1" smtClean="0"/>
+              <a:t>electrique</a:t>
+            </a:r>
+            <a:endParaRPr lang="fr-FR" dirty="0" smtClean="0"/>
+          </a:p>
+          <a:p>
+            <a:r>
+              <a:rPr lang="fr-FR" dirty="0" smtClean="0"/>
+              <a:t>Alarme</a:t>
+            </a:r>
+          </a:p>
+          <a:p>
+            <a:r>
+              <a:rPr lang="fr-FR" dirty="0" err="1" smtClean="0"/>
+              <a:t>Seche</a:t>
+            </a:r>
+            <a:r>
+              <a:rPr lang="fr-FR" baseline="0" dirty="0" smtClean="0"/>
+              <a:t> serviette</a:t>
+            </a:r>
+          </a:p>
+          <a:p>
+            <a:endParaRPr lang="fr-FR" dirty="0" smtClean="0"/>
+          </a:p>
+          <a:p>
+            <a:r>
+              <a:rPr lang="fr-FR" dirty="0" smtClean="0"/>
+              <a:t>On voit que l’investissement pour une installation qui a pas mal de service est assez correct.</a:t>
+            </a:r>
+          </a:p>
+          <a:p>
+            <a:endParaRPr lang="fr-FR" dirty="0" smtClean="0"/>
+          </a:p>
+          <a:p>
+            <a:r>
+              <a:rPr lang="fr-FR" dirty="0" smtClean="0"/>
+              <a:t>Parler de </a:t>
+            </a:r>
+            <a:r>
+              <a:rPr lang="fr-FR" dirty="0" err="1" smtClean="0"/>
+              <a:t>zibase</a:t>
+            </a:r>
+            <a:r>
+              <a:rPr lang="fr-FR" dirty="0" smtClean="0"/>
+              <a:t> de </a:t>
+            </a:r>
+            <a:r>
+              <a:rPr lang="fr-FR" dirty="0" err="1" smtClean="0"/>
+              <a:t>Zodianet</a:t>
+            </a:r>
+            <a:r>
+              <a:rPr lang="fr-FR" dirty="0" smtClean="0"/>
+              <a:t>: Box</a:t>
+            </a:r>
+            <a:r>
+              <a:rPr lang="fr-FR" baseline="0" dirty="0" smtClean="0"/>
+              <a:t> avec un serveur domotique intégré qui permet de se connecter a son réseau par internet, et a un serveur internet </a:t>
+            </a:r>
+            <a:r>
+              <a:rPr lang="fr-FR" baseline="0" dirty="0" err="1" smtClean="0"/>
+              <a:t>permétant</a:t>
+            </a:r>
+            <a:r>
+              <a:rPr lang="fr-FR" baseline="0" dirty="0" smtClean="0"/>
+              <a:t> de piloter un grand nombres d’appareils</a:t>
+            </a:r>
+          </a:p>
+          <a:p>
+            <a:endParaRPr lang="fr-FR" dirty="0" smtClean="0"/>
+          </a:p>
+          <a:p>
+            <a:r>
+              <a:rPr lang="fr-FR" dirty="0" smtClean="0"/>
+              <a:t>Plug </a:t>
+            </a:r>
+            <a:r>
+              <a:rPr lang="fr-FR" dirty="0" smtClean="0"/>
+              <a:t>FAI : prise </a:t>
+            </a:r>
+            <a:r>
+              <a:rPr lang="fr-FR" dirty="0" err="1" smtClean="0"/>
+              <a:t>cpl</a:t>
+            </a:r>
+            <a:r>
+              <a:rPr lang="fr-FR" dirty="0" smtClean="0"/>
+              <a:t> pour relier les box </a:t>
+            </a:r>
+            <a:r>
+              <a:rPr lang="fr-FR" dirty="0" err="1" smtClean="0"/>
+              <a:t>adsl</a:t>
+            </a:r>
+            <a:r>
+              <a:rPr lang="fr-FR" dirty="0" smtClean="0"/>
+              <a:t> aux </a:t>
+            </a:r>
+            <a:r>
+              <a:rPr lang="fr-FR" dirty="0" err="1" smtClean="0"/>
+              <a:t>bos</a:t>
+            </a:r>
+            <a:r>
+              <a:rPr lang="fr-FR" dirty="0" smtClean="0"/>
+              <a:t> TV</a:t>
+            </a:r>
+          </a:p>
+          <a:p>
+            <a:endParaRPr lang="fr-FR" dirty="0" smtClean="0"/>
+          </a:p>
+          <a:p>
+            <a:r>
+              <a:rPr lang="fr-FR" dirty="0" smtClean="0"/>
+              <a:t>Plug réseau local</a:t>
+            </a:r>
+            <a:r>
+              <a:rPr lang="fr-FR" baseline="0" dirty="0" smtClean="0"/>
+              <a:t> : routeur, </a:t>
+            </a:r>
+            <a:r>
+              <a:rPr lang="fr-FR" baseline="0" dirty="0" err="1" smtClean="0"/>
+              <a:t>répetteur</a:t>
+            </a:r>
+            <a:r>
+              <a:rPr lang="fr-FR" baseline="0" dirty="0" smtClean="0"/>
+              <a:t>, …</a:t>
+            </a:r>
+            <a:endParaRPr lang="fr-FR" dirty="0"/>
+          </a:p>
+        </p:txBody>
+      </p:sp>
+      <p:sp>
+        <p:nvSpPr>
+          <p:cNvPr id="4" name="Espace réservé du numéro de diapositive 3"/>
+          <p:cNvSpPr>
+            <a:spLocks noGrp="1"/>
+          </p:cNvSpPr>
+          <p:nvPr>
+            <p:ph type="sldNum" sz="quarter" idx="10"/>
+          </p:nvPr>
+        </p:nvSpPr>
+        <p:spPr/>
+        <p:txBody>
+          <a:bodyPr/>
+          <a:lstStyle/>
+          <a:p>
+            <a:fld id="{799A7FBE-DE10-47BC-AA37-8A753178CFF3}" type="slidenum">
+              <a:rPr lang="fr-FR" smtClean="0"/>
+              <a:pPr/>
+              <a:t>15</a:t>
+            </a:fld>
+            <a:endParaRPr lang="fr-FR"/>
+          </a:p>
+        </p:txBody>
+      </p:sp>
+    </p:spTree>
+    <p:extLst>
+      <p:ext uri="{BB962C8B-B14F-4D97-AF65-F5344CB8AC3E}">
+        <p14:creationId xmlns:p14="http://schemas.microsoft.com/office/powerpoint/2010/main" val="2636632387"/>
+      </p:ext>
+    </p:extLst>
+  </p:cSld>
+  <p:clrMapOvr>
+    <a:masterClrMapping/>
+  </p:clrMapOvr>
+</p:notes>
+</file>
+
+<file path=ppt/notesSlides/notesSlide16.xml><?xml version="1.0" encoding="utf-8"?>
+<p:notes xmlns:a="http://schemas.openxmlformats.org/drawingml/2006/main" xmlns:r="http://schemas.openxmlformats.org/officeDocument/2006/relationships" xmlns:p="http://schemas.openxmlformats.org/presentationml/2006/main">
+  <p:cSld>
+    <p:spTree>
+      <p:nvGrpSpPr>
+        <p:cNvPr id="1" name=""/>
+        <p:cNvGrpSpPr/>
+        <p:nvPr/>
+      </p:nvGrpSpPr>
+      <p:grpSpPr>
+        <a:xfrm>
+          <a:off x="0" y="0"/>
+          <a:ext cx="0" cy="0"/>
+          <a:chOff x="0" y="0"/>
+          <a:chExt cx="0" cy="0"/>
+        </a:xfrm>
+      </p:grpSpPr>
+      <p:sp>
+        <p:nvSpPr>
+          <p:cNvPr id="2" name="Espace réservé de l'image des diapositives 1"/>
+          <p:cNvSpPr>
+            <a:spLocks noGrp="1" noRot="1" noChangeAspect="1"/>
+          </p:cNvSpPr>
+          <p:nvPr>
+            <p:ph type="sldImg"/>
+          </p:nvPr>
+        </p:nvSpPr>
+        <p:spPr/>
+      </p:sp>
+      <p:sp>
+        <p:nvSpPr>
+          <p:cNvPr id="3" name="Espace réservé des commentaires 2"/>
+          <p:cNvSpPr>
+            <a:spLocks noGrp="1"/>
+          </p:cNvSpPr>
+          <p:nvPr>
+            <p:ph type="body" idx="1"/>
+          </p:nvPr>
+        </p:nvSpPr>
+        <p:spPr/>
+        <p:txBody>
+          <a:bodyPr/>
+          <a:lstStyle/>
+          <a:p>
+            <a:r>
+              <a:rPr lang="fr-FR" dirty="0" smtClean="0"/>
+              <a:t>Wifi :</a:t>
+            </a:r>
+          </a:p>
+          <a:p>
+            <a:r>
+              <a:rPr lang="fr-FR" dirty="0" smtClean="0"/>
+              <a:t>Avantage : pas d’installation spécifique, le signal se diffuse. </a:t>
+            </a:r>
+            <a:r>
+              <a:rPr lang="fr-FR" dirty="0" err="1" smtClean="0"/>
+              <a:t>Necessité</a:t>
+            </a:r>
+            <a:r>
+              <a:rPr lang="fr-FR" baseline="0" dirty="0" smtClean="0"/>
+              <a:t> cependant de répéteur pour de grandes distance.</a:t>
+            </a:r>
+          </a:p>
+          <a:p>
+            <a:r>
+              <a:rPr lang="fr-FR" baseline="0" dirty="0" smtClean="0"/>
+              <a:t>Inconvénient : Les ondes qui circules, de plus en plus on cherche a les réduire ce qui fait que ce n’est pas une bonne approche pour le futur</a:t>
+            </a:r>
+          </a:p>
+          <a:p>
+            <a:endParaRPr lang="fr-FR" baseline="0" dirty="0" smtClean="0"/>
+          </a:p>
+          <a:p>
+            <a:r>
+              <a:rPr lang="fr-FR" dirty="0" err="1" smtClean="0"/>
+              <a:t>Cable</a:t>
+            </a:r>
+            <a:r>
+              <a:rPr lang="fr-FR" dirty="0" smtClean="0"/>
+              <a:t> :</a:t>
+            </a:r>
+          </a:p>
+          <a:p>
+            <a:r>
+              <a:rPr lang="fr-FR" dirty="0" smtClean="0"/>
+              <a:t>Avantage : </a:t>
+            </a:r>
+            <a:r>
+              <a:rPr lang="fr-FR" dirty="0" smtClean="0"/>
+              <a:t>moins d’onde,</a:t>
+            </a:r>
+            <a:r>
+              <a:rPr lang="fr-FR" baseline="0" dirty="0" smtClean="0"/>
+              <a:t> sécurisé, meilleur débit</a:t>
+            </a:r>
+            <a:endParaRPr lang="fr-FR" dirty="0" smtClean="0"/>
+          </a:p>
+          <a:p>
+            <a:r>
+              <a:rPr lang="fr-FR" dirty="0" smtClean="0"/>
+              <a:t>Inconvénient </a:t>
+            </a:r>
+            <a:r>
+              <a:rPr lang="fr-FR" dirty="0" smtClean="0"/>
+              <a:t>: visibilité,</a:t>
+            </a:r>
+            <a:r>
+              <a:rPr lang="fr-FR" baseline="0" dirty="0" smtClean="0"/>
+              <a:t> cout (travaux dans les murs)</a:t>
+            </a:r>
+            <a:endParaRPr lang="fr-FR" dirty="0" smtClean="0"/>
+          </a:p>
+          <a:p>
+            <a:endParaRPr lang="fr-FR" dirty="0" smtClean="0"/>
+          </a:p>
+          <a:p>
+            <a:r>
+              <a:rPr lang="fr-FR" dirty="0" smtClean="0"/>
+              <a:t>Bus proprio :</a:t>
+            </a:r>
+          </a:p>
+          <a:p>
+            <a:r>
+              <a:rPr lang="fr-FR" dirty="0" smtClean="0"/>
+              <a:t>Avantage :</a:t>
+            </a:r>
+          </a:p>
+          <a:p>
+            <a:r>
+              <a:rPr lang="fr-FR" dirty="0" smtClean="0"/>
+              <a:t>Inconvénient :</a:t>
+            </a:r>
+            <a:endParaRPr lang="fr-FR" dirty="0"/>
+          </a:p>
+        </p:txBody>
+      </p:sp>
+      <p:sp>
+        <p:nvSpPr>
+          <p:cNvPr id="4" name="Espace réservé du numéro de diapositive 3"/>
+          <p:cNvSpPr>
+            <a:spLocks noGrp="1"/>
+          </p:cNvSpPr>
+          <p:nvPr>
+            <p:ph type="sldNum" sz="quarter" idx="10"/>
+          </p:nvPr>
+        </p:nvSpPr>
+        <p:spPr/>
+        <p:txBody>
+          <a:bodyPr/>
+          <a:lstStyle/>
+          <a:p>
+            <a:fld id="{799A7FBE-DE10-47BC-AA37-8A753178CFF3}" type="slidenum">
+              <a:rPr lang="fr-FR" smtClean="0"/>
+              <a:pPr/>
+              <a:t>16</a:t>
+            </a:fld>
+            <a:endParaRPr lang="fr-FR"/>
+          </a:p>
+        </p:txBody>
+      </p:sp>
+    </p:spTree>
+    <p:extLst>
+      <p:ext uri="{BB962C8B-B14F-4D97-AF65-F5344CB8AC3E}">
+        <p14:creationId xmlns:p14="http://schemas.microsoft.com/office/powerpoint/2010/main" val="4286161135"/>
+      </p:ext>
+    </p:extLst>
+  </p:cSld>
+  <p:clrMapOvr>
+    <a:masterClrMapping/>
+  </p:clrMapOvr>
+</p:notes>
+</file>
+
+<file path=ppt/notesSlides/notesSlide17.xml><?xml version="1.0" encoding="utf-8"?>
+<p:notes xmlns:a="http://schemas.openxmlformats.org/drawingml/2006/main" xmlns:r="http://schemas.openxmlformats.org/officeDocument/2006/relationships" xmlns:p="http://schemas.openxmlformats.org/presentationml/2006/main">
+  <p:cSld>
+    <p:spTree>
+      <p:nvGrpSpPr>
+        <p:cNvPr id="1" name=""/>
+        <p:cNvGrpSpPr/>
+        <p:nvPr/>
+      </p:nvGrpSpPr>
+      <p:grpSpPr>
+        <a:xfrm>
+          <a:off x="0" y="0"/>
+          <a:ext cx="0" cy="0"/>
+          <a:chOff x="0" y="0"/>
+          <a:chExt cx="0" cy="0"/>
+        </a:xfrm>
+      </p:grpSpPr>
+      <p:sp>
+        <p:nvSpPr>
+          <p:cNvPr id="2" name="Espace réservé de l'image des diapositives 1"/>
+          <p:cNvSpPr>
+            <a:spLocks noGrp="1" noRot="1" noChangeAspect="1"/>
+          </p:cNvSpPr>
+          <p:nvPr>
+            <p:ph type="sldImg"/>
+          </p:nvPr>
+        </p:nvSpPr>
+        <p:spPr/>
+      </p:sp>
+      <p:sp>
+        <p:nvSpPr>
+          <p:cNvPr id="3" name="Espace réservé des commentaires 2"/>
+          <p:cNvSpPr>
+            <a:spLocks noGrp="1"/>
+          </p:cNvSpPr>
+          <p:nvPr>
+            <p:ph type="body" idx="1"/>
+          </p:nvPr>
+        </p:nvSpPr>
+        <p:spPr/>
+        <p:txBody>
+          <a:bodyPr/>
+          <a:lstStyle/>
+          <a:p>
+            <a:r>
+              <a:rPr lang="fr-FR" dirty="0" smtClean="0"/>
+              <a:t>Ce BE nous a permis de d’approfondir nos connaissance dans les CPL et de pouvoir les comparer avec d’autres technologies.</a:t>
+            </a:r>
+          </a:p>
+          <a:p>
+            <a:endParaRPr lang="fr-FR" dirty="0" smtClean="0"/>
+          </a:p>
+          <a:p>
+            <a:r>
+              <a:rPr lang="fr-FR" dirty="0" smtClean="0"/>
               <a:t>Avantage</a:t>
             </a:r>
             <a:r>
@@ -14147,12 +14899,157 @@
             </a:r>
           </a:p>
           <a:p>
-            <a:endParaRPr lang="fr-FR" dirty="0" smtClean="0"/>
-          </a:p>
-          <a:p>
-            <a:r>
-              <a:rPr lang="fr-FR" dirty="0" smtClean="0"/>
-              <a:t>Inconvénient :</a:t>
+            <a:r>
+              <a:rPr lang="fr-FR" baseline="0" dirty="0" err="1" smtClean="0"/>
+              <a:t>Herité</a:t>
+            </a:r>
+            <a:r>
+              <a:rPr lang="fr-FR" baseline="0" dirty="0" smtClean="0"/>
+              <a:t> des </a:t>
+            </a:r>
+            <a:r>
+              <a:rPr lang="fr-FR" baseline="0" dirty="0" err="1" smtClean="0"/>
+              <a:t>reseaux</a:t>
+            </a:r>
+            <a:r>
+              <a:rPr lang="fr-FR" baseline="0" dirty="0" smtClean="0"/>
+              <a:t> </a:t>
+            </a:r>
+            <a:r>
+              <a:rPr lang="fr-FR" baseline="0" dirty="0" err="1" smtClean="0"/>
+              <a:t>cablé</a:t>
+            </a:r>
+            <a:r>
+              <a:rPr lang="fr-FR" baseline="0" dirty="0" smtClean="0"/>
+              <a:t> : </a:t>
+            </a:r>
+          </a:p>
+          <a:p>
+            <a:r>
+              <a:rPr lang="fr-FR" baseline="0" dirty="0" smtClean="0"/>
+              <a:t>-  Sécurité</a:t>
+            </a:r>
+          </a:p>
+          <a:p>
+            <a:pPr marL="171450" marR="0" indent="-171450" algn="l" defTabSz="914400" rtl="0" eaLnBrk="1" fontAlgn="auto" latinLnBrk="0" hangingPunct="1">
+              <a:lnSpc>
+                <a:spcPct val="100000"/>
+              </a:lnSpc>
+              <a:spcBef>
+                <a:spcPts val="0"/>
+              </a:spcBef>
+              <a:spcAft>
+                <a:spcPts val="0"/>
+              </a:spcAft>
+              <a:buClrTx/>
+              <a:buSzTx/>
+              <a:buFontTx/>
+              <a:buChar char="-"/>
+              <a:tabLst/>
+              <a:defRPr/>
+            </a:pPr>
+            <a:r>
+              <a:rPr lang="fr-FR" baseline="0" dirty="0" smtClean="0"/>
+              <a:t>Moins d’onde</a:t>
+            </a:r>
+          </a:p>
+          <a:p>
+            <a:pPr marL="171450" marR="0" indent="-171450" algn="l" defTabSz="914400" rtl="0" eaLnBrk="1" fontAlgn="auto" latinLnBrk="0" hangingPunct="1">
+              <a:lnSpc>
+                <a:spcPct val="100000"/>
+              </a:lnSpc>
+              <a:spcBef>
+                <a:spcPts val="0"/>
+              </a:spcBef>
+              <a:spcAft>
+                <a:spcPts val="0"/>
+              </a:spcAft>
+              <a:buClrTx/>
+              <a:buSzTx/>
+              <a:buFontTx/>
+              <a:buChar char="-"/>
+              <a:tabLst/>
+              <a:defRPr/>
+            </a:pPr>
+            <a:r>
+              <a:rPr lang="fr-FR" baseline="0" dirty="0" smtClean="0"/>
+              <a:t>Equivalent ou Plus performent que les </a:t>
+            </a:r>
+            <a:r>
+              <a:rPr lang="fr-FR" baseline="0" dirty="0" err="1" smtClean="0"/>
+              <a:t>reseaux</a:t>
+            </a:r>
+            <a:r>
+              <a:rPr lang="fr-FR" baseline="0" dirty="0" smtClean="0"/>
+              <a:t> sans fil	</a:t>
+            </a:r>
+            <a:endParaRPr lang="fr-FR" baseline="0" dirty="0" smtClean="0"/>
+          </a:p>
+          <a:p>
+            <a:pPr marL="0" marR="0" indent="0" algn="l" defTabSz="914400" rtl="0" eaLnBrk="1" fontAlgn="auto" latinLnBrk="0" hangingPunct="1">
+              <a:lnSpc>
+                <a:spcPct val="100000"/>
+              </a:lnSpc>
+              <a:spcBef>
+                <a:spcPts val="0"/>
+              </a:spcBef>
+              <a:spcAft>
+                <a:spcPts val="0"/>
+              </a:spcAft>
+              <a:buClrTx/>
+              <a:buSzTx/>
+              <a:buFontTx/>
+              <a:buNone/>
+              <a:tabLst/>
+              <a:defRPr/>
+            </a:pPr>
+            <a:endParaRPr lang="fr-FR" baseline="0" dirty="0" smtClean="0"/>
+          </a:p>
+          <a:p>
+            <a:pPr marL="0" marR="0" indent="0" algn="l" defTabSz="914400" rtl="0" eaLnBrk="1" fontAlgn="auto" latinLnBrk="0" hangingPunct="1">
+              <a:lnSpc>
+                <a:spcPct val="100000"/>
+              </a:lnSpc>
+              <a:spcBef>
+                <a:spcPts val="0"/>
+              </a:spcBef>
+              <a:spcAft>
+                <a:spcPts val="0"/>
+              </a:spcAft>
+              <a:buClrTx/>
+              <a:buSzTx/>
+              <a:buFontTx/>
+              <a:buNone/>
+              <a:tabLst/>
+              <a:defRPr/>
+            </a:pPr>
+            <a:r>
+              <a:rPr lang="fr-FR" baseline="0" dirty="0" smtClean="0"/>
+              <a:t>On ne </a:t>
+            </a:r>
+            <a:r>
+              <a:rPr lang="fr-FR" baseline="0" dirty="0" err="1" smtClean="0"/>
+              <a:t>deploit</a:t>
+            </a:r>
+            <a:r>
+              <a:rPr lang="fr-FR" baseline="0" dirty="0" smtClean="0"/>
+              <a:t> cependant pas de </a:t>
+            </a:r>
+            <a:r>
+              <a:rPr lang="fr-FR" baseline="0" dirty="0" err="1" smtClean="0"/>
+              <a:t>cable</a:t>
+            </a:r>
+            <a:r>
+              <a:rPr lang="fr-FR" baseline="0" dirty="0" smtClean="0"/>
+              <a:t> </a:t>
+            </a:r>
+            <a:r>
+              <a:rPr lang="fr-FR" baseline="0" dirty="0" err="1" smtClean="0"/>
+              <a:t>supplementaires</a:t>
+            </a:r>
+            <a:r>
+              <a:rPr lang="fr-FR" baseline="0" dirty="0" smtClean="0"/>
+              <a:t>  donc</a:t>
             </a:r>
           </a:p>
           <a:p>
@@ -14161,26 +15058,42 @@
               <a:buChar char="-"/>
             </a:pPr>
             <a:r>
+              <a:rPr lang="fr-FR" baseline="0" dirty="0" smtClean="0"/>
+              <a:t>Aussi couteux que le wifi</a:t>
+            </a:r>
+          </a:p>
+          <a:p>
+            <a:endParaRPr lang="fr-FR" dirty="0" smtClean="0"/>
+          </a:p>
+          <a:p>
+            <a:endParaRPr lang="fr-FR" dirty="0" smtClean="0"/>
+          </a:p>
+          <a:p>
+            <a:r>
               <a:rPr lang="fr-FR" dirty="0" smtClean="0"/>
-              <a:t>Perf inférieures</a:t>
+              <a:t>Inconvénient </a:t>
+            </a:r>
+            <a:r>
+              <a:rPr lang="fr-FR" dirty="0" err="1" smtClean="0"/>
+              <a:t>inherent</a:t>
+            </a:r>
+            <a:r>
+              <a:rPr lang="fr-FR" dirty="0" smtClean="0"/>
+              <a:t> au fait</a:t>
             </a:r>
             <a:r>
               <a:rPr lang="fr-FR" baseline="0" dirty="0" smtClean="0"/>
-              <a:t> au wifi/</a:t>
+              <a:t> de ne pas avoir de support </a:t>
             </a:r>
             <a:r>
               <a:rPr lang="fr-FR" baseline="0" dirty="0" err="1" smtClean="0"/>
-              <a:t>cable</a:t>
-            </a:r>
-            <a:r>
-              <a:rPr lang="fr-FR" baseline="0" dirty="0" smtClean="0"/>
-              <a:t> </a:t>
-            </a:r>
-            <a:r>
-              <a:rPr lang="fr-FR" baseline="0" dirty="0" err="1" smtClean="0"/>
-              <a:t>ethenet</a:t>
-            </a:r>
-            <a:endParaRPr lang="fr-FR" baseline="0" dirty="0" smtClean="0"/>
+              <a:t>dedié</a:t>
+            </a:r>
+            <a:r>
+              <a:rPr lang="fr-FR" dirty="0" smtClean="0"/>
+              <a:t>:</a:t>
+            </a:r>
+            <a:endParaRPr lang="fr-FR" dirty="0" smtClean="0"/>
           </a:p>
           <a:p>
             <a:pPr marL="171450" indent="-171450">
@@ -14188,15 +15101,132 @@
               <a:buChar char="-"/>
             </a:pPr>
             <a:r>
+              <a:rPr lang="fr-FR" dirty="0" smtClean="0"/>
+              <a:t>Perf inférieures</a:t>
+            </a:r>
+            <a:r>
               <a:rPr lang="fr-FR" baseline="0" dirty="0" smtClean="0"/>
-              <a:t>Débit varie selon l’utilisation du réseau électrique</a:t>
-            </a:r>
+              <a:t> au </a:t>
+            </a:r>
+            <a:r>
+              <a:rPr lang="fr-FR" baseline="0" dirty="0" err="1" smtClean="0"/>
+              <a:t>cable</a:t>
+            </a:r>
+            <a:r>
+              <a:rPr lang="fr-FR" baseline="0" dirty="0" smtClean="0"/>
+              <a:t> </a:t>
+            </a:r>
+            <a:r>
+              <a:rPr lang="fr-FR" baseline="0" dirty="0" err="1" smtClean="0"/>
+              <a:t>ethenet</a:t>
+            </a:r>
+            <a:endParaRPr lang="fr-FR" baseline="0" dirty="0" smtClean="0"/>
           </a:p>
           <a:p>
             <a:pPr marL="171450" indent="-171450">
               <a:buFontTx/>
               <a:buChar char="-"/>
             </a:pPr>
+            <a:r>
+              <a:rPr lang="fr-FR" baseline="0" dirty="0" smtClean="0"/>
+              <a:t>Débit n’est pas assurer, il </a:t>
+            </a:r>
+            <a:r>
+              <a:rPr lang="fr-FR" baseline="0" dirty="0" smtClean="0"/>
+              <a:t>varie selon </a:t>
+            </a:r>
+            <a:r>
+              <a:rPr lang="fr-FR" baseline="0" dirty="0" smtClean="0"/>
+              <a:t>la vétusté du </a:t>
+            </a:r>
+            <a:r>
+              <a:rPr lang="fr-FR" baseline="0" dirty="0" smtClean="0"/>
+              <a:t>réseau </a:t>
+            </a:r>
+            <a:r>
+              <a:rPr lang="fr-FR" baseline="0" dirty="0" smtClean="0"/>
+              <a:t>électrique </a:t>
+            </a:r>
+          </a:p>
+          <a:p>
+            <a:pPr marL="171450" indent="-171450">
+              <a:buFontTx/>
+              <a:buChar char="-"/>
+            </a:pPr>
+            <a:endParaRPr lang="fr-FR" baseline="0" dirty="0" smtClean="0"/>
+          </a:p>
+          <a:p>
+            <a:pPr marL="171450" indent="-171450">
+              <a:buFontTx/>
+              <a:buChar char="-"/>
+            </a:pPr>
+            <a:endParaRPr lang="fr-FR" dirty="0" smtClean="0"/>
+          </a:p>
+          <a:p>
+            <a:pPr marL="0" indent="0">
+              <a:buFontTx/>
+              <a:buNone/>
+            </a:pPr>
+            <a:r>
+              <a:rPr lang="fr-FR" dirty="0" smtClean="0"/>
+              <a:t>Cela nous a aussi permis de pouvoir travailler en groupe,</a:t>
+            </a:r>
+            <a:r>
+              <a:rPr lang="fr-FR" baseline="0" dirty="0" smtClean="0"/>
+              <a:t> de nous répartir le travail et de synthétiser les informations.</a:t>
+            </a:r>
+          </a:p>
+          <a:p>
+            <a:pPr marL="0" indent="0">
+              <a:buFontTx/>
+              <a:buNone/>
+            </a:pPr>
+            <a:endParaRPr lang="fr-FR" baseline="0" dirty="0" smtClean="0"/>
+          </a:p>
+          <a:p>
+            <a:pPr marL="0" indent="0">
+              <a:buFontTx/>
+              <a:buNone/>
+            </a:pPr>
+            <a:r>
+              <a:rPr lang="fr-FR" baseline="0" dirty="0" err="1" smtClean="0"/>
+              <a:t>polution</a:t>
+            </a:r>
+            <a:endParaRPr lang="fr-FR" baseline="0" dirty="0" smtClean="0"/>
+          </a:p>
+          <a:p>
+            <a:pPr marL="0" indent="0">
+              <a:buFontTx/>
+              <a:buNone/>
+            </a:pPr>
+            <a:endParaRPr lang="fr-FR" baseline="0" dirty="0" smtClean="0"/>
+          </a:p>
+          <a:p>
+            <a:pPr marL="0" indent="0">
+              <a:buFontTx/>
+              <a:buNone/>
+            </a:pPr>
+            <a:r>
+              <a:rPr lang="fr-FR" baseline="0" dirty="0" smtClean="0"/>
+              <a:t>MERCI DE NOUS AVOIR ECOUTE</a:t>
+            </a:r>
+          </a:p>
+          <a:p>
+            <a:pPr marL="0" indent="0">
+              <a:buFontTx/>
+              <a:buNone/>
+            </a:pPr>
+            <a:endParaRPr lang="fr-FR" baseline="0" dirty="0" smtClean="0"/>
+          </a:p>
+          <a:p>
+            <a:pPr marL="0" indent="0">
+              <a:buFontTx/>
+              <a:buNone/>
+            </a:pPr>
+            <a:r>
+              <a:rPr lang="fr-FR" baseline="0" dirty="0" smtClean="0"/>
+              <a:t>Avez-vous des questions ?</a:t>
+            </a:r>
             <a:endParaRPr lang="fr-FR" dirty="0"/>
           </a:p>
         </p:txBody>
@@ -14386,19 +15416,53 @@
           <a:p>
             <a:r>
               <a:rPr lang="fr-FR" dirty="0" smtClean="0"/>
-              <a:t>Voir</a:t>
+              <a:t>Maintenant</a:t>
             </a:r>
             <a:r>
               <a:rPr lang="fr-FR" baseline="0" dirty="0" smtClean="0"/>
-              <a:t> pour que </a:t>
+              <a:t> Emeric va vous présenter la </a:t>
             </a:r>
             <a:r>
               <a:rPr lang="fr-FR" baseline="0" dirty="0" err="1" smtClean="0"/>
-              <a:t>loic</a:t>
+              <a:t>pemière</a:t>
             </a:r>
             <a:r>
               <a:rPr lang="fr-FR" baseline="0" dirty="0" smtClean="0"/>
-              <a:t> le fasse</a:t>
+              <a:t> partie </a:t>
+            </a:r>
+          </a:p>
+          <a:p>
+            <a:endParaRPr lang="fr-FR" baseline="0" dirty="0" smtClean="0"/>
+          </a:p>
+          <a:p>
+            <a:r>
+              <a:rPr lang="fr-FR" baseline="0" dirty="0" smtClean="0"/>
+              <a:t>Emeric ::</a:t>
+            </a:r>
+          </a:p>
+          <a:p>
+            <a:endParaRPr lang="fr-FR" baseline="0" dirty="0" smtClean="0"/>
+          </a:p>
+          <a:p>
+            <a:r>
+              <a:rPr lang="fr-FR" baseline="0" dirty="0" smtClean="0"/>
+              <a:t>Pour cette première partie, nous </a:t>
+            </a:r>
+            <a:r>
+              <a:rPr lang="fr-FR" baseline="0" dirty="0" err="1" smtClean="0"/>
+              <a:t>alons</a:t>
+            </a:r>
+            <a:r>
+              <a:rPr lang="fr-FR" baseline="0" dirty="0" smtClean="0"/>
+              <a:t> vous </a:t>
+            </a:r>
+            <a:r>
+              <a:rPr lang="fr-FR" baseline="0" dirty="0" err="1" smtClean="0"/>
+              <a:t>presenter</a:t>
+            </a:r>
+            <a:r>
+              <a:rPr lang="fr-FR" baseline="0" dirty="0" smtClean="0"/>
+              <a:t> la domotique et les objets connectés.</a:t>
             </a:r>
             <a:endParaRPr lang="fr-FR" dirty="0"/>
           </a:p>
@@ -14422,7 +15486,7 @@
             <a:fld id="{799A7FBE-DE10-47BC-AA37-8A753178CFF3}" type="slidenum">
               <a:rPr lang="fr-FR" smtClean="0"/>
               <a:pPr/>
-              <a:t>5</a:t>
+              <a:t>3</a:t>
             </a:fld>
             <a:endParaRPr lang="fr-FR"/>
           </a:p>
@@ -14431,7 +15495,7 @@
     </p:spTree>
     <p:extLst>
       <p:ext uri="{BB962C8B-B14F-4D97-AF65-F5344CB8AC3E}">
-        <p14:creationId xmlns:p14="http://schemas.microsoft.com/office/powerpoint/2010/main" val="2611740831"/>
+        <p14:creationId xmlns:p14="http://schemas.microsoft.com/office/powerpoint/2010/main" val="1968617507"/>
       </p:ext>
     </p:extLst>
   </p:cSld>
@@ -14485,17 +15549,74 @@
           <a:bodyPr/>
           <a:lstStyle/>
           <a:p>
+            <a:r>
+              <a:rPr lang="fr-FR" dirty="0" smtClean="0"/>
+              <a:t>La domotique regroupe </a:t>
+            </a:r>
+            <a:r>
+              <a:rPr lang="fr-FR" baseline="0" dirty="0" smtClean="0"/>
+              <a:t>l’internet des objets</a:t>
+            </a:r>
+            <a:r>
+              <a:rPr lang="fr-FR" dirty="0" smtClean="0"/>
+              <a:t> </a:t>
+            </a:r>
+            <a:r>
+              <a:rPr lang="fr-FR" baseline="0" dirty="0" smtClean="0"/>
+              <a:t>d’un logement.</a:t>
+            </a:r>
+          </a:p>
+          <a:p>
+            <a:endParaRPr lang="fr-FR" baseline="0" dirty="0" smtClean="0"/>
+          </a:p>
+          <a:p>
+            <a:r>
+              <a:rPr lang="fr-FR" baseline="0" dirty="0" smtClean="0"/>
+              <a:t>Toutes ces technologies permettent au utilisateur un nouveau </a:t>
+            </a:r>
+            <a:r>
+              <a:rPr lang="fr-FR" baseline="0" dirty="0" err="1" smtClean="0"/>
+              <a:t>facon</a:t>
+            </a:r>
+            <a:r>
+              <a:rPr lang="fr-FR" baseline="0" dirty="0" smtClean="0"/>
+              <a:t> de contrôle des équipements au sein de leur logement.</a:t>
+            </a:r>
+          </a:p>
+          <a:p>
             <a:endParaRPr lang="fr-FR" dirty="0" smtClean="0"/>
           </a:p>
           <a:p>
             <a:r>
               <a:rPr lang="fr-FR" dirty="0" smtClean="0"/>
-              <a:t>Techno propre : moins d’ondes,</a:t>
+              <a:t>Pour assurer un réseau cohérent entre</a:t>
             </a:r>
             <a:r>
               <a:rPr lang="fr-FR" baseline="0" dirty="0" smtClean="0"/>
-              <a:t> moins de consommations d’énergie, il peut y avoir des cas de rayon électromagnétique (ex cas du compteur électrique), énergie grise</a:t>
-            </a:r>
+              <a:t> tous ces appareils, une multitude de protocoles et de technologies vont être </a:t>
+            </a:r>
+            <a:r>
+              <a:rPr lang="fr-FR" baseline="0" dirty="0" err="1" smtClean="0"/>
+              <a:t>necesaires</a:t>
+            </a:r>
+            <a:r>
+              <a:rPr lang="fr-FR" baseline="0" dirty="0" smtClean="0"/>
+              <a:t>.</a:t>
+            </a:r>
+          </a:p>
+          <a:p>
+            <a:endParaRPr lang="fr-FR" baseline="0" dirty="0" smtClean="0"/>
+          </a:p>
+          <a:p>
+            <a:r>
+              <a:rPr lang="fr-FR" baseline="0" dirty="0" smtClean="0"/>
+              <a:t>Par exemple les courants porteurs de ligne.</a:t>
+            </a:r>
+          </a:p>
+          <a:p>
+            <a:endParaRPr lang="fr-FR" dirty="0" smtClean="0"/>
+          </a:p>
+          <a:p>
             <a:endParaRPr lang="fr-FR" dirty="0"/>
           </a:p>
         </p:txBody>
@@ -14518,7 +15639,7 @@
             <a:fld id="{799A7FBE-DE10-47BC-AA37-8A753178CFF3}" type="slidenum">
               <a:rPr lang="fr-FR" smtClean="0"/>
               <a:pPr/>
-              <a:t>6</a:t>
+              <a:t>4</a:t>
             </a:fld>
             <a:endParaRPr lang="fr-FR"/>
           </a:p>
@@ -14527,7 +15648,7 @@
     </p:spTree>
     <p:extLst>
       <p:ext uri="{BB962C8B-B14F-4D97-AF65-F5344CB8AC3E}">
-        <p14:creationId xmlns:p14="http://schemas.microsoft.com/office/powerpoint/2010/main" val="2091411103"/>
+        <p14:creationId xmlns:p14="http://schemas.microsoft.com/office/powerpoint/2010/main" val="562851513"/>
       </p:ext>
     </p:extLst>
   </p:cSld>
@@ -14581,24 +15702,44 @@
           <a:bodyPr/>
           <a:lstStyle/>
           <a:p>
-            <a:pPr marL="0" marR="0" lvl="1" indent="0" algn="l" defTabSz="914400" rtl="0" eaLnBrk="1" fontAlgn="auto" latinLnBrk="0" hangingPunct="1">
-              <a:lnSpc>
-                <a:spcPct val="100000"/>
-              </a:lnSpc>
-              <a:spcBef>
-                <a:spcPts val="0"/>
-              </a:spcBef>
-              <a:spcAft>
-                <a:spcPts val="0"/>
-              </a:spcAft>
-              <a:buClrTx/>
-              <a:buSzTx/>
-              <a:buFontTx/>
-              <a:buNone/>
-              <a:tabLst/>
-              <a:defRPr/>
-            </a:pPr>
-            <a:endParaRPr lang="fr-FR" dirty="0"/>
+            <a:r>
+              <a:rPr lang="fr-FR" dirty="0" smtClean="0"/>
+              <a:t>Les courants porteurs de ligne sont des petits boitiers qui permettent de superposer le signal HF des données internet sur le réseaux </a:t>
+            </a:r>
+            <a:r>
+              <a:rPr lang="fr-FR" dirty="0" err="1" smtClean="0"/>
+              <a:t>electrique</a:t>
+            </a:r>
+            <a:r>
+              <a:rPr lang="fr-FR" baseline="0" dirty="0" smtClean="0"/>
+              <a:t> d’un logement.</a:t>
+            </a:r>
+          </a:p>
+          <a:p>
+            <a:endParaRPr lang="fr-FR" baseline="0" dirty="0" smtClean="0"/>
+          </a:p>
+          <a:p>
+            <a:r>
+              <a:rPr lang="fr-FR" baseline="0" dirty="0" smtClean="0"/>
+              <a:t>Pour les utiliser il faut mettre un boitier prés de la box internet pour récupérer la connexion et un autre boitier dans la </a:t>
+            </a:r>
+            <a:r>
+              <a:rPr lang="fr-FR" baseline="0" dirty="0" err="1" smtClean="0"/>
+              <a:t>piéce</a:t>
+            </a:r>
+            <a:r>
+              <a:rPr lang="fr-FR" baseline="0" dirty="0" smtClean="0"/>
+              <a:t> ou l’on souhaite avoir cette connexion.</a:t>
+            </a:r>
+          </a:p>
+          <a:p>
+            <a:endParaRPr lang="fr-FR" baseline="0" dirty="0" smtClean="0"/>
+          </a:p>
+          <a:p>
+            <a:r>
+              <a:rPr lang="fr-FR" baseline="0" dirty="0" smtClean="0"/>
+              <a:t>Robin</a:t>
+            </a:r>
           </a:p>
         </p:txBody>
       </p:sp>
@@ -14620,7 +15761,7 @@
             <a:fld id="{799A7FBE-DE10-47BC-AA37-8A753178CFF3}" type="slidenum">
               <a:rPr lang="fr-FR" smtClean="0"/>
               <a:pPr/>
-              <a:t>7</a:t>
+              <a:t>5</a:t>
             </a:fld>
             <a:endParaRPr lang="fr-FR"/>
           </a:p>
@@ -14629,7 +15770,7 @@
     </p:spTree>
     <p:extLst>
       <p:ext uri="{BB962C8B-B14F-4D97-AF65-F5344CB8AC3E}">
-        <p14:creationId xmlns:p14="http://schemas.microsoft.com/office/powerpoint/2010/main" val="2091411103"/>
+        <p14:creationId xmlns:p14="http://schemas.microsoft.com/office/powerpoint/2010/main" val="2611740831"/>
       </p:ext>
     </p:extLst>
   </p:cSld>
@@ -14683,112 +15824,198 @@
           <a:bodyPr/>
           <a:lstStyle/>
           <a:p>
-            <a:pPr marL="0" marR="0" lvl="1" indent="0" algn="l" defTabSz="914400" rtl="0" eaLnBrk="1" fontAlgn="auto" latinLnBrk="0" hangingPunct="1">
-              <a:lnSpc>
-                <a:spcPct val="100000"/>
-              </a:lnSpc>
-              <a:spcBef>
-                <a:spcPts val="0"/>
-              </a:spcBef>
-              <a:spcAft>
-                <a:spcPts val="0"/>
-              </a:spcAft>
-              <a:buClrTx/>
-              <a:buSzTx/>
-              <a:buFontTx/>
-              <a:buNone/>
-              <a:tabLst/>
-              <a:defRPr/>
-            </a:pPr>
             <a:r>
               <a:rPr lang="fr-FR" dirty="0" smtClean="0"/>
-              <a:t>On vient de voir l’état</a:t>
+              <a:t>Pas forcément tout centralisé …</a:t>
+            </a:r>
+          </a:p>
+          <a:p>
+            <a:endParaRPr lang="fr-FR" dirty="0" smtClean="0"/>
+          </a:p>
+          <a:p>
+            <a:r>
+              <a:rPr lang="fr-FR" dirty="0" smtClean="0"/>
+              <a:t>Objectifs:</a:t>
+            </a:r>
+          </a:p>
+          <a:p>
+            <a:endParaRPr lang="fr-FR" dirty="0" smtClean="0"/>
+          </a:p>
+          <a:p>
+            <a:r>
+              <a:rPr lang="fr-FR" dirty="0" smtClean="0"/>
+              <a:t>Souhait</a:t>
             </a:r>
             <a:r>
               <a:rPr lang="fr-FR" baseline="0" dirty="0" smtClean="0"/>
-              <a:t> actuel d’une installation classique de domotique, mais nous allons maintenant voir en quoi l’utilisation des CPL </a:t>
+              <a:t> de contrôle total </a:t>
+            </a:r>
+            <a:r>
+              <a:rPr lang="fr-FR" baseline="0" dirty="0" err="1" smtClean="0"/>
+              <a:t>differents</a:t>
             </a:r>
             <a:r>
               <a:rPr lang="fr-FR" baseline="0" dirty="0" smtClean="0"/>
-              <a:t>est une réponse </a:t>
+              <a:t> </a:t>
+            </a:r>
+            <a:r>
+              <a:rPr lang="fr-FR" baseline="0" dirty="0" err="1" smtClean="0"/>
+              <a:t>poles</a:t>
             </a:r>
             <a:r>
               <a:rPr lang="fr-FR" baseline="0" dirty="0" smtClean="0"/>
-              <a:t>à cette problématique.</a:t>
-            </a:r>
-          </a:p>
-          <a:p>
-            <a:pPr marL="0" marR="0" lvl="1" indent="0" algn="l" defTabSz="914400" rtl="0" eaLnBrk="1" fontAlgn="auto" latinLnBrk="0" hangingPunct="1">
-              <a:lnSpc>
-                <a:spcPct val="100000"/>
-              </a:lnSpc>
-              <a:spcBef>
-                <a:spcPts val="0"/>
-              </a:spcBef>
-              <a:spcAft>
-                <a:spcPts val="0"/>
-              </a:spcAft>
-              <a:buClrTx/>
-              <a:buSzTx/>
-              <a:buFontTx/>
-              <a:buNone/>
-              <a:tabLst/>
-              <a:defRPr/>
-            </a:pPr>
+              <a:t> + automatisation:</a:t>
+            </a:r>
+          </a:p>
+          <a:p>
+            <a:r>
+              <a:rPr lang="fr-FR" baseline="0" dirty="0" smtClean="0"/>
+              <a:t>	Eclairage -&gt; capteurs de passage</a:t>
+            </a:r>
+            <a:endParaRPr lang="fr-FR" dirty="0" smtClean="0"/>
+          </a:p>
+          <a:p>
+            <a:r>
+              <a:rPr lang="fr-FR" dirty="0" smtClean="0"/>
+              <a:t>	Chauffage -&gt; sondes déportées, vieilles </a:t>
+            </a:r>
+            <a:r>
+              <a:rPr lang="fr-FR" dirty="0" err="1" smtClean="0"/>
+              <a:t>chaudieres</a:t>
+            </a:r>
+            <a:endParaRPr lang="fr-FR" dirty="0" smtClean="0"/>
+          </a:p>
+          <a:p>
+            <a:r>
+              <a:rPr lang="fr-FR" dirty="0" smtClean="0"/>
+              <a:t>	</a:t>
+            </a:r>
+            <a:r>
+              <a:rPr lang="fr-FR" dirty="0" err="1" smtClean="0"/>
+              <a:t>Sécurite</a:t>
+            </a:r>
+            <a:r>
+              <a:rPr lang="fr-FR" dirty="0" smtClean="0"/>
+              <a:t> -&gt; Alarme</a:t>
+            </a:r>
+          </a:p>
+          <a:p>
+            <a:r>
+              <a:rPr lang="fr-FR" dirty="0" smtClean="0"/>
+              <a:t>	Fermeture -&gt; Portail automatique</a:t>
+            </a:r>
+          </a:p>
+          <a:p>
+            <a:endParaRPr lang="fr-FR" dirty="0" smtClean="0"/>
+          </a:p>
+          <a:p>
+            <a:r>
+              <a:rPr lang="fr-FR" dirty="0" smtClean="0"/>
+              <a:t>Développement du matériel connecté</a:t>
+            </a:r>
+          </a:p>
+          <a:p>
+            <a:r>
+              <a:rPr lang="fr-FR" dirty="0" smtClean="0"/>
+              <a:t>	Aujourd’hui nouveaux appareils:</a:t>
+            </a:r>
+          </a:p>
+          <a:p>
+            <a:r>
+              <a:rPr lang="fr-FR" dirty="0" smtClean="0"/>
+              <a:t>		Frigo</a:t>
+            </a:r>
+          </a:p>
+          <a:p>
+            <a:r>
+              <a:rPr lang="fr-FR" dirty="0" smtClean="0"/>
+              <a:t>		</a:t>
+            </a:r>
+            <a:r>
+              <a:rPr lang="fr-FR" dirty="0" err="1" smtClean="0"/>
+              <a:t>Cafetiere</a:t>
+            </a:r>
+            <a:r>
+              <a:rPr lang="fr-FR" dirty="0" smtClean="0"/>
+              <a:t/>
+            </a:r>
+            <a:br>
+              <a:rPr lang="fr-FR" dirty="0" smtClean="0"/>
+            </a:br>
+            <a:r>
+              <a:rPr lang="fr-FR" dirty="0" smtClean="0"/>
+              <a:t>		Prise commandée</a:t>
+            </a:r>
+          </a:p>
+          <a:p>
+            <a:r>
+              <a:rPr lang="fr-FR" dirty="0" smtClean="0"/>
+              <a:t>		Robinet</a:t>
+            </a:r>
+          </a:p>
+          <a:p>
+            <a:r>
+              <a:rPr lang="fr-FR" dirty="0" smtClean="0"/>
+              <a:t>	Internet des objets:</a:t>
+            </a:r>
+            <a:r>
+              <a:rPr lang="fr-FR" baseline="0" dirty="0" smtClean="0"/>
+              <a:t> étendre le réseau internet au monde physique</a:t>
+            </a:r>
+          </a:p>
+          <a:p>
             <a:endParaRPr lang="fr-FR" baseline="0" dirty="0" smtClean="0"/>
           </a:p>
           <a:p>
-            <a:pPr marL="0" marR="0" lvl="1" indent="0" algn="l" defTabSz="914400" rtl="0" eaLnBrk="1" fontAlgn="auto" latinLnBrk="0" hangingPunct="1">
-              <a:lnSpc>
-                <a:spcPct val="100000"/>
-              </a:lnSpc>
-              <a:spcBef>
-                <a:spcPts val="0"/>
-              </a:spcBef>
-              <a:spcAft>
-                <a:spcPts val="0"/>
-              </a:spcAft>
-              <a:buClrTx/>
-              <a:buSzTx/>
-              <a:buFontTx/>
-              <a:buNone/>
-              <a:tabLst/>
-              <a:defRPr/>
-            </a:pPr>
             <a:r>
               <a:rPr lang="fr-FR" baseline="0" dirty="0" smtClean="0"/>
-              <a:t>-&gt; schématique d’une maison avec une unité centrale qui gère l’ensemble des équipements</a:t>
-            </a:r>
-          </a:p>
-          <a:p>
-            <a:pPr marL="0" marR="0" lvl="1" indent="0" algn="l" defTabSz="914400" rtl="0" eaLnBrk="1" fontAlgn="auto" latinLnBrk="0" hangingPunct="1">
-              <a:lnSpc>
-                <a:spcPct val="100000"/>
-              </a:lnSpc>
-              <a:spcBef>
-                <a:spcPts val="0"/>
-              </a:spcBef>
-              <a:spcAft>
-                <a:spcPts val="0"/>
-              </a:spcAft>
-              <a:buClrTx/>
-              <a:buSzTx/>
-              <a:buFontTx/>
-              <a:buNone/>
-              <a:tabLst/>
-              <a:defRPr/>
-            </a:pPr>
+              <a:t>Technologie propre:</a:t>
+            </a:r>
+          </a:p>
+          <a:p>
             <a:r>
               <a:rPr lang="fr-FR" baseline="0" dirty="0" smtClean="0"/>
-              <a:t>Nous allons voir maintenant au cours d’un exemple d’une installation </a:t>
-            </a:r>
-            <a:r>
-              <a:rPr lang="fr-FR" baseline="0" dirty="0" err="1" smtClean="0"/>
-              <a:t>complete</a:t>
-            </a:r>
+              <a:t>	Consommation électrique</a:t>
+            </a:r>
+          </a:p>
+          <a:p>
             <a:r>
               <a:rPr lang="fr-FR" baseline="0" dirty="0" smtClean="0"/>
-              <a:t> en quoi le CPL est propice à un tel développement.</a:t>
+              <a:t>	Économiser l’énergie</a:t>
+            </a:r>
+          </a:p>
+          <a:p>
+            <a:r>
+              <a:rPr lang="fr-FR" baseline="0" dirty="0" smtClean="0"/>
+              <a:t>	Énergie grise</a:t>
+            </a:r>
+            <a:r>
+              <a:rPr lang="fr-FR" dirty="0" smtClean="0"/>
+              <a:t/>
+            </a:r>
+            <a:br>
+              <a:rPr lang="fr-FR" dirty="0" smtClean="0"/>
+            </a:br>
+            <a:r>
+              <a:rPr lang="fr-FR" dirty="0" smtClean="0"/>
+              <a:t>		</a:t>
+            </a:r>
+          </a:p>
+          <a:p>
+            <a:endParaRPr lang="fr-FR" dirty="0" smtClean="0"/>
+          </a:p>
+          <a:p>
+            <a:r>
+              <a:rPr lang="fr-FR" dirty="0" smtClean="0"/>
+              <a:t>Techno </a:t>
+            </a:r>
+            <a:r>
+              <a:rPr lang="fr-FR" dirty="0" smtClean="0"/>
+              <a:t>propre : moins d’ondes,</a:t>
+            </a:r>
+            <a:r>
+              <a:rPr lang="fr-FR" baseline="0" dirty="0" smtClean="0"/>
+              <a:t> moins de consommations d’énergie, il peut y avoir des cas de rayon électromagnétique (ex cas du compteur électrique), énergie grise</a:t>
             </a:r>
             <a:endParaRPr lang="fr-FR" dirty="0"/>
           </a:p>
@@ -14812,7 +16039,7 @@
             <a:fld id="{799A7FBE-DE10-47BC-AA37-8A753178CFF3}" type="slidenum">
               <a:rPr lang="fr-FR" smtClean="0"/>
               <a:pPr/>
-              <a:t>8</a:t>
+              <a:t>6</a:t>
             </a:fld>
             <a:endParaRPr lang="fr-FR"/>
           </a:p>
@@ -14875,25 +16102,416 @@
           <a:bodyPr/>
           <a:lstStyle/>
           <a:p>
+            <a:pPr marL="0" marR="0" lvl="1" indent="0" algn="l" defTabSz="914400" rtl="0" eaLnBrk="1" fontAlgn="auto" latinLnBrk="0" hangingPunct="1">
+              <a:lnSpc>
+                <a:spcPct val="100000"/>
+              </a:lnSpc>
+              <a:spcBef>
+                <a:spcPts val="0"/>
+              </a:spcBef>
+              <a:spcAft>
+                <a:spcPts val="0"/>
+              </a:spcAft>
+              <a:buClrTx/>
+              <a:buSzTx/>
+              <a:buFontTx/>
+              <a:buNone/>
+              <a:tabLst/>
+              <a:defRPr/>
+            </a:pPr>
             <a:r>
               <a:rPr lang="fr-FR" dirty="0" smtClean="0"/>
-              <a:t>Norme X10 CPL</a:t>
-            </a:r>
-          </a:p>
-          <a:p>
-            <a:r>
-              <a:rPr lang="fr-FR" dirty="0" err="1" smtClean="0"/>
-              <a:t>Azibase</a:t>
-            </a:r>
+              <a:t>Installation d’aujourd’hui:</a:t>
+            </a:r>
+          </a:p>
+          <a:p>
+            <a:pPr marL="0" marR="0" lvl="1" indent="0" algn="l" defTabSz="914400" rtl="0" eaLnBrk="1" fontAlgn="auto" latinLnBrk="0" hangingPunct="1">
+              <a:lnSpc>
+                <a:spcPct val="100000"/>
+              </a:lnSpc>
+              <a:spcBef>
+                <a:spcPts val="0"/>
+              </a:spcBef>
+              <a:spcAft>
+                <a:spcPts val="0"/>
+              </a:spcAft>
+              <a:buClrTx/>
+              <a:buSzTx/>
+              <a:buFontTx/>
+              <a:buNone/>
+              <a:tabLst/>
+              <a:defRPr/>
+            </a:pPr>
             <a:r>
               <a:rPr lang="fr-FR" dirty="0" smtClean="0"/>
-              <a:t> : supervision</a:t>
+              <a:t>	Topologie</a:t>
             </a:r>
             <a:r>
               <a:rPr lang="fr-FR" baseline="0" dirty="0" smtClean="0"/>
-              <a:t> domotique, télé alarme et alerte, </a:t>
-            </a:r>
-            <a:endParaRPr lang="fr-FR" dirty="0"/>
+              <a:t> bus	-&gt; Fragile</a:t>
+            </a:r>
+          </a:p>
+          <a:p>
+            <a:pPr marL="0" marR="0" lvl="1" indent="0" algn="l" defTabSz="914400" rtl="0" eaLnBrk="1" fontAlgn="auto" latinLnBrk="0" hangingPunct="1">
+              <a:lnSpc>
+                <a:spcPct val="100000"/>
+              </a:lnSpc>
+              <a:spcBef>
+                <a:spcPts val="0"/>
+              </a:spcBef>
+              <a:spcAft>
+                <a:spcPts val="0"/>
+              </a:spcAft>
+              <a:buClrTx/>
+              <a:buSzTx/>
+              <a:buFontTx/>
+              <a:buNone/>
+              <a:tabLst/>
+              <a:defRPr/>
+            </a:pPr>
+            <a:r>
+              <a:rPr lang="fr-FR" baseline="0" dirty="0" smtClean="0"/>
+              <a:t>			-&gt;Cher</a:t>
+            </a:r>
+          </a:p>
+          <a:p>
+            <a:pPr marL="0" marR="0" lvl="1" indent="0" algn="l" defTabSz="914400" rtl="0" eaLnBrk="1" fontAlgn="auto" latinLnBrk="0" hangingPunct="1">
+              <a:lnSpc>
+                <a:spcPct val="100000"/>
+              </a:lnSpc>
+              <a:spcBef>
+                <a:spcPts val="0"/>
+              </a:spcBef>
+              <a:spcAft>
+                <a:spcPts val="0"/>
+              </a:spcAft>
+              <a:buClrTx/>
+              <a:buSzTx/>
+              <a:buFontTx/>
+              <a:buNone/>
+              <a:tabLst/>
+              <a:defRPr/>
+            </a:pPr>
+            <a:r>
+              <a:rPr lang="fr-FR" baseline="0" dirty="0" smtClean="0"/>
+              <a:t>	</a:t>
+            </a:r>
+          </a:p>
+          <a:p>
+            <a:pPr marL="0" marR="0" lvl="1" indent="0" algn="l" defTabSz="914400" rtl="0" eaLnBrk="1" fontAlgn="auto" latinLnBrk="0" hangingPunct="1">
+              <a:lnSpc>
+                <a:spcPct val="100000"/>
+              </a:lnSpc>
+              <a:spcBef>
+                <a:spcPts val="0"/>
+              </a:spcBef>
+              <a:spcAft>
+                <a:spcPts val="0"/>
+              </a:spcAft>
+              <a:buClrTx/>
+              <a:buSzTx/>
+              <a:buFontTx/>
+              <a:buNone/>
+              <a:tabLst/>
+              <a:defRPr/>
+            </a:pPr>
+            <a:r>
+              <a:rPr lang="fr-FR" baseline="0" dirty="0" smtClean="0"/>
+              <a:t>	Console centrale	-&gt;Tablette</a:t>
+            </a:r>
+          </a:p>
+          <a:p>
+            <a:pPr marL="0" marR="0" lvl="1" indent="0" algn="l" defTabSz="914400" rtl="0" eaLnBrk="1" fontAlgn="auto" latinLnBrk="0" hangingPunct="1">
+              <a:lnSpc>
+                <a:spcPct val="100000"/>
+              </a:lnSpc>
+              <a:spcBef>
+                <a:spcPts val="0"/>
+              </a:spcBef>
+              <a:spcAft>
+                <a:spcPts val="0"/>
+              </a:spcAft>
+              <a:buClrTx/>
+              <a:buSzTx/>
+              <a:buFontTx/>
+              <a:buNone/>
+              <a:tabLst/>
+              <a:defRPr/>
+            </a:pPr>
+            <a:r>
+              <a:rPr lang="fr-FR" baseline="0" dirty="0" smtClean="0"/>
+              <a:t>	</a:t>
+            </a:r>
+          </a:p>
+          <a:p>
+            <a:pPr marL="0" marR="0" lvl="1" indent="0" algn="l" defTabSz="914400" rtl="0" eaLnBrk="1" fontAlgn="auto" latinLnBrk="0" hangingPunct="1">
+              <a:lnSpc>
+                <a:spcPct val="100000"/>
+              </a:lnSpc>
+              <a:spcBef>
+                <a:spcPts val="0"/>
+              </a:spcBef>
+              <a:spcAft>
+                <a:spcPts val="0"/>
+              </a:spcAft>
+              <a:buClrTx/>
+              <a:buSzTx/>
+              <a:buFontTx/>
+              <a:buNone/>
+              <a:tabLst/>
+              <a:defRPr/>
+            </a:pPr>
+            <a:r>
+              <a:rPr lang="fr-FR" baseline="0" dirty="0" smtClean="0"/>
+              <a:t>	</a:t>
+            </a:r>
+            <a:r>
+              <a:rPr lang="fr-FR" baseline="0" dirty="0" err="1" smtClean="0"/>
+              <a:t>Cable</a:t>
+            </a:r>
+            <a:r>
+              <a:rPr lang="fr-FR" baseline="0" dirty="0" smtClean="0"/>
+              <a:t> spécifique	-&gt;BUS </a:t>
+            </a:r>
+            <a:r>
+              <a:rPr lang="fr-FR" baseline="0" dirty="0" err="1" smtClean="0"/>
+              <a:t>cable</a:t>
+            </a:r>
+            <a:r>
+              <a:rPr lang="fr-FR" baseline="0" dirty="0" smtClean="0"/>
+              <a:t> fragile comme en </a:t>
+            </a:r>
+            <a:r>
+              <a:rPr lang="fr-FR" baseline="0" dirty="0" err="1" smtClean="0"/>
+              <a:t>tp</a:t>
+            </a:r>
+            <a:endParaRPr lang="fr-FR" baseline="0" dirty="0" smtClean="0"/>
+          </a:p>
+          <a:p>
+            <a:pPr marL="0" marR="0" lvl="1" indent="0" algn="l" defTabSz="914400" rtl="0" eaLnBrk="1" fontAlgn="auto" latinLnBrk="0" hangingPunct="1">
+              <a:lnSpc>
+                <a:spcPct val="100000"/>
+              </a:lnSpc>
+              <a:spcBef>
+                <a:spcPts val="0"/>
+              </a:spcBef>
+              <a:spcAft>
+                <a:spcPts val="0"/>
+              </a:spcAft>
+              <a:buClrTx/>
+              <a:buSzTx/>
+              <a:buFontTx/>
+              <a:buNone/>
+              <a:tabLst/>
+              <a:defRPr/>
+            </a:pPr>
+            <a:endParaRPr lang="fr-FR" baseline="0" dirty="0" smtClean="0"/>
+          </a:p>
+          <a:p>
+            <a:pPr marL="0" marR="0" lvl="1" indent="0" algn="l" defTabSz="914400" rtl="0" eaLnBrk="1" fontAlgn="auto" latinLnBrk="0" hangingPunct="1">
+              <a:lnSpc>
+                <a:spcPct val="100000"/>
+              </a:lnSpc>
+              <a:spcBef>
+                <a:spcPts val="0"/>
+              </a:spcBef>
+              <a:spcAft>
+                <a:spcPts val="0"/>
+              </a:spcAft>
+              <a:buClrTx/>
+              <a:buSzTx/>
+              <a:buFontTx/>
+              <a:buNone/>
+              <a:tabLst/>
+              <a:defRPr/>
+            </a:pPr>
+            <a:r>
+              <a:rPr lang="fr-FR" baseline="0" dirty="0" smtClean="0"/>
+              <a:t>Cout d’installation	</a:t>
+            </a:r>
+          </a:p>
+          <a:p>
+            <a:pPr marL="0" marR="0" lvl="1" indent="0" algn="l" defTabSz="914400" rtl="0" eaLnBrk="1" fontAlgn="auto" latinLnBrk="0" hangingPunct="1">
+              <a:lnSpc>
+                <a:spcPct val="100000"/>
+              </a:lnSpc>
+              <a:spcBef>
+                <a:spcPts val="0"/>
+              </a:spcBef>
+              <a:spcAft>
+                <a:spcPts val="0"/>
+              </a:spcAft>
+              <a:buClrTx/>
+              <a:buSzTx/>
+              <a:buFontTx/>
+              <a:buNone/>
+              <a:tabLst/>
+              <a:defRPr/>
+            </a:pPr>
+            <a:r>
+              <a:rPr lang="fr-FR" baseline="0" dirty="0" smtClean="0"/>
+              <a:t>	-&gt;Cout </a:t>
+            </a:r>
+            <a:r>
+              <a:rPr lang="fr-FR" baseline="0" dirty="0" err="1" smtClean="0"/>
+              <a:t>cable</a:t>
+            </a:r>
+            <a:endParaRPr lang="fr-FR" baseline="0" dirty="0" smtClean="0"/>
+          </a:p>
+          <a:p>
+            <a:pPr marL="0" marR="0" lvl="1" indent="0" algn="l" defTabSz="914400" rtl="0" eaLnBrk="1" fontAlgn="auto" latinLnBrk="0" hangingPunct="1">
+              <a:lnSpc>
+                <a:spcPct val="100000"/>
+              </a:lnSpc>
+              <a:spcBef>
+                <a:spcPts val="0"/>
+              </a:spcBef>
+              <a:spcAft>
+                <a:spcPts val="0"/>
+              </a:spcAft>
+              <a:buClrTx/>
+              <a:buSzTx/>
+              <a:buFontTx/>
+              <a:buNone/>
+              <a:tabLst/>
+              <a:defRPr/>
+            </a:pPr>
+            <a:r>
+              <a:rPr lang="fr-FR" baseline="0" dirty="0" smtClean="0"/>
+              <a:t>	-&gt;Cout installation</a:t>
+            </a:r>
+          </a:p>
+          <a:p>
+            <a:pPr marL="0" marR="0" lvl="1" indent="0" algn="l" defTabSz="914400" rtl="0" eaLnBrk="1" fontAlgn="auto" latinLnBrk="0" hangingPunct="1">
+              <a:lnSpc>
+                <a:spcPct val="100000"/>
+              </a:lnSpc>
+              <a:spcBef>
+                <a:spcPts val="0"/>
+              </a:spcBef>
+              <a:spcAft>
+                <a:spcPts val="0"/>
+              </a:spcAft>
+              <a:buClrTx/>
+              <a:buSzTx/>
+              <a:buFontTx/>
+              <a:buNone/>
+              <a:tabLst/>
+              <a:defRPr/>
+            </a:pPr>
+            <a:endParaRPr lang="fr-FR" baseline="0" dirty="0" smtClean="0"/>
+          </a:p>
+          <a:p>
+            <a:pPr marL="0" marR="0" lvl="1" indent="0" algn="l" defTabSz="914400" rtl="0" eaLnBrk="1" fontAlgn="auto" latinLnBrk="0" hangingPunct="1">
+              <a:lnSpc>
+                <a:spcPct val="100000"/>
+              </a:lnSpc>
+              <a:spcBef>
+                <a:spcPts val="0"/>
+              </a:spcBef>
+              <a:spcAft>
+                <a:spcPts val="0"/>
+              </a:spcAft>
+              <a:buClrTx/>
+              <a:buSzTx/>
+              <a:buFontTx/>
+              <a:buNone/>
+              <a:tabLst/>
+              <a:defRPr/>
+            </a:pPr>
+            <a:r>
+              <a:rPr lang="fr-FR" baseline="0" dirty="0" smtClean="0"/>
+              <a:t>Modification difficile	</a:t>
+            </a:r>
+          </a:p>
+          <a:p>
+            <a:pPr marL="0" marR="0" lvl="1" indent="0" algn="l" defTabSz="914400" rtl="0" eaLnBrk="1" fontAlgn="auto" latinLnBrk="0" hangingPunct="1">
+              <a:lnSpc>
+                <a:spcPct val="100000"/>
+              </a:lnSpc>
+              <a:spcBef>
+                <a:spcPts val="0"/>
+              </a:spcBef>
+              <a:spcAft>
+                <a:spcPts val="0"/>
+              </a:spcAft>
+              <a:buClrTx/>
+              <a:buSzTx/>
+              <a:buFontTx/>
+              <a:buNone/>
+              <a:tabLst/>
+              <a:defRPr/>
+            </a:pPr>
+            <a:r>
+              <a:rPr lang="fr-FR" baseline="0" dirty="0" smtClean="0"/>
+              <a:t>	-&gt;Rouvrir les murs</a:t>
+            </a:r>
+          </a:p>
+          <a:p>
+            <a:pPr marL="0" marR="0" lvl="1" indent="0" algn="l" defTabSz="914400" rtl="0" eaLnBrk="1" fontAlgn="auto" latinLnBrk="0" hangingPunct="1">
+              <a:lnSpc>
+                <a:spcPct val="100000"/>
+              </a:lnSpc>
+              <a:spcBef>
+                <a:spcPts val="0"/>
+              </a:spcBef>
+              <a:spcAft>
+                <a:spcPts val="0"/>
+              </a:spcAft>
+              <a:buClrTx/>
+              <a:buSzTx/>
+              <a:buFontTx/>
+              <a:buNone/>
+              <a:tabLst/>
+              <a:defRPr/>
+            </a:pPr>
+            <a:r>
+              <a:rPr lang="fr-FR" baseline="0" dirty="0" smtClean="0"/>
+              <a:t>	-&gt;Intervention sur le bus par spécialistes, cher</a:t>
+            </a:r>
+          </a:p>
+          <a:p>
+            <a:pPr marL="0" marR="0" lvl="1" indent="0" algn="l" defTabSz="914400" rtl="0" eaLnBrk="1" fontAlgn="auto" latinLnBrk="0" hangingPunct="1">
+              <a:lnSpc>
+                <a:spcPct val="100000"/>
+              </a:lnSpc>
+              <a:spcBef>
+                <a:spcPts val="0"/>
+              </a:spcBef>
+              <a:spcAft>
+                <a:spcPts val="0"/>
+              </a:spcAft>
+              <a:buClrTx/>
+              <a:buSzTx/>
+              <a:buFontTx/>
+              <a:buNone/>
+              <a:tabLst/>
+              <a:defRPr/>
+            </a:pPr>
+            <a:endParaRPr lang="fr-FR" baseline="0" dirty="0" smtClean="0"/>
+          </a:p>
+          <a:p>
+            <a:pPr marL="0" marR="0" lvl="1" indent="0" algn="l" defTabSz="914400" rtl="0" eaLnBrk="1" fontAlgn="auto" latinLnBrk="0" hangingPunct="1">
+              <a:lnSpc>
+                <a:spcPct val="100000"/>
+              </a:lnSpc>
+              <a:spcBef>
+                <a:spcPts val="0"/>
+              </a:spcBef>
+              <a:spcAft>
+                <a:spcPts val="0"/>
+              </a:spcAft>
+              <a:buClrTx/>
+              <a:buSzTx/>
+              <a:buFontTx/>
+              <a:buNone/>
+              <a:tabLst/>
+              <a:defRPr/>
+            </a:pPr>
+            <a:r>
+              <a:rPr lang="fr-FR" baseline="0" dirty="0" smtClean="0"/>
+              <a:t>Problèmes: ?</a:t>
+            </a:r>
           </a:p>
         </p:txBody>
       </p:sp>
@@ -14915,7 +16533,7 @@
             <a:fld id="{799A7FBE-DE10-47BC-AA37-8A753178CFF3}" type="slidenum">
               <a:rPr lang="fr-FR" smtClean="0"/>
               <a:pPr/>
-              <a:t>10</a:t>
+              <a:t>7</a:t>
             </a:fld>
             <a:endParaRPr lang="fr-FR"/>
           </a:p>
@@ -14924,7 +16542,7 @@
     </p:spTree>
     <p:extLst>
       <p:ext uri="{BB962C8B-B14F-4D97-AF65-F5344CB8AC3E}">
-        <p14:creationId xmlns:p14="http://schemas.microsoft.com/office/powerpoint/2010/main" val="2636632387"/>
+        <p14:creationId xmlns:p14="http://schemas.microsoft.com/office/powerpoint/2010/main" val="2091411103"/>
       </p:ext>
     </p:extLst>
   </p:cSld>
@@ -14978,7 +16596,258 @@
           <a:bodyPr/>
           <a:lstStyle/>
           <a:p>
-            <a:endParaRPr lang="fr-FR" dirty="0"/>
+            <a:pPr marL="0" marR="0" lvl="1" indent="0" algn="l" defTabSz="914400" rtl="0" eaLnBrk="1" fontAlgn="auto" latinLnBrk="0" hangingPunct="1">
+              <a:lnSpc>
+                <a:spcPct val="100000"/>
+              </a:lnSpc>
+              <a:spcBef>
+                <a:spcPts val="0"/>
+              </a:spcBef>
+              <a:spcAft>
+                <a:spcPts val="0"/>
+              </a:spcAft>
+              <a:buClrTx/>
+              <a:buSzTx/>
+              <a:buFontTx/>
+              <a:buNone/>
+              <a:tabLst/>
+              <a:defRPr/>
+            </a:pPr>
+            <a:r>
+              <a:rPr lang="fr-FR" dirty="0" smtClean="0"/>
+              <a:t>On vient de voir l’état</a:t>
+            </a:r>
+            <a:r>
+              <a:rPr lang="fr-FR" baseline="0" dirty="0" smtClean="0"/>
+              <a:t> actuel d’une installation classique de domotique, mais nous allons maintenant voir en quoi l’utilisation des CPL est une réponse à cette problématique.</a:t>
+            </a:r>
+          </a:p>
+          <a:p>
+            <a:pPr marL="0" marR="0" lvl="1" indent="0" algn="l" defTabSz="914400" rtl="0" eaLnBrk="1" fontAlgn="auto" latinLnBrk="0" hangingPunct="1">
+              <a:lnSpc>
+                <a:spcPct val="100000"/>
+              </a:lnSpc>
+              <a:spcBef>
+                <a:spcPts val="0"/>
+              </a:spcBef>
+              <a:spcAft>
+                <a:spcPts val="0"/>
+              </a:spcAft>
+              <a:buClrTx/>
+              <a:buSzTx/>
+              <a:buFontTx/>
+              <a:buNone/>
+              <a:tabLst/>
+              <a:defRPr/>
+            </a:pPr>
+            <a:endParaRPr lang="fr-FR" dirty="0" smtClean="0"/>
+          </a:p>
+          <a:p>
+            <a:pPr marL="0" marR="0" lvl="1" indent="0" algn="l" defTabSz="914400" rtl="0" eaLnBrk="1" fontAlgn="auto" latinLnBrk="0" hangingPunct="1">
+              <a:lnSpc>
+                <a:spcPct val="100000"/>
+              </a:lnSpc>
+              <a:spcBef>
+                <a:spcPts val="0"/>
+              </a:spcBef>
+              <a:spcAft>
+                <a:spcPts val="0"/>
+              </a:spcAft>
+              <a:buClrTx/>
+              <a:buSzTx/>
+              <a:buFontTx/>
+              <a:buNone/>
+              <a:tabLst/>
+              <a:defRPr/>
+            </a:pPr>
+            <a:r>
+              <a:rPr lang="fr-FR" dirty="0" smtClean="0"/>
+              <a:t>En effet, plutôt que de passer par l’installation de nouveau </a:t>
+            </a:r>
+            <a:r>
+              <a:rPr lang="fr-FR" dirty="0" err="1" smtClean="0"/>
+              <a:t>cable</a:t>
+            </a:r>
+            <a:r>
+              <a:rPr lang="fr-FR" dirty="0" smtClean="0"/>
+              <a:t>, nous</a:t>
+            </a:r>
+            <a:r>
+              <a:rPr lang="fr-FR" baseline="0" dirty="0" smtClean="0"/>
+              <a:t> pouvons nous demander comment les interconnecter sans pour autant installer de nouveaux </a:t>
+            </a:r>
+            <a:r>
+              <a:rPr lang="fr-FR" baseline="0" dirty="0" err="1" smtClean="0"/>
+              <a:t>cables</a:t>
+            </a:r>
+            <a:r>
+              <a:rPr lang="fr-FR" baseline="0" dirty="0" smtClean="0"/>
+              <a:t>.</a:t>
+            </a:r>
+          </a:p>
+          <a:p>
+            <a:pPr marL="0" marR="0" lvl="1" indent="0" algn="l" defTabSz="914400" rtl="0" eaLnBrk="1" fontAlgn="auto" latinLnBrk="0" hangingPunct="1">
+              <a:lnSpc>
+                <a:spcPct val="100000"/>
+              </a:lnSpc>
+              <a:spcBef>
+                <a:spcPts val="0"/>
+              </a:spcBef>
+              <a:spcAft>
+                <a:spcPts val="0"/>
+              </a:spcAft>
+              <a:buClrTx/>
+              <a:buSzTx/>
+              <a:buFontTx/>
+              <a:buNone/>
+              <a:tabLst/>
+              <a:defRPr/>
+            </a:pPr>
+            <a:endParaRPr lang="fr-FR" baseline="0" dirty="0" smtClean="0"/>
+          </a:p>
+          <a:p>
+            <a:pPr marL="0" marR="0" lvl="1" indent="0" algn="l" defTabSz="914400" rtl="0" eaLnBrk="1" fontAlgn="auto" latinLnBrk="0" hangingPunct="1">
+              <a:lnSpc>
+                <a:spcPct val="100000"/>
+              </a:lnSpc>
+              <a:spcBef>
+                <a:spcPts val="0"/>
+              </a:spcBef>
+              <a:spcAft>
+                <a:spcPts val="0"/>
+              </a:spcAft>
+              <a:buClrTx/>
+              <a:buSzTx/>
+              <a:buFontTx/>
+              <a:buNone/>
+              <a:tabLst/>
+              <a:defRPr/>
+            </a:pPr>
+            <a:r>
+              <a:rPr lang="fr-FR" baseline="0" dirty="0" smtClean="0"/>
+              <a:t>Solution </a:t>
+            </a:r>
+            <a:r>
+              <a:rPr lang="fr-FR" baseline="0" dirty="0" smtClean="0">
+                <a:sym typeface="Wingdings" panose="05000000000000000000" pitchFamily="2" charset="2"/>
+              </a:rPr>
+              <a:t> CPL</a:t>
+            </a:r>
+          </a:p>
+          <a:p>
+            <a:pPr marL="0" marR="0" lvl="1" indent="0" algn="l" defTabSz="914400" rtl="0" eaLnBrk="1" fontAlgn="auto" latinLnBrk="0" hangingPunct="1">
+              <a:lnSpc>
+                <a:spcPct val="100000"/>
+              </a:lnSpc>
+              <a:spcBef>
+                <a:spcPts val="0"/>
+              </a:spcBef>
+              <a:spcAft>
+                <a:spcPts val="0"/>
+              </a:spcAft>
+              <a:buClrTx/>
+              <a:buSzTx/>
+              <a:buFontTx/>
+              <a:buNone/>
+              <a:tabLst/>
+              <a:defRPr/>
+            </a:pPr>
+            <a:endParaRPr lang="fr-FR" baseline="0" dirty="0" smtClean="0">
+              <a:sym typeface="Wingdings" panose="05000000000000000000" pitchFamily="2" charset="2"/>
+            </a:endParaRPr>
+          </a:p>
+          <a:p>
+            <a:pPr marL="0" marR="0" lvl="1" indent="0" algn="l" defTabSz="914400" rtl="0" eaLnBrk="1" fontAlgn="auto" latinLnBrk="0" hangingPunct="1">
+              <a:lnSpc>
+                <a:spcPct val="100000"/>
+              </a:lnSpc>
+              <a:spcBef>
+                <a:spcPts val="0"/>
+              </a:spcBef>
+              <a:spcAft>
+                <a:spcPts val="0"/>
+              </a:spcAft>
+              <a:buClrTx/>
+              <a:buSzTx/>
+              <a:buFontTx/>
+              <a:buNone/>
+              <a:tabLst/>
+              <a:defRPr/>
+            </a:pPr>
+            <a:r>
+              <a:rPr lang="fr-FR" baseline="0" dirty="0" smtClean="0">
+                <a:sym typeface="Wingdings" panose="05000000000000000000" pitchFamily="2" charset="2"/>
+              </a:rPr>
+              <a:t>CPL propice à une installation facile</a:t>
+            </a:r>
+          </a:p>
+          <a:p>
+            <a:pPr marL="0" marR="0" lvl="1" indent="0" algn="l" defTabSz="914400" rtl="0" eaLnBrk="1" fontAlgn="auto" latinLnBrk="0" hangingPunct="1">
+              <a:lnSpc>
+                <a:spcPct val="100000"/>
+              </a:lnSpc>
+              <a:spcBef>
+                <a:spcPts val="0"/>
+              </a:spcBef>
+              <a:spcAft>
+                <a:spcPts val="0"/>
+              </a:spcAft>
+              <a:buClrTx/>
+              <a:buSzTx/>
+              <a:buFontTx/>
+              <a:buNone/>
+              <a:tabLst/>
+              <a:defRPr/>
+            </a:pPr>
+            <a:endParaRPr lang="fr-FR" baseline="0" dirty="0" smtClean="0">
+              <a:sym typeface="Wingdings" panose="05000000000000000000" pitchFamily="2" charset="2"/>
+            </a:endParaRPr>
+          </a:p>
+          <a:p>
+            <a:pPr marL="0" marR="0" lvl="1" indent="0" algn="l" defTabSz="914400" rtl="0" eaLnBrk="1" fontAlgn="auto" latinLnBrk="0" hangingPunct="1">
+              <a:lnSpc>
+                <a:spcPct val="100000"/>
+              </a:lnSpc>
+              <a:spcBef>
+                <a:spcPts val="0"/>
+              </a:spcBef>
+              <a:spcAft>
+                <a:spcPts val="0"/>
+              </a:spcAft>
+              <a:buClrTx/>
+              <a:buSzTx/>
+              <a:buFontTx/>
+              <a:buNone/>
+              <a:tabLst/>
+              <a:defRPr/>
+            </a:pPr>
+            <a:r>
+              <a:rPr lang="fr-FR" baseline="0" dirty="0" smtClean="0">
+                <a:sym typeface="Wingdings" panose="05000000000000000000" pitchFamily="2" charset="2"/>
+              </a:rPr>
+              <a:t>Dans la suite nous allons voir un exemple d’interconnexion possible via des CPL</a:t>
+            </a:r>
+            <a:endParaRPr lang="fr-FR" dirty="0" smtClean="0"/>
+          </a:p>
+          <a:p>
+            <a:pPr marL="0" marR="0" lvl="1" indent="0" algn="l" defTabSz="914400" rtl="0" eaLnBrk="1" fontAlgn="auto" latinLnBrk="0" hangingPunct="1">
+              <a:lnSpc>
+                <a:spcPct val="100000"/>
+              </a:lnSpc>
+              <a:spcBef>
+                <a:spcPts val="0"/>
+              </a:spcBef>
+              <a:spcAft>
+                <a:spcPts val="0"/>
+              </a:spcAft>
+              <a:buClrTx/>
+              <a:buSzTx/>
+              <a:buFontTx/>
+              <a:buNone/>
+              <a:tabLst/>
+              <a:defRPr/>
+            </a:pPr>
+            <a:endParaRPr lang="fr-FR" dirty="0" smtClean="0"/>
           </a:p>
         </p:txBody>
       </p:sp>
@@ -15000,7 +16869,7 @@
             <a:fld id="{799A7FBE-DE10-47BC-AA37-8A753178CFF3}" type="slidenum">
               <a:rPr lang="fr-FR" smtClean="0"/>
               <a:pPr/>
-              <a:t>11</a:t>
+              <a:t>8</a:t>
             </a:fld>
             <a:endParaRPr lang="fr-FR"/>
           </a:p>
@@ -15009,7 +16878,7 @@
     </p:spTree>
     <p:extLst>
       <p:ext uri="{BB962C8B-B14F-4D97-AF65-F5344CB8AC3E}">
-        <p14:creationId xmlns:p14="http://schemas.microsoft.com/office/powerpoint/2010/main" val="2636632387"/>
+        <p14:creationId xmlns:p14="http://schemas.microsoft.com/office/powerpoint/2010/main" val="2091411103"/>
       </p:ext>
     </p:extLst>
   </p:cSld>
@@ -15063,6 +16932,23 @@
           <a:bodyPr/>
           <a:lstStyle/>
           <a:p>
+            <a:r>
+              <a:rPr lang="fr-FR" dirty="0" smtClean="0"/>
+              <a:t>Exemple </a:t>
+            </a:r>
+          </a:p>
+          <a:p>
+            <a:endParaRPr lang="fr-FR" dirty="0" smtClean="0"/>
+          </a:p>
+          <a:p>
+            <a:r>
+              <a:rPr lang="fr-FR" dirty="0" smtClean="0"/>
+              <a:t>On se base sur une maison avec divers</a:t>
+            </a:r>
+            <a:r>
+              <a:rPr lang="fr-FR" baseline="0" dirty="0" smtClean="0"/>
+              <a:t> équipements possibles à l’intérieurs.</a:t>
+            </a:r>
             <a:endParaRPr lang="fr-FR" dirty="0"/>
           </a:p>
         </p:txBody>
@@ -15085,7 +16971,7 @@
             <a:fld id="{799A7FBE-DE10-47BC-AA37-8A753178CFF3}" type="slidenum">
               <a:rPr lang="fr-FR" smtClean="0"/>
               <a:pPr/>
-              <a:t>12</a:t>
+              <a:t>9</a:t>
             </a:fld>
             <a:endParaRPr lang="fr-FR"/>
           </a:p>
@@ -15094,7 +16980,7 @@
     </p:spTree>
     <p:extLst>
       <p:ext uri="{BB962C8B-B14F-4D97-AF65-F5344CB8AC3E}">
-        <p14:creationId xmlns:p14="http://schemas.microsoft.com/office/powerpoint/2010/main" val="2636632387"/>
+        <p14:creationId xmlns:p14="http://schemas.microsoft.com/office/powerpoint/2010/main" val="2908547292"/>
       </p:ext>
     </p:extLst>
   </p:cSld>
@@ -21745,7 +23631,18 @@
           <a:p>
             <a:r>
               <a:rPr lang="fr-FR" dirty="0" smtClean="0"/>
-              <a:t>BE Télécoms L3</a:t>
+              <a:t>BE Télécoms </a:t>
+            </a:r>
+            <a:r>
+              <a:rPr lang="fr-FR" dirty="0" smtClean="0"/>
+              <a:t>L3</a:t>
+            </a:r>
+            <a:br>
+              <a:rPr lang="fr-FR" dirty="0" smtClean="0"/>
+            </a:br>
+            <a:r>
+              <a:rPr lang="fr-FR" dirty="0" smtClean="0"/>
+              <a:t>Groupe 12</a:t>
             </a:r>
             <a:endParaRPr lang="fr-FR" dirty="0"/>
           </a:p>
@@ -22032,7 +23929,19 @@
               <a:rPr lang="fr-FR" dirty="0" smtClean="0">
                 <a:latin typeface="Calibri" panose="020F0502020204030204" pitchFamily="34" charset="0"/>
               </a:rPr>
-              <a:t>En quoi les CPL peuvent-ils faciliter le développement des objets connectés dans les maisons individuelles ?</a:t>
+              <a:t>En quoi les CPL peuvent-ils faciliter le développement des objets connectés </a:t>
+            </a:r>
+            <a:r>
+              <a:rPr lang="fr-FR" dirty="0" smtClean="0">
+                <a:latin typeface="Calibri" panose="020F0502020204030204" pitchFamily="34" charset="0"/>
+              </a:rPr>
+              <a:t>dans </a:t>
+            </a:r>
+            <a:r>
+              <a:rPr lang="fr-FR" dirty="0" smtClean="0">
+                <a:latin typeface="Calibri" panose="020F0502020204030204" pitchFamily="34" charset="0"/>
+              </a:rPr>
+              <a:t>les maisons individuelles ?</a:t>
             </a:r>
             <a:endParaRPr lang="fr-FR" dirty="0">
               <a:latin typeface="Calibri" panose="020F0502020204030204" pitchFamily="34" charset="0"/>
@@ -22396,11 +24305,7 @@
             </a:br>
             <a:r>
               <a:rPr lang="fr-FR" dirty="0" smtClean="0"/>
-              <a:t>Les volets roulants </a:t>
-            </a:r>
-            <a:r>
-              <a:rPr lang="fr-FR" dirty="0" smtClean="0"/>
-              <a:t>électriques</a:t>
+              <a:t>Les volets roulants électriques</a:t>
             </a:r>
             <a:endParaRPr lang="fr-FR" sz="2400" dirty="0"/>
           </a:p>
@@ -22589,33 +24494,16 @@
           <a:p>
             <a:r>
               <a:rPr lang="fr-FR" dirty="0" smtClean="0"/>
-              <a:t>Association </a:t>
-            </a:r>
+              <a:t>Association commandes mécanique et logiciel</a:t>
+            </a:r>
+          </a:p>
+          <a:p>
+            <a:endParaRPr lang="fr-FR" dirty="0"/>
+          </a:p>
+          <a:p>
             <a:r>
               <a:rPr lang="fr-FR" dirty="0" smtClean="0"/>
-              <a:t>commandes mécanique </a:t>
-            </a:r>
-            <a:r>
-              <a:rPr lang="fr-FR" dirty="0" smtClean="0"/>
-              <a:t>et </a:t>
-            </a:r>
-            <a:r>
-              <a:rPr lang="fr-FR" dirty="0" smtClean="0"/>
-              <a:t>logiciel</a:t>
-            </a:r>
-            <a:endParaRPr lang="fr-FR" dirty="0" smtClean="0"/>
-          </a:p>
-          <a:p>
-            <a:endParaRPr lang="fr-FR" dirty="0"/>
-          </a:p>
-          <a:p>
-            <a:r>
-              <a:rPr lang="fr-FR" dirty="0" smtClean="0"/>
-              <a:t>Cerveau moteur </a:t>
-            </a:r>
-            <a:r>
-              <a:rPr lang="fr-FR" dirty="0" smtClean="0"/>
-              <a:t>connecté électriquement au réseau</a:t>
+              <a:t>Cerveau moteur connecté électriquement au réseau</a:t>
             </a:r>
             <a:endParaRPr lang="fr-FR" dirty="0"/>
           </a:p>
@@ -22682,11 +24570,7 @@
           <a:p>
             <a:r>
               <a:rPr lang="fr-FR" sz="2400" dirty="0" smtClean="0"/>
-              <a:t>Exemple </a:t>
-            </a:r>
-            <a:r>
-              <a:rPr lang="fr-FR" sz="2400" dirty="0" smtClean="0"/>
-              <a:t>type</a:t>
+              <a:t>Exemple type</a:t>
             </a:r>
             <a:br>
               <a:rPr lang="fr-FR" sz="2400" dirty="0" smtClean="0"/>
@@ -22884,7 +24768,6 @@
               <a:rPr lang="fr-FR" dirty="0" smtClean="0"/>
               <a:t>Interrupteur intelligent</a:t>
             </a:r>
-            <a:endParaRPr lang="fr-FR" dirty="0" smtClean="0"/>
           </a:p>
           <a:p>
             <a:endParaRPr lang="fr-FR" dirty="0" smtClean="0"/>
@@ -23177,44 +25060,20 @@
               <a:rPr lang="fr-FR" dirty="0" smtClean="0">
                 <a:sym typeface="Wingdings" panose="05000000000000000000" pitchFamily="2" charset="2"/>
               </a:rPr>
-              <a:t> Gestion des </a:t>
-            </a:r>
+              <a:t> Gestion des points de chauffe</a:t>
+            </a:r>
+          </a:p>
+          <a:p>
+            <a:endParaRPr lang="fr-FR" dirty="0">
+              <a:sym typeface="Wingdings" panose="05000000000000000000" pitchFamily="2" charset="2"/>
+            </a:endParaRPr>
+          </a:p>
+          <a:p>
             <a:r>
               <a:rPr lang="fr-FR" dirty="0" smtClean="0">
                 <a:sym typeface="Wingdings" panose="05000000000000000000" pitchFamily="2" charset="2"/>
               </a:rPr>
-              <a:t>points </a:t>
-            </a:r>
-            <a:r>
-              <a:rPr lang="fr-FR" dirty="0" smtClean="0">
-                <a:sym typeface="Wingdings" panose="05000000000000000000" pitchFamily="2" charset="2"/>
-              </a:rPr>
-              <a:t>de chauffe</a:t>
-            </a:r>
-          </a:p>
-          <a:p>
-            <a:endParaRPr lang="fr-FR" dirty="0">
-              <a:sym typeface="Wingdings" panose="05000000000000000000" pitchFamily="2" charset="2"/>
-            </a:endParaRPr>
-          </a:p>
-          <a:p>
-            <a:r>
-              <a:rPr lang="fr-FR" dirty="0" smtClean="0">
-                <a:sym typeface="Wingdings" panose="05000000000000000000" pitchFamily="2" charset="2"/>
-              </a:rPr>
-              <a:t>Répartition </a:t>
-            </a:r>
-            <a:r>
-              <a:rPr lang="fr-FR" dirty="0" smtClean="0">
-                <a:sym typeface="Wingdings" panose="05000000000000000000" pitchFamily="2" charset="2"/>
-              </a:rPr>
-              <a:t>optimisée </a:t>
-            </a:r>
-            <a:r>
-              <a:rPr lang="fr-FR" dirty="0" smtClean="0">
-                <a:sym typeface="Wingdings" panose="05000000000000000000" pitchFamily="2" charset="2"/>
-              </a:rPr>
-              <a:t>de l’énergie</a:t>
+              <a:t>Répartition optimisée de l’énergie</a:t>
             </a:r>
           </a:p>
           <a:p>
@@ -23460,15 +25319,7 @@
             </a:r>
             <a:r>
               <a:rPr lang="fr-FR" dirty="0" smtClean="0"/>
-              <a:t>     </a:t>
-            </a:r>
-            <a:r>
-              <a:rPr lang="fr-FR" dirty="0" smtClean="0"/>
-              <a:t>Détecteurs </a:t>
-            </a:r>
-            <a:r>
-              <a:rPr lang="fr-FR" dirty="0" smtClean="0"/>
-              <a:t>de mouvement</a:t>
+              <a:t>     Détecteurs de mouvement</a:t>
             </a:r>
           </a:p>
           <a:p>
@@ -23481,13 +25332,8 @@
             </a:r>
             <a:r>
               <a:rPr lang="fr-FR" dirty="0" smtClean="0"/>
-              <a:t>    </a:t>
-            </a:r>
-            <a:r>
-              <a:rPr lang="fr-FR" dirty="0" smtClean="0"/>
-              <a:t>Alarme</a:t>
-            </a:r>
-            <a:endParaRPr lang="fr-FR" dirty="0" smtClean="0"/>
+              <a:t>    Alarme</a:t>
+            </a:r>
           </a:p>
           <a:p>
             <a:endParaRPr lang="fr-FR" dirty="0"/>
@@ -23898,11 +25744,7 @@
           <a:p>
             <a:r>
               <a:rPr lang="fr-FR" dirty="0" smtClean="0"/>
-              <a:t>Récepteur du </a:t>
-            </a:r>
-            <a:r>
-              <a:rPr lang="fr-FR" dirty="0" smtClean="0"/>
-              <a:t>portail électrique 63€</a:t>
+              <a:t>Récepteur du portail électrique 63€</a:t>
             </a:r>
             <a:endParaRPr lang="fr-FR" dirty="0"/>
           </a:p>
@@ -24730,7 +26572,6 @@
               <a:rPr lang="fr-FR" dirty="0" smtClean="0"/>
               <a:t>Câbles réseaux</a:t>
             </a:r>
-            <a:endParaRPr lang="fr-FR" dirty="0" smtClean="0"/>
           </a:p>
           <a:p>
             <a:pPr>
@@ -24746,7 +26587,6 @@
               <a:rPr lang="fr-FR" dirty="0" smtClean="0"/>
               <a:t>Protocoles propriétaires</a:t>
             </a:r>
-            <a:endParaRPr lang="fr-FR" dirty="0" smtClean="0"/>
           </a:p>
           <a:p>
             <a:endParaRPr lang="fr-FR" dirty="0" smtClean="0"/>
@@ -25543,7 +27383,11 @@
             </a:r>
             <a:r>
               <a:rPr lang="fr-FR" dirty="0" smtClean="0"/>
-              <a:t> - DEGIRONDE - BARBASTE</a:t>
+              <a:t> - DEGIRONDE - </a:t>
+            </a:r>
+            <a:r>
+              <a:rPr lang="fr-FR" u="sng" dirty="0" smtClean="0"/>
+              <a:t>BARBASTE</a:t>
             </a:r>
           </a:p>
           <a:p>
@@ -25780,7 +27624,7 @@
         </p:xfrm>
         <a:graphic>
           <a:graphicData uri="http://schemas.openxmlformats.org/drawingml/2006/diagram">
-            <dgm:relIds xmlns:dgm="http://schemas.openxmlformats.org/drawingml/2006/diagram" xmlns:r="http://schemas.openxmlformats.org/officeDocument/2006/relationships" r:dm="rId2" r:lo="rId3" r:qs="rId4" r:cs="rId5"/>
+            <dgm:relIds xmlns:dgm="http://schemas.openxmlformats.org/drawingml/2006/diagram" xmlns:r="http://schemas.openxmlformats.org/officeDocument/2006/relationships" r:dm="rId3" r:lo="rId4" r:qs="rId5" r:cs="rId6"/>
           </a:graphicData>
         </a:graphic>
       </p:graphicFrame>
@@ -25793,7 +27637,7 @@
           <p:nvPr/>
         </p:nvPicPr>
         <p:blipFill>
-          <a:blip r:embed="rId7" cstate="print">
+          <a:blip r:embed="rId8" cstate="print">
             <a:extLst>
               <a:ext uri="{28A0092B-C50C-407E-A947-70E740481C1C}">
                 <a14:useLocalDpi xmlns:a14="http://schemas.microsoft.com/office/drawing/2010/main" val="0"/>
@@ -26017,7 +27861,15 @@
             <a:pPr lvl="1"/>
             <a:r>
               <a:rPr lang="fr-FR" dirty="0" smtClean="0"/>
-              <a:t>Utiliser l’électricité comme support de données</a:t>
+              <a:t>L’</a:t>
+            </a:r>
+            <a:r>
+              <a:rPr lang="fr-FR" dirty="0" smtClean="0"/>
+              <a:t>électricité </a:t>
+            </a:r>
+            <a:r>
+              <a:rPr lang="fr-FR" dirty="0" smtClean="0"/>
+              <a:t>comme support de données</a:t>
             </a:r>
           </a:p>
           <a:p>
@@ -26975,7 +28827,6 @@
               <a:rPr lang="fr-FR" dirty="0" smtClean="0"/>
               <a:t>Câbles spécifiques</a:t>
             </a:r>
-            <a:endParaRPr lang="fr-FR" dirty="0" smtClean="0"/>
           </a:p>
           <a:p>
             <a:pPr lvl="1">
@@ -27005,13 +28856,8 @@
             </a:pPr>
             <a:r>
               <a:rPr lang="fr-FR" dirty="0" smtClean="0"/>
-              <a:t>Modifications </a:t>
-            </a:r>
-            <a:r>
-              <a:rPr lang="fr-FR" dirty="0" smtClean="0"/>
-              <a:t>difficiles</a:t>
-            </a:r>
-            <a:endParaRPr lang="fr-FR" dirty="0" smtClean="0"/>
+              <a:t>Modifications difficiles</a:t>
+            </a:r>
           </a:p>
         </p:txBody>
       </p:sp>
